--- a/Web存储.pptx
+++ b/Web存储.pptx
@@ -9,16 +9,15 @@
   </p:notesMasterIdLst>
   <p:sldIdLst>
     <p:sldId id="256" r:id="rId3"/>
-    <p:sldId id="362" r:id="rId5"/>
-    <p:sldId id="361" r:id="rId6"/>
+    <p:sldId id="373" r:id="rId5"/>
+    <p:sldId id="374" r:id="rId6"/>
     <p:sldId id="260" r:id="rId7"/>
-    <p:sldId id="318" r:id="rId8"/>
-    <p:sldId id="319" r:id="rId9"/>
-    <p:sldId id="342" r:id="rId10"/>
-    <p:sldId id="320" r:id="rId11"/>
-    <p:sldId id="360" r:id="rId12"/>
-    <p:sldId id="359" r:id="rId13"/>
-    <p:sldId id="259" r:id="rId14"/>
+    <p:sldId id="372" r:id="rId8"/>
+    <p:sldId id="320" r:id="rId9"/>
+    <p:sldId id="360" r:id="rId10"/>
+    <p:sldId id="318" r:id="rId11"/>
+    <p:sldId id="319" r:id="rId12"/>
+    <p:sldId id="259" r:id="rId13"/>
   </p:sldIdLst>
   <p:sldSz cx="9144000" cy="6858000" type="screen4x3"/>
   <p:notesSz cx="6858000" cy="9144000"/>
@@ -595,105 +594,7 @@
           </a:bodyPr>
           <a:lstStyle/>
           <a:p>
-            <a:r>
-              <a:rPr lang="en-US" altLang="zh-CN" dirty="0" err="1" smtClean="0"/>
-              <a:t>sessionStorage</a:t>
-            </a:r>
-            <a:r>
-              <a:rPr lang="en-US" altLang="zh-CN" dirty="0" smtClean="0"/>
-              <a:t> </a:t>
-            </a:r>
-            <a:r>
-              <a:rPr lang="zh-CN" altLang="en-US" dirty="0" smtClean="0"/>
-              <a:t>属性允许你访问一个 </a:t>
-            </a:r>
-            <a:r>
-              <a:rPr lang="en-US" altLang="zh-CN" dirty="0" smtClean="0"/>
-              <a:t>session Storage </a:t>
-            </a:r>
-            <a:r>
-              <a:rPr lang="zh-CN" altLang="en-US" dirty="0" smtClean="0"/>
-              <a:t>对象。它与 </a:t>
-            </a:r>
-            <a:r>
-              <a:rPr lang="en-US" altLang="zh-CN" dirty="0" err="1" smtClean="0"/>
-              <a:t>localStorage</a:t>
-            </a:r>
-            <a:r>
-              <a:rPr lang="en-US" altLang="zh-CN" dirty="0" smtClean="0"/>
-              <a:t> </a:t>
-            </a:r>
-            <a:r>
-              <a:rPr lang="zh-CN" altLang="en-US" dirty="0" smtClean="0"/>
-              <a:t>相似，不同之处在于 </a:t>
-            </a:r>
-            <a:endParaRPr lang="zh-CN" altLang="en-US" dirty="0" smtClean="0"/>
-          </a:p>
-          <a:p>
-            <a:endParaRPr lang="zh-CN" altLang="en-US" dirty="0" smtClean="0"/>
-          </a:p>
-          <a:p>
-            <a:r>
-              <a:rPr lang="en-US" altLang="zh-CN" dirty="0" err="1" smtClean="0"/>
-              <a:t>localStorage</a:t>
-            </a:r>
-            <a:r>
-              <a:rPr lang="en-US" altLang="zh-CN" dirty="0" smtClean="0"/>
-              <a:t> </a:t>
-            </a:r>
-            <a:r>
-              <a:rPr lang="zh-CN" altLang="en-US" dirty="0" smtClean="0"/>
-              <a:t>里面存储的数据没有过期时间设置，而存储在 </a:t>
-            </a:r>
-            <a:r>
-              <a:rPr lang="en-US" altLang="zh-CN" dirty="0" err="1" smtClean="0"/>
-              <a:t>sessionStorage</a:t>
-            </a:r>
-            <a:r>
-              <a:rPr lang="en-US" altLang="zh-CN" dirty="0" smtClean="0"/>
-              <a:t> </a:t>
-            </a:r>
-            <a:r>
-              <a:rPr lang="zh-CN" altLang="en-US" dirty="0" smtClean="0"/>
-              <a:t>里面的数据在页面会话结束时会被清</a:t>
-            </a:r>
-            <a:endParaRPr lang="zh-CN" altLang="en-US" dirty="0" smtClean="0"/>
-          </a:p>
-          <a:p>
-            <a:endParaRPr lang="zh-CN" altLang="en-US" dirty="0" smtClean="0"/>
-          </a:p>
-          <a:p>
-            <a:r>
-              <a:rPr lang="zh-CN" altLang="en-US" dirty="0" smtClean="0"/>
-              <a:t>除。页面会话在浏览器打开期间一直保持，并且重新加载或恢复页面仍会保持原来的页面会话。</a:t>
-            </a:r>
-            <a:r>
-              <a:rPr lang="zh-CN" altLang="en-US" b="1" dirty="0" smtClean="0"/>
-              <a:t>在新标签或</a:t>
-            </a:r>
-            <a:endParaRPr lang="zh-CN" altLang="en-US" b="1" dirty="0" smtClean="0"/>
-          </a:p>
-          <a:p>
-            <a:endParaRPr lang="zh-CN" altLang="en-US" b="1" dirty="0" smtClean="0"/>
-          </a:p>
-          <a:p>
-            <a:r>
-              <a:rPr lang="zh-CN" altLang="en-US" b="1" dirty="0" smtClean="0"/>
-              <a:t>窗口打开一个页面会初始化一个新的会话，</a:t>
-            </a:r>
-            <a:r>
-              <a:rPr lang="zh-CN" altLang="en-US" dirty="0" smtClean="0"/>
-              <a:t>这点和 </a:t>
-            </a:r>
-            <a:r>
-              <a:rPr lang="en-US" altLang="zh-CN" dirty="0" smtClean="0"/>
-              <a:t>session cookie </a:t>
-            </a:r>
-            <a:r>
-              <a:rPr lang="zh-CN" altLang="en-US" dirty="0" smtClean="0"/>
-              <a:t>的运行方式不同。</a:t>
-            </a:r>
-            <a:endParaRPr lang="zh-CN" altLang="en-US" dirty="0"/>
+            <a:endParaRPr lang="en-US"/>
           </a:p>
         </p:txBody>
       </p:sp>
@@ -906,184 +807,6 @@
 </file>
 
 <file path=ppt/notesSlides/notesSlide4.xml><?xml version="1.0" encoding="utf-8"?>
-<p:notes xmlns:a="http://schemas.openxmlformats.org/drawingml/2006/main" xmlns:r="http://schemas.openxmlformats.org/officeDocument/2006/relationships" xmlns:p="http://schemas.openxmlformats.org/presentationml/2006/main">
-  <p:cSld>
-    <p:spTree>
-      <p:nvGrpSpPr>
-        <p:cNvPr id="1" name=""/>
-        <p:cNvGrpSpPr/>
-        <p:nvPr/>
-      </p:nvGrpSpPr>
-      <p:grpSpPr>
-        <a:xfrm>
-          <a:off x="0" y="0"/>
-          <a:ext cx="0" cy="0"/>
-          <a:chOff x="0" y="0"/>
-          <a:chExt cx="0" cy="0"/>
-        </a:xfrm>
-      </p:grpSpPr>
-      <p:sp>
-        <p:nvSpPr>
-          <p:cNvPr id="2" name="Slide Image Placeholder 1"/>
-          <p:cNvSpPr>
-            <a:spLocks noGrp="1" noRot="1" noChangeAspect="1"/>
-          </p:cNvSpPr>
-          <p:nvPr>
-            <p:ph type="sldImg"/>
-          </p:nvPr>
-        </p:nvSpPr>
-        <p:spPr/>
-      </p:sp>
-      <p:sp>
-        <p:nvSpPr>
-          <p:cNvPr id="3" name="Notes Placeholder 2"/>
-          <p:cNvSpPr>
-            <a:spLocks noGrp="1"/>
-          </p:cNvSpPr>
-          <p:nvPr>
-            <p:ph type="body" idx="1"/>
-          </p:nvPr>
-        </p:nvSpPr>
-        <p:spPr/>
-        <p:txBody>
-          <a:bodyPr>
-            <a:normAutofit/>
-          </a:bodyPr>
-          <a:lstStyle/>
-          <a:p>
-            <a:r>
-              <a:rPr lang="en-US" altLang="zh-CN" dirty="0" err="1" smtClean="0"/>
-              <a:t>sessionStorage</a:t>
-            </a:r>
-            <a:r>
-              <a:rPr lang="en-US" altLang="zh-CN" dirty="0" smtClean="0"/>
-              <a:t> </a:t>
-            </a:r>
-            <a:r>
-              <a:rPr lang="zh-CN" altLang="en-US" dirty="0" smtClean="0"/>
-              <a:t>属性允许你访问一个 </a:t>
-            </a:r>
-            <a:r>
-              <a:rPr lang="en-US" altLang="zh-CN" dirty="0" smtClean="0"/>
-              <a:t>session Storage </a:t>
-            </a:r>
-            <a:r>
-              <a:rPr lang="zh-CN" altLang="en-US" dirty="0" smtClean="0"/>
-              <a:t>对象。它与 </a:t>
-            </a:r>
-            <a:r>
-              <a:rPr lang="en-US" altLang="zh-CN" dirty="0" err="1" smtClean="0"/>
-              <a:t>localStorage</a:t>
-            </a:r>
-            <a:r>
-              <a:rPr lang="en-US" altLang="zh-CN" dirty="0" smtClean="0"/>
-              <a:t> </a:t>
-            </a:r>
-            <a:r>
-              <a:rPr lang="zh-CN" altLang="en-US" dirty="0" smtClean="0"/>
-              <a:t>相似，不同之处在于 </a:t>
-            </a:r>
-            <a:endParaRPr lang="zh-CN" altLang="en-US" dirty="0" smtClean="0"/>
-          </a:p>
-          <a:p>
-            <a:endParaRPr lang="zh-CN" altLang="en-US" dirty="0" smtClean="0"/>
-          </a:p>
-          <a:p>
-            <a:r>
-              <a:rPr lang="en-US" altLang="zh-CN" dirty="0" err="1" smtClean="0"/>
-              <a:t>localStorage</a:t>
-            </a:r>
-            <a:r>
-              <a:rPr lang="en-US" altLang="zh-CN" dirty="0" smtClean="0"/>
-              <a:t> </a:t>
-            </a:r>
-            <a:r>
-              <a:rPr lang="zh-CN" altLang="en-US" dirty="0" smtClean="0"/>
-              <a:t>里面存储的数据没有过期时间设置，而存储在 </a:t>
-            </a:r>
-            <a:r>
-              <a:rPr lang="en-US" altLang="zh-CN" dirty="0" err="1" smtClean="0"/>
-              <a:t>sessionStorage</a:t>
-            </a:r>
-            <a:r>
-              <a:rPr lang="en-US" altLang="zh-CN" dirty="0" smtClean="0"/>
-              <a:t> </a:t>
-            </a:r>
-            <a:r>
-              <a:rPr lang="zh-CN" altLang="en-US" dirty="0" smtClean="0"/>
-              <a:t>里面的数据在页面会话结束时会被清</a:t>
-            </a:r>
-            <a:endParaRPr lang="zh-CN" altLang="en-US" dirty="0" smtClean="0"/>
-          </a:p>
-          <a:p>
-            <a:endParaRPr lang="zh-CN" altLang="en-US" dirty="0" smtClean="0"/>
-          </a:p>
-          <a:p>
-            <a:r>
-              <a:rPr lang="zh-CN" altLang="en-US" dirty="0" smtClean="0"/>
-              <a:t>除。页面会话在浏览器打开期间一直保持，并且重新加载或恢复页面仍会保持原来的页面会话。</a:t>
-            </a:r>
-            <a:r>
-              <a:rPr lang="zh-CN" altLang="en-US" b="1" dirty="0" smtClean="0"/>
-              <a:t>在新标签或</a:t>
-            </a:r>
-            <a:endParaRPr lang="zh-CN" altLang="en-US" b="1" dirty="0" smtClean="0"/>
-          </a:p>
-          <a:p>
-            <a:endParaRPr lang="zh-CN" altLang="en-US" b="1" dirty="0" smtClean="0"/>
-          </a:p>
-          <a:p>
-            <a:r>
-              <a:rPr lang="zh-CN" altLang="en-US" b="1" dirty="0" smtClean="0"/>
-              <a:t>窗口打开一个页面会初始化一个新的会话，</a:t>
-            </a:r>
-            <a:r>
-              <a:rPr lang="zh-CN" altLang="en-US" dirty="0" smtClean="0"/>
-              <a:t>这点和 </a:t>
-            </a:r>
-            <a:r>
-              <a:rPr lang="en-US" altLang="zh-CN" dirty="0" smtClean="0"/>
-              <a:t>session cookie </a:t>
-            </a:r>
-            <a:r>
-              <a:rPr lang="zh-CN" altLang="en-US" dirty="0" smtClean="0"/>
-              <a:t>的运行方式不同。</a:t>
-            </a:r>
-            <a:endParaRPr lang="zh-CN" altLang="en-US" dirty="0"/>
-          </a:p>
-        </p:txBody>
-      </p:sp>
-      <p:sp>
-        <p:nvSpPr>
-          <p:cNvPr id="4" name="Slide Number Placeholder 3"/>
-          <p:cNvSpPr>
-            <a:spLocks noGrp="1"/>
-          </p:cNvSpPr>
-          <p:nvPr>
-            <p:ph type="sldNum" sz="quarter" idx="10"/>
-          </p:nvPr>
-        </p:nvSpPr>
-        <p:spPr/>
-        <p:txBody>
-          <a:bodyPr/>
-          <a:lstStyle/>
-          <a:p>
-            <a:fld id="{059AC154-EBA4-4201-8D11-470503F49E5B}" type="slidenum">
-              <a:rPr lang="zh-CN" altLang="en-US" smtClean="0"/>
-            </a:fld>
-            <a:endParaRPr lang="zh-CN" altLang="en-US"/>
-          </a:p>
-        </p:txBody>
-      </p:sp>
-    </p:spTree>
-  </p:cSld>
-  <p:clrMapOvr>
-    <a:masterClrMapping/>
-  </p:clrMapOvr>
-</p:notes>
-</file>
-
-<file path=ppt/notesSlides/notesSlide5.xml><?xml version="1.0" encoding="utf-8"?>
 <p:notes xmlns:a="http://schemas.openxmlformats.org/drawingml/2006/main" xmlns:r="http://schemas.openxmlformats.org/officeDocument/2006/relationships" xmlns:p="http://schemas.openxmlformats.org/presentationml/2006/main">
   <p:cSld>
     <p:spTree>
@@ -4651,535 +4374,6 @@
           <a:chExt cx="0" cy="0"/>
         </a:xfrm>
       </p:grpSpPr>
-      <p:sp>
-        <p:nvSpPr>
-          <p:cNvPr id="2" name="Title 1"/>
-          <p:cNvSpPr>
-            <a:spLocks noGrp="1"/>
-          </p:cNvSpPr>
-          <p:nvPr>
-            <p:ph type="title"/>
-          </p:nvPr>
-        </p:nvSpPr>
-        <p:spPr/>
-        <p:txBody>
-          <a:bodyPr/>
-          <a:lstStyle/>
-          <a:p>
-            <a:endParaRPr lang="zh-CN" altLang="en-US"/>
-          </a:p>
-        </p:txBody>
-      </p:sp>
-      <p:pic>
-        <p:nvPicPr>
-          <p:cNvPr id="4" name="Content Placeholder 77" descr="ppt页面-3.2.jpg"/>
-          <p:cNvPicPr>
-            <a:picLocks noChangeAspect="1"/>
-          </p:cNvPicPr>
-          <p:nvPr/>
-        </p:nvPicPr>
-        <p:blipFill>
-          <a:blip r:embed="rId1" cstate="print"/>
-          <a:stretch>
-            <a:fillRect/>
-          </a:stretch>
-        </p:blipFill>
-        <p:spPr>
-          <a:xfrm>
-            <a:off x="0" y="27384"/>
-            <a:ext cx="9144000" cy="6858000"/>
-          </a:xfrm>
-          <a:prstGeom prst="rect">
-            <a:avLst/>
-          </a:prstGeom>
-        </p:spPr>
-      </p:pic>
-      <p:sp>
-        <p:nvSpPr>
-          <p:cNvPr id="7" name="Rectangle 6"/>
-          <p:cNvSpPr/>
-          <p:nvPr/>
-        </p:nvSpPr>
-        <p:spPr>
-          <a:xfrm>
-            <a:off x="144016" y="44624"/>
-            <a:ext cx="1475656" cy="548680"/>
-          </a:xfrm>
-          <a:prstGeom prst="rect">
-            <a:avLst/>
-          </a:prstGeom>
-          <a:ln>
-            <a:solidFill>
-              <a:schemeClr val="bg1"/>
-            </a:solidFill>
-          </a:ln>
-        </p:spPr>
-        <p:style>
-          <a:lnRef idx="2">
-            <a:schemeClr val="accent6"/>
-          </a:lnRef>
-          <a:fillRef idx="1001">
-            <a:schemeClr val="lt1"/>
-          </a:fillRef>
-          <a:effectRef idx="0">
-            <a:schemeClr val="accent6"/>
-          </a:effectRef>
-          <a:fontRef idx="minor">
-            <a:schemeClr val="dk1"/>
-          </a:fontRef>
-        </p:style>
-        <p:txBody>
-          <a:bodyPr rtlCol="0" anchor="ctr"/>
-          <a:lstStyle/>
-          <a:p>
-            <a:pPr algn="ctr"/>
-            <a:endParaRPr lang="zh-CN" altLang="en-US" dirty="0">
-              <a:ln w="18415" cmpd="sng">
-                <a:solidFill>
-                  <a:srgbClr val="FFFFFF"/>
-                </a:solidFill>
-                <a:prstDash val="solid"/>
-              </a:ln>
-              <a:solidFill>
-                <a:srgbClr val="FFFFFF"/>
-              </a:solidFill>
-              <a:effectLst>
-                <a:outerShdw blurRad="63500" dir="3600000" algn="tl" rotWithShape="0">
-                  <a:srgbClr val="000000">
-                    <a:alpha val="70000"/>
-                  </a:srgbClr>
-                </a:outerShdw>
-              </a:effectLst>
-            </a:endParaRPr>
-          </a:p>
-        </p:txBody>
-      </p:sp>
-      <p:grpSp>
-        <p:nvGrpSpPr>
-          <p:cNvPr id="3" name="Group 7"/>
-          <p:cNvGrpSpPr/>
-          <p:nvPr/>
-        </p:nvGrpSpPr>
-        <p:grpSpPr>
-          <a:xfrm>
-            <a:off x="7884368" y="44624"/>
-            <a:ext cx="1142110" cy="573144"/>
-            <a:chOff x="107504" y="188640"/>
-            <a:chExt cx="1729730" cy="868030"/>
-          </a:xfrm>
-        </p:grpSpPr>
-        <p:pic>
-          <p:nvPicPr>
-            <p:cNvPr id="9" name="Picture 2" descr="\\172.16.5.10\ued\1_恒天高清晰版本logo\恒天标志2-曲线化.tif"/>
-            <p:cNvPicPr>
-              <a:picLocks noChangeAspect="1" noChangeArrowheads="1"/>
-            </p:cNvPicPr>
-            <p:nvPr/>
-          </p:nvPicPr>
-          <p:blipFill>
-            <a:blip r:embed="rId2" cstate="print"/>
-            <a:srcRect/>
-            <a:stretch>
-              <a:fillRect/>
-            </a:stretch>
-          </p:blipFill>
-          <p:spPr bwMode="auto">
-            <a:xfrm>
-              <a:off x="179513" y="260648"/>
-              <a:ext cx="1512168" cy="723211"/>
-            </a:xfrm>
-            <a:prstGeom prst="rect">
-              <a:avLst/>
-            </a:prstGeom>
-            <a:noFill/>
-          </p:spPr>
-        </p:pic>
-        <p:sp>
-          <p:nvSpPr>
-            <p:cNvPr id="10" name="Rectangle 9"/>
-            <p:cNvSpPr/>
-            <p:nvPr/>
-          </p:nvSpPr>
-          <p:spPr>
-            <a:xfrm>
-              <a:off x="1635832" y="188643"/>
-              <a:ext cx="125216" cy="868027"/>
-            </a:xfrm>
-            <a:prstGeom prst="rect">
-              <a:avLst/>
-            </a:prstGeom>
-            <a:ln>
-              <a:solidFill>
-                <a:schemeClr val="bg1"/>
-              </a:solidFill>
-            </a:ln>
-          </p:spPr>
-          <p:style>
-            <a:lnRef idx="2">
-              <a:schemeClr val="accent6"/>
-            </a:lnRef>
-            <a:fillRef idx="1001">
-              <a:schemeClr val="lt1"/>
-            </a:fillRef>
-            <a:effectRef idx="0">
-              <a:schemeClr val="accent6"/>
-            </a:effectRef>
-            <a:fontRef idx="minor">
-              <a:schemeClr val="dk1"/>
-            </a:fontRef>
-          </p:style>
-          <p:txBody>
-            <a:bodyPr rtlCol="0" anchor="ctr"/>
-            <a:lstStyle/>
-            <a:p>
-              <a:pPr algn="ctr"/>
-              <a:endParaRPr lang="zh-CN" altLang="en-US" dirty="0">
-                <a:ln w="18415" cmpd="sng">
-                  <a:solidFill>
-                    <a:srgbClr val="FFFFFF"/>
-                  </a:solidFill>
-                  <a:prstDash val="solid"/>
-                </a:ln>
-                <a:solidFill>
-                  <a:srgbClr val="FFFFFF"/>
-                </a:solidFill>
-                <a:effectLst>
-                  <a:outerShdw blurRad="63500" dir="3600000" algn="tl" rotWithShape="0">
-                    <a:srgbClr val="000000">
-                      <a:alpha val="70000"/>
-                    </a:srgbClr>
-                  </a:outerShdw>
-                </a:effectLst>
-              </a:endParaRPr>
-            </a:p>
-          </p:txBody>
-        </p:sp>
-        <p:sp>
-          <p:nvSpPr>
-            <p:cNvPr id="11" name="Rectangle 10"/>
-            <p:cNvSpPr/>
-            <p:nvPr/>
-          </p:nvSpPr>
-          <p:spPr>
-            <a:xfrm>
-              <a:off x="109043" y="262245"/>
-              <a:ext cx="85397" cy="794424"/>
-            </a:xfrm>
-            <a:prstGeom prst="rect">
-              <a:avLst/>
-            </a:prstGeom>
-            <a:ln>
-              <a:solidFill>
-                <a:schemeClr val="bg1"/>
-              </a:solidFill>
-            </a:ln>
-          </p:spPr>
-          <p:style>
-            <a:lnRef idx="2">
-              <a:schemeClr val="accent6"/>
-            </a:lnRef>
-            <a:fillRef idx="1001">
-              <a:schemeClr val="lt1"/>
-            </a:fillRef>
-            <a:effectRef idx="0">
-              <a:schemeClr val="accent6"/>
-            </a:effectRef>
-            <a:fontRef idx="minor">
-              <a:schemeClr val="dk1"/>
-            </a:fontRef>
-          </p:style>
-          <p:txBody>
-            <a:bodyPr rtlCol="0" anchor="ctr"/>
-            <a:lstStyle/>
-            <a:p>
-              <a:pPr algn="ctr"/>
-              <a:endParaRPr lang="zh-CN" altLang="en-US" dirty="0">
-                <a:ln w="18415" cmpd="sng">
-                  <a:solidFill>
-                    <a:srgbClr val="FFFFFF"/>
-                  </a:solidFill>
-                  <a:prstDash val="solid"/>
-                </a:ln>
-                <a:solidFill>
-                  <a:srgbClr val="FFFFFF"/>
-                </a:solidFill>
-                <a:effectLst>
-                  <a:outerShdw blurRad="63500" dir="3600000" algn="tl" rotWithShape="0">
-                    <a:srgbClr val="000000">
-                      <a:alpha val="70000"/>
-                    </a:srgbClr>
-                  </a:outerShdw>
-                </a:effectLst>
-              </a:endParaRPr>
-            </a:p>
-          </p:txBody>
-        </p:sp>
-        <p:sp>
-          <p:nvSpPr>
-            <p:cNvPr id="12" name="Rectangle 11"/>
-            <p:cNvSpPr/>
-            <p:nvPr/>
-          </p:nvSpPr>
-          <p:spPr>
-            <a:xfrm>
-              <a:off x="109043" y="987427"/>
-              <a:ext cx="1728191" cy="69242"/>
-            </a:xfrm>
-            <a:prstGeom prst="rect">
-              <a:avLst/>
-            </a:prstGeom>
-            <a:ln>
-              <a:solidFill>
-                <a:schemeClr val="bg1"/>
-              </a:solidFill>
-            </a:ln>
-          </p:spPr>
-          <p:style>
-            <a:lnRef idx="2">
-              <a:schemeClr val="accent6"/>
-            </a:lnRef>
-            <a:fillRef idx="1001">
-              <a:schemeClr val="lt1"/>
-            </a:fillRef>
-            <a:effectRef idx="0">
-              <a:schemeClr val="accent6"/>
-            </a:effectRef>
-            <a:fontRef idx="minor">
-              <a:schemeClr val="dk1"/>
-            </a:fontRef>
-          </p:style>
-          <p:txBody>
-            <a:bodyPr rtlCol="0" anchor="ctr"/>
-            <a:lstStyle/>
-            <a:p>
-              <a:pPr algn="ctr"/>
-              <a:endParaRPr lang="zh-CN" altLang="en-US" dirty="0">
-                <a:ln w="18415" cmpd="sng">
-                  <a:solidFill>
-                    <a:srgbClr val="FFFFFF"/>
-                  </a:solidFill>
-                  <a:prstDash val="solid"/>
-                </a:ln>
-                <a:solidFill>
-                  <a:srgbClr val="FFFFFF"/>
-                </a:solidFill>
-                <a:effectLst>
-                  <a:outerShdw blurRad="63500" dir="3600000" algn="tl" rotWithShape="0">
-                    <a:srgbClr val="000000">
-                      <a:alpha val="70000"/>
-                    </a:srgbClr>
-                  </a:outerShdw>
-                </a:effectLst>
-              </a:endParaRPr>
-            </a:p>
-          </p:txBody>
-        </p:sp>
-        <p:sp>
-          <p:nvSpPr>
-            <p:cNvPr id="13" name="Rectangle 12"/>
-            <p:cNvSpPr/>
-            <p:nvPr/>
-          </p:nvSpPr>
-          <p:spPr>
-            <a:xfrm>
-              <a:off x="107504" y="188640"/>
-              <a:ext cx="1728192" cy="144016"/>
-            </a:xfrm>
-            <a:prstGeom prst="rect">
-              <a:avLst/>
-            </a:prstGeom>
-            <a:ln>
-              <a:solidFill>
-                <a:schemeClr val="bg1"/>
-              </a:solidFill>
-            </a:ln>
-          </p:spPr>
-          <p:style>
-            <a:lnRef idx="2">
-              <a:schemeClr val="accent6"/>
-            </a:lnRef>
-            <a:fillRef idx="1001">
-              <a:schemeClr val="lt1"/>
-            </a:fillRef>
-            <a:effectRef idx="0">
-              <a:schemeClr val="accent6"/>
-            </a:effectRef>
-            <a:fontRef idx="minor">
-              <a:schemeClr val="dk1"/>
-            </a:fontRef>
-          </p:style>
-          <p:txBody>
-            <a:bodyPr rtlCol="0" anchor="ctr"/>
-            <a:lstStyle/>
-            <a:p>
-              <a:pPr algn="ctr"/>
-              <a:endParaRPr lang="zh-CN" altLang="en-US" dirty="0">
-                <a:ln w="18415" cmpd="sng">
-                  <a:solidFill>
-                    <a:srgbClr val="FFFFFF"/>
-                  </a:solidFill>
-                  <a:prstDash val="solid"/>
-                </a:ln>
-                <a:solidFill>
-                  <a:srgbClr val="FFFFFF"/>
-                </a:solidFill>
-                <a:effectLst>
-                  <a:outerShdw blurRad="63500" dir="3600000" algn="tl" rotWithShape="0">
-                    <a:srgbClr val="000000">
-                      <a:alpha val="70000"/>
-                    </a:srgbClr>
-                  </a:outerShdw>
-                </a:effectLst>
-              </a:endParaRPr>
-            </a:p>
-          </p:txBody>
-        </p:sp>
-      </p:grpSp>
-      <p:sp>
-        <p:nvSpPr>
-          <p:cNvPr id="16" name="Title 1"/>
-          <p:cNvSpPr txBox="1"/>
-          <p:nvPr/>
-        </p:nvSpPr>
-        <p:spPr>
-          <a:xfrm>
-            <a:off x="711498" y="1150184"/>
-            <a:ext cx="5012630" cy="648072"/>
-          </a:xfrm>
-          <a:prstGeom prst="rect">
-            <a:avLst/>
-          </a:prstGeom>
-        </p:spPr>
-        <p:txBody>
-          <a:bodyPr vert="horz" lIns="91440" tIns="45720" rIns="91440" bIns="45720" rtlCol="0" anchor="ctr">
-            <a:noAutofit/>
-          </a:bodyPr>
-          <a:lstStyle/>
-          <a:p>
-            <a:pPr marL="0" marR="0" lvl="0" indent="0" defTabSz="914400" rtl="0" eaLnBrk="1" fontAlgn="auto" latinLnBrk="0" hangingPunct="1">
-              <a:lnSpc>
-                <a:spcPct val="100000"/>
-              </a:lnSpc>
-              <a:spcBef>
-                <a:spcPct val="0"/>
-              </a:spcBef>
-              <a:spcAft>
-                <a:spcPts val="0"/>
-              </a:spcAft>
-              <a:buClrTx/>
-              <a:buSzTx/>
-              <a:buFontTx/>
-              <a:buNone/>
-              <a:defRPr/>
-            </a:pPr>
-            <a:r>
-              <a:rPr lang="en-US" altLang="zh-CN" sz="3200" dirty="0" smtClean="0">
-                <a:solidFill>
-                  <a:srgbClr val="004086"/>
-                </a:solidFill>
-                <a:latin typeface="经典中圆简" pitchFamily="49" charset="-122"/>
-                <a:ea typeface="经典中圆简" pitchFamily="49" charset="-122"/>
-                <a:cs typeface="经典中圆简" pitchFamily="49" charset="-122"/>
-              </a:rPr>
-              <a:t>Manifest</a:t>
-            </a:r>
-            <a:r>
-              <a:rPr lang="zh-CN" altLang="en-US" sz="3200" dirty="0" smtClean="0">
-                <a:solidFill>
-                  <a:srgbClr val="004086"/>
-                </a:solidFill>
-                <a:latin typeface="经典中圆简" pitchFamily="49" charset="-122"/>
-                <a:ea typeface="经典中圆简" pitchFamily="49" charset="-122"/>
-                <a:cs typeface="经典中圆简" pitchFamily="49" charset="-122"/>
-              </a:rPr>
-              <a:t>文件</a:t>
-            </a:r>
-            <a:endParaRPr kumimoji="0" lang="zh-CN" altLang="en-US" sz="3200" u="none" strike="noStrike" kern="1200" cap="none" spc="0" normalizeH="0" baseline="0" noProof="0" dirty="0">
-              <a:ln>
-                <a:noFill/>
-              </a:ln>
-              <a:solidFill>
-                <a:srgbClr val="004086"/>
-              </a:solidFill>
-              <a:effectLst/>
-              <a:uLnTx/>
-              <a:uFillTx/>
-              <a:latin typeface="经典中圆简" pitchFamily="49" charset="-122"/>
-              <a:ea typeface="经典中圆简" pitchFamily="49" charset="-122"/>
-              <a:cs typeface="经典中圆简" pitchFamily="49" charset="-122"/>
-            </a:endParaRPr>
-          </a:p>
-        </p:txBody>
-      </p:sp>
-      <p:sp>
-        <p:nvSpPr>
-          <p:cNvPr id="20" name="Rectangle 3"/>
-          <p:cNvSpPr/>
-          <p:nvPr/>
-        </p:nvSpPr>
-        <p:spPr bwMode="auto">
-          <a:xfrm>
-            <a:off x="827584" y="3247127"/>
-            <a:ext cx="7676926" cy="312650"/>
-          </a:xfrm>
-          <a:prstGeom prst="rect">
-            <a:avLst/>
-          </a:prstGeom>
-          <a:noFill/>
-          <a:ln w="12700">
-            <a:noFill/>
-            <a:miter lim="800000"/>
-          </a:ln>
-        </p:spPr>
-        <p:txBody>
-          <a:bodyPr wrap="square" lIns="0" tIns="0" rIns="0" bIns="0" anchor="ctr">
-            <a:spAutoFit/>
-          </a:bodyPr>
-          <a:lstStyle/>
-          <a:p>
-            <a:pPr marL="342900" indent="-342900">
-              <a:lnSpc>
-                <a:spcPct val="140000"/>
-              </a:lnSpc>
-              <a:buFont typeface="+mj-lt"/>
-              <a:buAutoNum type="arabicPeriod"/>
-            </a:pPr>
-            <a:endParaRPr lang="zh-CN" altLang="en-US" sz="1600" dirty="0" smtClean="0"/>
-          </a:p>
-        </p:txBody>
-      </p:sp>
-    </p:spTree>
-  </p:cSld>
-  <p:clrMapOvr>
-    <a:masterClrMapping/>
-  </p:clrMapOvr>
-  <p:timing>
-    <p:tnLst>
-      <p:par>
-        <p:cTn id="1" dur="indefinite" restart="never" nodeType="tmRoot"/>
-      </p:par>
-    </p:tnLst>
-  </p:timing>
-</p:sld>
-</file>
-
-<file path=ppt/slides/slide11.xml><?xml version="1.0" encoding="utf-8"?>
-<p:sld xmlns:a="http://schemas.openxmlformats.org/drawingml/2006/main" xmlns:r="http://schemas.openxmlformats.org/officeDocument/2006/relationships" xmlns:p="http://schemas.openxmlformats.org/presentationml/2006/main">
-  <p:cSld>
-    <p:spTree>
-      <p:nvGrpSpPr>
-        <p:cNvPr id="1" name=""/>
-        <p:cNvGrpSpPr/>
-        <p:nvPr/>
-      </p:nvGrpSpPr>
-      <p:grpSpPr>
-        <a:xfrm>
-          <a:off x="0" y="0"/>
-          <a:ext cx="0" cy="0"/>
-          <a:chOff x="0" y="0"/>
-          <a:chExt cx="0" cy="0"/>
-        </a:xfrm>
-      </p:grpSpPr>
       <p:pic>
         <p:nvPicPr>
           <p:cNvPr id="6" name="Content Placeholder 77" descr="ppt页面-3.2.jpg"/>
@@ -5667,2887 +4861,6 @@
       </p:grpSpPr>
       <p:sp>
         <p:nvSpPr>
-          <p:cNvPr id="162" name="Rectangle 13"/>
-          <p:cNvSpPr/>
-          <p:nvPr/>
-        </p:nvSpPr>
-        <p:spPr bwMode="auto">
-          <a:xfrm>
-            <a:off x="6238444" y="3442518"/>
-            <a:ext cx="1285884" cy="246221"/>
-          </a:xfrm>
-          <a:prstGeom prst="rect">
-            <a:avLst/>
-          </a:prstGeom>
-          <a:noFill/>
-          <a:ln w="12700">
-            <a:noFill/>
-            <a:miter lim="800000"/>
-          </a:ln>
-        </p:spPr>
-        <p:txBody>
-          <a:bodyPr wrap="square" lIns="0" tIns="0" rIns="40639" bIns="0" anchor="ctr">
-            <a:spAutoFit/>
-          </a:bodyPr>
-          <a:lstStyle/>
-          <a:p>
-            <a:pPr marL="40005"/>
-            <a:r>
-              <a:rPr lang="zh-CN" altLang="en-US" sz="1600" dirty="0" smtClean="0">
-                <a:solidFill>
-                  <a:srgbClr val="FFFFFF"/>
-                </a:solidFill>
-                <a:latin typeface="Arial Unicode MS" panose="020B0604020202020204" pitchFamily="34" charset="-122"/>
-                <a:ea typeface="Arial Unicode MS" panose="020B0604020202020204" pitchFamily="34" charset="-122"/>
-                <a:cs typeface="Arial Unicode MS" panose="020B0604020202020204" pitchFamily="34" charset="-122"/>
-                <a:sym typeface="Helvetica Neue Medium" charset="0"/>
-              </a:rPr>
-              <a:t>前端开发</a:t>
-            </a:r>
-            <a:r>
-              <a:rPr lang="en-US" altLang="zh-CN" sz="1600" dirty="0" smtClean="0">
-                <a:solidFill>
-                  <a:srgbClr val="FFFFFF"/>
-                </a:solidFill>
-                <a:latin typeface="Arial Unicode MS" panose="020B0604020202020204" pitchFamily="34" charset="-122"/>
-                <a:ea typeface="Arial Unicode MS" panose="020B0604020202020204" pitchFamily="34" charset="-122"/>
-                <a:cs typeface="Arial Unicode MS" panose="020B0604020202020204" pitchFamily="34" charset="-122"/>
-                <a:sym typeface="Helvetica Neue Medium" charset="0"/>
-              </a:rPr>
-              <a:t>  </a:t>
-            </a:r>
-            <a:endParaRPr lang="en-US" altLang="zh-CN" sz="1600" dirty="0">
-              <a:solidFill>
-                <a:srgbClr val="FFFFFF"/>
-              </a:solidFill>
-              <a:latin typeface="Arial Unicode MS" panose="020B0604020202020204" pitchFamily="34" charset="-122"/>
-              <a:ea typeface="Arial Unicode MS" panose="020B0604020202020204" pitchFamily="34" charset="-122"/>
-              <a:cs typeface="Arial Unicode MS" panose="020B0604020202020204" pitchFamily="34" charset="-122"/>
-              <a:sym typeface="Helvetica Neue Medium" charset="0"/>
-            </a:endParaRPr>
-          </a:p>
-        </p:txBody>
-      </p:sp>
-      <p:sp>
-        <p:nvSpPr>
-          <p:cNvPr id="163" name="Rectangle 14"/>
-          <p:cNvSpPr/>
-          <p:nvPr/>
-        </p:nvSpPr>
-        <p:spPr bwMode="auto">
-          <a:xfrm>
-            <a:off x="3565228" y="3470811"/>
-            <a:ext cx="2013545" cy="246221"/>
-          </a:xfrm>
-          <a:prstGeom prst="rect">
-            <a:avLst/>
-          </a:prstGeom>
-          <a:noFill/>
-          <a:ln w="12700">
-            <a:noFill/>
-            <a:miter lim="800000"/>
-          </a:ln>
-        </p:spPr>
-        <p:txBody>
-          <a:bodyPr wrap="square" lIns="0" tIns="0" rIns="40639" bIns="0" anchor="ctr">
-            <a:spAutoFit/>
-          </a:bodyPr>
-          <a:lstStyle/>
-          <a:p>
-            <a:pPr marL="40005"/>
-            <a:r>
-              <a:rPr lang="zh-CN" altLang="en-US" sz="1600" dirty="0" smtClean="0">
-                <a:solidFill>
-                  <a:srgbClr val="FFFFFF"/>
-                </a:solidFill>
-                <a:latin typeface="Arial Unicode MS" panose="020B0604020202020204" pitchFamily="34" charset="-122"/>
-                <a:ea typeface="Arial Unicode MS" panose="020B0604020202020204" pitchFamily="34" charset="-122"/>
-                <a:cs typeface="Arial Unicode MS" panose="020B0604020202020204" pitchFamily="34" charset="-122"/>
-                <a:sym typeface="Helvetica Neue Medium" charset="0"/>
-              </a:rPr>
-              <a:t>视觉设计</a:t>
-            </a:r>
-            <a:endParaRPr lang="en-US" altLang="zh-CN" sz="1600" dirty="0">
-              <a:solidFill>
-                <a:srgbClr val="FFFFFF"/>
-              </a:solidFill>
-              <a:latin typeface="Arial Unicode MS" panose="020B0604020202020204" pitchFamily="34" charset="-122"/>
-              <a:ea typeface="Arial Unicode MS" panose="020B0604020202020204" pitchFamily="34" charset="-122"/>
-              <a:cs typeface="Arial Unicode MS" panose="020B0604020202020204" pitchFamily="34" charset="-122"/>
-              <a:sym typeface="Helvetica Neue Medium" charset="0"/>
-            </a:endParaRPr>
-          </a:p>
-        </p:txBody>
-      </p:sp>
-      <p:sp>
-        <p:nvSpPr>
-          <p:cNvPr id="164" name="Rectangle 15"/>
-          <p:cNvSpPr/>
-          <p:nvPr/>
-        </p:nvSpPr>
-        <p:spPr bwMode="auto">
-          <a:xfrm>
-            <a:off x="911751" y="3439773"/>
-            <a:ext cx="1500009" cy="246221"/>
-          </a:xfrm>
-          <a:prstGeom prst="rect">
-            <a:avLst/>
-          </a:prstGeom>
-          <a:noFill/>
-          <a:ln w="12700">
-            <a:noFill/>
-            <a:miter lim="800000"/>
-          </a:ln>
-        </p:spPr>
-        <p:txBody>
-          <a:bodyPr wrap="square" lIns="0" tIns="0" rIns="40639" bIns="0" anchor="ctr">
-            <a:spAutoFit/>
-          </a:bodyPr>
-          <a:lstStyle/>
-          <a:p>
-            <a:pPr marL="40005"/>
-            <a:r>
-              <a:rPr lang="zh-CN" altLang="en-US" sz="1600" dirty="0" smtClean="0">
-                <a:solidFill>
-                  <a:srgbClr val="FFFFFF"/>
-                </a:solidFill>
-                <a:latin typeface="Arial Unicode MS" panose="020B0604020202020204" pitchFamily="34" charset="-122"/>
-                <a:ea typeface="Arial Unicode MS" panose="020B0604020202020204" pitchFamily="34" charset="-122"/>
-                <a:cs typeface="Arial Unicode MS" panose="020B0604020202020204" pitchFamily="34" charset="-122"/>
-                <a:sym typeface="Helvetica Neue Medium" charset="0"/>
-              </a:rPr>
-              <a:t>交互设计</a:t>
-            </a:r>
-            <a:endParaRPr lang="en-US" altLang="zh-CN" sz="1600" dirty="0">
-              <a:solidFill>
-                <a:srgbClr val="FFFFFF"/>
-              </a:solidFill>
-              <a:latin typeface="Arial Unicode MS" panose="020B0604020202020204" pitchFamily="34" charset="-122"/>
-              <a:ea typeface="Arial Unicode MS" panose="020B0604020202020204" pitchFamily="34" charset="-122"/>
-              <a:cs typeface="Arial Unicode MS" panose="020B0604020202020204" pitchFamily="34" charset="-122"/>
-              <a:sym typeface="Helvetica Neue Medium" charset="0"/>
-            </a:endParaRPr>
-          </a:p>
-        </p:txBody>
-      </p:sp>
-      <p:sp>
-        <p:nvSpPr>
-          <p:cNvPr id="2" name="文本框 1"/>
-          <p:cNvSpPr txBox="1"/>
-          <p:nvPr/>
-        </p:nvSpPr>
-        <p:spPr>
-          <a:xfrm>
-            <a:off x="2699792" y="2924944"/>
-            <a:ext cx="7756525" cy="1126462"/>
-          </a:xfrm>
-          <a:prstGeom prst="rect">
-            <a:avLst/>
-          </a:prstGeom>
-          <a:noFill/>
-        </p:spPr>
-        <p:txBody>
-          <a:bodyPr wrap="square" rtlCol="0" anchor="t">
-            <a:spAutoFit/>
-          </a:bodyPr>
-          <a:lstStyle/>
-          <a:p>
-            <a:pPr marL="285750" indent="-285750">
-              <a:lnSpc>
-                <a:spcPct val="140000"/>
-              </a:lnSpc>
-              <a:buFont typeface="Arial" panose="020B0604020202020204" pitchFamily="34" charset="0"/>
-              <a:buChar char="•"/>
-            </a:pPr>
-            <a:r>
-              <a:rPr lang="zh-CN" altLang="en-US" sz="1600" dirty="0" smtClean="0"/>
-              <a:t>本地存储用户的浏览数据</a:t>
-            </a:r>
-            <a:endParaRPr lang="en-US" altLang="zh-CN" sz="1600" dirty="0" smtClean="0"/>
-          </a:p>
-          <a:p>
-            <a:pPr marL="285750" indent="-285750">
-              <a:lnSpc>
-                <a:spcPct val="140000"/>
-              </a:lnSpc>
-              <a:buFont typeface="Arial" panose="020B0604020202020204" pitchFamily="34" charset="0"/>
-              <a:buChar char="•"/>
-            </a:pPr>
-            <a:r>
-              <a:rPr lang="zh-CN" altLang="en-US" sz="1600" dirty="0" smtClean="0">
-                <a:latin typeface="经典中圆简" pitchFamily="49" charset="-122"/>
-                <a:ea typeface="经典中圆简" pitchFamily="49" charset="-122"/>
-                <a:cs typeface="经典中圆简" pitchFamily="49" charset="-122"/>
-                <a:sym typeface="Helvetica Neue Light" charset="0"/>
-              </a:rPr>
-              <a:t>减少服务器负载</a:t>
-            </a:r>
-            <a:endParaRPr lang="en-US" altLang="zh-CN" sz="1600" dirty="0" smtClean="0">
-              <a:latin typeface="经典中圆简" pitchFamily="49" charset="-122"/>
-              <a:ea typeface="经典中圆简" pitchFamily="49" charset="-122"/>
-              <a:cs typeface="经典中圆简" pitchFamily="49" charset="-122"/>
-              <a:sym typeface="Helvetica Neue Light" charset="0"/>
-            </a:endParaRPr>
-          </a:p>
-          <a:p>
-            <a:pPr marL="285750" indent="-285750">
-              <a:lnSpc>
-                <a:spcPct val="140000"/>
-              </a:lnSpc>
-              <a:buFont typeface="Arial" panose="020B0604020202020204" pitchFamily="34" charset="0"/>
-              <a:buChar char="•"/>
-            </a:pPr>
-            <a:r>
-              <a:rPr lang="zh-CN" altLang="en-US" sz="1600" dirty="0" smtClean="0"/>
-              <a:t>快速</a:t>
-            </a:r>
-            <a:r>
-              <a:rPr lang="en-US" altLang="zh-CN" sz="1600" dirty="0" smtClean="0"/>
-              <a:t>(</a:t>
-            </a:r>
-            <a:r>
-              <a:rPr lang="zh-CN" altLang="en-US" sz="1600" dirty="0" smtClean="0"/>
-              <a:t>存储大量的数据，而不影响网站的性能</a:t>
-            </a:r>
-            <a:r>
-              <a:rPr lang="en-US" altLang="zh-CN" sz="1600" dirty="0" smtClean="0"/>
-              <a:t>)</a:t>
-            </a:r>
-            <a:endParaRPr lang="en-US" altLang="zh-CN" sz="1600" dirty="0" smtClean="0"/>
-          </a:p>
-        </p:txBody>
-      </p:sp>
-      <p:sp>
-        <p:nvSpPr>
-          <p:cNvPr id="29" name="Title 1"/>
-          <p:cNvSpPr txBox="1"/>
-          <p:nvPr/>
-        </p:nvSpPr>
-        <p:spPr>
-          <a:xfrm>
-            <a:off x="711498" y="1150184"/>
-            <a:ext cx="5012630" cy="648072"/>
-          </a:xfrm>
-          <a:prstGeom prst="rect">
-            <a:avLst/>
-          </a:prstGeom>
-        </p:spPr>
-        <p:txBody>
-          <a:bodyPr vert="horz" lIns="91440" tIns="45720" rIns="91440" bIns="45720" rtlCol="0" anchor="ctr">
-            <a:noAutofit/>
-          </a:bodyPr>
-          <a:lstStyle/>
-          <a:p>
-            <a:pPr marL="0" marR="0" lvl="0" indent="0" defTabSz="914400" rtl="0" eaLnBrk="1" fontAlgn="auto" latinLnBrk="0" hangingPunct="1">
-              <a:lnSpc>
-                <a:spcPct val="100000"/>
-              </a:lnSpc>
-              <a:spcBef>
-                <a:spcPct val="0"/>
-              </a:spcBef>
-              <a:spcAft>
-                <a:spcPts val="0"/>
-              </a:spcAft>
-              <a:buClrTx/>
-              <a:buSzTx/>
-              <a:buFontTx/>
-              <a:buNone/>
-              <a:defRPr/>
-            </a:pPr>
-            <a:r>
-              <a:rPr lang="zh-CN" altLang="en-US" sz="3200" dirty="0" smtClean="0">
-                <a:solidFill>
-                  <a:srgbClr val="004086"/>
-                </a:solidFill>
-                <a:latin typeface="经典中圆简" pitchFamily="49" charset="-122"/>
-                <a:ea typeface="经典中圆简" pitchFamily="49" charset="-122"/>
-                <a:cs typeface="经典中圆简" pitchFamily="49" charset="-122"/>
-              </a:rPr>
-              <a:t>什么是</a:t>
-            </a:r>
-            <a:r>
-              <a:rPr lang="en-US" altLang="zh-CN" sz="3200" dirty="0" smtClean="0">
-                <a:solidFill>
-                  <a:srgbClr val="004086"/>
-                </a:solidFill>
-                <a:latin typeface="经典中圆简" pitchFamily="49" charset="-122"/>
-                <a:ea typeface="经典中圆简" pitchFamily="49" charset="-122"/>
-                <a:cs typeface="经典中圆简" pitchFamily="49" charset="-122"/>
-              </a:rPr>
-              <a:t>HTML5 Web</a:t>
-            </a:r>
-            <a:r>
-              <a:rPr lang="zh-CN" altLang="en-US" sz="3200" dirty="0" smtClean="0">
-                <a:solidFill>
-                  <a:srgbClr val="004086"/>
-                </a:solidFill>
-                <a:latin typeface="经典中圆简" pitchFamily="49" charset="-122"/>
-                <a:ea typeface="经典中圆简" pitchFamily="49" charset="-122"/>
-                <a:cs typeface="经典中圆简" pitchFamily="49" charset="-122"/>
-              </a:rPr>
-              <a:t>存储？</a:t>
-            </a:r>
-            <a:endParaRPr kumimoji="0" lang="zh-CN" altLang="en-US" sz="3200" u="none" strike="noStrike" kern="1200" cap="none" spc="0" normalizeH="0" baseline="0" noProof="0" dirty="0">
-              <a:ln>
-                <a:noFill/>
-              </a:ln>
-              <a:solidFill>
-                <a:srgbClr val="004086"/>
-              </a:solidFill>
-              <a:effectLst/>
-              <a:uLnTx/>
-              <a:uFillTx/>
-              <a:latin typeface="经典中圆简" pitchFamily="49" charset="-122"/>
-              <a:ea typeface="经典中圆简" pitchFamily="49" charset="-122"/>
-              <a:cs typeface="经典中圆简" pitchFamily="49" charset="-122"/>
-            </a:endParaRPr>
-          </a:p>
-        </p:txBody>
-      </p:sp>
-    </p:spTree>
-  </p:cSld>
-  <p:clrMapOvr>
-    <a:masterClrMapping/>
-  </p:clrMapOvr>
-  <p:timing>
-    <p:tnLst>
-      <p:par>
-        <p:cTn id="1" dur="indefinite" restart="never" nodeType="tmRoot"/>
-      </p:par>
-    </p:tnLst>
-  </p:timing>
-</p:sld>
-</file>
-
-<file path=ppt/slides/slide3.xml><?xml version="1.0" encoding="utf-8"?>
-<p:sld xmlns:a="http://schemas.openxmlformats.org/drawingml/2006/main" xmlns:r="http://schemas.openxmlformats.org/officeDocument/2006/relationships" xmlns:p="http://schemas.openxmlformats.org/presentationml/2006/main">
-  <p:cSld>
-    <p:spTree>
-      <p:nvGrpSpPr>
-        <p:cNvPr id="1" name=""/>
-        <p:cNvGrpSpPr/>
-        <p:nvPr/>
-      </p:nvGrpSpPr>
-      <p:grpSpPr>
-        <a:xfrm>
-          <a:off x="0" y="0"/>
-          <a:ext cx="0" cy="0"/>
-          <a:chOff x="0" y="0"/>
-          <a:chExt cx="0" cy="0"/>
-        </a:xfrm>
-      </p:grpSpPr>
-      <p:sp>
-        <p:nvSpPr>
-          <p:cNvPr id="162" name="Rectangle 13"/>
-          <p:cNvSpPr/>
-          <p:nvPr/>
-        </p:nvSpPr>
-        <p:spPr bwMode="auto">
-          <a:xfrm>
-            <a:off x="6238444" y="3442518"/>
-            <a:ext cx="1285884" cy="246221"/>
-          </a:xfrm>
-          <a:prstGeom prst="rect">
-            <a:avLst/>
-          </a:prstGeom>
-          <a:noFill/>
-          <a:ln w="12700">
-            <a:noFill/>
-            <a:miter lim="800000"/>
-          </a:ln>
-        </p:spPr>
-        <p:txBody>
-          <a:bodyPr wrap="square" lIns="0" tIns="0" rIns="40639" bIns="0" anchor="ctr">
-            <a:spAutoFit/>
-          </a:bodyPr>
-          <a:lstStyle/>
-          <a:p>
-            <a:pPr marL="40005"/>
-            <a:r>
-              <a:rPr lang="zh-CN" altLang="en-US" sz="1600" dirty="0" smtClean="0">
-                <a:solidFill>
-                  <a:srgbClr val="FFFFFF"/>
-                </a:solidFill>
-                <a:latin typeface="Arial Unicode MS" panose="020B0604020202020204" pitchFamily="34" charset="-122"/>
-                <a:ea typeface="Arial Unicode MS" panose="020B0604020202020204" pitchFamily="34" charset="-122"/>
-                <a:cs typeface="Arial Unicode MS" panose="020B0604020202020204" pitchFamily="34" charset="-122"/>
-                <a:sym typeface="Helvetica Neue Medium" charset="0"/>
-              </a:rPr>
-              <a:t>前端开发</a:t>
-            </a:r>
-            <a:r>
-              <a:rPr lang="en-US" altLang="zh-CN" sz="1600" dirty="0" smtClean="0">
-                <a:solidFill>
-                  <a:srgbClr val="FFFFFF"/>
-                </a:solidFill>
-                <a:latin typeface="Arial Unicode MS" panose="020B0604020202020204" pitchFamily="34" charset="-122"/>
-                <a:ea typeface="Arial Unicode MS" panose="020B0604020202020204" pitchFamily="34" charset="-122"/>
-                <a:cs typeface="Arial Unicode MS" panose="020B0604020202020204" pitchFamily="34" charset="-122"/>
-                <a:sym typeface="Helvetica Neue Medium" charset="0"/>
-              </a:rPr>
-              <a:t>  </a:t>
-            </a:r>
-            <a:endParaRPr lang="en-US" altLang="zh-CN" sz="1600" dirty="0">
-              <a:solidFill>
-                <a:srgbClr val="FFFFFF"/>
-              </a:solidFill>
-              <a:latin typeface="Arial Unicode MS" panose="020B0604020202020204" pitchFamily="34" charset="-122"/>
-              <a:ea typeface="Arial Unicode MS" panose="020B0604020202020204" pitchFamily="34" charset="-122"/>
-              <a:cs typeface="Arial Unicode MS" panose="020B0604020202020204" pitchFamily="34" charset="-122"/>
-              <a:sym typeface="Helvetica Neue Medium" charset="0"/>
-            </a:endParaRPr>
-          </a:p>
-        </p:txBody>
-      </p:sp>
-      <p:sp>
-        <p:nvSpPr>
-          <p:cNvPr id="163" name="Rectangle 14"/>
-          <p:cNvSpPr/>
-          <p:nvPr/>
-        </p:nvSpPr>
-        <p:spPr bwMode="auto">
-          <a:xfrm>
-            <a:off x="3565228" y="3470811"/>
-            <a:ext cx="2013545" cy="246221"/>
-          </a:xfrm>
-          <a:prstGeom prst="rect">
-            <a:avLst/>
-          </a:prstGeom>
-          <a:noFill/>
-          <a:ln w="12700">
-            <a:noFill/>
-            <a:miter lim="800000"/>
-          </a:ln>
-        </p:spPr>
-        <p:txBody>
-          <a:bodyPr wrap="square" lIns="0" tIns="0" rIns="40639" bIns="0" anchor="ctr">
-            <a:spAutoFit/>
-          </a:bodyPr>
-          <a:lstStyle/>
-          <a:p>
-            <a:pPr marL="40005"/>
-            <a:r>
-              <a:rPr lang="zh-CN" altLang="en-US" sz="1600" dirty="0" smtClean="0">
-                <a:solidFill>
-                  <a:srgbClr val="FFFFFF"/>
-                </a:solidFill>
-                <a:latin typeface="Arial Unicode MS" panose="020B0604020202020204" pitchFamily="34" charset="-122"/>
-                <a:ea typeface="Arial Unicode MS" panose="020B0604020202020204" pitchFamily="34" charset="-122"/>
-                <a:cs typeface="Arial Unicode MS" panose="020B0604020202020204" pitchFamily="34" charset="-122"/>
-                <a:sym typeface="Helvetica Neue Medium" charset="0"/>
-              </a:rPr>
-              <a:t>视觉设计</a:t>
-            </a:r>
-            <a:endParaRPr lang="en-US" altLang="zh-CN" sz="1600" dirty="0">
-              <a:solidFill>
-                <a:srgbClr val="FFFFFF"/>
-              </a:solidFill>
-              <a:latin typeface="Arial Unicode MS" panose="020B0604020202020204" pitchFamily="34" charset="-122"/>
-              <a:ea typeface="Arial Unicode MS" panose="020B0604020202020204" pitchFamily="34" charset="-122"/>
-              <a:cs typeface="Arial Unicode MS" panose="020B0604020202020204" pitchFamily="34" charset="-122"/>
-              <a:sym typeface="Helvetica Neue Medium" charset="0"/>
-            </a:endParaRPr>
-          </a:p>
-        </p:txBody>
-      </p:sp>
-      <p:sp>
-        <p:nvSpPr>
-          <p:cNvPr id="164" name="Rectangle 15"/>
-          <p:cNvSpPr/>
-          <p:nvPr/>
-        </p:nvSpPr>
-        <p:spPr bwMode="auto">
-          <a:xfrm>
-            <a:off x="911751" y="3439773"/>
-            <a:ext cx="1500009" cy="246221"/>
-          </a:xfrm>
-          <a:prstGeom prst="rect">
-            <a:avLst/>
-          </a:prstGeom>
-          <a:noFill/>
-          <a:ln w="12700">
-            <a:noFill/>
-            <a:miter lim="800000"/>
-          </a:ln>
-        </p:spPr>
-        <p:txBody>
-          <a:bodyPr wrap="square" lIns="0" tIns="0" rIns="40639" bIns="0" anchor="ctr">
-            <a:spAutoFit/>
-          </a:bodyPr>
-          <a:lstStyle/>
-          <a:p>
-            <a:pPr marL="40005"/>
-            <a:r>
-              <a:rPr lang="zh-CN" altLang="en-US" sz="1600" dirty="0" smtClean="0">
-                <a:solidFill>
-                  <a:srgbClr val="FFFFFF"/>
-                </a:solidFill>
-                <a:latin typeface="Arial Unicode MS" panose="020B0604020202020204" pitchFamily="34" charset="-122"/>
-                <a:ea typeface="Arial Unicode MS" panose="020B0604020202020204" pitchFamily="34" charset="-122"/>
-                <a:cs typeface="Arial Unicode MS" panose="020B0604020202020204" pitchFamily="34" charset="-122"/>
-                <a:sym typeface="Helvetica Neue Medium" charset="0"/>
-              </a:rPr>
-              <a:t>交互设计</a:t>
-            </a:r>
-            <a:endParaRPr lang="en-US" altLang="zh-CN" sz="1600" dirty="0">
-              <a:solidFill>
-                <a:srgbClr val="FFFFFF"/>
-              </a:solidFill>
-              <a:latin typeface="Arial Unicode MS" panose="020B0604020202020204" pitchFamily="34" charset="-122"/>
-              <a:ea typeface="Arial Unicode MS" panose="020B0604020202020204" pitchFamily="34" charset="-122"/>
-              <a:cs typeface="Arial Unicode MS" panose="020B0604020202020204" pitchFamily="34" charset="-122"/>
-              <a:sym typeface="Helvetica Neue Medium" charset="0"/>
-            </a:endParaRPr>
-          </a:p>
-        </p:txBody>
-      </p:sp>
-      <p:sp>
-        <p:nvSpPr>
-          <p:cNvPr id="2" name="文本框 1"/>
-          <p:cNvSpPr txBox="1"/>
-          <p:nvPr/>
-        </p:nvSpPr>
-        <p:spPr>
-          <a:xfrm>
-            <a:off x="711200" y="1982470"/>
-            <a:ext cx="7756525" cy="404983"/>
-          </a:xfrm>
-          <a:prstGeom prst="rect">
-            <a:avLst/>
-          </a:prstGeom>
-          <a:noFill/>
-        </p:spPr>
-        <p:txBody>
-          <a:bodyPr wrap="square" rtlCol="0" anchor="t">
-            <a:spAutoFit/>
-          </a:bodyPr>
-          <a:lstStyle/>
-          <a:p>
-            <a:pPr marL="285750" indent="-285750">
-              <a:lnSpc>
-                <a:spcPct val="140000"/>
-              </a:lnSpc>
-              <a:buFont typeface="Arial" panose="020B0604020202020204" pitchFamily="34" charset="0"/>
-              <a:buChar char="•"/>
-            </a:pPr>
-            <a:endParaRPr lang="zh-CN" altLang="en-US" sz="1600" dirty="0" smtClean="0"/>
-          </a:p>
-        </p:txBody>
-      </p:sp>
-      <p:sp>
-        <p:nvSpPr>
-          <p:cNvPr id="29" name="Title 1"/>
-          <p:cNvSpPr txBox="1"/>
-          <p:nvPr/>
-        </p:nvSpPr>
-        <p:spPr>
-          <a:xfrm>
-            <a:off x="711498" y="1150184"/>
-            <a:ext cx="7676926" cy="648072"/>
-          </a:xfrm>
-          <a:prstGeom prst="rect">
-            <a:avLst/>
-          </a:prstGeom>
-        </p:spPr>
-        <p:txBody>
-          <a:bodyPr vert="horz" lIns="91440" tIns="45720" rIns="91440" bIns="45720" rtlCol="0" anchor="ctr">
-            <a:noAutofit/>
-          </a:bodyPr>
-          <a:lstStyle/>
-          <a:p>
-            <a:pPr marL="0" marR="0" lvl="0" indent="0" defTabSz="914400" rtl="0" eaLnBrk="1" fontAlgn="auto" latinLnBrk="0" hangingPunct="1">
-              <a:lnSpc>
-                <a:spcPct val="100000"/>
-              </a:lnSpc>
-              <a:spcBef>
-                <a:spcPct val="0"/>
-              </a:spcBef>
-              <a:spcAft>
-                <a:spcPts val="0"/>
-              </a:spcAft>
-              <a:buClrTx/>
-              <a:buSzTx/>
-              <a:buFontTx/>
-              <a:buNone/>
-              <a:defRPr/>
-            </a:pPr>
-            <a:r>
-              <a:rPr kumimoji="0" lang="en-US" altLang="zh-CN" sz="3200" u="none" strike="noStrike" kern="1200" cap="none" spc="0" normalizeH="0" baseline="0" noProof="0" dirty="0" smtClean="0">
-                <a:ln>
-                  <a:noFill/>
-                </a:ln>
-                <a:solidFill>
-                  <a:srgbClr val="004086"/>
-                </a:solidFill>
-                <a:effectLst/>
-                <a:uLnTx/>
-                <a:uFillTx/>
-                <a:latin typeface="经典中圆简" pitchFamily="49" charset="-122"/>
-                <a:ea typeface="经典中圆简" pitchFamily="49" charset="-122"/>
-                <a:cs typeface="经典中圆简" pitchFamily="49" charset="-122"/>
-              </a:rPr>
-              <a:t>Cookie</a:t>
-            </a:r>
-            <a:r>
-              <a:rPr kumimoji="0" lang="zh-CN" altLang="en-US" sz="3200" u="none" strike="noStrike" kern="1200" cap="none" spc="0" normalizeH="0" baseline="0" noProof="0" dirty="0" smtClean="0">
-                <a:ln>
-                  <a:noFill/>
-                </a:ln>
-                <a:solidFill>
-                  <a:srgbClr val="004086"/>
-                </a:solidFill>
-                <a:effectLst/>
-                <a:uLnTx/>
-                <a:uFillTx/>
-                <a:latin typeface="经典中圆简" pitchFamily="49" charset="-122"/>
-                <a:ea typeface="经典中圆简" pitchFamily="49" charset="-122"/>
-                <a:cs typeface="经典中圆简" pitchFamily="49" charset="-122"/>
-              </a:rPr>
-              <a:t>、</a:t>
-            </a:r>
-            <a:r>
-              <a:rPr kumimoji="0" lang="en-US" altLang="zh-CN" sz="3200" u="none" strike="noStrike" kern="1200" cap="none" spc="0" normalizeH="0" baseline="0" noProof="0" dirty="0" err="1" smtClean="0">
-                <a:ln>
-                  <a:noFill/>
-                </a:ln>
-                <a:solidFill>
-                  <a:srgbClr val="004086"/>
-                </a:solidFill>
-                <a:effectLst/>
-                <a:uLnTx/>
-                <a:uFillTx/>
-                <a:latin typeface="经典中圆简" pitchFamily="49" charset="-122"/>
-                <a:ea typeface="经典中圆简" pitchFamily="49" charset="-122"/>
-                <a:cs typeface="经典中圆简" pitchFamily="49" charset="-122"/>
-              </a:rPr>
-              <a:t>localStorage</a:t>
-            </a:r>
-            <a:r>
-              <a:rPr lang="zh-CN" altLang="en-US" sz="3200" dirty="0" smtClean="0">
-                <a:solidFill>
-                  <a:srgbClr val="004086"/>
-                </a:solidFill>
-                <a:latin typeface="经典中圆简" pitchFamily="49" charset="-122"/>
-                <a:ea typeface="经典中圆简" pitchFamily="49" charset="-122"/>
-                <a:cs typeface="经典中圆简" pitchFamily="49" charset="-122"/>
-              </a:rPr>
-              <a:t>、</a:t>
-            </a:r>
-            <a:r>
-              <a:rPr lang="en-US" altLang="zh-CN" sz="3200" dirty="0" err="1" smtClean="0">
-                <a:solidFill>
-                  <a:srgbClr val="004086"/>
-                </a:solidFill>
-                <a:latin typeface="经典中圆简" pitchFamily="49" charset="-122"/>
-                <a:ea typeface="经典中圆简" pitchFamily="49" charset="-122"/>
-                <a:cs typeface="经典中圆简" pitchFamily="49" charset="-122"/>
-              </a:rPr>
-              <a:t>sessionStorage</a:t>
-            </a:r>
-            <a:endParaRPr kumimoji="0" lang="zh-CN" altLang="en-US" sz="3200" u="none" strike="noStrike" kern="1200" cap="none" spc="0" normalizeH="0" baseline="0" noProof="0" dirty="0">
-              <a:ln>
-                <a:noFill/>
-              </a:ln>
-              <a:solidFill>
-                <a:srgbClr val="004086"/>
-              </a:solidFill>
-              <a:effectLst/>
-              <a:uLnTx/>
-              <a:uFillTx/>
-              <a:latin typeface="经典中圆简" pitchFamily="49" charset="-122"/>
-              <a:ea typeface="经典中圆简" pitchFamily="49" charset="-122"/>
-              <a:cs typeface="经典中圆简" pitchFamily="49" charset="-122"/>
-            </a:endParaRPr>
-          </a:p>
-        </p:txBody>
-      </p:sp>
-      <p:graphicFrame>
-        <p:nvGraphicFramePr>
-          <p:cNvPr id="10" name="Table 9"/>
-          <p:cNvGraphicFramePr>
-            <a:graphicFrameLocks noGrp="1"/>
-          </p:cNvGraphicFramePr>
-          <p:nvPr/>
-        </p:nvGraphicFramePr>
-        <p:xfrm>
-          <a:off x="827584" y="2132856"/>
-          <a:ext cx="7272808" cy="3948462"/>
-        </p:xfrm>
-        <a:graphic>
-          <a:graphicData uri="http://schemas.openxmlformats.org/drawingml/2006/table">
-            <a:tbl>
-              <a:tblPr/>
-              <a:tblGrid>
-                <a:gridCol w="936104"/>
-                <a:gridCol w="2160240"/>
-                <a:gridCol w="2088232"/>
-                <a:gridCol w="2088232"/>
-              </a:tblGrid>
-              <a:tr h="445660">
-                <a:tc>
-                  <a:txBody>
-                    <a:bodyPr/>
-                    <a:lstStyle/>
-                    <a:p>
-                      <a:pPr marL="0" marR="0">
-                        <a:lnSpc>
-                          <a:spcPts val="1680"/>
-                        </a:lnSpc>
-                        <a:spcBef>
-                          <a:spcPts val="1800"/>
-                        </a:spcBef>
-                        <a:spcAft>
-                          <a:spcPts val="1800"/>
-                        </a:spcAft>
-                      </a:pPr>
-                      <a:r>
-                        <a:rPr lang="zh-CN" sz="1400" b="1" dirty="0">
-                          <a:solidFill>
-                            <a:srgbClr val="333333"/>
-                          </a:solidFill>
-                          <a:latin typeface="Calibri" panose="020F0502020204030204"/>
-                          <a:ea typeface="宋体" panose="02010600030101010101" pitchFamily="2" charset="-122"/>
-                          <a:cs typeface="宋体" panose="02010600030101010101" pitchFamily="2" charset="-122"/>
-                        </a:rPr>
-                        <a:t>特性</a:t>
-                      </a:r>
-                      <a:endParaRPr lang="en-US" sz="1400" dirty="0">
-                        <a:latin typeface="Calibri" panose="020F0502020204030204"/>
-                        <a:ea typeface="宋体" panose="02010600030101010101" pitchFamily="2" charset="-122"/>
-                        <a:cs typeface="Times New Roman" panose="02020603050405020304"/>
-                      </a:endParaRPr>
-                    </a:p>
-                  </a:txBody>
-                  <a:tcPr marL="59113" marR="59113" marT="36945" marB="36945" anchor="ctr">
-                    <a:lnL w="12700" cap="flat" cmpd="sng" algn="ctr">
-                      <a:solidFill>
-                        <a:srgbClr val="E6E6E6"/>
-                      </a:solidFill>
-                      <a:prstDash val="solid"/>
-                      <a:round/>
-                      <a:headEnd type="none" w="med" len="med"/>
-                      <a:tailEnd type="none" w="med" len="med"/>
-                    </a:lnL>
-                    <a:lnR w="12700" cap="flat" cmpd="sng" algn="ctr">
-                      <a:solidFill>
-                        <a:srgbClr val="E6E6E6"/>
-                      </a:solidFill>
-                      <a:prstDash val="solid"/>
-                      <a:round/>
-                      <a:headEnd type="none" w="med" len="med"/>
-                      <a:tailEnd type="none" w="med" len="med"/>
-                    </a:lnR>
-                    <a:lnT w="12700" cap="flat" cmpd="sng" algn="ctr">
-                      <a:solidFill>
-                        <a:srgbClr val="E6E6E6"/>
-                      </a:solidFill>
-                      <a:prstDash val="solid"/>
-                      <a:round/>
-                      <a:headEnd type="none" w="med" len="med"/>
-                      <a:tailEnd type="none" w="med" len="med"/>
-                    </a:lnT>
-                    <a:lnB w="12700" cap="flat" cmpd="sng" algn="ctr">
-                      <a:solidFill>
-                        <a:srgbClr val="E6E6E6"/>
-                      </a:solidFill>
-                      <a:prstDash val="solid"/>
-                      <a:round/>
-                      <a:headEnd type="none" w="med" len="med"/>
-                      <a:tailEnd type="none" w="med" len="med"/>
-                    </a:lnB>
-                    <a:solidFill>
-                      <a:srgbClr val="F3F3F3"/>
-                    </a:solidFill>
-                  </a:tcPr>
-                </a:tc>
-                <a:tc>
-                  <a:txBody>
-                    <a:bodyPr/>
-                    <a:lstStyle/>
-                    <a:p>
-                      <a:pPr marL="0" marR="0">
-                        <a:lnSpc>
-                          <a:spcPts val="1680"/>
-                        </a:lnSpc>
-                        <a:spcBef>
-                          <a:spcPts val="1800"/>
-                        </a:spcBef>
-                        <a:spcAft>
-                          <a:spcPts val="1800"/>
-                        </a:spcAft>
-                      </a:pPr>
-                      <a:r>
-                        <a:rPr lang="en-US" sz="1400" b="1" dirty="0">
-                          <a:solidFill>
-                            <a:srgbClr val="333333"/>
-                          </a:solidFill>
-                          <a:latin typeface="Helvetica"/>
-                          <a:ea typeface="Times New Roman" panose="02020603050405020304"/>
-                          <a:cs typeface="Times New Roman" panose="02020603050405020304"/>
-                        </a:rPr>
-                        <a:t>Cookie</a:t>
-                      </a:r>
-                      <a:endParaRPr lang="en-US" sz="1400" dirty="0">
-                        <a:latin typeface="Calibri" panose="020F0502020204030204"/>
-                        <a:ea typeface="宋体" panose="02010600030101010101" pitchFamily="2" charset="-122"/>
-                        <a:cs typeface="Times New Roman" panose="02020603050405020304"/>
-                      </a:endParaRPr>
-                    </a:p>
-                  </a:txBody>
-                  <a:tcPr marL="59113" marR="59113" marT="36945" marB="36945" anchor="ctr">
-                    <a:lnL w="12700" cap="flat" cmpd="sng" algn="ctr">
-                      <a:solidFill>
-                        <a:srgbClr val="E6E6E6"/>
-                      </a:solidFill>
-                      <a:prstDash val="solid"/>
-                      <a:round/>
-                      <a:headEnd type="none" w="med" len="med"/>
-                      <a:tailEnd type="none" w="med" len="med"/>
-                    </a:lnL>
-                    <a:lnR w="12700" cap="flat" cmpd="sng" algn="ctr">
-                      <a:solidFill>
-                        <a:srgbClr val="E6E6E6"/>
-                      </a:solidFill>
-                      <a:prstDash val="solid"/>
-                      <a:round/>
-                      <a:headEnd type="none" w="med" len="med"/>
-                      <a:tailEnd type="none" w="med" len="med"/>
-                    </a:lnR>
-                    <a:lnT w="12700" cap="flat" cmpd="sng" algn="ctr">
-                      <a:solidFill>
-                        <a:srgbClr val="E6E6E6"/>
-                      </a:solidFill>
-                      <a:prstDash val="solid"/>
-                      <a:round/>
-                      <a:headEnd type="none" w="med" len="med"/>
-                      <a:tailEnd type="none" w="med" len="med"/>
-                    </a:lnT>
-                    <a:lnB w="12700" cap="flat" cmpd="sng" algn="ctr">
-                      <a:solidFill>
-                        <a:srgbClr val="E6E6E6"/>
-                      </a:solidFill>
-                      <a:prstDash val="solid"/>
-                      <a:round/>
-                      <a:headEnd type="none" w="med" len="med"/>
-                      <a:tailEnd type="none" w="med" len="med"/>
-                    </a:lnB>
-                    <a:solidFill>
-                      <a:srgbClr val="F3F3F3"/>
-                    </a:solidFill>
-                  </a:tcPr>
-                </a:tc>
-                <a:tc>
-                  <a:txBody>
-                    <a:bodyPr/>
-                    <a:lstStyle/>
-                    <a:p>
-                      <a:pPr marL="0" marR="0">
-                        <a:lnSpc>
-                          <a:spcPts val="1680"/>
-                        </a:lnSpc>
-                        <a:spcBef>
-                          <a:spcPts val="1800"/>
-                        </a:spcBef>
-                        <a:spcAft>
-                          <a:spcPts val="1800"/>
-                        </a:spcAft>
-                      </a:pPr>
-                      <a:r>
-                        <a:rPr lang="en-US" sz="1400" b="1">
-                          <a:solidFill>
-                            <a:srgbClr val="333333"/>
-                          </a:solidFill>
-                          <a:latin typeface="Helvetica"/>
-                          <a:ea typeface="Times New Roman" panose="02020603050405020304"/>
-                          <a:cs typeface="Times New Roman" panose="02020603050405020304"/>
-                        </a:rPr>
-                        <a:t>localStorage</a:t>
-                      </a:r>
-                      <a:endParaRPr lang="en-US" sz="1400">
-                        <a:latin typeface="Calibri" panose="020F0502020204030204"/>
-                        <a:ea typeface="宋体" panose="02010600030101010101" pitchFamily="2" charset="-122"/>
-                        <a:cs typeface="Times New Roman" panose="02020603050405020304"/>
-                      </a:endParaRPr>
-                    </a:p>
-                  </a:txBody>
-                  <a:tcPr marL="59113" marR="59113" marT="36945" marB="36945" anchor="ctr">
-                    <a:lnL w="12700" cap="flat" cmpd="sng" algn="ctr">
-                      <a:solidFill>
-                        <a:srgbClr val="E6E6E6"/>
-                      </a:solidFill>
-                      <a:prstDash val="solid"/>
-                      <a:round/>
-                      <a:headEnd type="none" w="med" len="med"/>
-                      <a:tailEnd type="none" w="med" len="med"/>
-                    </a:lnL>
-                    <a:lnR w="12700" cap="flat" cmpd="sng" algn="ctr">
-                      <a:solidFill>
-                        <a:srgbClr val="E6E6E6"/>
-                      </a:solidFill>
-                      <a:prstDash val="solid"/>
-                      <a:round/>
-                      <a:headEnd type="none" w="med" len="med"/>
-                      <a:tailEnd type="none" w="med" len="med"/>
-                    </a:lnR>
-                    <a:lnT w="12700" cap="flat" cmpd="sng" algn="ctr">
-                      <a:solidFill>
-                        <a:srgbClr val="E6E6E6"/>
-                      </a:solidFill>
-                      <a:prstDash val="solid"/>
-                      <a:round/>
-                      <a:headEnd type="none" w="med" len="med"/>
-                      <a:tailEnd type="none" w="med" len="med"/>
-                    </a:lnT>
-                    <a:lnB w="12700" cap="flat" cmpd="sng" algn="ctr">
-                      <a:solidFill>
-                        <a:srgbClr val="E6E6E6"/>
-                      </a:solidFill>
-                      <a:prstDash val="solid"/>
-                      <a:round/>
-                      <a:headEnd type="none" w="med" len="med"/>
-                      <a:tailEnd type="none" w="med" len="med"/>
-                    </a:lnB>
-                    <a:solidFill>
-                      <a:srgbClr val="F3F3F3"/>
-                    </a:solidFill>
-                  </a:tcPr>
-                </a:tc>
-                <a:tc>
-                  <a:txBody>
-                    <a:bodyPr/>
-                    <a:lstStyle/>
-                    <a:p>
-                      <a:pPr marL="0" marR="0">
-                        <a:lnSpc>
-                          <a:spcPts val="1680"/>
-                        </a:lnSpc>
-                        <a:spcBef>
-                          <a:spcPts val="1800"/>
-                        </a:spcBef>
-                        <a:spcAft>
-                          <a:spcPts val="1800"/>
-                        </a:spcAft>
-                      </a:pPr>
-                      <a:r>
-                        <a:rPr lang="en-US" sz="1400" b="1">
-                          <a:solidFill>
-                            <a:srgbClr val="333333"/>
-                          </a:solidFill>
-                          <a:latin typeface="Helvetica"/>
-                          <a:ea typeface="Times New Roman" panose="02020603050405020304"/>
-                          <a:cs typeface="Times New Roman" panose="02020603050405020304"/>
-                        </a:rPr>
-                        <a:t>sessionStorage</a:t>
-                      </a:r>
-                      <a:endParaRPr lang="en-US" sz="1400">
-                        <a:latin typeface="Calibri" panose="020F0502020204030204"/>
-                        <a:ea typeface="宋体" panose="02010600030101010101" pitchFamily="2" charset="-122"/>
-                        <a:cs typeface="Times New Roman" panose="02020603050405020304"/>
-                      </a:endParaRPr>
-                    </a:p>
-                  </a:txBody>
-                  <a:tcPr marL="59113" marR="59113" marT="36945" marB="36945" anchor="ctr">
-                    <a:lnL w="12700" cap="flat" cmpd="sng" algn="ctr">
-                      <a:solidFill>
-                        <a:srgbClr val="E6E6E6"/>
-                      </a:solidFill>
-                      <a:prstDash val="solid"/>
-                      <a:round/>
-                      <a:headEnd type="none" w="med" len="med"/>
-                      <a:tailEnd type="none" w="med" len="med"/>
-                    </a:lnL>
-                    <a:lnR w="12700" cap="flat" cmpd="sng" algn="ctr">
-                      <a:solidFill>
-                        <a:srgbClr val="E6E6E6"/>
-                      </a:solidFill>
-                      <a:prstDash val="solid"/>
-                      <a:round/>
-                      <a:headEnd type="none" w="med" len="med"/>
-                      <a:tailEnd type="none" w="med" len="med"/>
-                    </a:lnR>
-                    <a:lnT w="12700" cap="flat" cmpd="sng" algn="ctr">
-                      <a:solidFill>
-                        <a:srgbClr val="E6E6E6"/>
-                      </a:solidFill>
-                      <a:prstDash val="solid"/>
-                      <a:round/>
-                      <a:headEnd type="none" w="med" len="med"/>
-                      <a:tailEnd type="none" w="med" len="med"/>
-                    </a:lnT>
-                    <a:lnB w="12700" cap="flat" cmpd="sng" algn="ctr">
-                      <a:solidFill>
-                        <a:srgbClr val="E6E6E6"/>
-                      </a:solidFill>
-                      <a:prstDash val="solid"/>
-                      <a:round/>
-                      <a:headEnd type="none" w="med" len="med"/>
-                      <a:tailEnd type="none" w="med" len="med"/>
-                    </a:lnB>
-                    <a:solidFill>
-                      <a:srgbClr val="F3F3F3"/>
-                    </a:solidFill>
-                  </a:tcPr>
-                </a:tc>
-              </a:tr>
-              <a:tr h="777686">
-                <a:tc>
-                  <a:txBody>
-                    <a:bodyPr/>
-                    <a:lstStyle/>
-                    <a:p>
-                      <a:pPr marL="0" marR="0">
-                        <a:lnSpc>
-                          <a:spcPts val="1680"/>
-                        </a:lnSpc>
-                        <a:spcBef>
-                          <a:spcPts val="1800"/>
-                        </a:spcBef>
-                        <a:spcAft>
-                          <a:spcPts val="1800"/>
-                        </a:spcAft>
-                      </a:pPr>
-                      <a:r>
-                        <a:rPr lang="zh-CN" sz="1400" dirty="0">
-                          <a:solidFill>
-                            <a:srgbClr val="333333"/>
-                          </a:solidFill>
-                          <a:latin typeface="Calibri" panose="020F0502020204030204"/>
-                          <a:ea typeface="宋体" panose="02010600030101010101" pitchFamily="2" charset="-122"/>
-                          <a:cs typeface="宋体" panose="02010600030101010101" pitchFamily="2" charset="-122"/>
-                        </a:rPr>
-                        <a:t>数据的生命期</a:t>
-                      </a:r>
-                      <a:endParaRPr lang="en-US" sz="1400" dirty="0">
-                        <a:latin typeface="Calibri" panose="020F0502020204030204"/>
-                        <a:ea typeface="宋体" panose="02010600030101010101" pitchFamily="2" charset="-122"/>
-                        <a:cs typeface="Times New Roman" panose="02020603050405020304"/>
-                      </a:endParaRPr>
-                    </a:p>
-                  </a:txBody>
-                  <a:tcPr marL="59113" marR="59113" marT="36945" marB="36945" anchor="ctr">
-                    <a:lnL w="12700" cap="flat" cmpd="sng" algn="ctr">
-                      <a:solidFill>
-                        <a:srgbClr val="E6E6E6"/>
-                      </a:solidFill>
-                      <a:prstDash val="solid"/>
-                      <a:round/>
-                      <a:headEnd type="none" w="med" len="med"/>
-                      <a:tailEnd type="none" w="med" len="med"/>
-                    </a:lnL>
-                    <a:lnR w="12700" cap="flat" cmpd="sng" algn="ctr">
-                      <a:solidFill>
-                        <a:srgbClr val="E6E6E6"/>
-                      </a:solidFill>
-                      <a:prstDash val="solid"/>
-                      <a:round/>
-                      <a:headEnd type="none" w="med" len="med"/>
-                      <a:tailEnd type="none" w="med" len="med"/>
-                    </a:lnR>
-                    <a:lnT w="12700" cap="flat" cmpd="sng" algn="ctr">
-                      <a:solidFill>
-                        <a:srgbClr val="E6E6E6"/>
-                      </a:solidFill>
-                      <a:prstDash val="solid"/>
-                      <a:round/>
-                      <a:headEnd type="none" w="med" len="med"/>
-                      <a:tailEnd type="none" w="med" len="med"/>
-                    </a:lnT>
-                    <a:lnB w="12700" cap="flat" cmpd="sng" algn="ctr">
-                      <a:solidFill>
-                        <a:srgbClr val="E6E6E6"/>
-                      </a:solidFill>
-                      <a:prstDash val="solid"/>
-                      <a:round/>
-                      <a:headEnd type="none" w="med" len="med"/>
-                      <a:tailEnd type="none" w="med" len="med"/>
-                    </a:lnB>
-                    <a:solidFill>
-                      <a:srgbClr val="FFFFFF"/>
-                    </a:solidFill>
-                  </a:tcPr>
-                </a:tc>
-                <a:tc>
-                  <a:txBody>
-                    <a:bodyPr/>
-                    <a:lstStyle/>
-                    <a:p>
-                      <a:pPr marL="0" marR="0">
-                        <a:lnSpc>
-                          <a:spcPts val="1680"/>
-                        </a:lnSpc>
-                        <a:spcBef>
-                          <a:spcPts val="1800"/>
-                        </a:spcBef>
-                        <a:spcAft>
-                          <a:spcPts val="1800"/>
-                        </a:spcAft>
-                      </a:pPr>
-                      <a:r>
-                        <a:rPr lang="zh-CN" sz="1400" dirty="0">
-                          <a:solidFill>
-                            <a:srgbClr val="333333"/>
-                          </a:solidFill>
-                          <a:latin typeface="Calibri" panose="020F0502020204030204"/>
-                          <a:ea typeface="宋体" panose="02010600030101010101" pitchFamily="2" charset="-122"/>
-                          <a:cs typeface="宋体" panose="02010600030101010101" pitchFamily="2" charset="-122"/>
-                        </a:rPr>
-                        <a:t>可设置失效时间，默认是关闭浏览器后失效</a:t>
-                      </a:r>
-                      <a:endParaRPr lang="en-US" sz="1400" dirty="0">
-                        <a:latin typeface="Calibri" panose="020F0502020204030204"/>
-                        <a:ea typeface="宋体" panose="02010600030101010101" pitchFamily="2" charset="-122"/>
-                        <a:cs typeface="Times New Roman" panose="02020603050405020304"/>
-                      </a:endParaRPr>
-                    </a:p>
-                  </a:txBody>
-                  <a:tcPr marL="59113" marR="59113" marT="36945" marB="36945" anchor="ctr">
-                    <a:lnL w="12700" cap="flat" cmpd="sng" algn="ctr">
-                      <a:solidFill>
-                        <a:srgbClr val="E6E6E6"/>
-                      </a:solidFill>
-                      <a:prstDash val="solid"/>
-                      <a:round/>
-                      <a:headEnd type="none" w="med" len="med"/>
-                      <a:tailEnd type="none" w="med" len="med"/>
-                    </a:lnL>
-                    <a:lnR w="12700" cap="flat" cmpd="sng" algn="ctr">
-                      <a:solidFill>
-                        <a:srgbClr val="E6E6E6"/>
-                      </a:solidFill>
-                      <a:prstDash val="solid"/>
-                      <a:round/>
-                      <a:headEnd type="none" w="med" len="med"/>
-                      <a:tailEnd type="none" w="med" len="med"/>
-                    </a:lnR>
-                    <a:lnT w="12700" cap="flat" cmpd="sng" algn="ctr">
-                      <a:solidFill>
-                        <a:srgbClr val="E6E6E6"/>
-                      </a:solidFill>
-                      <a:prstDash val="solid"/>
-                      <a:round/>
-                      <a:headEnd type="none" w="med" len="med"/>
-                      <a:tailEnd type="none" w="med" len="med"/>
-                    </a:lnT>
-                    <a:lnB w="12700" cap="flat" cmpd="sng" algn="ctr">
-                      <a:solidFill>
-                        <a:srgbClr val="E6E6E6"/>
-                      </a:solidFill>
-                      <a:prstDash val="solid"/>
-                      <a:round/>
-                      <a:headEnd type="none" w="med" len="med"/>
-                      <a:tailEnd type="none" w="med" len="med"/>
-                    </a:lnB>
-                    <a:solidFill>
-                      <a:srgbClr val="FFFFFF"/>
-                    </a:solidFill>
-                  </a:tcPr>
-                </a:tc>
-                <a:tc>
-                  <a:txBody>
-                    <a:bodyPr/>
-                    <a:lstStyle/>
-                    <a:p>
-                      <a:pPr marL="0" marR="0">
-                        <a:lnSpc>
-                          <a:spcPts val="1680"/>
-                        </a:lnSpc>
-                        <a:spcBef>
-                          <a:spcPts val="1800"/>
-                        </a:spcBef>
-                        <a:spcAft>
-                          <a:spcPts val="1800"/>
-                        </a:spcAft>
-                      </a:pPr>
-                      <a:r>
-                        <a:rPr lang="zh-CN" sz="1400">
-                          <a:solidFill>
-                            <a:srgbClr val="333333"/>
-                          </a:solidFill>
-                          <a:latin typeface="Calibri" panose="020F0502020204030204"/>
-                          <a:ea typeface="宋体" panose="02010600030101010101" pitchFamily="2" charset="-122"/>
-                          <a:cs typeface="宋体" panose="02010600030101010101" pitchFamily="2" charset="-122"/>
-                        </a:rPr>
-                        <a:t>除非被清除，否则永久保存</a:t>
-                      </a:r>
-                      <a:endParaRPr lang="en-US" sz="1400">
-                        <a:latin typeface="Calibri" panose="020F0502020204030204"/>
-                        <a:ea typeface="宋体" panose="02010600030101010101" pitchFamily="2" charset="-122"/>
-                        <a:cs typeface="Times New Roman" panose="02020603050405020304"/>
-                      </a:endParaRPr>
-                    </a:p>
-                  </a:txBody>
-                  <a:tcPr marL="59113" marR="59113" marT="36945" marB="36945" anchor="ctr">
-                    <a:lnL w="12700" cap="flat" cmpd="sng" algn="ctr">
-                      <a:solidFill>
-                        <a:srgbClr val="E6E6E6"/>
-                      </a:solidFill>
-                      <a:prstDash val="solid"/>
-                      <a:round/>
-                      <a:headEnd type="none" w="med" len="med"/>
-                      <a:tailEnd type="none" w="med" len="med"/>
-                    </a:lnL>
-                    <a:lnR w="12700" cap="flat" cmpd="sng" algn="ctr">
-                      <a:solidFill>
-                        <a:srgbClr val="E6E6E6"/>
-                      </a:solidFill>
-                      <a:prstDash val="solid"/>
-                      <a:round/>
-                      <a:headEnd type="none" w="med" len="med"/>
-                      <a:tailEnd type="none" w="med" len="med"/>
-                    </a:lnR>
-                    <a:lnT w="12700" cap="flat" cmpd="sng" algn="ctr">
-                      <a:solidFill>
-                        <a:srgbClr val="E6E6E6"/>
-                      </a:solidFill>
-                      <a:prstDash val="solid"/>
-                      <a:round/>
-                      <a:headEnd type="none" w="med" len="med"/>
-                      <a:tailEnd type="none" w="med" len="med"/>
-                    </a:lnT>
-                    <a:lnB w="12700" cap="flat" cmpd="sng" algn="ctr">
-                      <a:solidFill>
-                        <a:srgbClr val="E6E6E6"/>
-                      </a:solidFill>
-                      <a:prstDash val="solid"/>
-                      <a:round/>
-                      <a:headEnd type="none" w="med" len="med"/>
-                      <a:tailEnd type="none" w="med" len="med"/>
-                    </a:lnB>
-                    <a:solidFill>
-                      <a:srgbClr val="FFFFFF"/>
-                    </a:solidFill>
-                  </a:tcPr>
-                </a:tc>
-                <a:tc>
-                  <a:txBody>
-                    <a:bodyPr/>
-                    <a:lstStyle/>
-                    <a:p>
-                      <a:pPr marL="0" marR="0">
-                        <a:lnSpc>
-                          <a:spcPts val="1680"/>
-                        </a:lnSpc>
-                        <a:spcBef>
-                          <a:spcPts val="1800"/>
-                        </a:spcBef>
-                        <a:spcAft>
-                          <a:spcPts val="1800"/>
-                        </a:spcAft>
-                      </a:pPr>
-                      <a:r>
-                        <a:rPr lang="zh-CN" sz="1400">
-                          <a:solidFill>
-                            <a:srgbClr val="333333"/>
-                          </a:solidFill>
-                          <a:latin typeface="Calibri" panose="020F0502020204030204"/>
-                          <a:ea typeface="宋体" panose="02010600030101010101" pitchFamily="2" charset="-122"/>
-                          <a:cs typeface="宋体" panose="02010600030101010101" pitchFamily="2" charset="-122"/>
-                        </a:rPr>
-                        <a:t>仅在当前会话下有效，关闭页面或浏览器后被清除</a:t>
-                      </a:r>
-                      <a:endParaRPr lang="en-US" sz="1400">
-                        <a:latin typeface="Calibri" panose="020F0502020204030204"/>
-                        <a:ea typeface="宋体" panose="02010600030101010101" pitchFamily="2" charset="-122"/>
-                        <a:cs typeface="Times New Roman" panose="02020603050405020304"/>
-                      </a:endParaRPr>
-                    </a:p>
-                  </a:txBody>
-                  <a:tcPr marL="59113" marR="59113" marT="36945" marB="36945" anchor="ctr">
-                    <a:lnL w="12700" cap="flat" cmpd="sng" algn="ctr">
-                      <a:solidFill>
-                        <a:srgbClr val="E6E6E6"/>
-                      </a:solidFill>
-                      <a:prstDash val="solid"/>
-                      <a:round/>
-                      <a:headEnd type="none" w="med" len="med"/>
-                      <a:tailEnd type="none" w="med" len="med"/>
-                    </a:lnL>
-                    <a:lnR w="12700" cap="flat" cmpd="sng" algn="ctr">
-                      <a:solidFill>
-                        <a:srgbClr val="E6E6E6"/>
-                      </a:solidFill>
-                      <a:prstDash val="solid"/>
-                      <a:round/>
-                      <a:headEnd type="none" w="med" len="med"/>
-                      <a:tailEnd type="none" w="med" len="med"/>
-                    </a:lnR>
-                    <a:lnT w="12700" cap="flat" cmpd="sng" algn="ctr">
-                      <a:solidFill>
-                        <a:srgbClr val="E6E6E6"/>
-                      </a:solidFill>
-                      <a:prstDash val="solid"/>
-                      <a:round/>
-                      <a:headEnd type="none" w="med" len="med"/>
-                      <a:tailEnd type="none" w="med" len="med"/>
-                    </a:lnT>
-                    <a:lnB w="12700" cap="flat" cmpd="sng" algn="ctr">
-                      <a:solidFill>
-                        <a:srgbClr val="E6E6E6"/>
-                      </a:solidFill>
-                      <a:prstDash val="solid"/>
-                      <a:round/>
-                      <a:headEnd type="none" w="med" len="med"/>
-                      <a:tailEnd type="none" w="med" len="med"/>
-                    </a:lnB>
-                    <a:solidFill>
-                      <a:srgbClr val="FFFFFF"/>
-                    </a:solidFill>
-                  </a:tcPr>
-                </a:tc>
-              </a:tr>
-              <a:tr h="445660">
-                <a:tc>
-                  <a:txBody>
-                    <a:bodyPr/>
-                    <a:lstStyle/>
-                    <a:p>
-                      <a:pPr marL="0" marR="0">
-                        <a:lnSpc>
-                          <a:spcPts val="1680"/>
-                        </a:lnSpc>
-                        <a:spcBef>
-                          <a:spcPts val="1800"/>
-                        </a:spcBef>
-                        <a:spcAft>
-                          <a:spcPts val="1800"/>
-                        </a:spcAft>
-                      </a:pPr>
-                      <a:r>
-                        <a:rPr lang="zh-CN" sz="1400" dirty="0">
-                          <a:solidFill>
-                            <a:srgbClr val="333333"/>
-                          </a:solidFill>
-                          <a:latin typeface="Calibri" panose="020F0502020204030204"/>
-                          <a:ea typeface="宋体" panose="02010600030101010101" pitchFamily="2" charset="-122"/>
-                          <a:cs typeface="宋体" panose="02010600030101010101" pitchFamily="2" charset="-122"/>
-                        </a:rPr>
-                        <a:t>存放数据大小</a:t>
-                      </a:r>
-                      <a:endParaRPr lang="en-US" sz="1400" dirty="0">
-                        <a:latin typeface="Calibri" panose="020F0502020204030204"/>
-                        <a:ea typeface="宋体" panose="02010600030101010101" pitchFamily="2" charset="-122"/>
-                        <a:cs typeface="Times New Roman" panose="02020603050405020304"/>
-                      </a:endParaRPr>
-                    </a:p>
-                  </a:txBody>
-                  <a:tcPr marL="59113" marR="59113" marT="36945" marB="36945" anchor="ctr">
-                    <a:lnL w="12700" cap="flat" cmpd="sng" algn="ctr">
-                      <a:solidFill>
-                        <a:srgbClr val="E6E6E6"/>
-                      </a:solidFill>
-                      <a:prstDash val="solid"/>
-                      <a:round/>
-                      <a:headEnd type="none" w="med" len="med"/>
-                      <a:tailEnd type="none" w="med" len="med"/>
-                    </a:lnL>
-                    <a:lnR w="12700" cap="flat" cmpd="sng" algn="ctr">
-                      <a:solidFill>
-                        <a:srgbClr val="E6E6E6"/>
-                      </a:solidFill>
-                      <a:prstDash val="solid"/>
-                      <a:round/>
-                      <a:headEnd type="none" w="med" len="med"/>
-                      <a:tailEnd type="none" w="med" len="med"/>
-                    </a:lnR>
-                    <a:lnT w="12700" cap="flat" cmpd="sng" algn="ctr">
-                      <a:solidFill>
-                        <a:srgbClr val="E6E6E6"/>
-                      </a:solidFill>
-                      <a:prstDash val="solid"/>
-                      <a:round/>
-                      <a:headEnd type="none" w="med" len="med"/>
-                      <a:tailEnd type="none" w="med" len="med"/>
-                    </a:lnT>
-                    <a:lnB w="12700" cap="flat" cmpd="sng" algn="ctr">
-                      <a:solidFill>
-                        <a:srgbClr val="E6E6E6"/>
-                      </a:solidFill>
-                      <a:prstDash val="solid"/>
-                      <a:round/>
-                      <a:headEnd type="none" w="med" len="med"/>
-                      <a:tailEnd type="none" w="med" len="med"/>
-                    </a:lnB>
-                    <a:solidFill>
-                      <a:srgbClr val="FFFFFF"/>
-                    </a:solidFill>
-                  </a:tcPr>
-                </a:tc>
-                <a:tc>
-                  <a:txBody>
-                    <a:bodyPr/>
-                    <a:lstStyle/>
-                    <a:p>
-                      <a:pPr marL="0" marR="0">
-                        <a:lnSpc>
-                          <a:spcPts val="1680"/>
-                        </a:lnSpc>
-                        <a:spcBef>
-                          <a:spcPts val="1800"/>
-                        </a:spcBef>
-                        <a:spcAft>
-                          <a:spcPts val="1800"/>
-                        </a:spcAft>
-                      </a:pPr>
-                      <a:r>
-                        <a:rPr lang="en-US" sz="1400" dirty="0">
-                          <a:solidFill>
-                            <a:srgbClr val="333333"/>
-                          </a:solidFill>
-                          <a:latin typeface="Helvetica"/>
-                          <a:ea typeface="Times New Roman" panose="02020603050405020304"/>
-                          <a:cs typeface="Times New Roman" panose="02020603050405020304"/>
-                        </a:rPr>
-                        <a:t>4K</a:t>
-                      </a:r>
-                      <a:r>
-                        <a:rPr lang="zh-CN" sz="1400" dirty="0">
-                          <a:solidFill>
-                            <a:srgbClr val="333333"/>
-                          </a:solidFill>
-                          <a:latin typeface="Calibri" panose="020F0502020204030204"/>
-                          <a:ea typeface="宋体" panose="02010600030101010101" pitchFamily="2" charset="-122"/>
-                          <a:cs typeface="宋体" panose="02010600030101010101" pitchFamily="2" charset="-122"/>
-                        </a:rPr>
-                        <a:t>左右</a:t>
-                      </a:r>
-                      <a:endParaRPr lang="en-US" sz="1400" dirty="0">
-                        <a:latin typeface="Calibri" panose="020F0502020204030204"/>
-                        <a:ea typeface="宋体" panose="02010600030101010101" pitchFamily="2" charset="-122"/>
-                        <a:cs typeface="Times New Roman" panose="02020603050405020304"/>
-                      </a:endParaRPr>
-                    </a:p>
-                  </a:txBody>
-                  <a:tcPr marL="59113" marR="59113" marT="36945" marB="36945" anchor="ctr">
-                    <a:lnL w="12700" cap="flat" cmpd="sng" algn="ctr">
-                      <a:solidFill>
-                        <a:srgbClr val="E6E6E6"/>
-                      </a:solidFill>
-                      <a:prstDash val="solid"/>
-                      <a:round/>
-                      <a:headEnd type="none" w="med" len="med"/>
-                      <a:tailEnd type="none" w="med" len="med"/>
-                    </a:lnL>
-                    <a:lnR w="12700" cap="flat" cmpd="sng" algn="ctr">
-                      <a:solidFill>
-                        <a:srgbClr val="E6E6E6"/>
-                      </a:solidFill>
-                      <a:prstDash val="solid"/>
-                      <a:round/>
-                      <a:headEnd type="none" w="med" len="med"/>
-                      <a:tailEnd type="none" w="med" len="med"/>
-                    </a:lnR>
-                    <a:lnT w="12700" cap="flat" cmpd="sng" algn="ctr">
-                      <a:solidFill>
-                        <a:srgbClr val="E6E6E6"/>
-                      </a:solidFill>
-                      <a:prstDash val="solid"/>
-                      <a:round/>
-                      <a:headEnd type="none" w="med" len="med"/>
-                      <a:tailEnd type="none" w="med" len="med"/>
-                    </a:lnT>
-                    <a:lnB w="12700" cap="flat" cmpd="sng" algn="ctr">
-                      <a:solidFill>
-                        <a:srgbClr val="E6E6E6"/>
-                      </a:solidFill>
-                      <a:prstDash val="solid"/>
-                      <a:round/>
-                      <a:headEnd type="none" w="med" len="med"/>
-                      <a:tailEnd type="none" w="med" len="med"/>
-                    </a:lnB>
-                    <a:solidFill>
-                      <a:srgbClr val="FFFFFF"/>
-                    </a:solidFill>
-                  </a:tcPr>
-                </a:tc>
-                <a:tc>
-                  <a:txBody>
-                    <a:bodyPr/>
-                    <a:lstStyle/>
-                    <a:p>
-                      <a:pPr marL="0" marR="0">
-                        <a:lnSpc>
-                          <a:spcPts val="1680"/>
-                        </a:lnSpc>
-                        <a:spcBef>
-                          <a:spcPts val="1800"/>
-                        </a:spcBef>
-                        <a:spcAft>
-                          <a:spcPts val="1800"/>
-                        </a:spcAft>
-                      </a:pPr>
-                      <a:r>
-                        <a:rPr lang="zh-CN" sz="1400">
-                          <a:solidFill>
-                            <a:srgbClr val="333333"/>
-                          </a:solidFill>
-                          <a:latin typeface="Calibri" panose="020F0502020204030204"/>
-                          <a:ea typeface="宋体" panose="02010600030101010101" pitchFamily="2" charset="-122"/>
-                          <a:cs typeface="宋体" panose="02010600030101010101" pitchFamily="2" charset="-122"/>
-                        </a:rPr>
-                        <a:t>一般为</a:t>
-                      </a:r>
-                      <a:r>
-                        <a:rPr lang="en-US" sz="1400">
-                          <a:solidFill>
-                            <a:srgbClr val="333333"/>
-                          </a:solidFill>
-                          <a:latin typeface="Helvetica"/>
-                          <a:ea typeface="Times New Roman" panose="02020603050405020304"/>
-                          <a:cs typeface="Helvetica"/>
-                        </a:rPr>
-                        <a:t>5M</a:t>
-                      </a:r>
-                      <a:r>
-                        <a:rPr lang="en-US" sz="1400">
-                          <a:solidFill>
-                            <a:srgbClr val="333333"/>
-                          </a:solidFill>
-                          <a:latin typeface="Helvetica"/>
-                          <a:ea typeface="Times New Roman" panose="02020603050405020304"/>
-                          <a:cs typeface="Times New Roman" panose="02020603050405020304"/>
-                        </a:rPr>
-                        <a:t>B</a:t>
-                      </a:r>
-                      <a:endParaRPr lang="en-US" sz="1400">
-                        <a:latin typeface="Calibri" panose="020F0502020204030204"/>
-                        <a:ea typeface="宋体" panose="02010600030101010101" pitchFamily="2" charset="-122"/>
-                        <a:cs typeface="Times New Roman" panose="02020603050405020304"/>
-                      </a:endParaRPr>
-                    </a:p>
-                  </a:txBody>
-                  <a:tcPr marL="59113" marR="59113" marT="36945" marB="36945" anchor="ctr">
-                    <a:lnL w="12700" cap="flat" cmpd="sng" algn="ctr">
-                      <a:solidFill>
-                        <a:srgbClr val="E6E6E6"/>
-                      </a:solidFill>
-                      <a:prstDash val="solid"/>
-                      <a:round/>
-                      <a:headEnd type="none" w="med" len="med"/>
-                      <a:tailEnd type="none" w="med" len="med"/>
-                    </a:lnL>
-                    <a:lnR w="12700" cap="flat" cmpd="sng" algn="ctr">
-                      <a:solidFill>
-                        <a:srgbClr val="E6E6E6"/>
-                      </a:solidFill>
-                      <a:prstDash val="solid"/>
-                      <a:round/>
-                      <a:headEnd type="none" w="med" len="med"/>
-                      <a:tailEnd type="none" w="med" len="med"/>
-                    </a:lnR>
-                    <a:lnT w="12700" cap="flat" cmpd="sng" algn="ctr">
-                      <a:solidFill>
-                        <a:srgbClr val="E6E6E6"/>
-                      </a:solidFill>
-                      <a:prstDash val="solid"/>
-                      <a:round/>
-                      <a:headEnd type="none" w="med" len="med"/>
-                      <a:tailEnd type="none" w="med" len="med"/>
-                    </a:lnT>
-                    <a:lnB w="12700" cap="flat" cmpd="sng" algn="ctr">
-                      <a:solidFill>
-                        <a:srgbClr val="E6E6E6"/>
-                      </a:solidFill>
-                      <a:prstDash val="solid"/>
-                      <a:round/>
-                      <a:headEnd type="none" w="med" len="med"/>
-                      <a:tailEnd type="none" w="med" len="med"/>
-                    </a:lnB>
-                    <a:solidFill>
-                      <a:srgbClr val="FFFFFF"/>
-                    </a:solidFill>
-                  </a:tcPr>
-                </a:tc>
-                <a:tc>
-                  <a:txBody>
-                    <a:bodyPr/>
-                    <a:lstStyle/>
-                    <a:p>
-                      <a:pPr marL="0" marR="0">
-                        <a:lnSpc>
-                          <a:spcPts val="1680"/>
-                        </a:lnSpc>
-                        <a:spcBef>
-                          <a:spcPts val="1800"/>
-                        </a:spcBef>
-                        <a:spcAft>
-                          <a:spcPts val="1800"/>
-                        </a:spcAft>
-                      </a:pPr>
-                      <a:r>
-                        <a:rPr lang="zh-CN" sz="1400">
-                          <a:solidFill>
-                            <a:srgbClr val="333333"/>
-                          </a:solidFill>
-                          <a:latin typeface="Calibri" panose="020F0502020204030204"/>
-                          <a:ea typeface="宋体" panose="02010600030101010101" pitchFamily="2" charset="-122"/>
-                          <a:cs typeface="宋体" panose="02010600030101010101" pitchFamily="2" charset="-122"/>
-                        </a:rPr>
-                        <a:t>一般为</a:t>
-                      </a:r>
-                      <a:r>
-                        <a:rPr lang="en-US" sz="1400">
-                          <a:solidFill>
-                            <a:srgbClr val="333333"/>
-                          </a:solidFill>
-                          <a:latin typeface="Helvetica"/>
-                          <a:ea typeface="Times New Roman" panose="02020603050405020304"/>
-                          <a:cs typeface="Helvetica"/>
-                        </a:rPr>
-                        <a:t>5M</a:t>
-                      </a:r>
-                      <a:r>
-                        <a:rPr lang="en-US" sz="1400">
-                          <a:solidFill>
-                            <a:srgbClr val="333333"/>
-                          </a:solidFill>
-                          <a:latin typeface="Helvetica"/>
-                          <a:ea typeface="Times New Roman" panose="02020603050405020304"/>
-                          <a:cs typeface="Times New Roman" panose="02020603050405020304"/>
-                        </a:rPr>
-                        <a:t>B</a:t>
-                      </a:r>
-                      <a:endParaRPr lang="en-US" sz="1400">
-                        <a:latin typeface="Calibri" panose="020F0502020204030204"/>
-                        <a:ea typeface="宋体" panose="02010600030101010101" pitchFamily="2" charset="-122"/>
-                        <a:cs typeface="Times New Roman" panose="02020603050405020304"/>
-                      </a:endParaRPr>
-                    </a:p>
-                  </a:txBody>
-                  <a:tcPr marL="59113" marR="59113" marT="36945" marB="36945" anchor="ctr">
-                    <a:lnL w="12700" cap="flat" cmpd="sng" algn="ctr">
-                      <a:solidFill>
-                        <a:srgbClr val="E6E6E6"/>
-                      </a:solidFill>
-                      <a:prstDash val="solid"/>
-                      <a:round/>
-                      <a:headEnd type="none" w="med" len="med"/>
-                      <a:tailEnd type="none" w="med" len="med"/>
-                    </a:lnL>
-                    <a:lnR w="12700" cap="flat" cmpd="sng" algn="ctr">
-                      <a:solidFill>
-                        <a:srgbClr val="E6E6E6"/>
-                      </a:solidFill>
-                      <a:prstDash val="solid"/>
-                      <a:round/>
-                      <a:headEnd type="none" w="med" len="med"/>
-                      <a:tailEnd type="none" w="med" len="med"/>
-                    </a:lnR>
-                    <a:lnT w="12700" cap="flat" cmpd="sng" algn="ctr">
-                      <a:solidFill>
-                        <a:srgbClr val="E6E6E6"/>
-                      </a:solidFill>
-                      <a:prstDash val="solid"/>
-                      <a:round/>
-                      <a:headEnd type="none" w="med" len="med"/>
-                      <a:tailEnd type="none" w="med" len="med"/>
-                    </a:lnT>
-                    <a:lnB w="12700" cap="flat" cmpd="sng" algn="ctr">
-                      <a:solidFill>
-                        <a:srgbClr val="E6E6E6"/>
-                      </a:solidFill>
-                      <a:prstDash val="solid"/>
-                      <a:round/>
-                      <a:headEnd type="none" w="med" len="med"/>
-                      <a:tailEnd type="none" w="med" len="med"/>
-                    </a:lnB>
-                    <a:solidFill>
-                      <a:srgbClr val="FFFFFF"/>
-                    </a:solidFill>
-                  </a:tcPr>
-                </a:tc>
-              </a:tr>
-              <a:tr h="1109713">
-                <a:tc>
-                  <a:txBody>
-                    <a:bodyPr/>
-                    <a:lstStyle/>
-                    <a:p>
-                      <a:pPr marL="0" marR="0">
-                        <a:lnSpc>
-                          <a:spcPts val="1680"/>
-                        </a:lnSpc>
-                        <a:spcBef>
-                          <a:spcPts val="1800"/>
-                        </a:spcBef>
-                        <a:spcAft>
-                          <a:spcPts val="1800"/>
-                        </a:spcAft>
-                      </a:pPr>
-                      <a:r>
-                        <a:rPr lang="zh-CN" sz="1400">
-                          <a:solidFill>
-                            <a:srgbClr val="333333"/>
-                          </a:solidFill>
-                          <a:latin typeface="Calibri" panose="020F0502020204030204"/>
-                          <a:ea typeface="宋体" panose="02010600030101010101" pitchFamily="2" charset="-122"/>
-                          <a:cs typeface="宋体" panose="02010600030101010101" pitchFamily="2" charset="-122"/>
-                        </a:rPr>
-                        <a:t>与服务器端通信</a:t>
-                      </a:r>
-                      <a:endParaRPr lang="en-US" sz="1400">
-                        <a:latin typeface="Calibri" panose="020F0502020204030204"/>
-                        <a:ea typeface="宋体" panose="02010600030101010101" pitchFamily="2" charset="-122"/>
-                        <a:cs typeface="Times New Roman" panose="02020603050405020304"/>
-                      </a:endParaRPr>
-                    </a:p>
-                  </a:txBody>
-                  <a:tcPr marL="59113" marR="59113" marT="36945" marB="36945" anchor="ctr">
-                    <a:lnL w="12700" cap="flat" cmpd="sng" algn="ctr">
-                      <a:solidFill>
-                        <a:srgbClr val="E6E6E6"/>
-                      </a:solidFill>
-                      <a:prstDash val="solid"/>
-                      <a:round/>
-                      <a:headEnd type="none" w="med" len="med"/>
-                      <a:tailEnd type="none" w="med" len="med"/>
-                    </a:lnL>
-                    <a:lnR w="12700" cap="flat" cmpd="sng" algn="ctr">
-                      <a:solidFill>
-                        <a:srgbClr val="E6E6E6"/>
-                      </a:solidFill>
-                      <a:prstDash val="solid"/>
-                      <a:round/>
-                      <a:headEnd type="none" w="med" len="med"/>
-                      <a:tailEnd type="none" w="med" len="med"/>
-                    </a:lnR>
-                    <a:lnT w="12700" cap="flat" cmpd="sng" algn="ctr">
-                      <a:solidFill>
-                        <a:srgbClr val="E6E6E6"/>
-                      </a:solidFill>
-                      <a:prstDash val="solid"/>
-                      <a:round/>
-                      <a:headEnd type="none" w="med" len="med"/>
-                      <a:tailEnd type="none" w="med" len="med"/>
-                    </a:lnT>
-                    <a:lnB w="12700" cap="flat" cmpd="sng" algn="ctr">
-                      <a:solidFill>
-                        <a:srgbClr val="E6E6E6"/>
-                      </a:solidFill>
-                      <a:prstDash val="solid"/>
-                      <a:round/>
-                      <a:headEnd type="none" w="med" len="med"/>
-                      <a:tailEnd type="none" w="med" len="med"/>
-                    </a:lnB>
-                    <a:solidFill>
-                      <a:srgbClr val="FFFFFF"/>
-                    </a:solidFill>
-                  </a:tcPr>
-                </a:tc>
-                <a:tc>
-                  <a:txBody>
-                    <a:bodyPr/>
-                    <a:lstStyle/>
-                    <a:p>
-                      <a:pPr marL="0" marR="0">
-                        <a:lnSpc>
-                          <a:spcPts val="1680"/>
-                        </a:lnSpc>
-                        <a:spcBef>
-                          <a:spcPts val="1800"/>
-                        </a:spcBef>
-                        <a:spcAft>
-                          <a:spcPts val="1800"/>
-                        </a:spcAft>
-                      </a:pPr>
-                      <a:r>
-                        <a:rPr lang="zh-CN" sz="1400" dirty="0">
-                          <a:solidFill>
-                            <a:srgbClr val="333333"/>
-                          </a:solidFill>
-                          <a:latin typeface="Calibri" panose="020F0502020204030204"/>
-                          <a:ea typeface="宋体" panose="02010600030101010101" pitchFamily="2" charset="-122"/>
-                          <a:cs typeface="宋体" panose="02010600030101010101" pitchFamily="2" charset="-122"/>
-                        </a:rPr>
-                        <a:t>每次都会携带在</a:t>
-                      </a:r>
-                      <a:r>
-                        <a:rPr lang="en-US" sz="1400" dirty="0">
-                          <a:solidFill>
-                            <a:srgbClr val="333333"/>
-                          </a:solidFill>
-                          <a:latin typeface="Helvetica"/>
-                          <a:ea typeface="Times New Roman" panose="02020603050405020304"/>
-                          <a:cs typeface="Helvetica"/>
-                        </a:rPr>
-                        <a:t>HTTP</a:t>
-                      </a:r>
-                      <a:r>
-                        <a:rPr lang="zh-CN" sz="1400" dirty="0">
-                          <a:solidFill>
-                            <a:srgbClr val="333333"/>
-                          </a:solidFill>
-                          <a:latin typeface="Calibri" panose="020F0502020204030204"/>
-                          <a:ea typeface="宋体" panose="02010600030101010101" pitchFamily="2" charset="-122"/>
-                          <a:cs typeface="宋体" panose="02010600030101010101" pitchFamily="2" charset="-122"/>
-                        </a:rPr>
-                        <a:t>头中，如果使用</a:t>
-                      </a:r>
-                      <a:r>
-                        <a:rPr lang="en-US" sz="1400" dirty="0">
-                          <a:solidFill>
-                            <a:srgbClr val="333333"/>
-                          </a:solidFill>
-                          <a:latin typeface="Helvetica"/>
-                          <a:ea typeface="Times New Roman" panose="02020603050405020304"/>
-                          <a:cs typeface="Helvetica"/>
-                        </a:rPr>
-                        <a:t>cookie</a:t>
-                      </a:r>
-                      <a:r>
-                        <a:rPr lang="zh-CN" sz="1400" dirty="0">
-                          <a:solidFill>
-                            <a:srgbClr val="333333"/>
-                          </a:solidFill>
-                          <a:latin typeface="Calibri" panose="020F0502020204030204"/>
-                          <a:ea typeface="宋体" panose="02010600030101010101" pitchFamily="2" charset="-122"/>
-                          <a:cs typeface="宋体" panose="02010600030101010101" pitchFamily="2" charset="-122"/>
-                        </a:rPr>
-                        <a:t>保存过多数据会带来性能问题</a:t>
-                      </a:r>
-                      <a:endParaRPr lang="en-US" sz="1400" dirty="0">
-                        <a:latin typeface="Calibri" panose="020F0502020204030204"/>
-                        <a:ea typeface="宋体" panose="02010600030101010101" pitchFamily="2" charset="-122"/>
-                        <a:cs typeface="Times New Roman" panose="02020603050405020304"/>
-                      </a:endParaRPr>
-                    </a:p>
-                  </a:txBody>
-                  <a:tcPr marL="59113" marR="59113" marT="36945" marB="36945" anchor="ctr">
-                    <a:lnL w="12700" cap="flat" cmpd="sng" algn="ctr">
-                      <a:solidFill>
-                        <a:srgbClr val="E6E6E6"/>
-                      </a:solidFill>
-                      <a:prstDash val="solid"/>
-                      <a:round/>
-                      <a:headEnd type="none" w="med" len="med"/>
-                      <a:tailEnd type="none" w="med" len="med"/>
-                    </a:lnL>
-                    <a:lnR w="12700" cap="flat" cmpd="sng" algn="ctr">
-                      <a:solidFill>
-                        <a:srgbClr val="E6E6E6"/>
-                      </a:solidFill>
-                      <a:prstDash val="solid"/>
-                      <a:round/>
-                      <a:headEnd type="none" w="med" len="med"/>
-                      <a:tailEnd type="none" w="med" len="med"/>
-                    </a:lnR>
-                    <a:lnT w="12700" cap="flat" cmpd="sng" algn="ctr">
-                      <a:solidFill>
-                        <a:srgbClr val="E6E6E6"/>
-                      </a:solidFill>
-                      <a:prstDash val="solid"/>
-                      <a:round/>
-                      <a:headEnd type="none" w="med" len="med"/>
-                      <a:tailEnd type="none" w="med" len="med"/>
-                    </a:lnT>
-                    <a:lnB w="12700" cap="flat" cmpd="sng" algn="ctr">
-                      <a:solidFill>
-                        <a:srgbClr val="E6E6E6"/>
-                      </a:solidFill>
-                      <a:prstDash val="solid"/>
-                      <a:round/>
-                      <a:headEnd type="none" w="med" len="med"/>
-                      <a:tailEnd type="none" w="med" len="med"/>
-                    </a:lnB>
-                    <a:solidFill>
-                      <a:srgbClr val="FFFFFF"/>
-                    </a:solidFill>
-                  </a:tcPr>
-                </a:tc>
-                <a:tc>
-                  <a:txBody>
-                    <a:bodyPr/>
-                    <a:lstStyle/>
-                    <a:p>
-                      <a:pPr marL="0" marR="0">
-                        <a:lnSpc>
-                          <a:spcPts val="1680"/>
-                        </a:lnSpc>
-                        <a:spcBef>
-                          <a:spcPts val="1800"/>
-                        </a:spcBef>
-                        <a:spcAft>
-                          <a:spcPts val="1800"/>
-                        </a:spcAft>
-                      </a:pPr>
-                      <a:r>
-                        <a:rPr lang="zh-CN" sz="1400" dirty="0">
-                          <a:solidFill>
-                            <a:srgbClr val="333333"/>
-                          </a:solidFill>
-                          <a:latin typeface="Calibri" panose="020F0502020204030204"/>
-                          <a:ea typeface="宋体" panose="02010600030101010101" pitchFamily="2" charset="-122"/>
-                          <a:cs typeface="宋体" panose="02010600030101010101" pitchFamily="2" charset="-122"/>
-                        </a:rPr>
-                        <a:t>仅在客户端（即浏览器）中保存，不参与和服务器的通信</a:t>
-                      </a:r>
-                      <a:endParaRPr lang="en-US" sz="1400" dirty="0">
-                        <a:latin typeface="Calibri" panose="020F0502020204030204"/>
-                        <a:ea typeface="宋体" panose="02010600030101010101" pitchFamily="2" charset="-122"/>
-                        <a:cs typeface="Times New Roman" panose="02020603050405020304"/>
-                      </a:endParaRPr>
-                    </a:p>
-                  </a:txBody>
-                  <a:tcPr marL="59113" marR="59113" marT="36945" marB="36945" anchor="ctr">
-                    <a:lnL w="12700" cap="flat" cmpd="sng" algn="ctr">
-                      <a:solidFill>
-                        <a:srgbClr val="E6E6E6"/>
-                      </a:solidFill>
-                      <a:prstDash val="solid"/>
-                      <a:round/>
-                      <a:headEnd type="none" w="med" len="med"/>
-                      <a:tailEnd type="none" w="med" len="med"/>
-                    </a:lnL>
-                    <a:lnR w="12700" cap="flat" cmpd="sng" algn="ctr">
-                      <a:solidFill>
-                        <a:srgbClr val="E6E6E6"/>
-                      </a:solidFill>
-                      <a:prstDash val="solid"/>
-                      <a:round/>
-                      <a:headEnd type="none" w="med" len="med"/>
-                      <a:tailEnd type="none" w="med" len="med"/>
-                    </a:lnR>
-                    <a:lnT w="12700" cap="flat" cmpd="sng" algn="ctr">
-                      <a:solidFill>
-                        <a:srgbClr val="E6E6E6"/>
-                      </a:solidFill>
-                      <a:prstDash val="solid"/>
-                      <a:round/>
-                      <a:headEnd type="none" w="med" len="med"/>
-                      <a:tailEnd type="none" w="med" len="med"/>
-                    </a:lnT>
-                    <a:lnB w="12700" cap="flat" cmpd="sng" algn="ctr">
-                      <a:solidFill>
-                        <a:srgbClr val="E6E6E6"/>
-                      </a:solidFill>
-                      <a:prstDash val="solid"/>
-                      <a:round/>
-                      <a:headEnd type="none" w="med" len="med"/>
-                      <a:tailEnd type="none" w="med" len="med"/>
-                    </a:lnB>
-                    <a:solidFill>
-                      <a:srgbClr val="FFFFFF"/>
-                    </a:solidFill>
-                  </a:tcPr>
-                </a:tc>
-                <a:tc>
-                  <a:txBody>
-                    <a:bodyPr/>
-                    <a:lstStyle/>
-                    <a:p>
-                      <a:pPr marL="0" marR="0">
-                        <a:lnSpc>
-                          <a:spcPts val="1680"/>
-                        </a:lnSpc>
-                        <a:spcBef>
-                          <a:spcPts val="1800"/>
-                        </a:spcBef>
-                        <a:spcAft>
-                          <a:spcPts val="1800"/>
-                        </a:spcAft>
-                      </a:pPr>
-                      <a:r>
-                        <a:rPr lang="zh-CN" sz="1400">
-                          <a:solidFill>
-                            <a:srgbClr val="333333"/>
-                          </a:solidFill>
-                          <a:latin typeface="Calibri" panose="020F0502020204030204"/>
-                          <a:ea typeface="宋体" panose="02010600030101010101" pitchFamily="2" charset="-122"/>
-                          <a:cs typeface="宋体" panose="02010600030101010101" pitchFamily="2" charset="-122"/>
-                        </a:rPr>
-                        <a:t>仅在客户端（即浏览器）中保存，不参与和服务器的通信</a:t>
-                      </a:r>
-                      <a:endParaRPr lang="en-US" sz="1400">
-                        <a:latin typeface="Calibri" panose="020F0502020204030204"/>
-                        <a:ea typeface="宋体" panose="02010600030101010101" pitchFamily="2" charset="-122"/>
-                        <a:cs typeface="Times New Roman" panose="02020603050405020304"/>
-                      </a:endParaRPr>
-                    </a:p>
-                  </a:txBody>
-                  <a:tcPr marL="59113" marR="59113" marT="36945" marB="36945" anchor="ctr">
-                    <a:lnL w="12700" cap="flat" cmpd="sng" algn="ctr">
-                      <a:solidFill>
-                        <a:srgbClr val="E6E6E6"/>
-                      </a:solidFill>
-                      <a:prstDash val="solid"/>
-                      <a:round/>
-                      <a:headEnd type="none" w="med" len="med"/>
-                      <a:tailEnd type="none" w="med" len="med"/>
-                    </a:lnL>
-                    <a:lnR w="12700" cap="flat" cmpd="sng" algn="ctr">
-                      <a:solidFill>
-                        <a:srgbClr val="E6E6E6"/>
-                      </a:solidFill>
-                      <a:prstDash val="solid"/>
-                      <a:round/>
-                      <a:headEnd type="none" w="med" len="med"/>
-                      <a:tailEnd type="none" w="med" len="med"/>
-                    </a:lnR>
-                    <a:lnT w="12700" cap="flat" cmpd="sng" algn="ctr">
-                      <a:solidFill>
-                        <a:srgbClr val="E6E6E6"/>
-                      </a:solidFill>
-                      <a:prstDash val="solid"/>
-                      <a:round/>
-                      <a:headEnd type="none" w="med" len="med"/>
-                      <a:tailEnd type="none" w="med" len="med"/>
-                    </a:lnT>
-                    <a:lnB w="12700" cap="flat" cmpd="sng" algn="ctr">
-                      <a:solidFill>
-                        <a:srgbClr val="E6E6E6"/>
-                      </a:solidFill>
-                      <a:prstDash val="solid"/>
-                      <a:round/>
-                      <a:headEnd type="none" w="med" len="med"/>
-                      <a:tailEnd type="none" w="med" len="med"/>
-                    </a:lnB>
-                    <a:solidFill>
-                      <a:srgbClr val="FFFFFF"/>
-                    </a:solidFill>
-                  </a:tcPr>
-                </a:tc>
-              </a:tr>
-              <a:tr h="1109713">
-                <a:tc>
-                  <a:txBody>
-                    <a:bodyPr/>
-                    <a:lstStyle/>
-                    <a:p>
-                      <a:pPr marL="0" marR="0">
-                        <a:lnSpc>
-                          <a:spcPts val="1680"/>
-                        </a:lnSpc>
-                        <a:spcBef>
-                          <a:spcPts val="1800"/>
-                        </a:spcBef>
-                        <a:spcAft>
-                          <a:spcPts val="1800"/>
-                        </a:spcAft>
-                      </a:pPr>
-                      <a:r>
-                        <a:rPr lang="zh-CN" sz="1400">
-                          <a:solidFill>
-                            <a:srgbClr val="333333"/>
-                          </a:solidFill>
-                          <a:latin typeface="Calibri" panose="020F0502020204030204"/>
-                          <a:ea typeface="宋体" panose="02010600030101010101" pitchFamily="2" charset="-122"/>
-                          <a:cs typeface="宋体" panose="02010600030101010101" pitchFamily="2" charset="-122"/>
-                        </a:rPr>
-                        <a:t>易用性</a:t>
-                      </a:r>
-                      <a:endParaRPr lang="en-US" sz="1400">
-                        <a:latin typeface="Calibri" panose="020F0502020204030204"/>
-                        <a:ea typeface="宋体" panose="02010600030101010101" pitchFamily="2" charset="-122"/>
-                        <a:cs typeface="Times New Roman" panose="02020603050405020304"/>
-                      </a:endParaRPr>
-                    </a:p>
-                  </a:txBody>
-                  <a:tcPr marL="59113" marR="59113" marT="36945" marB="36945" anchor="ctr">
-                    <a:lnL w="12700" cap="flat" cmpd="sng" algn="ctr">
-                      <a:solidFill>
-                        <a:srgbClr val="E6E6E6"/>
-                      </a:solidFill>
-                      <a:prstDash val="solid"/>
-                      <a:round/>
-                      <a:headEnd type="none" w="med" len="med"/>
-                      <a:tailEnd type="none" w="med" len="med"/>
-                    </a:lnL>
-                    <a:lnR w="12700" cap="flat" cmpd="sng" algn="ctr">
-                      <a:solidFill>
-                        <a:srgbClr val="E6E6E6"/>
-                      </a:solidFill>
-                      <a:prstDash val="solid"/>
-                      <a:round/>
-                      <a:headEnd type="none" w="med" len="med"/>
-                      <a:tailEnd type="none" w="med" len="med"/>
-                    </a:lnR>
-                    <a:lnT w="12700" cap="flat" cmpd="sng" algn="ctr">
-                      <a:solidFill>
-                        <a:srgbClr val="E6E6E6"/>
-                      </a:solidFill>
-                      <a:prstDash val="solid"/>
-                      <a:round/>
-                      <a:headEnd type="none" w="med" len="med"/>
-                      <a:tailEnd type="none" w="med" len="med"/>
-                    </a:lnT>
-                    <a:lnB w="12700" cap="flat" cmpd="sng" algn="ctr">
-                      <a:solidFill>
-                        <a:srgbClr val="E6E6E6"/>
-                      </a:solidFill>
-                      <a:prstDash val="solid"/>
-                      <a:round/>
-                      <a:headEnd type="none" w="med" len="med"/>
-                      <a:tailEnd type="none" w="med" len="med"/>
-                    </a:lnB>
-                    <a:solidFill>
-                      <a:srgbClr val="FFFFFF"/>
-                    </a:solidFill>
-                  </a:tcPr>
-                </a:tc>
-                <a:tc>
-                  <a:txBody>
-                    <a:bodyPr/>
-                    <a:lstStyle/>
-                    <a:p>
-                      <a:pPr marL="0" marR="0">
-                        <a:lnSpc>
-                          <a:spcPts val="1680"/>
-                        </a:lnSpc>
-                        <a:spcBef>
-                          <a:spcPts val="1800"/>
-                        </a:spcBef>
-                        <a:spcAft>
-                          <a:spcPts val="1800"/>
-                        </a:spcAft>
-                      </a:pPr>
-                      <a:r>
-                        <a:rPr lang="zh-CN" sz="1400">
-                          <a:solidFill>
-                            <a:srgbClr val="333333"/>
-                          </a:solidFill>
-                          <a:latin typeface="Calibri" panose="020F0502020204030204"/>
-                          <a:ea typeface="宋体" panose="02010600030101010101" pitchFamily="2" charset="-122"/>
-                          <a:cs typeface="宋体" panose="02010600030101010101" pitchFamily="2" charset="-122"/>
-                        </a:rPr>
-                        <a:t>需要程序员自己封装，源生的</a:t>
-                      </a:r>
-                      <a:r>
-                        <a:rPr lang="en-US" sz="1400">
-                          <a:solidFill>
-                            <a:srgbClr val="333333"/>
-                          </a:solidFill>
-                          <a:latin typeface="Helvetica"/>
-                          <a:ea typeface="Times New Roman" panose="02020603050405020304"/>
-                          <a:cs typeface="Helvetica"/>
-                        </a:rPr>
-                        <a:t>Cookie</a:t>
-                      </a:r>
-                      <a:r>
-                        <a:rPr lang="zh-CN" sz="1400">
-                          <a:solidFill>
-                            <a:srgbClr val="333333"/>
-                          </a:solidFill>
-                          <a:latin typeface="Calibri" panose="020F0502020204030204"/>
-                          <a:ea typeface="宋体" panose="02010600030101010101" pitchFamily="2" charset="-122"/>
-                          <a:cs typeface="宋体" panose="02010600030101010101" pitchFamily="2" charset="-122"/>
-                        </a:rPr>
-                        <a:t>接口不友好</a:t>
-                      </a:r>
-                      <a:endParaRPr lang="en-US" sz="1400">
-                        <a:latin typeface="Calibri" panose="020F0502020204030204"/>
-                        <a:ea typeface="宋体" panose="02010600030101010101" pitchFamily="2" charset="-122"/>
-                        <a:cs typeface="Times New Roman" panose="02020603050405020304"/>
-                      </a:endParaRPr>
-                    </a:p>
-                  </a:txBody>
-                  <a:tcPr marL="59113" marR="59113" marT="36945" marB="36945" anchor="ctr">
-                    <a:lnL w="12700" cap="flat" cmpd="sng" algn="ctr">
-                      <a:solidFill>
-                        <a:srgbClr val="E6E6E6"/>
-                      </a:solidFill>
-                      <a:prstDash val="solid"/>
-                      <a:round/>
-                      <a:headEnd type="none" w="med" len="med"/>
-                      <a:tailEnd type="none" w="med" len="med"/>
-                    </a:lnL>
-                    <a:lnR w="12700" cap="flat" cmpd="sng" algn="ctr">
-                      <a:solidFill>
-                        <a:srgbClr val="E6E6E6"/>
-                      </a:solidFill>
-                      <a:prstDash val="solid"/>
-                      <a:round/>
-                      <a:headEnd type="none" w="med" len="med"/>
-                      <a:tailEnd type="none" w="med" len="med"/>
-                    </a:lnR>
-                    <a:lnT w="12700" cap="flat" cmpd="sng" algn="ctr">
-                      <a:solidFill>
-                        <a:srgbClr val="E6E6E6"/>
-                      </a:solidFill>
-                      <a:prstDash val="solid"/>
-                      <a:round/>
-                      <a:headEnd type="none" w="med" len="med"/>
-                      <a:tailEnd type="none" w="med" len="med"/>
-                    </a:lnT>
-                    <a:lnB w="12700" cap="flat" cmpd="sng" algn="ctr">
-                      <a:solidFill>
-                        <a:srgbClr val="E6E6E6"/>
-                      </a:solidFill>
-                      <a:prstDash val="solid"/>
-                      <a:round/>
-                      <a:headEnd type="none" w="med" len="med"/>
-                      <a:tailEnd type="none" w="med" len="med"/>
-                    </a:lnB>
-                    <a:solidFill>
-                      <a:srgbClr val="FFFFFF"/>
-                    </a:solidFill>
-                  </a:tcPr>
-                </a:tc>
-                <a:tc>
-                  <a:txBody>
-                    <a:bodyPr/>
-                    <a:lstStyle/>
-                    <a:p>
-                      <a:pPr marL="0" marR="0">
-                        <a:lnSpc>
-                          <a:spcPts val="1680"/>
-                        </a:lnSpc>
-                        <a:spcBef>
-                          <a:spcPts val="1800"/>
-                        </a:spcBef>
-                        <a:spcAft>
-                          <a:spcPts val="1800"/>
-                        </a:spcAft>
-                      </a:pPr>
-                      <a:r>
-                        <a:rPr lang="zh-CN" sz="1400" dirty="0">
-                          <a:solidFill>
-                            <a:srgbClr val="333333"/>
-                          </a:solidFill>
-                          <a:latin typeface="Calibri" panose="020F0502020204030204"/>
-                          <a:ea typeface="宋体" panose="02010600030101010101" pitchFamily="2" charset="-122"/>
-                          <a:cs typeface="宋体" panose="02010600030101010101" pitchFamily="2" charset="-122"/>
-                        </a:rPr>
-                        <a:t>源生接口可以接受，亦可再次封装来对</a:t>
-                      </a:r>
-                      <a:r>
-                        <a:rPr lang="en-US" sz="1400" dirty="0">
-                          <a:solidFill>
-                            <a:srgbClr val="333333"/>
-                          </a:solidFill>
-                          <a:latin typeface="Helvetica"/>
-                          <a:ea typeface="Times New Roman" panose="02020603050405020304"/>
-                          <a:cs typeface="Helvetica"/>
-                        </a:rPr>
-                        <a:t>Object</a:t>
-                      </a:r>
-                      <a:r>
-                        <a:rPr lang="zh-CN" sz="1400" dirty="0">
-                          <a:solidFill>
-                            <a:srgbClr val="333333"/>
-                          </a:solidFill>
-                          <a:latin typeface="Calibri" panose="020F0502020204030204"/>
-                          <a:ea typeface="宋体" panose="02010600030101010101" pitchFamily="2" charset="-122"/>
-                          <a:cs typeface="宋体" panose="02010600030101010101" pitchFamily="2" charset="-122"/>
-                        </a:rPr>
-                        <a:t>和</a:t>
-                      </a:r>
-                      <a:r>
-                        <a:rPr lang="en-US" sz="1400" dirty="0">
-                          <a:solidFill>
-                            <a:srgbClr val="333333"/>
-                          </a:solidFill>
-                          <a:latin typeface="Helvetica"/>
-                          <a:ea typeface="Times New Roman" panose="02020603050405020304"/>
-                          <a:cs typeface="Helvetica"/>
-                        </a:rPr>
-                        <a:t>Array</a:t>
-                      </a:r>
-                      <a:r>
-                        <a:rPr lang="zh-CN" sz="1400" dirty="0">
-                          <a:solidFill>
-                            <a:srgbClr val="333333"/>
-                          </a:solidFill>
-                          <a:latin typeface="Calibri" panose="020F0502020204030204"/>
-                          <a:ea typeface="宋体" panose="02010600030101010101" pitchFamily="2" charset="-122"/>
-                          <a:cs typeface="宋体" panose="02010600030101010101" pitchFamily="2" charset="-122"/>
-                        </a:rPr>
-                        <a:t>有更好的支持</a:t>
-                      </a:r>
-                      <a:endParaRPr lang="en-US" sz="1400" dirty="0">
-                        <a:latin typeface="Calibri" panose="020F0502020204030204"/>
-                        <a:ea typeface="宋体" panose="02010600030101010101" pitchFamily="2" charset="-122"/>
-                        <a:cs typeface="Times New Roman" panose="02020603050405020304"/>
-                      </a:endParaRPr>
-                    </a:p>
-                  </a:txBody>
-                  <a:tcPr marL="59113" marR="59113" marT="36945" marB="36945" anchor="ctr">
-                    <a:lnL w="12700" cap="flat" cmpd="sng" algn="ctr">
-                      <a:solidFill>
-                        <a:srgbClr val="E6E6E6"/>
-                      </a:solidFill>
-                      <a:prstDash val="solid"/>
-                      <a:round/>
-                      <a:headEnd type="none" w="med" len="med"/>
-                      <a:tailEnd type="none" w="med" len="med"/>
-                    </a:lnL>
-                    <a:lnR w="12700" cap="flat" cmpd="sng" algn="ctr">
-                      <a:solidFill>
-                        <a:srgbClr val="E6E6E6"/>
-                      </a:solidFill>
-                      <a:prstDash val="solid"/>
-                      <a:round/>
-                      <a:headEnd type="none" w="med" len="med"/>
-                      <a:tailEnd type="none" w="med" len="med"/>
-                    </a:lnR>
-                    <a:lnT w="12700" cap="flat" cmpd="sng" algn="ctr">
-                      <a:solidFill>
-                        <a:srgbClr val="E6E6E6"/>
-                      </a:solidFill>
-                      <a:prstDash val="solid"/>
-                      <a:round/>
-                      <a:headEnd type="none" w="med" len="med"/>
-                      <a:tailEnd type="none" w="med" len="med"/>
-                    </a:lnT>
-                    <a:lnB w="12700" cap="flat" cmpd="sng" algn="ctr">
-                      <a:solidFill>
-                        <a:srgbClr val="E6E6E6"/>
-                      </a:solidFill>
-                      <a:prstDash val="solid"/>
-                      <a:round/>
-                      <a:headEnd type="none" w="med" len="med"/>
-                      <a:tailEnd type="none" w="med" len="med"/>
-                    </a:lnB>
-                    <a:solidFill>
-                      <a:srgbClr val="FFFFFF"/>
-                    </a:solidFill>
-                  </a:tcPr>
-                </a:tc>
-                <a:tc>
-                  <a:txBody>
-                    <a:bodyPr/>
-                    <a:lstStyle/>
-                    <a:p>
-                      <a:pPr marL="0" marR="0">
-                        <a:lnSpc>
-                          <a:spcPts val="1680"/>
-                        </a:lnSpc>
-                        <a:spcBef>
-                          <a:spcPts val="1800"/>
-                        </a:spcBef>
-                        <a:spcAft>
-                          <a:spcPts val="1800"/>
-                        </a:spcAft>
-                      </a:pPr>
-                      <a:r>
-                        <a:rPr lang="zh-CN" sz="1400" dirty="0">
-                          <a:solidFill>
-                            <a:srgbClr val="333333"/>
-                          </a:solidFill>
-                          <a:latin typeface="Calibri" panose="020F0502020204030204"/>
-                          <a:ea typeface="宋体" panose="02010600030101010101" pitchFamily="2" charset="-122"/>
-                          <a:cs typeface="宋体" panose="02010600030101010101" pitchFamily="2" charset="-122"/>
-                        </a:rPr>
-                        <a:t>源生接口可以接受，亦可再次封装来对</a:t>
-                      </a:r>
-                      <a:r>
-                        <a:rPr lang="en-US" sz="1400" dirty="0">
-                          <a:solidFill>
-                            <a:srgbClr val="333333"/>
-                          </a:solidFill>
-                          <a:latin typeface="Helvetica"/>
-                          <a:ea typeface="Times New Roman" panose="02020603050405020304"/>
-                          <a:cs typeface="Helvetica"/>
-                        </a:rPr>
-                        <a:t>Object</a:t>
-                      </a:r>
-                      <a:r>
-                        <a:rPr lang="zh-CN" sz="1400" dirty="0">
-                          <a:solidFill>
-                            <a:srgbClr val="333333"/>
-                          </a:solidFill>
-                          <a:latin typeface="Calibri" panose="020F0502020204030204"/>
-                          <a:ea typeface="宋体" panose="02010600030101010101" pitchFamily="2" charset="-122"/>
-                          <a:cs typeface="宋体" panose="02010600030101010101" pitchFamily="2" charset="-122"/>
-                        </a:rPr>
-                        <a:t>和</a:t>
-                      </a:r>
-                      <a:r>
-                        <a:rPr lang="en-US" sz="1400" dirty="0">
-                          <a:solidFill>
-                            <a:srgbClr val="333333"/>
-                          </a:solidFill>
-                          <a:latin typeface="Helvetica"/>
-                          <a:ea typeface="Times New Roman" panose="02020603050405020304"/>
-                          <a:cs typeface="Helvetica"/>
-                        </a:rPr>
-                        <a:t>Array</a:t>
-                      </a:r>
-                      <a:r>
-                        <a:rPr lang="zh-CN" sz="1400" dirty="0">
-                          <a:solidFill>
-                            <a:srgbClr val="333333"/>
-                          </a:solidFill>
-                          <a:latin typeface="Calibri" panose="020F0502020204030204"/>
-                          <a:ea typeface="宋体" panose="02010600030101010101" pitchFamily="2" charset="-122"/>
-                          <a:cs typeface="宋体" panose="02010600030101010101" pitchFamily="2" charset="-122"/>
-                        </a:rPr>
-                        <a:t>有更好的支持</a:t>
-                      </a:r>
-                      <a:endParaRPr lang="en-US" sz="1400" dirty="0">
-                        <a:latin typeface="Calibri" panose="020F0502020204030204"/>
-                        <a:ea typeface="宋体" panose="02010600030101010101" pitchFamily="2" charset="-122"/>
-                        <a:cs typeface="Times New Roman" panose="02020603050405020304"/>
-                      </a:endParaRPr>
-                    </a:p>
-                  </a:txBody>
-                  <a:tcPr marL="59113" marR="59113" marT="36945" marB="36945" anchor="ctr">
-                    <a:lnL w="12700" cap="flat" cmpd="sng" algn="ctr">
-                      <a:solidFill>
-                        <a:srgbClr val="E6E6E6"/>
-                      </a:solidFill>
-                      <a:prstDash val="solid"/>
-                      <a:round/>
-                      <a:headEnd type="none" w="med" len="med"/>
-                      <a:tailEnd type="none" w="med" len="med"/>
-                    </a:lnL>
-                    <a:lnR w="12700" cap="flat" cmpd="sng" algn="ctr">
-                      <a:solidFill>
-                        <a:srgbClr val="E6E6E6"/>
-                      </a:solidFill>
-                      <a:prstDash val="solid"/>
-                      <a:round/>
-                      <a:headEnd type="none" w="med" len="med"/>
-                      <a:tailEnd type="none" w="med" len="med"/>
-                    </a:lnR>
-                    <a:lnT w="12700" cap="flat" cmpd="sng" algn="ctr">
-                      <a:solidFill>
-                        <a:srgbClr val="E6E6E6"/>
-                      </a:solidFill>
-                      <a:prstDash val="solid"/>
-                      <a:round/>
-                      <a:headEnd type="none" w="med" len="med"/>
-                      <a:tailEnd type="none" w="med" len="med"/>
-                    </a:lnT>
-                    <a:lnB w="12700" cap="flat" cmpd="sng" algn="ctr">
-                      <a:solidFill>
-                        <a:srgbClr val="E6E6E6"/>
-                      </a:solidFill>
-                      <a:prstDash val="solid"/>
-                      <a:round/>
-                      <a:headEnd type="none" w="med" len="med"/>
-                      <a:tailEnd type="none" w="med" len="med"/>
-                    </a:lnB>
-                    <a:solidFill>
-                      <a:srgbClr val="FFFFFF"/>
-                    </a:solidFill>
-                  </a:tcPr>
-                </a:tc>
-              </a:tr>
-            </a:tbl>
-          </a:graphicData>
-        </a:graphic>
-      </p:graphicFrame>
-    </p:spTree>
-  </p:cSld>
-  <p:clrMapOvr>
-    <a:masterClrMapping/>
-  </p:clrMapOvr>
-  <p:timing>
-    <p:tnLst>
-      <p:par>
-        <p:cTn id="1" dur="indefinite" restart="never" nodeType="tmRoot"/>
-      </p:par>
-    </p:tnLst>
-  </p:timing>
-</p:sld>
-</file>
-
-<file path=ppt/slides/slide4.xml><?xml version="1.0" encoding="utf-8"?>
-<p:sld xmlns:a="http://schemas.openxmlformats.org/drawingml/2006/main" xmlns:r="http://schemas.openxmlformats.org/officeDocument/2006/relationships" xmlns:p="http://schemas.openxmlformats.org/presentationml/2006/main">
-  <p:cSld>
-    <p:spTree>
-      <p:nvGrpSpPr>
-        <p:cNvPr id="1" name=""/>
-        <p:cNvGrpSpPr/>
-        <p:nvPr/>
-      </p:nvGrpSpPr>
-      <p:grpSpPr>
-        <a:xfrm>
-          <a:off x="0" y="0"/>
-          <a:ext cx="0" cy="0"/>
-          <a:chOff x="0" y="0"/>
-          <a:chExt cx="0" cy="0"/>
-        </a:xfrm>
-      </p:grpSpPr>
-      <p:sp>
-        <p:nvSpPr>
-          <p:cNvPr id="162" name="Rectangle 13"/>
-          <p:cNvSpPr/>
-          <p:nvPr/>
-        </p:nvSpPr>
-        <p:spPr bwMode="auto">
-          <a:xfrm>
-            <a:off x="6238444" y="3442518"/>
-            <a:ext cx="1285884" cy="246221"/>
-          </a:xfrm>
-          <a:prstGeom prst="rect">
-            <a:avLst/>
-          </a:prstGeom>
-          <a:noFill/>
-          <a:ln w="12700">
-            <a:noFill/>
-            <a:miter lim="800000"/>
-          </a:ln>
-        </p:spPr>
-        <p:txBody>
-          <a:bodyPr wrap="square" lIns="0" tIns="0" rIns="40639" bIns="0" anchor="ctr">
-            <a:spAutoFit/>
-          </a:bodyPr>
-          <a:lstStyle/>
-          <a:p>
-            <a:pPr marL="40005"/>
-            <a:r>
-              <a:rPr lang="zh-CN" altLang="en-US" sz="1600" dirty="0" smtClean="0">
-                <a:solidFill>
-                  <a:srgbClr val="FFFFFF"/>
-                </a:solidFill>
-                <a:latin typeface="Arial Unicode MS" panose="020B0604020202020204" pitchFamily="34" charset="-122"/>
-                <a:ea typeface="Arial Unicode MS" panose="020B0604020202020204" pitchFamily="34" charset="-122"/>
-                <a:cs typeface="Arial Unicode MS" panose="020B0604020202020204" pitchFamily="34" charset="-122"/>
-                <a:sym typeface="Helvetica Neue Medium" charset="0"/>
-              </a:rPr>
-              <a:t>前端开发</a:t>
-            </a:r>
-            <a:r>
-              <a:rPr lang="en-US" altLang="zh-CN" sz="1600" dirty="0" smtClean="0">
-                <a:solidFill>
-                  <a:srgbClr val="FFFFFF"/>
-                </a:solidFill>
-                <a:latin typeface="Arial Unicode MS" panose="020B0604020202020204" pitchFamily="34" charset="-122"/>
-                <a:ea typeface="Arial Unicode MS" panose="020B0604020202020204" pitchFamily="34" charset="-122"/>
-                <a:cs typeface="Arial Unicode MS" panose="020B0604020202020204" pitchFamily="34" charset="-122"/>
-                <a:sym typeface="Helvetica Neue Medium" charset="0"/>
-              </a:rPr>
-              <a:t>  </a:t>
-            </a:r>
-            <a:endParaRPr lang="en-US" altLang="zh-CN" sz="1600" dirty="0">
-              <a:solidFill>
-                <a:srgbClr val="FFFFFF"/>
-              </a:solidFill>
-              <a:latin typeface="Arial Unicode MS" panose="020B0604020202020204" pitchFamily="34" charset="-122"/>
-              <a:ea typeface="Arial Unicode MS" panose="020B0604020202020204" pitchFamily="34" charset="-122"/>
-              <a:cs typeface="Arial Unicode MS" panose="020B0604020202020204" pitchFamily="34" charset="-122"/>
-              <a:sym typeface="Helvetica Neue Medium" charset="0"/>
-            </a:endParaRPr>
-          </a:p>
-        </p:txBody>
-      </p:sp>
-      <p:sp>
-        <p:nvSpPr>
-          <p:cNvPr id="163" name="Rectangle 14"/>
-          <p:cNvSpPr/>
-          <p:nvPr/>
-        </p:nvSpPr>
-        <p:spPr bwMode="auto">
-          <a:xfrm>
-            <a:off x="3565228" y="3470811"/>
-            <a:ext cx="2013545" cy="246221"/>
-          </a:xfrm>
-          <a:prstGeom prst="rect">
-            <a:avLst/>
-          </a:prstGeom>
-          <a:noFill/>
-          <a:ln w="12700">
-            <a:noFill/>
-            <a:miter lim="800000"/>
-          </a:ln>
-        </p:spPr>
-        <p:txBody>
-          <a:bodyPr wrap="square" lIns="0" tIns="0" rIns="40639" bIns="0" anchor="ctr">
-            <a:spAutoFit/>
-          </a:bodyPr>
-          <a:lstStyle/>
-          <a:p>
-            <a:pPr marL="40005"/>
-            <a:r>
-              <a:rPr lang="zh-CN" altLang="en-US" sz="1600" dirty="0" smtClean="0">
-                <a:solidFill>
-                  <a:srgbClr val="FFFFFF"/>
-                </a:solidFill>
-                <a:latin typeface="Arial Unicode MS" panose="020B0604020202020204" pitchFamily="34" charset="-122"/>
-                <a:ea typeface="Arial Unicode MS" panose="020B0604020202020204" pitchFamily="34" charset="-122"/>
-                <a:cs typeface="Arial Unicode MS" panose="020B0604020202020204" pitchFamily="34" charset="-122"/>
-                <a:sym typeface="Helvetica Neue Medium" charset="0"/>
-              </a:rPr>
-              <a:t>视觉设计</a:t>
-            </a:r>
-            <a:endParaRPr lang="en-US" altLang="zh-CN" sz="1600" dirty="0">
-              <a:solidFill>
-                <a:srgbClr val="FFFFFF"/>
-              </a:solidFill>
-              <a:latin typeface="Arial Unicode MS" panose="020B0604020202020204" pitchFamily="34" charset="-122"/>
-              <a:ea typeface="Arial Unicode MS" panose="020B0604020202020204" pitchFamily="34" charset="-122"/>
-              <a:cs typeface="Arial Unicode MS" panose="020B0604020202020204" pitchFamily="34" charset="-122"/>
-              <a:sym typeface="Helvetica Neue Medium" charset="0"/>
-            </a:endParaRPr>
-          </a:p>
-        </p:txBody>
-      </p:sp>
-      <p:sp>
-        <p:nvSpPr>
-          <p:cNvPr id="164" name="Rectangle 15"/>
-          <p:cNvSpPr/>
-          <p:nvPr/>
-        </p:nvSpPr>
-        <p:spPr bwMode="auto">
-          <a:xfrm>
-            <a:off x="911751" y="3439773"/>
-            <a:ext cx="1500009" cy="246221"/>
-          </a:xfrm>
-          <a:prstGeom prst="rect">
-            <a:avLst/>
-          </a:prstGeom>
-          <a:noFill/>
-          <a:ln w="12700">
-            <a:noFill/>
-            <a:miter lim="800000"/>
-          </a:ln>
-        </p:spPr>
-        <p:txBody>
-          <a:bodyPr wrap="square" lIns="0" tIns="0" rIns="40639" bIns="0" anchor="ctr">
-            <a:spAutoFit/>
-          </a:bodyPr>
-          <a:lstStyle/>
-          <a:p>
-            <a:pPr marL="40005"/>
-            <a:r>
-              <a:rPr lang="zh-CN" altLang="en-US" sz="1600" dirty="0" smtClean="0">
-                <a:solidFill>
-                  <a:srgbClr val="FFFFFF"/>
-                </a:solidFill>
-                <a:latin typeface="Arial Unicode MS" panose="020B0604020202020204" pitchFamily="34" charset="-122"/>
-                <a:ea typeface="Arial Unicode MS" panose="020B0604020202020204" pitchFamily="34" charset="-122"/>
-                <a:cs typeface="Arial Unicode MS" panose="020B0604020202020204" pitchFamily="34" charset="-122"/>
-                <a:sym typeface="Helvetica Neue Medium" charset="0"/>
-              </a:rPr>
-              <a:t>交互设计</a:t>
-            </a:r>
-            <a:endParaRPr lang="en-US" altLang="zh-CN" sz="1600" dirty="0">
-              <a:solidFill>
-                <a:srgbClr val="FFFFFF"/>
-              </a:solidFill>
-              <a:latin typeface="Arial Unicode MS" panose="020B0604020202020204" pitchFamily="34" charset="-122"/>
-              <a:ea typeface="Arial Unicode MS" panose="020B0604020202020204" pitchFamily="34" charset="-122"/>
-              <a:cs typeface="Arial Unicode MS" panose="020B0604020202020204" pitchFamily="34" charset="-122"/>
-              <a:sym typeface="Helvetica Neue Medium" charset="0"/>
-            </a:endParaRPr>
-          </a:p>
-        </p:txBody>
-      </p:sp>
-      <p:sp>
-        <p:nvSpPr>
-          <p:cNvPr id="2" name="文本框 1"/>
-          <p:cNvSpPr txBox="1"/>
-          <p:nvPr/>
-        </p:nvSpPr>
-        <p:spPr>
-          <a:xfrm>
-            <a:off x="711200" y="1982470"/>
-            <a:ext cx="7756525" cy="1471172"/>
-          </a:xfrm>
-          <a:prstGeom prst="rect">
-            <a:avLst/>
-          </a:prstGeom>
-          <a:noFill/>
-        </p:spPr>
-        <p:txBody>
-          <a:bodyPr wrap="square" rtlCol="0" anchor="t">
-            <a:spAutoFit/>
-          </a:bodyPr>
-          <a:lstStyle/>
-          <a:p>
-            <a:pPr marL="285750" indent="-285750">
-              <a:lnSpc>
-                <a:spcPct val="140000"/>
-              </a:lnSpc>
-              <a:buFont typeface="Arial" panose="020B0604020202020204" pitchFamily="34" charset="0"/>
-              <a:buChar char="•"/>
-            </a:pPr>
-            <a:r>
-              <a:rPr lang="en-US" altLang="zh-CN" sz="1600" dirty="0" err="1" smtClean="0"/>
-              <a:t>sessionStorage</a:t>
-            </a:r>
-            <a:r>
-              <a:rPr lang="en-US" altLang="zh-CN" sz="1600" dirty="0" smtClean="0"/>
-              <a:t> </a:t>
-            </a:r>
-            <a:r>
-              <a:rPr lang="zh-CN" altLang="en-US" sz="1600" dirty="0" smtClean="0"/>
-              <a:t>为每一个给定的源（</a:t>
-            </a:r>
-            <a:r>
-              <a:rPr lang="en-US" altLang="zh-CN" sz="1600" dirty="0" smtClean="0"/>
-              <a:t>given origin</a:t>
-            </a:r>
-            <a:r>
-              <a:rPr lang="zh-CN" altLang="en-US" sz="1600" dirty="0" smtClean="0"/>
-              <a:t>）维持一个独立的存储区域，该存储区域在页面会话期间可用（即只要浏览器处于打开状态，包括页面重新加载和恢复）。</a:t>
-            </a:r>
-            <a:endParaRPr lang="en-US" altLang="zh-CN" sz="1600" dirty="0" smtClean="0"/>
-          </a:p>
-          <a:p>
-            <a:pPr marL="285750" indent="-285750">
-              <a:lnSpc>
-                <a:spcPct val="140000"/>
-              </a:lnSpc>
-              <a:buFont typeface="Arial" panose="020B0604020202020204" pitchFamily="34" charset="0"/>
-              <a:buChar char="•"/>
-            </a:pPr>
-            <a:r>
-              <a:rPr lang="en-US" altLang="zh-CN" sz="1600" dirty="0" err="1" smtClean="0"/>
-              <a:t>localStorage</a:t>
-            </a:r>
-            <a:r>
-              <a:rPr lang="en-US" altLang="zh-CN" sz="1600" dirty="0" smtClean="0"/>
-              <a:t> </a:t>
-            </a:r>
-            <a:r>
-              <a:rPr lang="zh-CN" altLang="en-US" sz="1600" dirty="0" smtClean="0"/>
-              <a:t>同样的功能，但是在浏览器关闭，然后重新打开后数据仍然存在。</a:t>
-            </a:r>
-            <a:endParaRPr lang="zh-CN" altLang="en-US" sz="1600" dirty="0" smtClean="0"/>
-          </a:p>
-        </p:txBody>
-      </p:sp>
-      <p:sp>
-        <p:nvSpPr>
-          <p:cNvPr id="29" name="Title 1"/>
-          <p:cNvSpPr txBox="1"/>
-          <p:nvPr/>
-        </p:nvSpPr>
-        <p:spPr>
-          <a:xfrm>
-            <a:off x="711498" y="1150184"/>
-            <a:ext cx="5012630" cy="648072"/>
-          </a:xfrm>
-          <a:prstGeom prst="rect">
-            <a:avLst/>
-          </a:prstGeom>
-        </p:spPr>
-        <p:txBody>
-          <a:bodyPr vert="horz" lIns="91440" tIns="45720" rIns="91440" bIns="45720" rtlCol="0" anchor="ctr">
-            <a:noAutofit/>
-          </a:bodyPr>
-          <a:lstStyle/>
-          <a:p>
-            <a:pPr marL="0" marR="0" lvl="0" indent="0" defTabSz="914400" rtl="0" eaLnBrk="1" fontAlgn="auto" latinLnBrk="0" hangingPunct="1">
-              <a:lnSpc>
-                <a:spcPct val="100000"/>
-              </a:lnSpc>
-              <a:spcBef>
-                <a:spcPct val="0"/>
-              </a:spcBef>
-              <a:spcAft>
-                <a:spcPts val="0"/>
-              </a:spcAft>
-              <a:buClrTx/>
-              <a:buSzTx/>
-              <a:buFontTx/>
-              <a:buNone/>
-              <a:defRPr/>
-            </a:pPr>
-            <a:r>
-              <a:rPr kumimoji="0" lang="en-US" altLang="zh-CN" sz="3200" u="none" strike="noStrike" kern="1200" cap="none" spc="0" normalizeH="0" baseline="0" noProof="0" dirty="0" smtClean="0">
-                <a:ln>
-                  <a:noFill/>
-                </a:ln>
-                <a:solidFill>
-                  <a:srgbClr val="004086"/>
-                </a:solidFill>
-                <a:effectLst/>
-                <a:uLnTx/>
-                <a:uFillTx/>
-                <a:latin typeface="经典中圆简" pitchFamily="49" charset="-122"/>
-                <a:ea typeface="经典中圆简" pitchFamily="49" charset="-122"/>
-                <a:cs typeface="经典中圆简" pitchFamily="49" charset="-122"/>
-              </a:rPr>
-              <a:t>Web Storage</a:t>
-            </a:r>
-            <a:r>
-              <a:rPr lang="zh-CN" altLang="en-US" sz="3200" dirty="0" smtClean="0">
-                <a:solidFill>
-                  <a:srgbClr val="004086"/>
-                </a:solidFill>
-                <a:latin typeface="经典中圆简" pitchFamily="49" charset="-122"/>
-                <a:ea typeface="经典中圆简" pitchFamily="49" charset="-122"/>
-                <a:cs typeface="经典中圆简" pitchFamily="49" charset="-122"/>
-              </a:rPr>
-              <a:t>概念和用法</a:t>
-            </a:r>
-            <a:endParaRPr kumimoji="0" lang="zh-CN" altLang="en-US" sz="3200" u="none" strike="noStrike" kern="1200" cap="none" spc="0" normalizeH="0" baseline="0" noProof="0" dirty="0">
-              <a:ln>
-                <a:noFill/>
-              </a:ln>
-              <a:solidFill>
-                <a:srgbClr val="004086"/>
-              </a:solidFill>
-              <a:effectLst/>
-              <a:uLnTx/>
-              <a:uFillTx/>
-              <a:latin typeface="经典中圆简" pitchFamily="49" charset="-122"/>
-              <a:ea typeface="经典中圆简" pitchFamily="49" charset="-122"/>
-              <a:cs typeface="经典中圆简" pitchFamily="49" charset="-122"/>
-            </a:endParaRPr>
-          </a:p>
-        </p:txBody>
-      </p:sp>
-      <p:pic>
-        <p:nvPicPr>
-          <p:cNvPr id="2050" name="Picture 2"/>
-          <p:cNvPicPr>
-            <a:picLocks noGrp="1" noChangeAspect="1" noChangeArrowheads="1"/>
-          </p:cNvPicPr>
-          <p:nvPr>
-            <p:ph idx="1"/>
-          </p:nvPr>
-        </p:nvPicPr>
-        <p:blipFill>
-          <a:blip r:embed="rId1" cstate="print"/>
-          <a:srcRect/>
-          <a:stretch>
-            <a:fillRect/>
-          </a:stretch>
-        </p:blipFill>
-        <p:spPr bwMode="auto">
-          <a:xfrm>
-            <a:off x="1115616" y="3501008"/>
-            <a:ext cx="7010400" cy="2371725"/>
-          </a:xfrm>
-          <a:prstGeom prst="rect">
-            <a:avLst/>
-          </a:prstGeom>
-          <a:noFill/>
-          <a:ln w="9525">
-            <a:noFill/>
-            <a:miter lim="800000"/>
-            <a:headEnd/>
-            <a:tailEnd/>
-          </a:ln>
-        </p:spPr>
-      </p:pic>
-    </p:spTree>
-  </p:cSld>
-  <p:clrMapOvr>
-    <a:masterClrMapping/>
-  </p:clrMapOvr>
-  <p:timing>
-    <p:tnLst>
-      <p:par>
-        <p:cTn id="1" dur="indefinite" restart="never" nodeType="tmRoot"/>
-      </p:par>
-    </p:tnLst>
-  </p:timing>
-</p:sld>
-</file>
-
-<file path=ppt/slides/slide5.xml><?xml version="1.0" encoding="utf-8"?>
-<p:sld xmlns:a="http://schemas.openxmlformats.org/drawingml/2006/main" xmlns:r="http://schemas.openxmlformats.org/officeDocument/2006/relationships" xmlns:p="http://schemas.openxmlformats.org/presentationml/2006/main">
-  <p:cSld>
-    <p:spTree>
-      <p:nvGrpSpPr>
-        <p:cNvPr id="1" name=""/>
-        <p:cNvGrpSpPr/>
-        <p:nvPr/>
-      </p:nvGrpSpPr>
-      <p:grpSpPr>
-        <a:xfrm>
-          <a:off x="0" y="0"/>
-          <a:ext cx="0" cy="0"/>
-          <a:chOff x="0" y="0"/>
-          <a:chExt cx="0" cy="0"/>
-        </a:xfrm>
-      </p:grpSpPr>
-      <p:sp>
-        <p:nvSpPr>
           <p:cNvPr id="2" name="Title 1"/>
           <p:cNvSpPr>
             <a:spLocks noGrp="1"/>
@@ -8932,14 +5245,14 @@
       </p:grpSp>
       <p:sp>
         <p:nvSpPr>
-          <p:cNvPr id="14" name="Title 1"/>
+          <p:cNvPr id="16" name="Title 1"/>
           <p:cNvSpPr txBox="1"/>
           <p:nvPr/>
         </p:nvSpPr>
         <p:spPr>
           <a:xfrm>
-            <a:off x="711498" y="1150184"/>
-            <a:ext cx="5012630" cy="648072"/>
+            <a:off x="711200" y="1149985"/>
+            <a:ext cx="5452745" cy="648335"/>
           </a:xfrm>
           <a:prstGeom prst="rect">
             <a:avLst/>
@@ -8968,23 +5281,6 @@
               <a:defRPr/>
             </a:pPr>
             <a:r>
-              <a:rPr kumimoji="0" lang="en-US" altLang="zh-CN" sz="3200" u="none" strike="noStrike" kern="1200" cap="none" spc="0" normalizeH="0" baseline="0" noProof="0" dirty="0" smtClean="0">
-                <a:ln>
-                  <a:noFill/>
-                </a:ln>
-                <a:solidFill>
-                  <a:srgbClr val="004086"/>
-                </a:solidFill>
-                <a:effectLst/>
-                <a:uLnTx/>
-                <a:uFillTx/>
-                <a:latin typeface="经典中圆简" pitchFamily="49" charset="-122"/>
-                <a:ea typeface="经典中圆简" pitchFamily="49" charset="-122"/>
-                <a:cs typeface="经典中圆简" pitchFamily="49" charset="-122"/>
-              </a:rPr>
-              <a:t>HTML5</a:t>
-            </a:r>
-            <a:r>
               <a:rPr lang="zh-CN" altLang="en-US" sz="3200" dirty="0" smtClean="0">
                 <a:solidFill>
                   <a:srgbClr val="004086"/>
@@ -8992,10 +5288,35 @@
                 <a:latin typeface="经典中圆简" pitchFamily="49" charset="-122"/>
                 <a:ea typeface="经典中圆简" pitchFamily="49" charset="-122"/>
                 <a:cs typeface="经典中圆简" pitchFamily="49" charset="-122"/>
+                <a:sym typeface="+mn-ea"/>
               </a:rPr>
-              <a:t>本地存储</a:t>
-            </a:r>
-            <a:endParaRPr kumimoji="0" lang="zh-CN" altLang="en-US" sz="3200" u="none" strike="noStrike" kern="1200" cap="none" spc="0" normalizeH="0" baseline="0" noProof="0" dirty="0">
+              <a:t>什么是</a:t>
+            </a:r>
+            <a:r>
+              <a:rPr lang="en-US" altLang="zh-CN" sz="3200" dirty="0" smtClean="0">
+                <a:solidFill>
+                  <a:srgbClr val="004086"/>
+                </a:solidFill>
+                <a:latin typeface="经典中圆简" pitchFamily="49" charset="-122"/>
+                <a:ea typeface="经典中圆简" pitchFamily="49" charset="-122"/>
+                <a:cs typeface="经典中圆简" pitchFamily="49" charset="-122"/>
+                <a:sym typeface="+mn-ea"/>
+              </a:rPr>
+              <a:t>HTML5 Web</a:t>
+            </a:r>
+            <a:r>
+              <a:rPr lang="zh-CN" altLang="en-US" sz="3200" dirty="0" smtClean="0">
+                <a:solidFill>
+                  <a:srgbClr val="004086"/>
+                </a:solidFill>
+                <a:latin typeface="经典中圆简" pitchFamily="49" charset="-122"/>
+                <a:ea typeface="经典中圆简" pitchFamily="49" charset="-122"/>
+                <a:cs typeface="经典中圆简" pitchFamily="49" charset="-122"/>
+                <a:sym typeface="+mn-ea"/>
+              </a:rPr>
+              <a:t>存储？</a:t>
+            </a:r>
+            <a:endParaRPr kumimoji="0" lang="zh-CN" altLang="en-US" sz="3200" u="none" strike="noStrike" kern="1200" cap="none" spc="0" normalizeH="0" baseline="0" noProof="0" dirty="0" smtClean="0">
               <a:ln>
                 <a:noFill/>
               </a:ln>
@@ -9014,212 +5335,87 @@
       </p:sp>
       <p:sp>
         <p:nvSpPr>
-          <p:cNvPr id="15" name="Title 1"/>
+          <p:cNvPr id="3" name="文本框 2"/>
           <p:cNvSpPr txBox="1"/>
           <p:nvPr/>
         </p:nvSpPr>
         <p:spPr>
           <a:xfrm>
-            <a:off x="1619672" y="1628800"/>
-            <a:ext cx="5012630" cy="648072"/>
+            <a:off x="2699792" y="2924944"/>
+            <a:ext cx="7756525" cy="1126462"/>
           </a:xfrm>
           <a:prstGeom prst="rect">
             <a:avLst/>
           </a:prstGeom>
+          <a:noFill/>
         </p:spPr>
         <p:txBody>
-          <a:bodyPr vert="horz" lIns="91440" tIns="45720" rIns="91440" bIns="45720" rtlCol="0" anchor="ctr">
-            <a:noAutofit/>
+          <a:bodyPr wrap="square" rtlCol="0" anchor="t">
+            <a:spAutoFit/>
           </a:bodyPr>
-          <a:lstStyle/>
-          <a:p>
-            <a:pPr marL="0" marR="0" lvl="0" indent="0" defTabSz="914400" rtl="0" eaLnBrk="1" fontAlgn="auto" latinLnBrk="0" hangingPunct="1">
+          <a:p>
+            <a:pPr marL="285750" indent="-285750">
               <a:lnSpc>
-                <a:spcPct val="100000"/>
+                <a:spcPct val="140000"/>
               </a:lnSpc>
-              <a:spcBef>
-                <a:spcPct val="0"/>
-              </a:spcBef>
-              <a:spcAft>
-                <a:spcPts val="0"/>
-              </a:spcAft>
-              <a:buClrTx/>
-              <a:buSzTx/>
-              <a:buFontTx/>
-              <a:buNone/>
-              <a:defRPr/>
+              <a:buFont typeface="Arial" panose="020B0604020202020204" pitchFamily="34" charset="0"/>
+              <a:buChar char="•"/>
             </a:pPr>
             <a:r>
-              <a:rPr lang="en-US" altLang="zh-CN" sz="3200" dirty="0" smtClean="0">
-                <a:solidFill>
-                  <a:srgbClr val="004086"/>
-                </a:solidFill>
+              <a:rPr lang="zh-CN" altLang="en-US" sz="1600" dirty="0" smtClean="0"/>
+              <a:t>本地存储用户的浏览数据</a:t>
+            </a:r>
+            <a:endParaRPr lang="en-US" altLang="zh-CN" sz="1600" dirty="0" smtClean="0"/>
+          </a:p>
+          <a:p>
+            <a:pPr marL="285750" indent="-285750">
+              <a:lnSpc>
+                <a:spcPct val="140000"/>
+              </a:lnSpc>
+              <a:buFont typeface="Arial" panose="020B0604020202020204" pitchFamily="34" charset="0"/>
+              <a:buChar char="•"/>
+            </a:pPr>
+            <a:r>
+              <a:rPr lang="zh-CN" altLang="en-US" sz="1600" dirty="0" smtClean="0">
                 <a:latin typeface="经典中圆简" pitchFamily="49" charset="-122"/>
                 <a:ea typeface="经典中圆简" pitchFamily="49" charset="-122"/>
                 <a:cs typeface="经典中圆简" pitchFamily="49" charset="-122"/>
+                <a:sym typeface="Helvetica Neue Light" charset="0"/>
               </a:rPr>
-              <a:t>——</a:t>
-            </a:r>
-            <a:r>
-              <a:rPr lang="en-US" altLang="zh-CN" sz="3200" dirty="0" err="1" smtClean="0">
-                <a:solidFill>
-                  <a:srgbClr val="004086"/>
-                </a:solidFill>
-                <a:latin typeface="经典中圆简" pitchFamily="49" charset="-122"/>
-                <a:ea typeface="经典中圆简" pitchFamily="49" charset="-122"/>
-                <a:cs typeface="经典中圆简" pitchFamily="49" charset="-122"/>
-              </a:rPr>
-              <a:t>IndexedDB</a:t>
-            </a:r>
-            <a:endParaRPr lang="zh-CN" altLang="en-US" sz="3200" dirty="0" smtClean="0">
-              <a:solidFill>
-                <a:srgbClr val="004086"/>
-              </a:solidFill>
+              <a:t>减少服务器负载</a:t>
+            </a:r>
+            <a:endParaRPr lang="en-US" altLang="zh-CN" sz="1600" dirty="0" smtClean="0">
               <a:latin typeface="经典中圆简" pitchFamily="49" charset="-122"/>
               <a:ea typeface="经典中圆简" pitchFamily="49" charset="-122"/>
               <a:cs typeface="经典中圆简" pitchFamily="49" charset="-122"/>
+              <a:sym typeface="Helvetica Neue Light" charset="0"/>
             </a:endParaRPr>
           </a:p>
-        </p:txBody>
-      </p:sp>
-      <p:sp>
-        <p:nvSpPr>
-          <p:cNvPr id="18" name="Title 1"/>
-          <p:cNvSpPr txBox="1"/>
-          <p:nvPr/>
-        </p:nvSpPr>
-        <p:spPr>
-          <a:xfrm>
-            <a:off x="755576" y="2348880"/>
-            <a:ext cx="7776845" cy="2304255"/>
-          </a:xfrm>
-          <a:prstGeom prst="rect">
-            <a:avLst/>
-          </a:prstGeom>
-        </p:spPr>
-        <p:txBody>
-          <a:bodyPr vert="horz" lIns="91440" tIns="45720" rIns="91440" bIns="45720" rtlCol="0" anchor="ctr">
-            <a:noAutofit/>
-          </a:bodyPr>
-          <a:lstStyle/>
-          <a:p>
-            <a:pPr lvl="0">
+          <a:p>
+            <a:pPr marL="285750" indent="-285750">
               <a:lnSpc>
-                <a:spcPct val="150000"/>
+                <a:spcPct val="140000"/>
               </a:lnSpc>
-              <a:spcBef>
-                <a:spcPct val="0"/>
-              </a:spcBef>
-              <a:defRPr/>
+              <a:buFont typeface="Arial" panose="020B0604020202020204" pitchFamily="34" charset="0"/>
+              <a:buChar char="•"/>
             </a:pPr>
             <a:r>
-              <a:rPr lang="en-US" sz="1600" dirty="0" err="1" smtClean="0"/>
-              <a:t>IndexedDB</a:t>
-            </a:r>
-            <a:r>
-              <a:rPr lang="en-US" sz="1600" dirty="0" smtClean="0"/>
-              <a:t> </a:t>
-            </a:r>
-            <a:r>
               <a:rPr lang="zh-CN" altLang="en-US" sz="1600" dirty="0" smtClean="0"/>
-              <a:t>是一种可以让你在用户的浏览器内持久化存储数据的方法。</a:t>
-            </a:r>
-            <a:r>
-              <a:rPr lang="en-US" sz="1600" dirty="0" err="1" smtClean="0"/>
-              <a:t>IndexedDB</a:t>
-            </a:r>
-            <a:r>
-              <a:rPr lang="en-US" sz="1600" dirty="0" smtClean="0"/>
-              <a:t> </a:t>
+              <a:t>快速</a:t>
+            </a:r>
+            <a:r>
+              <a:rPr lang="en-US" altLang="zh-CN" sz="1600" dirty="0" smtClean="0"/>
+              <a:t>(</a:t>
             </a:r>
             <a:r>
               <a:rPr lang="zh-CN" altLang="en-US" sz="1600" dirty="0" smtClean="0"/>
-              <a:t>为生成 </a:t>
-            </a:r>
-            <a:r>
-              <a:rPr lang="en-US" sz="1600" dirty="0" smtClean="0"/>
-              <a:t>Web Application </a:t>
-            </a:r>
-            <a:r>
-              <a:rPr lang="zh-CN" altLang="en-US" sz="1600" dirty="0" smtClean="0"/>
-              <a:t>提供了丰富的查询能力，使我们的应用在在线和离线时都可以正常工作。</a:t>
-            </a:r>
-            <a:br>
-              <a:rPr lang="en-US" altLang="zh-CN" sz="1600" b="1" noProof="0" dirty="0" smtClean="0">
-                <a:latin typeface="经典中圆简" pitchFamily="49" charset="-122"/>
-                <a:ea typeface="经典中圆简" pitchFamily="49" charset="-122"/>
-                <a:cs typeface="经典中圆简" pitchFamily="49" charset="-122"/>
-              </a:rPr>
-            </a:br>
-            <a:endParaRPr kumimoji="0" lang="zh-CN" altLang="en-US" sz="1600" u="none" strike="noStrike" kern="1200" cap="none" spc="0" normalizeH="0" baseline="0" noProof="0" dirty="0">
-              <a:ln>
-                <a:noFill/>
-              </a:ln>
-              <a:effectLst/>
-              <a:uLnTx/>
-              <a:uFillTx/>
-              <a:latin typeface="经典中圆简" pitchFamily="49" charset="-122"/>
-              <a:ea typeface="经典中圆简" pitchFamily="49" charset="-122"/>
-              <a:cs typeface="经典中圆简" pitchFamily="49" charset="-122"/>
-            </a:endParaRPr>
-          </a:p>
-          <a:p>
-            <a:pPr marL="0" marR="0" lvl="0" indent="0" defTabSz="914400" rtl="0" eaLnBrk="1" fontAlgn="auto" latinLnBrk="0" hangingPunct="1">
-              <a:lnSpc>
-                <a:spcPct val="150000"/>
-              </a:lnSpc>
-              <a:spcBef>
-                <a:spcPct val="0"/>
-              </a:spcBef>
-              <a:spcAft>
-                <a:spcPts val="0"/>
-              </a:spcAft>
-              <a:buClrTx/>
-              <a:buSzTx/>
-              <a:buFontTx/>
-              <a:buNone/>
-              <a:defRPr/>
-            </a:pPr>
-            <a:endParaRPr kumimoji="0" lang="zh-CN" altLang="en-US" sz="1600" u="none" strike="noStrike" kern="1200" cap="none" spc="0" normalizeH="0" baseline="0" noProof="0" dirty="0">
-              <a:ln>
-                <a:noFill/>
-              </a:ln>
-              <a:effectLst/>
-              <a:uLnTx/>
-              <a:uFillTx/>
-              <a:latin typeface="经典中圆简" pitchFamily="49" charset="-122"/>
-              <a:ea typeface="经典中圆简" pitchFamily="49" charset="-122"/>
-              <a:cs typeface="经典中圆简" pitchFamily="49" charset="-122"/>
-            </a:endParaRPr>
-          </a:p>
-          <a:p>
-            <a:pPr marL="0" marR="0" lvl="0" indent="0" defTabSz="914400" rtl="0" eaLnBrk="1" fontAlgn="auto" latinLnBrk="0" hangingPunct="1">
-              <a:lnSpc>
-                <a:spcPct val="150000"/>
-              </a:lnSpc>
-              <a:spcBef>
-                <a:spcPct val="0"/>
-              </a:spcBef>
-              <a:spcAft>
-                <a:spcPts val="0"/>
-              </a:spcAft>
-              <a:buClrTx/>
-              <a:buSzTx/>
-              <a:buFontTx/>
-              <a:buNone/>
-              <a:defRPr/>
-            </a:pPr>
-            <a:endParaRPr kumimoji="0" lang="zh-CN" altLang="en-US" sz="1600" u="none" strike="noStrike" kern="1200" cap="none" spc="0" normalizeH="0" baseline="0" noProof="0" dirty="0">
-              <a:ln>
-                <a:noFill/>
-              </a:ln>
-              <a:effectLst/>
-              <a:uLnTx/>
-              <a:uFillTx/>
-              <a:latin typeface="经典中圆简" pitchFamily="49" charset="-122"/>
-              <a:ea typeface="经典中圆简" pitchFamily="49" charset="-122"/>
-              <a:cs typeface="经典中圆简" pitchFamily="49" charset="-122"/>
-            </a:endParaRPr>
+              <a:t>存储大量的数据，而不影响网站的性能</a:t>
+            </a:r>
+            <a:r>
+              <a:rPr lang="en-US" altLang="zh-CN" sz="1600" dirty="0" smtClean="0"/>
+              <a:t>)</a:t>
+            </a:r>
+            <a:endParaRPr lang="en-US" altLang="zh-CN" sz="1600" dirty="0" smtClean="0"/>
           </a:p>
         </p:txBody>
       </p:sp>
@@ -9238,7 +5434,7 @@
 </p:sld>
 </file>
 
-<file path=ppt/slides/slide6.xml><?xml version="1.0" encoding="utf-8"?>
+<file path=ppt/slides/slide3.xml><?xml version="1.0" encoding="utf-8"?>
 <p:sld xmlns:a="http://schemas.openxmlformats.org/drawingml/2006/main" xmlns:r="http://schemas.openxmlformats.org/officeDocument/2006/relationships" xmlns:p="http://schemas.openxmlformats.org/presentationml/2006/main">
   <p:cSld>
     <p:spTree>
@@ -9641,14 +5837,14 @@
       </p:grpSp>
       <p:sp>
         <p:nvSpPr>
-          <p:cNvPr id="16" name="Title 1"/>
+          <p:cNvPr id="14" name="Title 1"/>
           <p:cNvSpPr txBox="1"/>
           <p:nvPr/>
         </p:nvSpPr>
         <p:spPr>
           <a:xfrm>
-            <a:off x="711200" y="1149985"/>
-            <a:ext cx="5452745" cy="648335"/>
+            <a:off x="711498" y="1150184"/>
+            <a:ext cx="5012630" cy="648072"/>
           </a:xfrm>
           <a:prstGeom prst="rect">
             <a:avLst/>
@@ -9691,10 +5887,10 @@
                 <a:ea typeface="经典中圆简" pitchFamily="49" charset="-122"/>
                 <a:cs typeface="经典中圆简" pitchFamily="49" charset="-122"/>
               </a:rPr>
-              <a:t>HTML5indexedDB</a:t>
-            </a:r>
-            <a:r>
-              <a:rPr kumimoji="0" lang="zh-CN" altLang="en-US" sz="3200" u="none" strike="noStrike" kern="1200" cap="none" spc="0" normalizeH="0" baseline="0" noProof="0" dirty="0" smtClean="0">
+              <a:t>c</a:t>
+            </a:r>
+            <a:r>
+              <a:rPr kumimoji="0" lang="en-US" altLang="zh-CN" sz="3200" u="none" strike="noStrike" kern="1200" cap="none" spc="0" normalizeH="0" baseline="0" noProof="0" dirty="0" smtClean="0">
                 <a:ln>
                   <a:noFill/>
                 </a:ln>
@@ -9708,9 +5904,9 @@
                 <a:ea typeface="经典中圆简" pitchFamily="49" charset="-122"/>
                 <a:cs typeface="经典中圆简" pitchFamily="49" charset="-122"/>
               </a:rPr>
-              <a:t>数据库索引</a:t>
-            </a:r>
-            <a:endParaRPr kumimoji="0" lang="zh-CN" altLang="en-US" sz="3200" u="none" strike="noStrike" kern="1200" cap="none" spc="0" normalizeH="0" baseline="0" noProof="0" dirty="0" smtClean="0">
+              <a:t>ookie</a:t>
+            </a:r>
+            <a:endParaRPr kumimoji="0" lang="en-US" altLang="zh-CN" sz="3200" u="none" strike="noStrike" kern="1200" cap="none" spc="0" normalizeH="0" baseline="0" noProof="0" dirty="0" smtClean="0">
               <a:ln>
                 <a:noFill/>
               </a:ln>
@@ -9729,76 +5925,157 @@
       </p:sp>
       <p:sp>
         <p:nvSpPr>
-          <p:cNvPr id="20" name="Rectangle 3"/>
-          <p:cNvSpPr/>
+          <p:cNvPr id="15" name="Title 1"/>
+          <p:cNvSpPr txBox="1"/>
           <p:nvPr/>
         </p:nvSpPr>
-        <p:spPr bwMode="auto">
+        <p:spPr>
           <a:xfrm>
-            <a:off x="827584" y="2335184"/>
-            <a:ext cx="7676926" cy="977900"/>
+            <a:off x="1619672" y="1628800"/>
+            <a:ext cx="5012630" cy="648072"/>
+          </a:xfrm>
+          <a:prstGeom prst="rect">
+            <a:avLst/>
+          </a:prstGeom>
+        </p:spPr>
+        <p:txBody>
+          <a:bodyPr vert="horz" lIns="91440" tIns="45720" rIns="91440" bIns="45720" rtlCol="0" anchor="ctr">
+            <a:noAutofit/>
+          </a:bodyPr>
+          <a:lstStyle/>
+          <a:p>
+            <a:pPr marL="0" marR="0" lvl="0" indent="0" defTabSz="914400" rtl="0" eaLnBrk="1" fontAlgn="auto" latinLnBrk="0" hangingPunct="1">
+              <a:lnSpc>
+                <a:spcPct val="100000"/>
+              </a:lnSpc>
+              <a:spcBef>
+                <a:spcPct val="0"/>
+              </a:spcBef>
+              <a:spcAft>
+                <a:spcPts val="0"/>
+              </a:spcAft>
+              <a:buClrTx/>
+              <a:buSzTx/>
+              <a:buFontTx/>
+              <a:buNone/>
+              <a:defRPr/>
+            </a:pPr>
+            <a:endParaRPr lang="zh-CN" altLang="en-US" sz="3200" dirty="0" smtClean="0">
+              <a:solidFill>
+                <a:srgbClr val="004086"/>
+              </a:solidFill>
+              <a:latin typeface="经典中圆简" pitchFamily="49" charset="-122"/>
+              <a:ea typeface="经典中圆简" pitchFamily="49" charset="-122"/>
+              <a:cs typeface="经典中圆简" pitchFamily="49" charset="-122"/>
+            </a:endParaRPr>
+          </a:p>
+        </p:txBody>
+      </p:sp>
+      <p:pic>
+        <p:nvPicPr>
+          <p:cNvPr id="6" name="图片 5"/>
+          <p:cNvPicPr>
+            <a:picLocks noChangeAspect="1"/>
+          </p:cNvPicPr>
+          <p:nvPr/>
+        </p:nvPicPr>
+        <p:blipFill>
+          <a:blip r:embed="rId3"/>
+          <a:stretch>
+            <a:fillRect/>
+          </a:stretch>
+        </p:blipFill>
+        <p:spPr>
+          <a:xfrm>
+            <a:off x="848360" y="4365625"/>
+            <a:ext cx="5962015" cy="1600200"/>
+          </a:xfrm>
+          <a:prstGeom prst="rect">
+            <a:avLst/>
+          </a:prstGeom>
+        </p:spPr>
+      </p:pic>
+      <p:sp>
+        <p:nvSpPr>
+          <p:cNvPr id="16" name="文本框 15"/>
+          <p:cNvSpPr txBox="1"/>
+          <p:nvPr/>
+        </p:nvSpPr>
+        <p:spPr>
+          <a:xfrm>
+            <a:off x="737870" y="1946275"/>
+            <a:ext cx="7204075" cy="2288540"/>
           </a:xfrm>
           <a:prstGeom prst="rect">
             <a:avLst/>
           </a:prstGeom>
           <a:noFill/>
-          <a:ln w="12700">
-            <a:noFill/>
-            <a:miter lim="800000"/>
-          </a:ln>
         </p:spPr>
         <p:txBody>
-          <a:bodyPr wrap="square" lIns="0" tIns="0" rIns="0" bIns="0" anchor="ctr">
+          <a:bodyPr wrap="square" rtlCol="0">
             <a:spAutoFit/>
           </a:bodyPr>
-          <a:lstStyle/>
-          <a:p>
-            <a:pPr marL="342900" indent="-342900">
-              <a:buFont typeface="+mj-lt"/>
-              <a:buAutoNum type="arabicPeriod"/>
+          <a:p>
+            <a:r>
+              <a:rPr lang="zh-CN" altLang="en-US" sz="1600"/>
+              <a:t>以下可选的cookie属性值跟在键值对后，定义cookie的设定/更新，跟着一个分号以作分隔：</a:t>
+            </a:r>
+            <a:endParaRPr lang="zh-CN" altLang="en-US" sz="1600"/>
+          </a:p>
+          <a:p>
+            <a:pPr marL="285750" indent="-285750">
+              <a:buFont typeface="Arial" panose="020B0604020202020204" pitchFamily="34" charset="0"/>
+              <a:buChar char="•"/>
             </a:pPr>
             <a:r>
-              <a:rPr lang="zh-CN" altLang="en-US" sz="1600" dirty="0" smtClean="0"/>
-              <a:t>创建索引</a:t>
-            </a:r>
-            <a:endParaRPr lang="zh-CN" altLang="en-US" sz="1600" dirty="0" smtClean="0"/>
-          </a:p>
-          <a:p>
-            <a:pPr marL="342900" indent="-342900">
-              <a:buFont typeface="+mj-lt"/>
-              <a:buAutoNum type="arabicPeriod"/>
+              <a:rPr lang="zh-CN" altLang="en-US" sz="1600"/>
+              <a:t>;path=path (例如 '/', '/mydir') 如果没有定义，默认为当前文档位置的路径。</a:t>
+            </a:r>
+            <a:endParaRPr lang="zh-CN" altLang="en-US" sz="1600"/>
+          </a:p>
+          <a:p>
+            <a:pPr marL="285750" indent="-285750">
+              <a:buFont typeface="Arial" panose="020B0604020202020204" pitchFamily="34" charset="0"/>
+              <a:buChar char="•"/>
             </a:pPr>
             <a:r>
-              <a:rPr lang="zh-CN" altLang="en-US" sz="1600" dirty="0" smtClean="0"/>
-              <a:t>利用索引获取数据</a:t>
-            </a:r>
-            <a:endParaRPr lang="zh-CN" altLang="en-US" sz="1600" dirty="0" smtClean="0"/>
-          </a:p>
-          <a:p>
-            <a:pPr marL="342900" indent="-342900">
-              <a:buFont typeface="+mj-lt"/>
-              <a:buAutoNum type="arabicPeriod"/>
+              <a:rPr lang="zh-CN" altLang="en-US" sz="1600"/>
+              <a:t>;domain=domain (例如 'example.com'， '.example.com' (包括所有子域名), 'subdomain.example.com') 如果没有定义，默认为当前文档位置的路径的域名部分。</a:t>
+            </a:r>
+            <a:endParaRPr lang="zh-CN" altLang="en-US" sz="1600"/>
+          </a:p>
+          <a:p>
+            <a:pPr marL="285750" indent="-285750">
+              <a:buFont typeface="Arial" panose="020B0604020202020204" pitchFamily="34" charset="0"/>
+              <a:buChar char="•"/>
             </a:pPr>
             <a:r>
-              <a:rPr lang="zh-CN" altLang="en-US" sz="1600" dirty="0" smtClean="0"/>
-              <a:t>游标</a:t>
-            </a:r>
-            <a:endParaRPr lang="zh-CN" altLang="en-US" sz="1600" dirty="0" smtClean="0"/>
-          </a:p>
-          <a:p>
-            <a:pPr marL="342900" indent="-342900">
-              <a:buFont typeface="+mj-lt"/>
-              <a:buAutoNum type="arabicPeriod"/>
+              <a:rPr lang="zh-CN" altLang="en-US" sz="1600"/>
+              <a:t>;max-age=max-age-in-seconds (例如一年为60*60*24*365)</a:t>
+            </a:r>
+            <a:endParaRPr lang="zh-CN" altLang="en-US" sz="1600"/>
+          </a:p>
+          <a:p>
+            <a:pPr marL="285750" indent="-285750">
+              <a:buFont typeface="Arial" panose="020B0604020202020204" pitchFamily="34" charset="0"/>
+              <a:buChar char="•"/>
             </a:pPr>
             <a:r>
-              <a:rPr lang="en-US" altLang="zh-CN" sz="1600" dirty="0" smtClean="0"/>
-              <a:t>index</a:t>
-            </a:r>
-            <a:r>
-              <a:rPr lang="zh-CN" altLang="en-US" sz="1600" dirty="0" smtClean="0"/>
-              <a:t>与游标结合</a:t>
-            </a:r>
-            <a:endParaRPr lang="zh-CN" altLang="en-US" sz="1600" dirty="0" smtClean="0"/>
+              <a:rPr lang="zh-CN" altLang="en-US" sz="1600"/>
+              <a:t>;expires=date-in-GMTString-format 如果没有定义，cookie会在对话结束时过期</a:t>
+            </a:r>
+            <a:endParaRPr lang="zh-CN" altLang="en-US" sz="1600"/>
+          </a:p>
+          <a:p>
+            <a:pPr marL="285750" indent="-285750">
+              <a:buFont typeface="Arial" panose="020B0604020202020204" pitchFamily="34" charset="0"/>
+              <a:buChar char="•"/>
+            </a:pPr>
+            <a:r>
+              <a:rPr lang="zh-CN" altLang="en-US" sz="1600"/>
+              <a:t>;secure (cookie只通过https协议传输)</a:t>
+            </a:r>
+            <a:endParaRPr lang="zh-CN" altLang="en-US" sz="1600"/>
           </a:p>
         </p:txBody>
       </p:sp>
@@ -9817,7 +6094,395 @@
 </p:sld>
 </file>
 
-<file path=ppt/slides/slide7.xml><?xml version="1.0" encoding="utf-8"?>
+<file path=ppt/slides/slide4.xml><?xml version="1.0" encoding="utf-8"?>
+<p:sld xmlns:a="http://schemas.openxmlformats.org/drawingml/2006/main" xmlns:r="http://schemas.openxmlformats.org/officeDocument/2006/relationships" xmlns:p="http://schemas.openxmlformats.org/presentationml/2006/main">
+  <p:cSld>
+    <p:spTree>
+      <p:nvGrpSpPr>
+        <p:cNvPr id="1" name=""/>
+        <p:cNvGrpSpPr/>
+        <p:nvPr/>
+      </p:nvGrpSpPr>
+      <p:grpSpPr>
+        <a:xfrm>
+          <a:off x="0" y="0"/>
+          <a:ext cx="0" cy="0"/>
+          <a:chOff x="0" y="0"/>
+          <a:chExt cx="0" cy="0"/>
+        </a:xfrm>
+      </p:grpSpPr>
+      <p:sp>
+        <p:nvSpPr>
+          <p:cNvPr id="162" name="Rectangle 13"/>
+          <p:cNvSpPr/>
+          <p:nvPr/>
+        </p:nvSpPr>
+        <p:spPr bwMode="auto">
+          <a:xfrm>
+            <a:off x="6238444" y="3442518"/>
+            <a:ext cx="1285884" cy="246221"/>
+          </a:xfrm>
+          <a:prstGeom prst="rect">
+            <a:avLst/>
+          </a:prstGeom>
+          <a:noFill/>
+          <a:ln w="12700">
+            <a:noFill/>
+            <a:miter lim="800000"/>
+          </a:ln>
+        </p:spPr>
+        <p:txBody>
+          <a:bodyPr wrap="square" lIns="0" tIns="0" rIns="40639" bIns="0" anchor="ctr">
+            <a:spAutoFit/>
+          </a:bodyPr>
+          <a:lstStyle/>
+          <a:p>
+            <a:pPr marL="40005"/>
+            <a:r>
+              <a:rPr lang="zh-CN" altLang="en-US" sz="1600" dirty="0" smtClean="0">
+                <a:solidFill>
+                  <a:srgbClr val="FFFFFF"/>
+                </a:solidFill>
+                <a:latin typeface="Arial Unicode MS" panose="020B0604020202020204" pitchFamily="34" charset="-122"/>
+                <a:ea typeface="Arial Unicode MS" panose="020B0604020202020204" pitchFamily="34" charset="-122"/>
+                <a:cs typeface="Arial Unicode MS" panose="020B0604020202020204" pitchFamily="34" charset="-122"/>
+                <a:sym typeface="Helvetica Neue Medium" charset="0"/>
+              </a:rPr>
+              <a:t>前端开发</a:t>
+            </a:r>
+            <a:r>
+              <a:rPr lang="en-US" altLang="zh-CN" sz="1600" dirty="0" smtClean="0">
+                <a:solidFill>
+                  <a:srgbClr val="FFFFFF"/>
+                </a:solidFill>
+                <a:latin typeface="Arial Unicode MS" panose="020B0604020202020204" pitchFamily="34" charset="-122"/>
+                <a:ea typeface="Arial Unicode MS" panose="020B0604020202020204" pitchFamily="34" charset="-122"/>
+                <a:cs typeface="Arial Unicode MS" panose="020B0604020202020204" pitchFamily="34" charset="-122"/>
+                <a:sym typeface="Helvetica Neue Medium" charset="0"/>
+              </a:rPr>
+              <a:t>  </a:t>
+            </a:r>
+            <a:endParaRPr lang="en-US" altLang="zh-CN" sz="1600" dirty="0">
+              <a:solidFill>
+                <a:srgbClr val="FFFFFF"/>
+              </a:solidFill>
+              <a:latin typeface="Arial Unicode MS" panose="020B0604020202020204" pitchFamily="34" charset="-122"/>
+              <a:ea typeface="Arial Unicode MS" panose="020B0604020202020204" pitchFamily="34" charset="-122"/>
+              <a:cs typeface="Arial Unicode MS" panose="020B0604020202020204" pitchFamily="34" charset="-122"/>
+              <a:sym typeface="Helvetica Neue Medium" charset="0"/>
+            </a:endParaRPr>
+          </a:p>
+        </p:txBody>
+      </p:sp>
+      <p:sp>
+        <p:nvSpPr>
+          <p:cNvPr id="163" name="Rectangle 14"/>
+          <p:cNvSpPr/>
+          <p:nvPr/>
+        </p:nvSpPr>
+        <p:spPr bwMode="auto">
+          <a:xfrm>
+            <a:off x="3565228" y="3470811"/>
+            <a:ext cx="2013545" cy="246221"/>
+          </a:xfrm>
+          <a:prstGeom prst="rect">
+            <a:avLst/>
+          </a:prstGeom>
+          <a:noFill/>
+          <a:ln w="12700">
+            <a:noFill/>
+            <a:miter lim="800000"/>
+          </a:ln>
+        </p:spPr>
+        <p:txBody>
+          <a:bodyPr wrap="square" lIns="0" tIns="0" rIns="40639" bIns="0" anchor="ctr">
+            <a:spAutoFit/>
+          </a:bodyPr>
+          <a:lstStyle/>
+          <a:p>
+            <a:pPr marL="40005"/>
+            <a:r>
+              <a:rPr lang="zh-CN" altLang="en-US" sz="1600" dirty="0" smtClean="0">
+                <a:solidFill>
+                  <a:srgbClr val="FFFFFF"/>
+                </a:solidFill>
+                <a:latin typeface="Arial Unicode MS" panose="020B0604020202020204" pitchFamily="34" charset="-122"/>
+                <a:ea typeface="Arial Unicode MS" panose="020B0604020202020204" pitchFamily="34" charset="-122"/>
+                <a:cs typeface="Arial Unicode MS" panose="020B0604020202020204" pitchFamily="34" charset="-122"/>
+                <a:sym typeface="Helvetica Neue Medium" charset="0"/>
+              </a:rPr>
+              <a:t>视觉设计</a:t>
+            </a:r>
+            <a:endParaRPr lang="en-US" altLang="zh-CN" sz="1600" dirty="0">
+              <a:solidFill>
+                <a:srgbClr val="FFFFFF"/>
+              </a:solidFill>
+              <a:latin typeface="Arial Unicode MS" panose="020B0604020202020204" pitchFamily="34" charset="-122"/>
+              <a:ea typeface="Arial Unicode MS" panose="020B0604020202020204" pitchFamily="34" charset="-122"/>
+              <a:cs typeface="Arial Unicode MS" panose="020B0604020202020204" pitchFamily="34" charset="-122"/>
+              <a:sym typeface="Helvetica Neue Medium" charset="0"/>
+            </a:endParaRPr>
+          </a:p>
+        </p:txBody>
+      </p:sp>
+      <p:sp>
+        <p:nvSpPr>
+          <p:cNvPr id="164" name="Rectangle 15"/>
+          <p:cNvSpPr/>
+          <p:nvPr/>
+        </p:nvSpPr>
+        <p:spPr bwMode="auto">
+          <a:xfrm>
+            <a:off x="911751" y="3439773"/>
+            <a:ext cx="1500009" cy="246221"/>
+          </a:xfrm>
+          <a:prstGeom prst="rect">
+            <a:avLst/>
+          </a:prstGeom>
+          <a:noFill/>
+          <a:ln w="12700">
+            <a:noFill/>
+            <a:miter lim="800000"/>
+          </a:ln>
+        </p:spPr>
+        <p:txBody>
+          <a:bodyPr wrap="square" lIns="0" tIns="0" rIns="40639" bIns="0" anchor="ctr">
+            <a:spAutoFit/>
+          </a:bodyPr>
+          <a:lstStyle/>
+          <a:p>
+            <a:pPr marL="40005"/>
+            <a:r>
+              <a:rPr lang="zh-CN" altLang="en-US" sz="1600" dirty="0" smtClean="0">
+                <a:solidFill>
+                  <a:srgbClr val="FFFFFF"/>
+                </a:solidFill>
+                <a:latin typeface="Arial Unicode MS" panose="020B0604020202020204" pitchFamily="34" charset="-122"/>
+                <a:ea typeface="Arial Unicode MS" panose="020B0604020202020204" pitchFamily="34" charset="-122"/>
+                <a:cs typeface="Arial Unicode MS" panose="020B0604020202020204" pitchFamily="34" charset="-122"/>
+                <a:sym typeface="Helvetica Neue Medium" charset="0"/>
+              </a:rPr>
+              <a:t>交互设计</a:t>
+            </a:r>
+            <a:endParaRPr lang="en-US" altLang="zh-CN" sz="1600" dirty="0">
+              <a:solidFill>
+                <a:srgbClr val="FFFFFF"/>
+              </a:solidFill>
+              <a:latin typeface="Arial Unicode MS" panose="020B0604020202020204" pitchFamily="34" charset="-122"/>
+              <a:ea typeface="Arial Unicode MS" panose="020B0604020202020204" pitchFamily="34" charset="-122"/>
+              <a:cs typeface="Arial Unicode MS" panose="020B0604020202020204" pitchFamily="34" charset="-122"/>
+              <a:sym typeface="Helvetica Neue Medium" charset="0"/>
+            </a:endParaRPr>
+          </a:p>
+        </p:txBody>
+      </p:sp>
+      <p:sp>
+        <p:nvSpPr>
+          <p:cNvPr id="2" name="文本框 1"/>
+          <p:cNvSpPr txBox="1"/>
+          <p:nvPr/>
+        </p:nvSpPr>
+        <p:spPr>
+          <a:xfrm>
+            <a:off x="711200" y="1982470"/>
+            <a:ext cx="7756525" cy="1471172"/>
+          </a:xfrm>
+          <a:prstGeom prst="rect">
+            <a:avLst/>
+          </a:prstGeom>
+          <a:noFill/>
+        </p:spPr>
+        <p:txBody>
+          <a:bodyPr wrap="square" rtlCol="0" anchor="t">
+            <a:spAutoFit/>
+          </a:bodyPr>
+          <a:lstStyle/>
+          <a:p>
+            <a:pPr marL="285750" indent="-285750">
+              <a:lnSpc>
+                <a:spcPct val="140000"/>
+              </a:lnSpc>
+              <a:buFont typeface="Arial" panose="020B0604020202020204" pitchFamily="34" charset="0"/>
+              <a:buChar char="•"/>
+            </a:pPr>
+            <a:r>
+              <a:rPr lang="en-US" altLang="zh-CN" sz="1600" dirty="0" err="1" smtClean="0"/>
+              <a:t>sessionStorage</a:t>
+            </a:r>
+            <a:r>
+              <a:rPr lang="en-US" altLang="zh-CN" sz="1600" dirty="0" smtClean="0"/>
+              <a:t> </a:t>
+            </a:r>
+            <a:r>
+              <a:rPr lang="zh-CN" altLang="en-US" sz="1600" dirty="0" smtClean="0"/>
+              <a:t>为每一个给定的源（</a:t>
+            </a:r>
+            <a:r>
+              <a:rPr lang="en-US" altLang="zh-CN" sz="1600" dirty="0" smtClean="0"/>
+              <a:t>given origin</a:t>
+            </a:r>
+            <a:r>
+              <a:rPr lang="zh-CN" altLang="en-US" sz="1600" dirty="0" smtClean="0"/>
+              <a:t>）维持一个独立的存储区域，该存储区域在页面会话期间可用（即只要浏览器处于打开状态，包括页面重新加载和恢复）。</a:t>
+            </a:r>
+            <a:endParaRPr lang="en-US" altLang="zh-CN" sz="1600" dirty="0" smtClean="0"/>
+          </a:p>
+          <a:p>
+            <a:pPr marL="285750" indent="-285750">
+              <a:lnSpc>
+                <a:spcPct val="140000"/>
+              </a:lnSpc>
+              <a:buFont typeface="Arial" panose="020B0604020202020204" pitchFamily="34" charset="0"/>
+              <a:buChar char="•"/>
+            </a:pPr>
+            <a:r>
+              <a:rPr lang="en-US" altLang="zh-CN" sz="1600" dirty="0" err="1" smtClean="0"/>
+              <a:t>localStorage</a:t>
+            </a:r>
+            <a:r>
+              <a:rPr lang="en-US" altLang="zh-CN" sz="1600" dirty="0" smtClean="0"/>
+              <a:t> </a:t>
+            </a:r>
+            <a:r>
+              <a:rPr lang="zh-CN" altLang="en-US" sz="1600" dirty="0" smtClean="0"/>
+              <a:t>同样的功能，但是在浏览器关闭，然后重新打开后数据仍然存在。</a:t>
+            </a:r>
+            <a:endParaRPr lang="zh-CN" altLang="en-US" sz="1600" dirty="0" smtClean="0"/>
+          </a:p>
+        </p:txBody>
+      </p:sp>
+      <p:sp>
+        <p:nvSpPr>
+          <p:cNvPr id="29" name="Title 1"/>
+          <p:cNvSpPr txBox="1"/>
+          <p:nvPr/>
+        </p:nvSpPr>
+        <p:spPr>
+          <a:xfrm>
+            <a:off x="711498" y="1150184"/>
+            <a:ext cx="5012630" cy="648072"/>
+          </a:xfrm>
+          <a:prstGeom prst="rect">
+            <a:avLst/>
+          </a:prstGeom>
+        </p:spPr>
+        <p:txBody>
+          <a:bodyPr vert="horz" lIns="91440" tIns="45720" rIns="91440" bIns="45720" rtlCol="0" anchor="ctr">
+            <a:noAutofit/>
+          </a:bodyPr>
+          <a:lstStyle/>
+          <a:p>
+            <a:pPr marL="0" marR="0" lvl="0" indent="0" defTabSz="914400" rtl="0" eaLnBrk="1" fontAlgn="auto" latinLnBrk="0" hangingPunct="1">
+              <a:lnSpc>
+                <a:spcPct val="100000"/>
+              </a:lnSpc>
+              <a:spcBef>
+                <a:spcPct val="0"/>
+              </a:spcBef>
+              <a:spcAft>
+                <a:spcPts val="0"/>
+              </a:spcAft>
+              <a:buClrTx/>
+              <a:buSzTx/>
+              <a:buFontTx/>
+              <a:buNone/>
+              <a:defRPr/>
+            </a:pPr>
+            <a:r>
+              <a:rPr kumimoji="0" lang="en-US" altLang="zh-CN" sz="3200" u="none" strike="noStrike" kern="1200" cap="none" spc="0" normalizeH="0" baseline="0" noProof="0" dirty="0" smtClean="0">
+                <a:ln>
+                  <a:noFill/>
+                </a:ln>
+                <a:solidFill>
+                  <a:srgbClr val="004086"/>
+                </a:solidFill>
+                <a:effectLst/>
+                <a:uLnTx/>
+                <a:uFillTx/>
+                <a:latin typeface="经典中圆简" pitchFamily="49" charset="-122"/>
+                <a:ea typeface="经典中圆简" pitchFamily="49" charset="-122"/>
+                <a:cs typeface="经典中圆简" pitchFamily="49" charset="-122"/>
+              </a:rPr>
+              <a:t>Web Storage</a:t>
+            </a:r>
+            <a:r>
+              <a:rPr lang="zh-CN" altLang="en-US" sz="3200" dirty="0" smtClean="0">
+                <a:solidFill>
+                  <a:srgbClr val="004086"/>
+                </a:solidFill>
+                <a:latin typeface="经典中圆简" pitchFamily="49" charset="-122"/>
+                <a:ea typeface="经典中圆简" pitchFamily="49" charset="-122"/>
+                <a:cs typeface="经典中圆简" pitchFamily="49" charset="-122"/>
+              </a:rPr>
+              <a:t>概念和用法</a:t>
+            </a:r>
+            <a:endParaRPr kumimoji="0" lang="zh-CN" altLang="en-US" sz="3200" u="none" strike="noStrike" kern="1200" cap="none" spc="0" normalizeH="0" baseline="0" noProof="0" dirty="0">
+              <a:ln>
+                <a:noFill/>
+              </a:ln>
+              <a:solidFill>
+                <a:srgbClr val="004086"/>
+              </a:solidFill>
+              <a:effectLst/>
+              <a:uLnTx/>
+              <a:uFillTx/>
+              <a:latin typeface="经典中圆简" pitchFamily="49" charset="-122"/>
+              <a:ea typeface="经典中圆简" pitchFamily="49" charset="-122"/>
+              <a:cs typeface="经典中圆简" pitchFamily="49" charset="-122"/>
+            </a:endParaRPr>
+          </a:p>
+        </p:txBody>
+      </p:sp>
+      <p:pic>
+        <p:nvPicPr>
+          <p:cNvPr id="2050" name="Picture 2"/>
+          <p:cNvPicPr>
+            <a:picLocks noGrp="1" noChangeAspect="1" noChangeArrowheads="1"/>
+          </p:cNvPicPr>
+          <p:nvPr>
+            <p:ph idx="1"/>
+          </p:nvPr>
+        </p:nvPicPr>
+        <p:blipFill>
+          <a:blip r:embed="rId1" cstate="print"/>
+          <a:srcRect/>
+          <a:stretch>
+            <a:fillRect/>
+          </a:stretch>
+        </p:blipFill>
+        <p:spPr bwMode="auto">
+          <a:xfrm>
+            <a:off x="1115616" y="3501008"/>
+            <a:ext cx="7010400" cy="2371725"/>
+          </a:xfrm>
+          <a:prstGeom prst="rect">
+            <a:avLst/>
+          </a:prstGeom>
+          <a:noFill/>
+          <a:ln w="9525">
+            <a:noFill/>
+            <a:miter lim="800000"/>
+            <a:headEnd/>
+            <a:tailEnd/>
+          </a:ln>
+        </p:spPr>
+      </p:pic>
+    </p:spTree>
+  </p:cSld>
+  <p:clrMapOvr>
+    <a:masterClrMapping/>
+  </p:clrMapOvr>
+  <p:timing>
+    <p:tnLst>
+      <p:par>
+        <p:cTn id="1" dur="indefinite" restart="never" nodeType="tmRoot"/>
+      </p:par>
+    </p:tnLst>
+  </p:timing>
+</p:sld>
+</file>
+
+<file path=ppt/slides/slide5.xml><?xml version="1.0" encoding="utf-8"?>
 <p:sld xmlns:a="http://schemas.openxmlformats.org/drawingml/2006/main" xmlns:r="http://schemas.openxmlformats.org/officeDocument/2006/relationships" xmlns:p="http://schemas.openxmlformats.org/presentationml/2006/main">
   <p:cSld>
     <p:spTree>
@@ -10226,8 +6891,8 @@
         </p:nvSpPr>
         <p:spPr>
           <a:xfrm>
-            <a:off x="711498" y="1150184"/>
-            <a:ext cx="5012630" cy="648072"/>
+            <a:off x="711200" y="1149985"/>
+            <a:ext cx="7694930" cy="648335"/>
           </a:xfrm>
           <a:prstGeom prst="rect">
             <a:avLst/>
@@ -10256,7 +6921,7 @@
               <a:defRPr/>
             </a:pPr>
             <a:r>
-              <a:rPr kumimoji="0" lang="zh-CN" altLang="en-US" sz="3200" u="none" strike="noStrike" kern="1200" cap="none" spc="0" normalizeH="0" baseline="0" noProof="0" dirty="0" smtClean="0">
+              <a:rPr lang="en-US" altLang="zh-CN" sz="3200" noProof="0" dirty="0" smtClean="0">
                 <a:ln>
                   <a:noFill/>
                 </a:ln>
@@ -10269,8 +6934,69 @@
                 <a:latin typeface="经典中圆简" pitchFamily="49" charset="-122"/>
                 <a:ea typeface="经典中圆简" pitchFamily="49" charset="-122"/>
                 <a:cs typeface="经典中圆简" pitchFamily="49" charset="-122"/>
+                <a:sym typeface="+mn-ea"/>
               </a:rPr>
-              <a:t>基本模式</a:t>
+              <a:t>Cookie</a:t>
+            </a:r>
+            <a:r>
+              <a:rPr lang="zh-CN" altLang="en-US" sz="3200" noProof="0" dirty="0" smtClean="0">
+                <a:ln>
+                  <a:noFill/>
+                </a:ln>
+                <a:solidFill>
+                  <a:srgbClr val="004086"/>
+                </a:solidFill>
+                <a:effectLst/>
+                <a:uLnTx/>
+                <a:uFillTx/>
+                <a:latin typeface="经典中圆简" pitchFamily="49" charset="-122"/>
+                <a:ea typeface="经典中圆简" pitchFamily="49" charset="-122"/>
+                <a:cs typeface="经典中圆简" pitchFamily="49" charset="-122"/>
+                <a:sym typeface="+mn-ea"/>
+              </a:rPr>
+              <a:t>、</a:t>
+            </a:r>
+            <a:r>
+              <a:rPr lang="en-US" altLang="zh-CN" sz="3200" noProof="0" dirty="0" err="1" smtClean="0">
+                <a:ln>
+                  <a:noFill/>
+                </a:ln>
+                <a:solidFill>
+                  <a:srgbClr val="004086"/>
+                </a:solidFill>
+                <a:effectLst/>
+                <a:uLnTx/>
+                <a:uFillTx/>
+                <a:latin typeface="经典中圆简" pitchFamily="49" charset="-122"/>
+                <a:ea typeface="经典中圆简" pitchFamily="49" charset="-122"/>
+                <a:cs typeface="经典中圆简" pitchFamily="49" charset="-122"/>
+                <a:sym typeface="+mn-ea"/>
+              </a:rPr>
+              <a:t>localStorage</a:t>
+            </a:r>
+            <a:r>
+              <a:rPr lang="zh-CN" altLang="en-US" sz="3200" dirty="0" smtClean="0">
+                <a:solidFill>
+                  <a:srgbClr val="004086"/>
+                </a:solidFill>
+                <a:latin typeface="经典中圆简" pitchFamily="49" charset="-122"/>
+                <a:ea typeface="经典中圆简" pitchFamily="49" charset="-122"/>
+                <a:cs typeface="经典中圆简" pitchFamily="49" charset="-122"/>
+                <a:sym typeface="+mn-ea"/>
+              </a:rPr>
+              <a:t>、</a:t>
+            </a:r>
+            <a:r>
+              <a:rPr lang="en-US" altLang="zh-CN" sz="3200" dirty="0" err="1" smtClean="0">
+                <a:solidFill>
+                  <a:srgbClr val="004086"/>
+                </a:solidFill>
+                <a:latin typeface="经典中圆简" pitchFamily="49" charset="-122"/>
+                <a:ea typeface="经典中圆简" pitchFamily="49" charset="-122"/>
+                <a:cs typeface="经典中圆简" pitchFamily="49" charset="-122"/>
+                <a:sym typeface="+mn-ea"/>
+              </a:rPr>
+              <a:t>sessionStorage</a:t>
             </a:r>
             <a:endParaRPr kumimoji="0" lang="zh-CN" altLang="en-US" sz="3200" u="none" strike="noStrike" kern="1200" cap="none" spc="0" normalizeH="0" baseline="0" noProof="0" dirty="0">
               <a:ln>
@@ -10289,295 +7015,1751 @@
           </a:p>
         </p:txBody>
       </p:sp>
-      <p:sp>
-        <p:nvSpPr>
-          <p:cNvPr id="20" name="Rectangle 3"/>
-          <p:cNvSpPr/>
+      <p:graphicFrame>
+        <p:nvGraphicFramePr>
+          <p:cNvPr id="5" name="Table 9"/>
+          <p:cNvGraphicFramePr>
+            <a:graphicFrameLocks noGrp="1"/>
+          </p:cNvGraphicFramePr>
           <p:nvPr/>
-        </p:nvSpPr>
-        <p:spPr bwMode="auto">
-          <a:xfrm>
-            <a:off x="827584" y="1418293"/>
-            <a:ext cx="7676926" cy="3970318"/>
-          </a:xfrm>
-          <a:prstGeom prst="rect">
-            <a:avLst/>
-          </a:prstGeom>
-          <a:noFill/>
-          <a:ln w="12700">
-            <a:noFill/>
-            <a:miter lim="800000"/>
-          </a:ln>
-        </p:spPr>
-        <p:txBody>
-          <a:bodyPr wrap="square" lIns="0" tIns="0" rIns="0" bIns="0" anchor="ctr">
-            <a:spAutoFit/>
-          </a:bodyPr>
-          <a:lstStyle/>
-          <a:p>
-            <a:pPr marL="342900" indent="-342900">
-              <a:lnSpc>
-                <a:spcPct val="140000"/>
-              </a:lnSpc>
-              <a:buFont typeface="+mj-lt"/>
-              <a:buAutoNum type="arabicPeriod"/>
-            </a:pPr>
-            <a:r>
-              <a:rPr lang="zh-CN" altLang="en-US" sz="1600" dirty="0" smtClean="0"/>
-              <a:t>打开数据库</a:t>
-            </a:r>
-            <a:endParaRPr lang="en-US" altLang="zh-CN" sz="1600" dirty="0" smtClean="0"/>
-          </a:p>
-          <a:p>
-            <a:pPr marL="342900" indent="-342900">
-              <a:lnSpc>
-                <a:spcPct val="140000"/>
-              </a:lnSpc>
-              <a:buFont typeface="+mj-lt"/>
-              <a:buAutoNum type="arabicPeriod"/>
-            </a:pPr>
-            <a:endParaRPr lang="en-US" altLang="zh-CN" sz="1600" dirty="0" smtClean="0"/>
-          </a:p>
-          <a:p>
-            <a:pPr marL="342900" indent="-342900">
-              <a:lnSpc>
-                <a:spcPct val="140000"/>
-              </a:lnSpc>
-              <a:buFont typeface="+mj-lt"/>
-              <a:buAutoNum type="arabicPeriod"/>
-            </a:pPr>
-            <a:r>
-              <a:rPr lang="zh-CN" altLang="en-US" sz="1600" dirty="0" smtClean="0">
-                <a:latin typeface="+mn-ea"/>
-              </a:rPr>
-              <a:t>生成处理函数</a:t>
-            </a:r>
-            <a:endParaRPr lang="en-US" altLang="zh-CN" sz="1600" dirty="0" smtClean="0">
-              <a:latin typeface="+mn-ea"/>
-            </a:endParaRPr>
-          </a:p>
-          <a:p>
-            <a:pPr marL="342900" indent="-342900">
-              <a:lnSpc>
-                <a:spcPct val="140000"/>
-              </a:lnSpc>
-              <a:buFont typeface="+mj-lt"/>
-              <a:buAutoNum type="arabicPeriod"/>
-            </a:pPr>
-            <a:endParaRPr lang="en-US" altLang="zh-CN" sz="1600" dirty="0" smtClean="0">
-              <a:latin typeface="+mn-ea"/>
-            </a:endParaRPr>
-          </a:p>
-          <a:p>
-            <a:pPr marL="342900" indent="-342900">
-              <a:lnSpc>
-                <a:spcPct val="140000"/>
-              </a:lnSpc>
-              <a:buFont typeface="+mj-lt"/>
-              <a:buAutoNum type="arabicPeriod"/>
-            </a:pPr>
-            <a:endParaRPr lang="en-US" altLang="zh-CN" sz="1600" dirty="0" smtClean="0">
-              <a:latin typeface="+mn-ea"/>
-            </a:endParaRPr>
-          </a:p>
-          <a:p>
-            <a:pPr marL="342900" indent="-342900">
-              <a:lnSpc>
-                <a:spcPct val="140000"/>
-              </a:lnSpc>
-              <a:buFont typeface="+mj-lt"/>
-              <a:buAutoNum type="arabicPeriod"/>
-            </a:pPr>
-            <a:endParaRPr lang="en-US" altLang="zh-CN" sz="1600" dirty="0" smtClean="0">
-              <a:latin typeface="+mn-ea"/>
-            </a:endParaRPr>
-          </a:p>
-          <a:p>
-            <a:pPr marL="342900" indent="-342900">
-              <a:lnSpc>
-                <a:spcPct val="140000"/>
-              </a:lnSpc>
-              <a:buFont typeface="+mj-lt"/>
-              <a:buAutoNum type="arabicPeriod"/>
-            </a:pPr>
-            <a:endParaRPr lang="en-US" altLang="zh-CN" sz="1600" dirty="0" smtClean="0">
-              <a:latin typeface="+mn-ea"/>
-            </a:endParaRPr>
-          </a:p>
-          <a:p>
-            <a:pPr marL="342900" indent="-342900">
-              <a:lnSpc>
-                <a:spcPct val="140000"/>
-              </a:lnSpc>
-              <a:buFont typeface="+mj-lt"/>
-              <a:buAutoNum type="arabicPeriod"/>
-            </a:pPr>
-            <a:endParaRPr lang="zh-CN" altLang="en-US" sz="1600" dirty="0" smtClean="0">
-              <a:latin typeface="+mn-ea"/>
-            </a:endParaRPr>
-          </a:p>
-          <a:p>
-            <a:pPr marL="342900" indent="-342900">
-              <a:buFont typeface="+mj-lt"/>
-              <a:buAutoNum type="arabicPeriod"/>
-            </a:pPr>
-            <a:r>
-              <a:rPr lang="zh-CN" altLang="en-US" sz="1600" dirty="0" smtClean="0"/>
-              <a:t>创建和更新数据库版本号</a:t>
-            </a:r>
-            <a:endParaRPr lang="zh-CN" altLang="en-US" sz="1600" dirty="0" smtClean="0"/>
-          </a:p>
-          <a:p>
-            <a:pPr marL="342900" indent="-342900">
-              <a:buFont typeface="+mj-lt"/>
-              <a:buAutoNum type="arabicPeriod"/>
-            </a:pPr>
-            <a:endParaRPr lang="zh-CN" altLang="en-US" sz="1600" dirty="0" smtClean="0"/>
-          </a:p>
-          <a:p>
-            <a:pPr marL="342900" indent="-342900">
-              <a:lnSpc>
-                <a:spcPct val="140000"/>
-              </a:lnSpc>
-              <a:buFont typeface="+mj-lt"/>
-              <a:buAutoNum type="arabicPeriod"/>
-            </a:pPr>
-            <a:r>
-              <a:rPr lang="zh-CN" altLang="en-US" sz="1600" dirty="0" smtClean="0"/>
-              <a:t>通过监听正确类型的 </a:t>
-            </a:r>
-            <a:r>
-              <a:rPr lang="en-US" altLang="zh-CN" sz="1600" dirty="0" smtClean="0"/>
-              <a:t>DOM </a:t>
-            </a:r>
-            <a:r>
-              <a:rPr lang="zh-CN" altLang="en-US" sz="1600" dirty="0" smtClean="0"/>
-              <a:t>事件以等待操作完成。</a:t>
-            </a:r>
-            <a:endParaRPr lang="zh-CN" altLang="en-US" sz="1600" dirty="0">
-              <a:latin typeface="+mn-ea"/>
-            </a:endParaRPr>
-          </a:p>
-          <a:p>
-            <a:pPr marL="342900" indent="-342900">
-              <a:lnSpc>
-                <a:spcPct val="140000"/>
-              </a:lnSpc>
-              <a:buFont typeface="+mj-lt"/>
-              <a:buAutoNum type="arabicPeriod"/>
-            </a:pPr>
-            <a:r>
-              <a:rPr lang="zh-CN" altLang="en-US" sz="1600" dirty="0" smtClean="0"/>
-              <a:t>在操作结果上进行一些操作（可以在 </a:t>
-            </a:r>
-            <a:r>
-              <a:rPr lang="en-US" sz="1600" dirty="0" smtClean="0"/>
-              <a:t>request </a:t>
-            </a:r>
-            <a:r>
-              <a:rPr lang="zh-CN" altLang="en-US" sz="1600" dirty="0" smtClean="0"/>
-              <a:t>对象中找到）</a:t>
-            </a:r>
-            <a:endParaRPr lang="zh-CN" altLang="en-US" sz="1600" dirty="0" smtClean="0"/>
-          </a:p>
-        </p:txBody>
-      </p:sp>
-      <p:pic>
-        <p:nvPicPr>
-          <p:cNvPr id="4100" name="Picture 4"/>
-          <p:cNvPicPr>
-            <a:picLocks noChangeAspect="1" noChangeArrowheads="1"/>
-          </p:cNvPicPr>
-          <p:nvPr/>
-        </p:nvPicPr>
-        <p:blipFill>
-          <a:blip r:embed="rId3" cstate="print"/>
-          <a:srcRect/>
-          <a:stretch>
-            <a:fillRect/>
-          </a:stretch>
-        </p:blipFill>
-        <p:spPr bwMode="auto">
-          <a:xfrm>
-            <a:off x="1187624" y="2060848"/>
-            <a:ext cx="4410075" cy="209550"/>
-          </a:xfrm>
-          <a:prstGeom prst="rect">
-            <a:avLst/>
-          </a:prstGeom>
-          <a:noFill/>
-          <a:ln w="9525">
-            <a:noFill/>
-            <a:miter lim="800000"/>
-            <a:headEnd/>
-            <a:tailEnd/>
-          </a:ln>
-        </p:spPr>
-      </p:pic>
-      <p:pic>
-        <p:nvPicPr>
-          <p:cNvPr id="4101" name="Picture 5"/>
-          <p:cNvPicPr>
-            <a:picLocks noChangeAspect="1" noChangeArrowheads="1"/>
-          </p:cNvPicPr>
-          <p:nvPr/>
-        </p:nvPicPr>
-        <p:blipFill>
-          <a:blip r:embed="rId4" cstate="print"/>
-          <a:srcRect/>
-          <a:stretch>
-            <a:fillRect/>
-          </a:stretch>
-        </p:blipFill>
-        <p:spPr bwMode="auto">
-          <a:xfrm>
-            <a:off x="1187624" y="2780928"/>
-            <a:ext cx="3600450" cy="1143000"/>
-          </a:xfrm>
-          <a:prstGeom prst="rect">
-            <a:avLst/>
-          </a:prstGeom>
-          <a:noFill/>
-          <a:ln w="9525">
-            <a:noFill/>
-            <a:miter lim="800000"/>
-            <a:headEnd/>
-            <a:tailEnd/>
-          </a:ln>
-        </p:spPr>
-      </p:pic>
-      <p:pic>
-        <p:nvPicPr>
-          <p:cNvPr id="4102" name="Picture 6"/>
-          <p:cNvPicPr>
-            <a:picLocks noChangeAspect="1" noChangeArrowheads="1"/>
-          </p:cNvPicPr>
-          <p:nvPr/>
-        </p:nvPicPr>
-        <p:blipFill>
-          <a:blip r:embed="rId5" cstate="print"/>
-          <a:srcRect/>
-          <a:stretch>
-            <a:fillRect/>
-          </a:stretch>
-        </p:blipFill>
-        <p:spPr bwMode="auto">
-          <a:xfrm>
-            <a:off x="1259632" y="3861048"/>
-            <a:ext cx="3781425" cy="857250"/>
-          </a:xfrm>
-          <a:prstGeom prst="rect">
-            <a:avLst/>
-          </a:prstGeom>
-          <a:noFill/>
-          <a:ln w="9525">
-            <a:noFill/>
-            <a:miter lim="800000"/>
-            <a:headEnd/>
-            <a:tailEnd/>
-          </a:ln>
-        </p:spPr>
-      </p:pic>
+        </p:nvGraphicFramePr>
+        <p:xfrm>
+          <a:off x="827584" y="2132856"/>
+          <a:ext cx="7272655" cy="3943350"/>
+        </p:xfrm>
+        <a:graphic>
+          <a:graphicData uri="http://schemas.openxmlformats.org/drawingml/2006/table">
+            <a:tbl>
+              <a:tblPr/>
+              <a:tblGrid>
+                <a:gridCol w="936104"/>
+                <a:gridCol w="2160240"/>
+                <a:gridCol w="2088232"/>
+                <a:gridCol w="2088232"/>
+              </a:tblGrid>
+              <a:tr h="445770">
+                <a:tc>
+                  <a:txBody>
+                    <a:bodyPr/>
+                    <a:p>
+                      <a:pPr marL="0" marR="0">
+                        <a:lnSpc>
+                          <a:spcPts val="1680"/>
+                        </a:lnSpc>
+                        <a:spcBef>
+                          <a:spcPts val="1800"/>
+                        </a:spcBef>
+                        <a:spcAft>
+                          <a:spcPts val="1800"/>
+                        </a:spcAft>
+                      </a:pPr>
+                      <a:r>
+                        <a:rPr lang="zh-CN" sz="1400" b="1" dirty="0">
+                          <a:solidFill>
+                            <a:srgbClr val="333333"/>
+                          </a:solidFill>
+                          <a:latin typeface="Calibri" panose="020F0502020204030204"/>
+                          <a:ea typeface="宋体" panose="02010600030101010101" pitchFamily="2" charset="-122"/>
+                          <a:cs typeface="宋体" panose="02010600030101010101" pitchFamily="2" charset="-122"/>
+                        </a:rPr>
+                        <a:t>特性</a:t>
+                      </a:r>
+                      <a:endParaRPr lang="en-US" sz="1400" dirty="0">
+                        <a:latin typeface="Calibri" panose="020F0502020204030204"/>
+                        <a:ea typeface="宋体" panose="02010600030101010101" pitchFamily="2" charset="-122"/>
+                        <a:cs typeface="Times New Roman" panose="02020603050405020304"/>
+                      </a:endParaRPr>
+                    </a:p>
+                  </a:txBody>
+                  <a:tcPr marL="59113" marR="59113" marT="36945" marB="36945" anchor="ctr">
+                    <a:lnL w="12700" cap="flat" cmpd="sng" algn="ctr">
+                      <a:solidFill>
+                        <a:srgbClr val="E6E6E6"/>
+                      </a:solidFill>
+                      <a:prstDash val="solid"/>
+                      <a:round/>
+                      <a:headEnd type="none" w="med" len="med"/>
+                      <a:tailEnd type="none" w="med" len="med"/>
+                    </a:lnL>
+                    <a:lnR w="12700" cap="flat" cmpd="sng" algn="ctr">
+                      <a:solidFill>
+                        <a:srgbClr val="E6E6E6"/>
+                      </a:solidFill>
+                      <a:prstDash val="solid"/>
+                      <a:round/>
+                      <a:headEnd type="none" w="med" len="med"/>
+                      <a:tailEnd type="none" w="med" len="med"/>
+                    </a:lnR>
+                    <a:lnT w="12700" cap="flat" cmpd="sng" algn="ctr">
+                      <a:solidFill>
+                        <a:srgbClr val="E6E6E6"/>
+                      </a:solidFill>
+                      <a:prstDash val="solid"/>
+                      <a:round/>
+                      <a:headEnd type="none" w="med" len="med"/>
+                      <a:tailEnd type="none" w="med" len="med"/>
+                    </a:lnT>
+                    <a:lnB w="12700" cap="flat" cmpd="sng" algn="ctr">
+                      <a:solidFill>
+                        <a:srgbClr val="E6E6E6"/>
+                      </a:solidFill>
+                      <a:prstDash val="solid"/>
+                      <a:round/>
+                      <a:headEnd type="none" w="med" len="med"/>
+                      <a:tailEnd type="none" w="med" len="med"/>
+                    </a:lnB>
+                    <a:solidFill>
+                      <a:srgbClr val="F3F3F3"/>
+                    </a:solidFill>
+                  </a:tcPr>
+                </a:tc>
+                <a:tc>
+                  <a:txBody>
+                    <a:bodyPr/>
+                    <a:p>
+                      <a:pPr marL="0" marR="0">
+                        <a:lnSpc>
+                          <a:spcPts val="1680"/>
+                        </a:lnSpc>
+                        <a:spcBef>
+                          <a:spcPts val="1800"/>
+                        </a:spcBef>
+                        <a:spcAft>
+                          <a:spcPts val="1800"/>
+                        </a:spcAft>
+                      </a:pPr>
+                      <a:r>
+                        <a:rPr lang="en-US" sz="1400" b="1" dirty="0">
+                          <a:solidFill>
+                            <a:srgbClr val="333333"/>
+                          </a:solidFill>
+                          <a:latin typeface="Helvetica"/>
+                          <a:ea typeface="Times New Roman" panose="02020603050405020304"/>
+                          <a:cs typeface="Times New Roman" panose="02020603050405020304"/>
+                        </a:rPr>
+                        <a:t>Cookie</a:t>
+                      </a:r>
+                      <a:endParaRPr lang="en-US" sz="1400" dirty="0">
+                        <a:latin typeface="Calibri" panose="020F0502020204030204"/>
+                        <a:ea typeface="宋体" panose="02010600030101010101" pitchFamily="2" charset="-122"/>
+                        <a:cs typeface="Times New Roman" panose="02020603050405020304"/>
+                      </a:endParaRPr>
+                    </a:p>
+                  </a:txBody>
+                  <a:tcPr marL="59113" marR="59113" marT="36945" marB="36945" anchor="ctr">
+                    <a:lnL w="12700" cap="flat" cmpd="sng" algn="ctr">
+                      <a:solidFill>
+                        <a:srgbClr val="E6E6E6"/>
+                      </a:solidFill>
+                      <a:prstDash val="solid"/>
+                      <a:round/>
+                      <a:headEnd type="none" w="med" len="med"/>
+                      <a:tailEnd type="none" w="med" len="med"/>
+                    </a:lnL>
+                    <a:lnR w="12700" cap="flat" cmpd="sng" algn="ctr">
+                      <a:solidFill>
+                        <a:srgbClr val="E6E6E6"/>
+                      </a:solidFill>
+                      <a:prstDash val="solid"/>
+                      <a:round/>
+                      <a:headEnd type="none" w="med" len="med"/>
+                      <a:tailEnd type="none" w="med" len="med"/>
+                    </a:lnR>
+                    <a:lnT w="12700" cap="flat" cmpd="sng" algn="ctr">
+                      <a:solidFill>
+                        <a:srgbClr val="E6E6E6"/>
+                      </a:solidFill>
+                      <a:prstDash val="solid"/>
+                      <a:round/>
+                      <a:headEnd type="none" w="med" len="med"/>
+                      <a:tailEnd type="none" w="med" len="med"/>
+                    </a:lnT>
+                    <a:lnB w="12700" cap="flat" cmpd="sng" algn="ctr">
+                      <a:solidFill>
+                        <a:srgbClr val="E6E6E6"/>
+                      </a:solidFill>
+                      <a:prstDash val="solid"/>
+                      <a:round/>
+                      <a:headEnd type="none" w="med" len="med"/>
+                      <a:tailEnd type="none" w="med" len="med"/>
+                    </a:lnB>
+                    <a:solidFill>
+                      <a:srgbClr val="F3F3F3"/>
+                    </a:solidFill>
+                  </a:tcPr>
+                </a:tc>
+                <a:tc>
+                  <a:txBody>
+                    <a:bodyPr/>
+                    <a:p>
+                      <a:pPr marL="0" marR="0">
+                        <a:lnSpc>
+                          <a:spcPts val="1680"/>
+                        </a:lnSpc>
+                        <a:spcBef>
+                          <a:spcPts val="1800"/>
+                        </a:spcBef>
+                        <a:spcAft>
+                          <a:spcPts val="1800"/>
+                        </a:spcAft>
+                      </a:pPr>
+                      <a:r>
+                        <a:rPr lang="en-US" sz="1400" b="1">
+                          <a:solidFill>
+                            <a:srgbClr val="333333"/>
+                          </a:solidFill>
+                          <a:latin typeface="Helvetica"/>
+                          <a:ea typeface="Times New Roman" panose="02020603050405020304"/>
+                          <a:cs typeface="Times New Roman" panose="02020603050405020304"/>
+                        </a:rPr>
+                        <a:t>localStorage</a:t>
+                      </a:r>
+                      <a:endParaRPr lang="en-US" sz="1400">
+                        <a:latin typeface="Calibri" panose="020F0502020204030204"/>
+                        <a:ea typeface="宋体" panose="02010600030101010101" pitchFamily="2" charset="-122"/>
+                        <a:cs typeface="Times New Roman" panose="02020603050405020304"/>
+                      </a:endParaRPr>
+                    </a:p>
+                  </a:txBody>
+                  <a:tcPr marL="59113" marR="59113" marT="36945" marB="36945" anchor="ctr">
+                    <a:lnL w="12700" cap="flat" cmpd="sng" algn="ctr">
+                      <a:solidFill>
+                        <a:srgbClr val="E6E6E6"/>
+                      </a:solidFill>
+                      <a:prstDash val="solid"/>
+                      <a:round/>
+                      <a:headEnd type="none" w="med" len="med"/>
+                      <a:tailEnd type="none" w="med" len="med"/>
+                    </a:lnL>
+                    <a:lnR w="12700" cap="flat" cmpd="sng" algn="ctr">
+                      <a:solidFill>
+                        <a:srgbClr val="E6E6E6"/>
+                      </a:solidFill>
+                      <a:prstDash val="solid"/>
+                      <a:round/>
+                      <a:headEnd type="none" w="med" len="med"/>
+                      <a:tailEnd type="none" w="med" len="med"/>
+                    </a:lnR>
+                    <a:lnT w="12700" cap="flat" cmpd="sng" algn="ctr">
+                      <a:solidFill>
+                        <a:srgbClr val="E6E6E6"/>
+                      </a:solidFill>
+                      <a:prstDash val="solid"/>
+                      <a:round/>
+                      <a:headEnd type="none" w="med" len="med"/>
+                      <a:tailEnd type="none" w="med" len="med"/>
+                    </a:lnT>
+                    <a:lnB w="12700" cap="flat" cmpd="sng" algn="ctr">
+                      <a:solidFill>
+                        <a:srgbClr val="E6E6E6"/>
+                      </a:solidFill>
+                      <a:prstDash val="solid"/>
+                      <a:round/>
+                      <a:headEnd type="none" w="med" len="med"/>
+                      <a:tailEnd type="none" w="med" len="med"/>
+                    </a:lnB>
+                    <a:solidFill>
+                      <a:srgbClr val="F3F3F3"/>
+                    </a:solidFill>
+                  </a:tcPr>
+                </a:tc>
+                <a:tc>
+                  <a:txBody>
+                    <a:bodyPr/>
+                    <a:p>
+                      <a:pPr marL="0" marR="0">
+                        <a:lnSpc>
+                          <a:spcPts val="1680"/>
+                        </a:lnSpc>
+                        <a:spcBef>
+                          <a:spcPts val="1800"/>
+                        </a:spcBef>
+                        <a:spcAft>
+                          <a:spcPts val="1800"/>
+                        </a:spcAft>
+                      </a:pPr>
+                      <a:r>
+                        <a:rPr lang="en-US" sz="1400" b="1">
+                          <a:solidFill>
+                            <a:srgbClr val="333333"/>
+                          </a:solidFill>
+                          <a:latin typeface="Helvetica"/>
+                          <a:ea typeface="Times New Roman" panose="02020603050405020304"/>
+                          <a:cs typeface="Times New Roman" panose="02020603050405020304"/>
+                        </a:rPr>
+                        <a:t>sessionStorage</a:t>
+                      </a:r>
+                      <a:endParaRPr lang="en-US" sz="1400">
+                        <a:latin typeface="Calibri" panose="020F0502020204030204"/>
+                        <a:ea typeface="宋体" panose="02010600030101010101" pitchFamily="2" charset="-122"/>
+                        <a:cs typeface="Times New Roman" panose="02020603050405020304"/>
+                      </a:endParaRPr>
+                    </a:p>
+                  </a:txBody>
+                  <a:tcPr marL="59113" marR="59113" marT="36945" marB="36945" anchor="ctr">
+                    <a:lnL w="12700" cap="flat" cmpd="sng" algn="ctr">
+                      <a:solidFill>
+                        <a:srgbClr val="E6E6E6"/>
+                      </a:solidFill>
+                      <a:prstDash val="solid"/>
+                      <a:round/>
+                      <a:headEnd type="none" w="med" len="med"/>
+                      <a:tailEnd type="none" w="med" len="med"/>
+                    </a:lnL>
+                    <a:lnR w="12700" cap="flat" cmpd="sng" algn="ctr">
+                      <a:solidFill>
+                        <a:srgbClr val="E6E6E6"/>
+                      </a:solidFill>
+                      <a:prstDash val="solid"/>
+                      <a:round/>
+                      <a:headEnd type="none" w="med" len="med"/>
+                      <a:tailEnd type="none" w="med" len="med"/>
+                    </a:lnR>
+                    <a:lnT w="12700" cap="flat" cmpd="sng" algn="ctr">
+                      <a:solidFill>
+                        <a:srgbClr val="E6E6E6"/>
+                      </a:solidFill>
+                      <a:prstDash val="solid"/>
+                      <a:round/>
+                      <a:headEnd type="none" w="med" len="med"/>
+                      <a:tailEnd type="none" w="med" len="med"/>
+                    </a:lnT>
+                    <a:lnB w="12700" cap="flat" cmpd="sng" algn="ctr">
+                      <a:solidFill>
+                        <a:srgbClr val="E6E6E6"/>
+                      </a:solidFill>
+                      <a:prstDash val="solid"/>
+                      <a:round/>
+                      <a:headEnd type="none" w="med" len="med"/>
+                      <a:tailEnd type="none" w="med" len="med"/>
+                    </a:lnB>
+                    <a:solidFill>
+                      <a:srgbClr val="F3F3F3"/>
+                    </a:solidFill>
+                  </a:tcPr>
+                </a:tc>
+              </a:tr>
+              <a:tr h="777686">
+                <a:tc>
+                  <a:txBody>
+                    <a:bodyPr/>
+                    <a:p>
+                      <a:pPr marL="0" marR="0">
+                        <a:lnSpc>
+                          <a:spcPts val="1680"/>
+                        </a:lnSpc>
+                        <a:spcBef>
+                          <a:spcPts val="1800"/>
+                        </a:spcBef>
+                        <a:spcAft>
+                          <a:spcPts val="1800"/>
+                        </a:spcAft>
+                      </a:pPr>
+                      <a:r>
+                        <a:rPr lang="zh-CN" sz="1400" dirty="0">
+                          <a:solidFill>
+                            <a:srgbClr val="333333"/>
+                          </a:solidFill>
+                          <a:latin typeface="Calibri" panose="020F0502020204030204"/>
+                          <a:ea typeface="宋体" panose="02010600030101010101" pitchFamily="2" charset="-122"/>
+                          <a:cs typeface="宋体" panose="02010600030101010101" pitchFamily="2" charset="-122"/>
+                        </a:rPr>
+                        <a:t>数据的生命期</a:t>
+                      </a:r>
+                      <a:endParaRPr lang="en-US" sz="1400" dirty="0">
+                        <a:latin typeface="Calibri" panose="020F0502020204030204"/>
+                        <a:ea typeface="宋体" panose="02010600030101010101" pitchFamily="2" charset="-122"/>
+                        <a:cs typeface="Times New Roman" panose="02020603050405020304"/>
+                      </a:endParaRPr>
+                    </a:p>
+                  </a:txBody>
+                  <a:tcPr marL="59113" marR="59113" marT="36945" marB="36945" anchor="ctr">
+                    <a:lnL w="12700" cap="flat" cmpd="sng" algn="ctr">
+                      <a:solidFill>
+                        <a:srgbClr val="E6E6E6"/>
+                      </a:solidFill>
+                      <a:prstDash val="solid"/>
+                      <a:round/>
+                      <a:headEnd type="none" w="med" len="med"/>
+                      <a:tailEnd type="none" w="med" len="med"/>
+                    </a:lnL>
+                    <a:lnR w="12700" cap="flat" cmpd="sng" algn="ctr">
+                      <a:solidFill>
+                        <a:srgbClr val="E6E6E6"/>
+                      </a:solidFill>
+                      <a:prstDash val="solid"/>
+                      <a:round/>
+                      <a:headEnd type="none" w="med" len="med"/>
+                      <a:tailEnd type="none" w="med" len="med"/>
+                    </a:lnR>
+                    <a:lnT w="12700" cap="flat" cmpd="sng" algn="ctr">
+                      <a:solidFill>
+                        <a:srgbClr val="E6E6E6"/>
+                      </a:solidFill>
+                      <a:prstDash val="solid"/>
+                      <a:round/>
+                      <a:headEnd type="none" w="med" len="med"/>
+                      <a:tailEnd type="none" w="med" len="med"/>
+                    </a:lnT>
+                    <a:lnB w="12700" cap="flat" cmpd="sng" algn="ctr">
+                      <a:solidFill>
+                        <a:srgbClr val="E6E6E6"/>
+                      </a:solidFill>
+                      <a:prstDash val="solid"/>
+                      <a:round/>
+                      <a:headEnd type="none" w="med" len="med"/>
+                      <a:tailEnd type="none" w="med" len="med"/>
+                    </a:lnB>
+                    <a:solidFill>
+                      <a:srgbClr val="FFFFFF"/>
+                    </a:solidFill>
+                  </a:tcPr>
+                </a:tc>
+                <a:tc>
+                  <a:txBody>
+                    <a:bodyPr/>
+                    <a:p>
+                      <a:pPr marL="0" marR="0">
+                        <a:lnSpc>
+                          <a:spcPts val="1680"/>
+                        </a:lnSpc>
+                        <a:spcBef>
+                          <a:spcPts val="1800"/>
+                        </a:spcBef>
+                        <a:spcAft>
+                          <a:spcPts val="1800"/>
+                        </a:spcAft>
+                      </a:pPr>
+                      <a:r>
+                        <a:rPr lang="zh-CN" sz="1400" dirty="0">
+                          <a:solidFill>
+                            <a:srgbClr val="333333"/>
+                          </a:solidFill>
+                          <a:latin typeface="Calibri" panose="020F0502020204030204"/>
+                          <a:ea typeface="宋体" panose="02010600030101010101" pitchFamily="2" charset="-122"/>
+                          <a:cs typeface="宋体" panose="02010600030101010101" pitchFamily="2" charset="-122"/>
+                        </a:rPr>
+                        <a:t>可设置失效时间，默认是关闭浏览器后失效</a:t>
+                      </a:r>
+                      <a:endParaRPr lang="en-US" sz="1400" dirty="0">
+                        <a:latin typeface="Calibri" panose="020F0502020204030204"/>
+                        <a:ea typeface="宋体" panose="02010600030101010101" pitchFamily="2" charset="-122"/>
+                        <a:cs typeface="Times New Roman" panose="02020603050405020304"/>
+                      </a:endParaRPr>
+                    </a:p>
+                  </a:txBody>
+                  <a:tcPr marL="59113" marR="59113" marT="36945" marB="36945" anchor="ctr">
+                    <a:lnL w="12700" cap="flat" cmpd="sng" algn="ctr">
+                      <a:solidFill>
+                        <a:srgbClr val="E6E6E6"/>
+                      </a:solidFill>
+                      <a:prstDash val="solid"/>
+                      <a:round/>
+                      <a:headEnd type="none" w="med" len="med"/>
+                      <a:tailEnd type="none" w="med" len="med"/>
+                    </a:lnL>
+                    <a:lnR w="12700" cap="flat" cmpd="sng" algn="ctr">
+                      <a:solidFill>
+                        <a:srgbClr val="E6E6E6"/>
+                      </a:solidFill>
+                      <a:prstDash val="solid"/>
+                      <a:round/>
+                      <a:headEnd type="none" w="med" len="med"/>
+                      <a:tailEnd type="none" w="med" len="med"/>
+                    </a:lnR>
+                    <a:lnT w="12700" cap="flat" cmpd="sng" algn="ctr">
+                      <a:solidFill>
+                        <a:srgbClr val="E6E6E6"/>
+                      </a:solidFill>
+                      <a:prstDash val="solid"/>
+                      <a:round/>
+                      <a:headEnd type="none" w="med" len="med"/>
+                      <a:tailEnd type="none" w="med" len="med"/>
+                    </a:lnT>
+                    <a:lnB w="12700" cap="flat" cmpd="sng" algn="ctr">
+                      <a:solidFill>
+                        <a:srgbClr val="E6E6E6"/>
+                      </a:solidFill>
+                      <a:prstDash val="solid"/>
+                      <a:round/>
+                      <a:headEnd type="none" w="med" len="med"/>
+                      <a:tailEnd type="none" w="med" len="med"/>
+                    </a:lnB>
+                    <a:solidFill>
+                      <a:srgbClr val="FFFFFF"/>
+                    </a:solidFill>
+                  </a:tcPr>
+                </a:tc>
+                <a:tc>
+                  <a:txBody>
+                    <a:bodyPr/>
+                    <a:p>
+                      <a:pPr marL="0" marR="0">
+                        <a:lnSpc>
+                          <a:spcPts val="1680"/>
+                        </a:lnSpc>
+                        <a:spcBef>
+                          <a:spcPts val="1800"/>
+                        </a:spcBef>
+                        <a:spcAft>
+                          <a:spcPts val="1800"/>
+                        </a:spcAft>
+                      </a:pPr>
+                      <a:r>
+                        <a:rPr lang="zh-CN" sz="1400">
+                          <a:solidFill>
+                            <a:srgbClr val="333333"/>
+                          </a:solidFill>
+                          <a:latin typeface="Calibri" panose="020F0502020204030204"/>
+                          <a:ea typeface="宋体" panose="02010600030101010101" pitchFamily="2" charset="-122"/>
+                          <a:cs typeface="宋体" panose="02010600030101010101" pitchFamily="2" charset="-122"/>
+                        </a:rPr>
+                        <a:t>除非被清除，否则永久保存</a:t>
+                      </a:r>
+                      <a:endParaRPr lang="en-US" sz="1400">
+                        <a:latin typeface="Calibri" panose="020F0502020204030204"/>
+                        <a:ea typeface="宋体" panose="02010600030101010101" pitchFamily="2" charset="-122"/>
+                        <a:cs typeface="Times New Roman" panose="02020603050405020304"/>
+                      </a:endParaRPr>
+                    </a:p>
+                  </a:txBody>
+                  <a:tcPr marL="59113" marR="59113" marT="36945" marB="36945" anchor="ctr">
+                    <a:lnL w="12700" cap="flat" cmpd="sng" algn="ctr">
+                      <a:solidFill>
+                        <a:srgbClr val="E6E6E6"/>
+                      </a:solidFill>
+                      <a:prstDash val="solid"/>
+                      <a:round/>
+                      <a:headEnd type="none" w="med" len="med"/>
+                      <a:tailEnd type="none" w="med" len="med"/>
+                    </a:lnL>
+                    <a:lnR w="12700" cap="flat" cmpd="sng" algn="ctr">
+                      <a:solidFill>
+                        <a:srgbClr val="E6E6E6"/>
+                      </a:solidFill>
+                      <a:prstDash val="solid"/>
+                      <a:round/>
+                      <a:headEnd type="none" w="med" len="med"/>
+                      <a:tailEnd type="none" w="med" len="med"/>
+                    </a:lnR>
+                    <a:lnT w="12700" cap="flat" cmpd="sng" algn="ctr">
+                      <a:solidFill>
+                        <a:srgbClr val="E6E6E6"/>
+                      </a:solidFill>
+                      <a:prstDash val="solid"/>
+                      <a:round/>
+                      <a:headEnd type="none" w="med" len="med"/>
+                      <a:tailEnd type="none" w="med" len="med"/>
+                    </a:lnT>
+                    <a:lnB w="12700" cap="flat" cmpd="sng" algn="ctr">
+                      <a:solidFill>
+                        <a:srgbClr val="E6E6E6"/>
+                      </a:solidFill>
+                      <a:prstDash val="solid"/>
+                      <a:round/>
+                      <a:headEnd type="none" w="med" len="med"/>
+                      <a:tailEnd type="none" w="med" len="med"/>
+                    </a:lnB>
+                    <a:solidFill>
+                      <a:srgbClr val="FFFFFF"/>
+                    </a:solidFill>
+                  </a:tcPr>
+                </a:tc>
+                <a:tc>
+                  <a:txBody>
+                    <a:bodyPr/>
+                    <a:p>
+                      <a:pPr marL="0" marR="0">
+                        <a:lnSpc>
+                          <a:spcPts val="1680"/>
+                        </a:lnSpc>
+                        <a:spcBef>
+                          <a:spcPts val="1800"/>
+                        </a:spcBef>
+                        <a:spcAft>
+                          <a:spcPts val="1800"/>
+                        </a:spcAft>
+                      </a:pPr>
+                      <a:r>
+                        <a:rPr lang="zh-CN" sz="1400">
+                          <a:solidFill>
+                            <a:srgbClr val="333333"/>
+                          </a:solidFill>
+                          <a:latin typeface="Calibri" panose="020F0502020204030204"/>
+                          <a:ea typeface="宋体" panose="02010600030101010101" pitchFamily="2" charset="-122"/>
+                          <a:cs typeface="宋体" panose="02010600030101010101" pitchFamily="2" charset="-122"/>
+                        </a:rPr>
+                        <a:t>仅在当前会话下有效，关闭页面或浏览器后被清除</a:t>
+                      </a:r>
+                      <a:endParaRPr lang="en-US" sz="1400">
+                        <a:latin typeface="Calibri" panose="020F0502020204030204"/>
+                        <a:ea typeface="宋体" panose="02010600030101010101" pitchFamily="2" charset="-122"/>
+                        <a:cs typeface="Times New Roman" panose="02020603050405020304"/>
+                      </a:endParaRPr>
+                    </a:p>
+                  </a:txBody>
+                  <a:tcPr marL="59113" marR="59113" marT="36945" marB="36945" anchor="ctr">
+                    <a:lnL w="12700" cap="flat" cmpd="sng" algn="ctr">
+                      <a:solidFill>
+                        <a:srgbClr val="E6E6E6"/>
+                      </a:solidFill>
+                      <a:prstDash val="solid"/>
+                      <a:round/>
+                      <a:headEnd type="none" w="med" len="med"/>
+                      <a:tailEnd type="none" w="med" len="med"/>
+                    </a:lnL>
+                    <a:lnR w="12700" cap="flat" cmpd="sng" algn="ctr">
+                      <a:solidFill>
+                        <a:srgbClr val="E6E6E6"/>
+                      </a:solidFill>
+                      <a:prstDash val="solid"/>
+                      <a:round/>
+                      <a:headEnd type="none" w="med" len="med"/>
+                      <a:tailEnd type="none" w="med" len="med"/>
+                    </a:lnR>
+                    <a:lnT w="12700" cap="flat" cmpd="sng" algn="ctr">
+                      <a:solidFill>
+                        <a:srgbClr val="E6E6E6"/>
+                      </a:solidFill>
+                      <a:prstDash val="solid"/>
+                      <a:round/>
+                      <a:headEnd type="none" w="med" len="med"/>
+                      <a:tailEnd type="none" w="med" len="med"/>
+                    </a:lnT>
+                    <a:lnB w="12700" cap="flat" cmpd="sng" algn="ctr">
+                      <a:solidFill>
+                        <a:srgbClr val="E6E6E6"/>
+                      </a:solidFill>
+                      <a:prstDash val="solid"/>
+                      <a:round/>
+                      <a:headEnd type="none" w="med" len="med"/>
+                      <a:tailEnd type="none" w="med" len="med"/>
+                    </a:lnB>
+                    <a:solidFill>
+                      <a:srgbClr val="FFFFFF"/>
+                    </a:solidFill>
+                  </a:tcPr>
+                </a:tc>
+              </a:tr>
+              <a:tr h="445660">
+                <a:tc>
+                  <a:txBody>
+                    <a:bodyPr/>
+                    <a:p>
+                      <a:pPr marL="0" marR="0">
+                        <a:lnSpc>
+                          <a:spcPts val="1680"/>
+                        </a:lnSpc>
+                        <a:spcBef>
+                          <a:spcPts val="1800"/>
+                        </a:spcBef>
+                        <a:spcAft>
+                          <a:spcPts val="1800"/>
+                        </a:spcAft>
+                      </a:pPr>
+                      <a:r>
+                        <a:rPr lang="zh-CN" sz="1400" dirty="0">
+                          <a:solidFill>
+                            <a:srgbClr val="333333"/>
+                          </a:solidFill>
+                          <a:latin typeface="Calibri" panose="020F0502020204030204"/>
+                          <a:ea typeface="宋体" panose="02010600030101010101" pitchFamily="2" charset="-122"/>
+                          <a:cs typeface="宋体" panose="02010600030101010101" pitchFamily="2" charset="-122"/>
+                        </a:rPr>
+                        <a:t>存放数据大小</a:t>
+                      </a:r>
+                      <a:endParaRPr lang="en-US" sz="1400" dirty="0">
+                        <a:latin typeface="Calibri" panose="020F0502020204030204"/>
+                        <a:ea typeface="宋体" panose="02010600030101010101" pitchFamily="2" charset="-122"/>
+                        <a:cs typeface="Times New Roman" panose="02020603050405020304"/>
+                      </a:endParaRPr>
+                    </a:p>
+                  </a:txBody>
+                  <a:tcPr marL="59113" marR="59113" marT="36945" marB="36945" anchor="ctr">
+                    <a:lnL w="12700" cap="flat" cmpd="sng" algn="ctr">
+                      <a:solidFill>
+                        <a:srgbClr val="E6E6E6"/>
+                      </a:solidFill>
+                      <a:prstDash val="solid"/>
+                      <a:round/>
+                      <a:headEnd type="none" w="med" len="med"/>
+                      <a:tailEnd type="none" w="med" len="med"/>
+                    </a:lnL>
+                    <a:lnR w="12700" cap="flat" cmpd="sng" algn="ctr">
+                      <a:solidFill>
+                        <a:srgbClr val="E6E6E6"/>
+                      </a:solidFill>
+                      <a:prstDash val="solid"/>
+                      <a:round/>
+                      <a:headEnd type="none" w="med" len="med"/>
+                      <a:tailEnd type="none" w="med" len="med"/>
+                    </a:lnR>
+                    <a:lnT w="12700" cap="flat" cmpd="sng" algn="ctr">
+                      <a:solidFill>
+                        <a:srgbClr val="E6E6E6"/>
+                      </a:solidFill>
+                      <a:prstDash val="solid"/>
+                      <a:round/>
+                      <a:headEnd type="none" w="med" len="med"/>
+                      <a:tailEnd type="none" w="med" len="med"/>
+                    </a:lnT>
+                    <a:lnB w="12700" cap="flat" cmpd="sng" algn="ctr">
+                      <a:solidFill>
+                        <a:srgbClr val="E6E6E6"/>
+                      </a:solidFill>
+                      <a:prstDash val="solid"/>
+                      <a:round/>
+                      <a:headEnd type="none" w="med" len="med"/>
+                      <a:tailEnd type="none" w="med" len="med"/>
+                    </a:lnB>
+                    <a:solidFill>
+                      <a:srgbClr val="FFFFFF"/>
+                    </a:solidFill>
+                  </a:tcPr>
+                </a:tc>
+                <a:tc>
+                  <a:txBody>
+                    <a:bodyPr/>
+                    <a:p>
+                      <a:pPr marL="0" marR="0">
+                        <a:lnSpc>
+                          <a:spcPts val="1680"/>
+                        </a:lnSpc>
+                        <a:spcBef>
+                          <a:spcPts val="1800"/>
+                        </a:spcBef>
+                        <a:spcAft>
+                          <a:spcPts val="1800"/>
+                        </a:spcAft>
+                      </a:pPr>
+                      <a:r>
+                        <a:rPr lang="en-US" sz="1400" dirty="0">
+                          <a:solidFill>
+                            <a:srgbClr val="333333"/>
+                          </a:solidFill>
+                          <a:latin typeface="Helvetica"/>
+                          <a:ea typeface="Times New Roman" panose="02020603050405020304"/>
+                          <a:cs typeface="Times New Roman" panose="02020603050405020304"/>
+                        </a:rPr>
+                        <a:t>4K</a:t>
+                      </a:r>
+                      <a:r>
+                        <a:rPr lang="zh-CN" sz="1400" dirty="0">
+                          <a:solidFill>
+                            <a:srgbClr val="333333"/>
+                          </a:solidFill>
+                          <a:latin typeface="Calibri" panose="020F0502020204030204"/>
+                          <a:ea typeface="宋体" panose="02010600030101010101" pitchFamily="2" charset="-122"/>
+                          <a:cs typeface="宋体" panose="02010600030101010101" pitchFamily="2" charset="-122"/>
+                        </a:rPr>
+                        <a:t>左右</a:t>
+                      </a:r>
+                      <a:endParaRPr lang="en-US" sz="1400" dirty="0">
+                        <a:latin typeface="Calibri" panose="020F0502020204030204"/>
+                        <a:ea typeface="宋体" panose="02010600030101010101" pitchFamily="2" charset="-122"/>
+                        <a:cs typeface="Times New Roman" panose="02020603050405020304"/>
+                      </a:endParaRPr>
+                    </a:p>
+                  </a:txBody>
+                  <a:tcPr marL="59113" marR="59113" marT="36945" marB="36945" anchor="ctr">
+                    <a:lnL w="12700" cap="flat" cmpd="sng" algn="ctr">
+                      <a:solidFill>
+                        <a:srgbClr val="E6E6E6"/>
+                      </a:solidFill>
+                      <a:prstDash val="solid"/>
+                      <a:round/>
+                      <a:headEnd type="none" w="med" len="med"/>
+                      <a:tailEnd type="none" w="med" len="med"/>
+                    </a:lnL>
+                    <a:lnR w="12700" cap="flat" cmpd="sng" algn="ctr">
+                      <a:solidFill>
+                        <a:srgbClr val="E6E6E6"/>
+                      </a:solidFill>
+                      <a:prstDash val="solid"/>
+                      <a:round/>
+                      <a:headEnd type="none" w="med" len="med"/>
+                      <a:tailEnd type="none" w="med" len="med"/>
+                    </a:lnR>
+                    <a:lnT w="12700" cap="flat" cmpd="sng" algn="ctr">
+                      <a:solidFill>
+                        <a:srgbClr val="E6E6E6"/>
+                      </a:solidFill>
+                      <a:prstDash val="solid"/>
+                      <a:round/>
+                      <a:headEnd type="none" w="med" len="med"/>
+                      <a:tailEnd type="none" w="med" len="med"/>
+                    </a:lnT>
+                    <a:lnB w="12700" cap="flat" cmpd="sng" algn="ctr">
+                      <a:solidFill>
+                        <a:srgbClr val="E6E6E6"/>
+                      </a:solidFill>
+                      <a:prstDash val="solid"/>
+                      <a:round/>
+                      <a:headEnd type="none" w="med" len="med"/>
+                      <a:tailEnd type="none" w="med" len="med"/>
+                    </a:lnB>
+                    <a:solidFill>
+                      <a:srgbClr val="FFFFFF"/>
+                    </a:solidFill>
+                  </a:tcPr>
+                </a:tc>
+                <a:tc>
+                  <a:txBody>
+                    <a:bodyPr/>
+                    <a:p>
+                      <a:pPr marL="0" marR="0">
+                        <a:lnSpc>
+                          <a:spcPts val="1680"/>
+                        </a:lnSpc>
+                        <a:spcBef>
+                          <a:spcPts val="1800"/>
+                        </a:spcBef>
+                        <a:spcAft>
+                          <a:spcPts val="1800"/>
+                        </a:spcAft>
+                      </a:pPr>
+                      <a:r>
+                        <a:rPr lang="zh-CN" sz="1400">
+                          <a:solidFill>
+                            <a:srgbClr val="333333"/>
+                          </a:solidFill>
+                          <a:latin typeface="Calibri" panose="020F0502020204030204"/>
+                          <a:ea typeface="宋体" panose="02010600030101010101" pitchFamily="2" charset="-122"/>
+                          <a:cs typeface="宋体" panose="02010600030101010101" pitchFamily="2" charset="-122"/>
+                        </a:rPr>
+                        <a:t>一般为</a:t>
+                      </a:r>
+                      <a:r>
+                        <a:rPr lang="en-US" sz="1400">
+                          <a:solidFill>
+                            <a:srgbClr val="333333"/>
+                          </a:solidFill>
+                          <a:latin typeface="Helvetica"/>
+                          <a:ea typeface="Times New Roman" panose="02020603050405020304"/>
+                          <a:cs typeface="Helvetica"/>
+                        </a:rPr>
+                        <a:t>5M</a:t>
+                      </a:r>
+                      <a:r>
+                        <a:rPr lang="en-US" sz="1400">
+                          <a:solidFill>
+                            <a:srgbClr val="333333"/>
+                          </a:solidFill>
+                          <a:latin typeface="Helvetica"/>
+                          <a:ea typeface="Times New Roman" panose="02020603050405020304"/>
+                          <a:cs typeface="Times New Roman" panose="02020603050405020304"/>
+                        </a:rPr>
+                        <a:t>B</a:t>
+                      </a:r>
+                      <a:endParaRPr lang="en-US" sz="1400">
+                        <a:latin typeface="Calibri" panose="020F0502020204030204"/>
+                        <a:ea typeface="宋体" panose="02010600030101010101" pitchFamily="2" charset="-122"/>
+                        <a:cs typeface="Times New Roman" panose="02020603050405020304"/>
+                      </a:endParaRPr>
+                    </a:p>
+                  </a:txBody>
+                  <a:tcPr marL="59113" marR="59113" marT="36945" marB="36945" anchor="ctr">
+                    <a:lnL w="12700" cap="flat" cmpd="sng" algn="ctr">
+                      <a:solidFill>
+                        <a:srgbClr val="E6E6E6"/>
+                      </a:solidFill>
+                      <a:prstDash val="solid"/>
+                      <a:round/>
+                      <a:headEnd type="none" w="med" len="med"/>
+                      <a:tailEnd type="none" w="med" len="med"/>
+                    </a:lnL>
+                    <a:lnR w="12700" cap="flat" cmpd="sng" algn="ctr">
+                      <a:solidFill>
+                        <a:srgbClr val="E6E6E6"/>
+                      </a:solidFill>
+                      <a:prstDash val="solid"/>
+                      <a:round/>
+                      <a:headEnd type="none" w="med" len="med"/>
+                      <a:tailEnd type="none" w="med" len="med"/>
+                    </a:lnR>
+                    <a:lnT w="12700" cap="flat" cmpd="sng" algn="ctr">
+                      <a:solidFill>
+                        <a:srgbClr val="E6E6E6"/>
+                      </a:solidFill>
+                      <a:prstDash val="solid"/>
+                      <a:round/>
+                      <a:headEnd type="none" w="med" len="med"/>
+                      <a:tailEnd type="none" w="med" len="med"/>
+                    </a:lnT>
+                    <a:lnB w="12700" cap="flat" cmpd="sng" algn="ctr">
+                      <a:solidFill>
+                        <a:srgbClr val="E6E6E6"/>
+                      </a:solidFill>
+                      <a:prstDash val="solid"/>
+                      <a:round/>
+                      <a:headEnd type="none" w="med" len="med"/>
+                      <a:tailEnd type="none" w="med" len="med"/>
+                    </a:lnB>
+                    <a:solidFill>
+                      <a:srgbClr val="FFFFFF"/>
+                    </a:solidFill>
+                  </a:tcPr>
+                </a:tc>
+                <a:tc>
+                  <a:txBody>
+                    <a:bodyPr/>
+                    <a:p>
+                      <a:pPr marL="0" marR="0">
+                        <a:lnSpc>
+                          <a:spcPts val="1680"/>
+                        </a:lnSpc>
+                        <a:spcBef>
+                          <a:spcPts val="1800"/>
+                        </a:spcBef>
+                        <a:spcAft>
+                          <a:spcPts val="1800"/>
+                        </a:spcAft>
+                      </a:pPr>
+                      <a:r>
+                        <a:rPr lang="zh-CN" sz="1400">
+                          <a:solidFill>
+                            <a:srgbClr val="333333"/>
+                          </a:solidFill>
+                          <a:latin typeface="Calibri" panose="020F0502020204030204"/>
+                          <a:ea typeface="宋体" panose="02010600030101010101" pitchFamily="2" charset="-122"/>
+                          <a:cs typeface="宋体" panose="02010600030101010101" pitchFamily="2" charset="-122"/>
+                        </a:rPr>
+                        <a:t>一般为</a:t>
+                      </a:r>
+                      <a:r>
+                        <a:rPr lang="en-US" sz="1400">
+                          <a:solidFill>
+                            <a:srgbClr val="333333"/>
+                          </a:solidFill>
+                          <a:latin typeface="Helvetica"/>
+                          <a:ea typeface="Times New Roman" panose="02020603050405020304"/>
+                          <a:cs typeface="Helvetica"/>
+                        </a:rPr>
+                        <a:t>5M</a:t>
+                      </a:r>
+                      <a:r>
+                        <a:rPr lang="en-US" sz="1400">
+                          <a:solidFill>
+                            <a:srgbClr val="333333"/>
+                          </a:solidFill>
+                          <a:latin typeface="Helvetica"/>
+                          <a:ea typeface="Times New Roman" panose="02020603050405020304"/>
+                          <a:cs typeface="Times New Roman" panose="02020603050405020304"/>
+                        </a:rPr>
+                        <a:t>B</a:t>
+                      </a:r>
+                      <a:endParaRPr lang="en-US" sz="1400">
+                        <a:latin typeface="Calibri" panose="020F0502020204030204"/>
+                        <a:ea typeface="宋体" panose="02010600030101010101" pitchFamily="2" charset="-122"/>
+                        <a:cs typeface="Times New Roman" panose="02020603050405020304"/>
+                      </a:endParaRPr>
+                    </a:p>
+                  </a:txBody>
+                  <a:tcPr marL="59113" marR="59113" marT="36945" marB="36945" anchor="ctr">
+                    <a:lnL w="12700" cap="flat" cmpd="sng" algn="ctr">
+                      <a:solidFill>
+                        <a:srgbClr val="E6E6E6"/>
+                      </a:solidFill>
+                      <a:prstDash val="solid"/>
+                      <a:round/>
+                      <a:headEnd type="none" w="med" len="med"/>
+                      <a:tailEnd type="none" w="med" len="med"/>
+                    </a:lnL>
+                    <a:lnR w="12700" cap="flat" cmpd="sng" algn="ctr">
+                      <a:solidFill>
+                        <a:srgbClr val="E6E6E6"/>
+                      </a:solidFill>
+                      <a:prstDash val="solid"/>
+                      <a:round/>
+                      <a:headEnd type="none" w="med" len="med"/>
+                      <a:tailEnd type="none" w="med" len="med"/>
+                    </a:lnR>
+                    <a:lnT w="12700" cap="flat" cmpd="sng" algn="ctr">
+                      <a:solidFill>
+                        <a:srgbClr val="E6E6E6"/>
+                      </a:solidFill>
+                      <a:prstDash val="solid"/>
+                      <a:round/>
+                      <a:headEnd type="none" w="med" len="med"/>
+                      <a:tailEnd type="none" w="med" len="med"/>
+                    </a:lnT>
+                    <a:lnB w="12700" cap="flat" cmpd="sng" algn="ctr">
+                      <a:solidFill>
+                        <a:srgbClr val="E6E6E6"/>
+                      </a:solidFill>
+                      <a:prstDash val="solid"/>
+                      <a:round/>
+                      <a:headEnd type="none" w="med" len="med"/>
+                      <a:tailEnd type="none" w="med" len="med"/>
+                    </a:lnB>
+                    <a:solidFill>
+                      <a:srgbClr val="FFFFFF"/>
+                    </a:solidFill>
+                  </a:tcPr>
+                </a:tc>
+              </a:tr>
+              <a:tr h="1109713">
+                <a:tc>
+                  <a:txBody>
+                    <a:bodyPr/>
+                    <a:p>
+                      <a:pPr marL="0" marR="0">
+                        <a:lnSpc>
+                          <a:spcPts val="1680"/>
+                        </a:lnSpc>
+                        <a:spcBef>
+                          <a:spcPts val="1800"/>
+                        </a:spcBef>
+                        <a:spcAft>
+                          <a:spcPts val="1800"/>
+                        </a:spcAft>
+                      </a:pPr>
+                      <a:r>
+                        <a:rPr lang="zh-CN" sz="1400">
+                          <a:solidFill>
+                            <a:srgbClr val="333333"/>
+                          </a:solidFill>
+                          <a:latin typeface="Calibri" panose="020F0502020204030204"/>
+                          <a:ea typeface="宋体" panose="02010600030101010101" pitchFamily="2" charset="-122"/>
+                          <a:cs typeface="宋体" panose="02010600030101010101" pitchFamily="2" charset="-122"/>
+                        </a:rPr>
+                        <a:t>与服务器端通信</a:t>
+                      </a:r>
+                      <a:endParaRPr lang="en-US" sz="1400">
+                        <a:latin typeface="Calibri" panose="020F0502020204030204"/>
+                        <a:ea typeface="宋体" panose="02010600030101010101" pitchFamily="2" charset="-122"/>
+                        <a:cs typeface="Times New Roman" panose="02020603050405020304"/>
+                      </a:endParaRPr>
+                    </a:p>
+                  </a:txBody>
+                  <a:tcPr marL="59113" marR="59113" marT="36945" marB="36945" anchor="ctr">
+                    <a:lnL w="12700" cap="flat" cmpd="sng" algn="ctr">
+                      <a:solidFill>
+                        <a:srgbClr val="E6E6E6"/>
+                      </a:solidFill>
+                      <a:prstDash val="solid"/>
+                      <a:round/>
+                      <a:headEnd type="none" w="med" len="med"/>
+                      <a:tailEnd type="none" w="med" len="med"/>
+                    </a:lnL>
+                    <a:lnR w="12700" cap="flat" cmpd="sng" algn="ctr">
+                      <a:solidFill>
+                        <a:srgbClr val="E6E6E6"/>
+                      </a:solidFill>
+                      <a:prstDash val="solid"/>
+                      <a:round/>
+                      <a:headEnd type="none" w="med" len="med"/>
+                      <a:tailEnd type="none" w="med" len="med"/>
+                    </a:lnR>
+                    <a:lnT w="12700" cap="flat" cmpd="sng" algn="ctr">
+                      <a:solidFill>
+                        <a:srgbClr val="E6E6E6"/>
+                      </a:solidFill>
+                      <a:prstDash val="solid"/>
+                      <a:round/>
+                      <a:headEnd type="none" w="med" len="med"/>
+                      <a:tailEnd type="none" w="med" len="med"/>
+                    </a:lnT>
+                    <a:lnB w="12700" cap="flat" cmpd="sng" algn="ctr">
+                      <a:solidFill>
+                        <a:srgbClr val="E6E6E6"/>
+                      </a:solidFill>
+                      <a:prstDash val="solid"/>
+                      <a:round/>
+                      <a:headEnd type="none" w="med" len="med"/>
+                      <a:tailEnd type="none" w="med" len="med"/>
+                    </a:lnB>
+                    <a:solidFill>
+                      <a:srgbClr val="FFFFFF"/>
+                    </a:solidFill>
+                  </a:tcPr>
+                </a:tc>
+                <a:tc>
+                  <a:txBody>
+                    <a:bodyPr/>
+                    <a:p>
+                      <a:pPr marL="0" marR="0">
+                        <a:lnSpc>
+                          <a:spcPts val="1680"/>
+                        </a:lnSpc>
+                        <a:spcBef>
+                          <a:spcPts val="1800"/>
+                        </a:spcBef>
+                        <a:spcAft>
+                          <a:spcPts val="1800"/>
+                        </a:spcAft>
+                      </a:pPr>
+                      <a:r>
+                        <a:rPr lang="zh-CN" sz="1400" dirty="0">
+                          <a:solidFill>
+                            <a:srgbClr val="333333"/>
+                          </a:solidFill>
+                          <a:latin typeface="Calibri" panose="020F0502020204030204"/>
+                          <a:ea typeface="宋体" panose="02010600030101010101" pitchFamily="2" charset="-122"/>
+                          <a:cs typeface="宋体" panose="02010600030101010101" pitchFamily="2" charset="-122"/>
+                        </a:rPr>
+                        <a:t>每次都会携带在</a:t>
+                      </a:r>
+                      <a:r>
+                        <a:rPr lang="en-US" sz="1400" dirty="0">
+                          <a:solidFill>
+                            <a:srgbClr val="333333"/>
+                          </a:solidFill>
+                          <a:latin typeface="Helvetica"/>
+                          <a:ea typeface="Times New Roman" panose="02020603050405020304"/>
+                          <a:cs typeface="Helvetica"/>
+                        </a:rPr>
+                        <a:t>HTTP</a:t>
+                      </a:r>
+                      <a:r>
+                        <a:rPr lang="zh-CN" sz="1400" dirty="0">
+                          <a:solidFill>
+                            <a:srgbClr val="333333"/>
+                          </a:solidFill>
+                          <a:latin typeface="Calibri" panose="020F0502020204030204"/>
+                          <a:ea typeface="宋体" panose="02010600030101010101" pitchFamily="2" charset="-122"/>
+                          <a:cs typeface="宋体" panose="02010600030101010101" pitchFamily="2" charset="-122"/>
+                        </a:rPr>
+                        <a:t>头中，如果使用</a:t>
+                      </a:r>
+                      <a:r>
+                        <a:rPr lang="en-US" sz="1400" dirty="0">
+                          <a:solidFill>
+                            <a:srgbClr val="333333"/>
+                          </a:solidFill>
+                          <a:latin typeface="Helvetica"/>
+                          <a:ea typeface="Times New Roman" panose="02020603050405020304"/>
+                          <a:cs typeface="Helvetica"/>
+                        </a:rPr>
+                        <a:t>cookie</a:t>
+                      </a:r>
+                      <a:r>
+                        <a:rPr lang="zh-CN" sz="1400" dirty="0">
+                          <a:solidFill>
+                            <a:srgbClr val="333333"/>
+                          </a:solidFill>
+                          <a:latin typeface="Calibri" panose="020F0502020204030204"/>
+                          <a:ea typeface="宋体" panose="02010600030101010101" pitchFamily="2" charset="-122"/>
+                          <a:cs typeface="宋体" panose="02010600030101010101" pitchFamily="2" charset="-122"/>
+                        </a:rPr>
+                        <a:t>保存过多数据会带来性能问题</a:t>
+                      </a:r>
+                      <a:endParaRPr lang="en-US" sz="1400" dirty="0">
+                        <a:latin typeface="Calibri" panose="020F0502020204030204"/>
+                        <a:ea typeface="宋体" panose="02010600030101010101" pitchFamily="2" charset="-122"/>
+                        <a:cs typeface="Times New Roman" panose="02020603050405020304"/>
+                      </a:endParaRPr>
+                    </a:p>
+                  </a:txBody>
+                  <a:tcPr marL="59113" marR="59113" marT="36945" marB="36945" anchor="ctr">
+                    <a:lnL w="12700" cap="flat" cmpd="sng" algn="ctr">
+                      <a:solidFill>
+                        <a:srgbClr val="E6E6E6"/>
+                      </a:solidFill>
+                      <a:prstDash val="solid"/>
+                      <a:round/>
+                      <a:headEnd type="none" w="med" len="med"/>
+                      <a:tailEnd type="none" w="med" len="med"/>
+                    </a:lnL>
+                    <a:lnR w="12700" cap="flat" cmpd="sng" algn="ctr">
+                      <a:solidFill>
+                        <a:srgbClr val="E6E6E6"/>
+                      </a:solidFill>
+                      <a:prstDash val="solid"/>
+                      <a:round/>
+                      <a:headEnd type="none" w="med" len="med"/>
+                      <a:tailEnd type="none" w="med" len="med"/>
+                    </a:lnR>
+                    <a:lnT w="12700" cap="flat" cmpd="sng" algn="ctr">
+                      <a:solidFill>
+                        <a:srgbClr val="E6E6E6"/>
+                      </a:solidFill>
+                      <a:prstDash val="solid"/>
+                      <a:round/>
+                      <a:headEnd type="none" w="med" len="med"/>
+                      <a:tailEnd type="none" w="med" len="med"/>
+                    </a:lnT>
+                    <a:lnB w="12700" cap="flat" cmpd="sng" algn="ctr">
+                      <a:solidFill>
+                        <a:srgbClr val="E6E6E6"/>
+                      </a:solidFill>
+                      <a:prstDash val="solid"/>
+                      <a:round/>
+                      <a:headEnd type="none" w="med" len="med"/>
+                      <a:tailEnd type="none" w="med" len="med"/>
+                    </a:lnB>
+                    <a:solidFill>
+                      <a:srgbClr val="FFFFFF"/>
+                    </a:solidFill>
+                  </a:tcPr>
+                </a:tc>
+                <a:tc>
+                  <a:txBody>
+                    <a:bodyPr/>
+                    <a:p>
+                      <a:pPr marL="0" marR="0">
+                        <a:lnSpc>
+                          <a:spcPts val="1680"/>
+                        </a:lnSpc>
+                        <a:spcBef>
+                          <a:spcPts val="1800"/>
+                        </a:spcBef>
+                        <a:spcAft>
+                          <a:spcPts val="1800"/>
+                        </a:spcAft>
+                      </a:pPr>
+                      <a:r>
+                        <a:rPr lang="zh-CN" sz="1400" dirty="0">
+                          <a:solidFill>
+                            <a:srgbClr val="333333"/>
+                          </a:solidFill>
+                          <a:latin typeface="Calibri" panose="020F0502020204030204"/>
+                          <a:ea typeface="宋体" panose="02010600030101010101" pitchFamily="2" charset="-122"/>
+                          <a:cs typeface="宋体" panose="02010600030101010101" pitchFamily="2" charset="-122"/>
+                        </a:rPr>
+                        <a:t>仅在客户端（即浏览器）中保存，不参与和服务器的通信</a:t>
+                      </a:r>
+                      <a:endParaRPr lang="en-US" sz="1400" dirty="0">
+                        <a:latin typeface="Calibri" panose="020F0502020204030204"/>
+                        <a:ea typeface="宋体" panose="02010600030101010101" pitchFamily="2" charset="-122"/>
+                        <a:cs typeface="Times New Roman" panose="02020603050405020304"/>
+                      </a:endParaRPr>
+                    </a:p>
+                  </a:txBody>
+                  <a:tcPr marL="59113" marR="59113" marT="36945" marB="36945" anchor="ctr">
+                    <a:lnL w="12700" cap="flat" cmpd="sng" algn="ctr">
+                      <a:solidFill>
+                        <a:srgbClr val="E6E6E6"/>
+                      </a:solidFill>
+                      <a:prstDash val="solid"/>
+                      <a:round/>
+                      <a:headEnd type="none" w="med" len="med"/>
+                      <a:tailEnd type="none" w="med" len="med"/>
+                    </a:lnL>
+                    <a:lnR w="12700" cap="flat" cmpd="sng" algn="ctr">
+                      <a:solidFill>
+                        <a:srgbClr val="E6E6E6"/>
+                      </a:solidFill>
+                      <a:prstDash val="solid"/>
+                      <a:round/>
+                      <a:headEnd type="none" w="med" len="med"/>
+                      <a:tailEnd type="none" w="med" len="med"/>
+                    </a:lnR>
+                    <a:lnT w="12700" cap="flat" cmpd="sng" algn="ctr">
+                      <a:solidFill>
+                        <a:srgbClr val="E6E6E6"/>
+                      </a:solidFill>
+                      <a:prstDash val="solid"/>
+                      <a:round/>
+                      <a:headEnd type="none" w="med" len="med"/>
+                      <a:tailEnd type="none" w="med" len="med"/>
+                    </a:lnT>
+                    <a:lnB w="12700" cap="flat" cmpd="sng" algn="ctr">
+                      <a:solidFill>
+                        <a:srgbClr val="E6E6E6"/>
+                      </a:solidFill>
+                      <a:prstDash val="solid"/>
+                      <a:round/>
+                      <a:headEnd type="none" w="med" len="med"/>
+                      <a:tailEnd type="none" w="med" len="med"/>
+                    </a:lnB>
+                    <a:solidFill>
+                      <a:srgbClr val="FFFFFF"/>
+                    </a:solidFill>
+                  </a:tcPr>
+                </a:tc>
+                <a:tc>
+                  <a:txBody>
+                    <a:bodyPr/>
+                    <a:p>
+                      <a:pPr marL="0" marR="0">
+                        <a:lnSpc>
+                          <a:spcPts val="1680"/>
+                        </a:lnSpc>
+                        <a:spcBef>
+                          <a:spcPts val="1800"/>
+                        </a:spcBef>
+                        <a:spcAft>
+                          <a:spcPts val="1800"/>
+                        </a:spcAft>
+                      </a:pPr>
+                      <a:r>
+                        <a:rPr lang="zh-CN" sz="1400">
+                          <a:solidFill>
+                            <a:srgbClr val="333333"/>
+                          </a:solidFill>
+                          <a:latin typeface="Calibri" panose="020F0502020204030204"/>
+                          <a:ea typeface="宋体" panose="02010600030101010101" pitchFamily="2" charset="-122"/>
+                          <a:cs typeface="宋体" panose="02010600030101010101" pitchFamily="2" charset="-122"/>
+                        </a:rPr>
+                        <a:t>仅在客户端（即浏览器）中保存，不参与和服务器的通信</a:t>
+                      </a:r>
+                      <a:endParaRPr lang="en-US" sz="1400">
+                        <a:latin typeface="Calibri" panose="020F0502020204030204"/>
+                        <a:ea typeface="宋体" panose="02010600030101010101" pitchFamily="2" charset="-122"/>
+                        <a:cs typeface="Times New Roman" panose="02020603050405020304"/>
+                      </a:endParaRPr>
+                    </a:p>
+                  </a:txBody>
+                  <a:tcPr marL="59113" marR="59113" marT="36945" marB="36945" anchor="ctr">
+                    <a:lnL w="12700" cap="flat" cmpd="sng" algn="ctr">
+                      <a:solidFill>
+                        <a:srgbClr val="E6E6E6"/>
+                      </a:solidFill>
+                      <a:prstDash val="solid"/>
+                      <a:round/>
+                      <a:headEnd type="none" w="med" len="med"/>
+                      <a:tailEnd type="none" w="med" len="med"/>
+                    </a:lnL>
+                    <a:lnR w="12700" cap="flat" cmpd="sng" algn="ctr">
+                      <a:solidFill>
+                        <a:srgbClr val="E6E6E6"/>
+                      </a:solidFill>
+                      <a:prstDash val="solid"/>
+                      <a:round/>
+                      <a:headEnd type="none" w="med" len="med"/>
+                      <a:tailEnd type="none" w="med" len="med"/>
+                    </a:lnR>
+                    <a:lnT w="12700" cap="flat" cmpd="sng" algn="ctr">
+                      <a:solidFill>
+                        <a:srgbClr val="E6E6E6"/>
+                      </a:solidFill>
+                      <a:prstDash val="solid"/>
+                      <a:round/>
+                      <a:headEnd type="none" w="med" len="med"/>
+                      <a:tailEnd type="none" w="med" len="med"/>
+                    </a:lnT>
+                    <a:lnB w="12700" cap="flat" cmpd="sng" algn="ctr">
+                      <a:solidFill>
+                        <a:srgbClr val="E6E6E6"/>
+                      </a:solidFill>
+                      <a:prstDash val="solid"/>
+                      <a:round/>
+                      <a:headEnd type="none" w="med" len="med"/>
+                      <a:tailEnd type="none" w="med" len="med"/>
+                    </a:lnB>
+                    <a:solidFill>
+                      <a:srgbClr val="FFFFFF"/>
+                    </a:solidFill>
+                  </a:tcPr>
+                </a:tc>
+              </a:tr>
+              <a:tr h="1109713">
+                <a:tc>
+                  <a:txBody>
+                    <a:bodyPr/>
+                    <a:p>
+                      <a:pPr marL="0" marR="0">
+                        <a:lnSpc>
+                          <a:spcPts val="1680"/>
+                        </a:lnSpc>
+                        <a:spcBef>
+                          <a:spcPts val="1800"/>
+                        </a:spcBef>
+                        <a:spcAft>
+                          <a:spcPts val="1800"/>
+                        </a:spcAft>
+                      </a:pPr>
+                      <a:r>
+                        <a:rPr lang="zh-CN" sz="1400">
+                          <a:solidFill>
+                            <a:srgbClr val="333333"/>
+                          </a:solidFill>
+                          <a:latin typeface="Calibri" panose="020F0502020204030204"/>
+                          <a:ea typeface="宋体" panose="02010600030101010101" pitchFamily="2" charset="-122"/>
+                          <a:cs typeface="宋体" panose="02010600030101010101" pitchFamily="2" charset="-122"/>
+                        </a:rPr>
+                        <a:t>易用性</a:t>
+                      </a:r>
+                      <a:endParaRPr lang="en-US" sz="1400">
+                        <a:latin typeface="Calibri" panose="020F0502020204030204"/>
+                        <a:ea typeface="宋体" panose="02010600030101010101" pitchFamily="2" charset="-122"/>
+                        <a:cs typeface="Times New Roman" panose="02020603050405020304"/>
+                      </a:endParaRPr>
+                    </a:p>
+                  </a:txBody>
+                  <a:tcPr marL="59113" marR="59113" marT="36945" marB="36945" anchor="ctr">
+                    <a:lnL w="12700" cap="flat" cmpd="sng" algn="ctr">
+                      <a:solidFill>
+                        <a:srgbClr val="E6E6E6"/>
+                      </a:solidFill>
+                      <a:prstDash val="solid"/>
+                      <a:round/>
+                      <a:headEnd type="none" w="med" len="med"/>
+                      <a:tailEnd type="none" w="med" len="med"/>
+                    </a:lnL>
+                    <a:lnR w="12700" cap="flat" cmpd="sng" algn="ctr">
+                      <a:solidFill>
+                        <a:srgbClr val="E6E6E6"/>
+                      </a:solidFill>
+                      <a:prstDash val="solid"/>
+                      <a:round/>
+                      <a:headEnd type="none" w="med" len="med"/>
+                      <a:tailEnd type="none" w="med" len="med"/>
+                    </a:lnR>
+                    <a:lnT w="12700" cap="flat" cmpd="sng" algn="ctr">
+                      <a:solidFill>
+                        <a:srgbClr val="E6E6E6"/>
+                      </a:solidFill>
+                      <a:prstDash val="solid"/>
+                      <a:round/>
+                      <a:headEnd type="none" w="med" len="med"/>
+                      <a:tailEnd type="none" w="med" len="med"/>
+                    </a:lnT>
+                    <a:lnB w="12700" cap="flat" cmpd="sng" algn="ctr">
+                      <a:solidFill>
+                        <a:srgbClr val="E6E6E6"/>
+                      </a:solidFill>
+                      <a:prstDash val="solid"/>
+                      <a:round/>
+                      <a:headEnd type="none" w="med" len="med"/>
+                      <a:tailEnd type="none" w="med" len="med"/>
+                    </a:lnB>
+                    <a:solidFill>
+                      <a:srgbClr val="FFFFFF"/>
+                    </a:solidFill>
+                  </a:tcPr>
+                </a:tc>
+                <a:tc>
+                  <a:txBody>
+                    <a:bodyPr/>
+                    <a:p>
+                      <a:pPr marL="0" marR="0">
+                        <a:lnSpc>
+                          <a:spcPts val="1680"/>
+                        </a:lnSpc>
+                        <a:spcBef>
+                          <a:spcPts val="1800"/>
+                        </a:spcBef>
+                        <a:spcAft>
+                          <a:spcPts val="1800"/>
+                        </a:spcAft>
+                      </a:pPr>
+                      <a:r>
+                        <a:rPr lang="zh-CN" sz="1400">
+                          <a:solidFill>
+                            <a:srgbClr val="333333"/>
+                          </a:solidFill>
+                          <a:latin typeface="Calibri" panose="020F0502020204030204"/>
+                          <a:ea typeface="宋体" panose="02010600030101010101" pitchFamily="2" charset="-122"/>
+                          <a:cs typeface="宋体" panose="02010600030101010101" pitchFamily="2" charset="-122"/>
+                        </a:rPr>
+                        <a:t>需要程序员自己封装，源生的</a:t>
+                      </a:r>
+                      <a:r>
+                        <a:rPr lang="en-US" sz="1400">
+                          <a:solidFill>
+                            <a:srgbClr val="333333"/>
+                          </a:solidFill>
+                          <a:latin typeface="Helvetica"/>
+                          <a:ea typeface="Times New Roman" panose="02020603050405020304"/>
+                          <a:cs typeface="Helvetica"/>
+                        </a:rPr>
+                        <a:t>Cookie</a:t>
+                      </a:r>
+                      <a:r>
+                        <a:rPr lang="zh-CN" sz="1400">
+                          <a:solidFill>
+                            <a:srgbClr val="333333"/>
+                          </a:solidFill>
+                          <a:latin typeface="Calibri" panose="020F0502020204030204"/>
+                          <a:ea typeface="宋体" panose="02010600030101010101" pitchFamily="2" charset="-122"/>
+                          <a:cs typeface="宋体" panose="02010600030101010101" pitchFamily="2" charset="-122"/>
+                        </a:rPr>
+                        <a:t>接口不友好</a:t>
+                      </a:r>
+                      <a:endParaRPr lang="en-US" sz="1400">
+                        <a:latin typeface="Calibri" panose="020F0502020204030204"/>
+                        <a:ea typeface="宋体" panose="02010600030101010101" pitchFamily="2" charset="-122"/>
+                        <a:cs typeface="Times New Roman" panose="02020603050405020304"/>
+                      </a:endParaRPr>
+                    </a:p>
+                  </a:txBody>
+                  <a:tcPr marL="59113" marR="59113" marT="36945" marB="36945" anchor="ctr">
+                    <a:lnL w="12700" cap="flat" cmpd="sng" algn="ctr">
+                      <a:solidFill>
+                        <a:srgbClr val="E6E6E6"/>
+                      </a:solidFill>
+                      <a:prstDash val="solid"/>
+                      <a:round/>
+                      <a:headEnd type="none" w="med" len="med"/>
+                      <a:tailEnd type="none" w="med" len="med"/>
+                    </a:lnL>
+                    <a:lnR w="12700" cap="flat" cmpd="sng" algn="ctr">
+                      <a:solidFill>
+                        <a:srgbClr val="E6E6E6"/>
+                      </a:solidFill>
+                      <a:prstDash val="solid"/>
+                      <a:round/>
+                      <a:headEnd type="none" w="med" len="med"/>
+                      <a:tailEnd type="none" w="med" len="med"/>
+                    </a:lnR>
+                    <a:lnT w="12700" cap="flat" cmpd="sng" algn="ctr">
+                      <a:solidFill>
+                        <a:srgbClr val="E6E6E6"/>
+                      </a:solidFill>
+                      <a:prstDash val="solid"/>
+                      <a:round/>
+                      <a:headEnd type="none" w="med" len="med"/>
+                      <a:tailEnd type="none" w="med" len="med"/>
+                    </a:lnT>
+                    <a:lnB w="12700" cap="flat" cmpd="sng" algn="ctr">
+                      <a:solidFill>
+                        <a:srgbClr val="E6E6E6"/>
+                      </a:solidFill>
+                      <a:prstDash val="solid"/>
+                      <a:round/>
+                      <a:headEnd type="none" w="med" len="med"/>
+                      <a:tailEnd type="none" w="med" len="med"/>
+                    </a:lnB>
+                    <a:solidFill>
+                      <a:srgbClr val="FFFFFF"/>
+                    </a:solidFill>
+                  </a:tcPr>
+                </a:tc>
+                <a:tc>
+                  <a:txBody>
+                    <a:bodyPr/>
+                    <a:p>
+                      <a:pPr marL="0" marR="0">
+                        <a:lnSpc>
+                          <a:spcPts val="1680"/>
+                        </a:lnSpc>
+                        <a:spcBef>
+                          <a:spcPts val="1800"/>
+                        </a:spcBef>
+                        <a:spcAft>
+                          <a:spcPts val="1800"/>
+                        </a:spcAft>
+                      </a:pPr>
+                      <a:r>
+                        <a:rPr lang="zh-CN" sz="1400" dirty="0">
+                          <a:solidFill>
+                            <a:srgbClr val="333333"/>
+                          </a:solidFill>
+                          <a:latin typeface="Calibri" panose="020F0502020204030204"/>
+                          <a:ea typeface="宋体" panose="02010600030101010101" pitchFamily="2" charset="-122"/>
+                          <a:cs typeface="宋体" panose="02010600030101010101" pitchFamily="2" charset="-122"/>
+                        </a:rPr>
+                        <a:t>源生接口可以接受，亦可再次封装来对</a:t>
+                      </a:r>
+                      <a:r>
+                        <a:rPr lang="en-US" sz="1400" dirty="0">
+                          <a:solidFill>
+                            <a:srgbClr val="333333"/>
+                          </a:solidFill>
+                          <a:latin typeface="Helvetica"/>
+                          <a:ea typeface="Times New Roman" panose="02020603050405020304"/>
+                          <a:cs typeface="Helvetica"/>
+                        </a:rPr>
+                        <a:t>Object</a:t>
+                      </a:r>
+                      <a:r>
+                        <a:rPr lang="zh-CN" sz="1400" dirty="0">
+                          <a:solidFill>
+                            <a:srgbClr val="333333"/>
+                          </a:solidFill>
+                          <a:latin typeface="Calibri" panose="020F0502020204030204"/>
+                          <a:ea typeface="宋体" panose="02010600030101010101" pitchFamily="2" charset="-122"/>
+                          <a:cs typeface="宋体" panose="02010600030101010101" pitchFamily="2" charset="-122"/>
+                        </a:rPr>
+                        <a:t>和</a:t>
+                      </a:r>
+                      <a:r>
+                        <a:rPr lang="en-US" sz="1400" dirty="0">
+                          <a:solidFill>
+                            <a:srgbClr val="333333"/>
+                          </a:solidFill>
+                          <a:latin typeface="Helvetica"/>
+                          <a:ea typeface="Times New Roman" panose="02020603050405020304"/>
+                          <a:cs typeface="Helvetica"/>
+                        </a:rPr>
+                        <a:t>Array</a:t>
+                      </a:r>
+                      <a:r>
+                        <a:rPr lang="zh-CN" sz="1400" dirty="0">
+                          <a:solidFill>
+                            <a:srgbClr val="333333"/>
+                          </a:solidFill>
+                          <a:latin typeface="Calibri" panose="020F0502020204030204"/>
+                          <a:ea typeface="宋体" panose="02010600030101010101" pitchFamily="2" charset="-122"/>
+                          <a:cs typeface="宋体" panose="02010600030101010101" pitchFamily="2" charset="-122"/>
+                        </a:rPr>
+                        <a:t>有更好的支持</a:t>
+                      </a:r>
+                      <a:endParaRPr lang="en-US" sz="1400" dirty="0">
+                        <a:latin typeface="Calibri" panose="020F0502020204030204"/>
+                        <a:ea typeface="宋体" panose="02010600030101010101" pitchFamily="2" charset="-122"/>
+                        <a:cs typeface="Times New Roman" panose="02020603050405020304"/>
+                      </a:endParaRPr>
+                    </a:p>
+                  </a:txBody>
+                  <a:tcPr marL="59113" marR="59113" marT="36945" marB="36945" anchor="ctr">
+                    <a:lnL w="12700" cap="flat" cmpd="sng" algn="ctr">
+                      <a:solidFill>
+                        <a:srgbClr val="E6E6E6"/>
+                      </a:solidFill>
+                      <a:prstDash val="solid"/>
+                      <a:round/>
+                      <a:headEnd type="none" w="med" len="med"/>
+                      <a:tailEnd type="none" w="med" len="med"/>
+                    </a:lnL>
+                    <a:lnR w="12700" cap="flat" cmpd="sng" algn="ctr">
+                      <a:solidFill>
+                        <a:srgbClr val="E6E6E6"/>
+                      </a:solidFill>
+                      <a:prstDash val="solid"/>
+                      <a:round/>
+                      <a:headEnd type="none" w="med" len="med"/>
+                      <a:tailEnd type="none" w="med" len="med"/>
+                    </a:lnR>
+                    <a:lnT w="12700" cap="flat" cmpd="sng" algn="ctr">
+                      <a:solidFill>
+                        <a:srgbClr val="E6E6E6"/>
+                      </a:solidFill>
+                      <a:prstDash val="solid"/>
+                      <a:round/>
+                      <a:headEnd type="none" w="med" len="med"/>
+                      <a:tailEnd type="none" w="med" len="med"/>
+                    </a:lnT>
+                    <a:lnB w="12700" cap="flat" cmpd="sng" algn="ctr">
+                      <a:solidFill>
+                        <a:srgbClr val="E6E6E6"/>
+                      </a:solidFill>
+                      <a:prstDash val="solid"/>
+                      <a:round/>
+                      <a:headEnd type="none" w="med" len="med"/>
+                      <a:tailEnd type="none" w="med" len="med"/>
+                    </a:lnB>
+                    <a:solidFill>
+                      <a:srgbClr val="FFFFFF"/>
+                    </a:solidFill>
+                  </a:tcPr>
+                </a:tc>
+                <a:tc>
+                  <a:txBody>
+                    <a:bodyPr/>
+                    <a:p>
+                      <a:pPr marL="0" marR="0">
+                        <a:lnSpc>
+                          <a:spcPts val="1680"/>
+                        </a:lnSpc>
+                        <a:spcBef>
+                          <a:spcPts val="1800"/>
+                        </a:spcBef>
+                        <a:spcAft>
+                          <a:spcPts val="1800"/>
+                        </a:spcAft>
+                      </a:pPr>
+                      <a:r>
+                        <a:rPr lang="zh-CN" sz="1400" dirty="0">
+                          <a:solidFill>
+                            <a:srgbClr val="333333"/>
+                          </a:solidFill>
+                          <a:latin typeface="Calibri" panose="020F0502020204030204"/>
+                          <a:ea typeface="宋体" panose="02010600030101010101" pitchFamily="2" charset="-122"/>
+                          <a:cs typeface="宋体" panose="02010600030101010101" pitchFamily="2" charset="-122"/>
+                        </a:rPr>
+                        <a:t>源生接口可以接受，亦可再次封装来对</a:t>
+                      </a:r>
+                      <a:r>
+                        <a:rPr lang="en-US" sz="1400" dirty="0">
+                          <a:solidFill>
+                            <a:srgbClr val="333333"/>
+                          </a:solidFill>
+                          <a:latin typeface="Helvetica"/>
+                          <a:ea typeface="Times New Roman" panose="02020603050405020304"/>
+                          <a:cs typeface="Helvetica"/>
+                        </a:rPr>
+                        <a:t>Object</a:t>
+                      </a:r>
+                      <a:r>
+                        <a:rPr lang="zh-CN" sz="1400" dirty="0">
+                          <a:solidFill>
+                            <a:srgbClr val="333333"/>
+                          </a:solidFill>
+                          <a:latin typeface="Calibri" panose="020F0502020204030204"/>
+                          <a:ea typeface="宋体" panose="02010600030101010101" pitchFamily="2" charset="-122"/>
+                          <a:cs typeface="宋体" panose="02010600030101010101" pitchFamily="2" charset="-122"/>
+                        </a:rPr>
+                        <a:t>和</a:t>
+                      </a:r>
+                      <a:r>
+                        <a:rPr lang="en-US" sz="1400" dirty="0">
+                          <a:solidFill>
+                            <a:srgbClr val="333333"/>
+                          </a:solidFill>
+                          <a:latin typeface="Helvetica"/>
+                          <a:ea typeface="Times New Roman" panose="02020603050405020304"/>
+                          <a:cs typeface="Helvetica"/>
+                        </a:rPr>
+                        <a:t>Array</a:t>
+                      </a:r>
+                      <a:r>
+                        <a:rPr lang="zh-CN" sz="1400" dirty="0">
+                          <a:solidFill>
+                            <a:srgbClr val="333333"/>
+                          </a:solidFill>
+                          <a:latin typeface="Calibri" panose="020F0502020204030204"/>
+                          <a:ea typeface="宋体" panose="02010600030101010101" pitchFamily="2" charset="-122"/>
+                          <a:cs typeface="宋体" panose="02010600030101010101" pitchFamily="2" charset="-122"/>
+                        </a:rPr>
+                        <a:t>有更好的支持</a:t>
+                      </a:r>
+                      <a:endParaRPr lang="en-US" sz="1400" dirty="0">
+                        <a:latin typeface="Calibri" panose="020F0502020204030204"/>
+                        <a:ea typeface="宋体" panose="02010600030101010101" pitchFamily="2" charset="-122"/>
+                        <a:cs typeface="Times New Roman" panose="02020603050405020304"/>
+                      </a:endParaRPr>
+                    </a:p>
+                  </a:txBody>
+                  <a:tcPr marL="59113" marR="59113" marT="36945" marB="36945" anchor="ctr">
+                    <a:lnL w="12700" cap="flat" cmpd="sng" algn="ctr">
+                      <a:solidFill>
+                        <a:srgbClr val="E6E6E6"/>
+                      </a:solidFill>
+                      <a:prstDash val="solid"/>
+                      <a:round/>
+                      <a:headEnd type="none" w="med" len="med"/>
+                      <a:tailEnd type="none" w="med" len="med"/>
+                    </a:lnL>
+                    <a:lnR w="12700" cap="flat" cmpd="sng" algn="ctr">
+                      <a:solidFill>
+                        <a:srgbClr val="E6E6E6"/>
+                      </a:solidFill>
+                      <a:prstDash val="solid"/>
+                      <a:round/>
+                      <a:headEnd type="none" w="med" len="med"/>
+                      <a:tailEnd type="none" w="med" len="med"/>
+                    </a:lnR>
+                    <a:lnT w="12700" cap="flat" cmpd="sng" algn="ctr">
+                      <a:solidFill>
+                        <a:srgbClr val="E6E6E6"/>
+                      </a:solidFill>
+                      <a:prstDash val="solid"/>
+                      <a:round/>
+                      <a:headEnd type="none" w="med" len="med"/>
+                      <a:tailEnd type="none" w="med" len="med"/>
+                    </a:lnT>
+                    <a:lnB w="12700" cap="flat" cmpd="sng" algn="ctr">
+                      <a:solidFill>
+                        <a:srgbClr val="E6E6E6"/>
+                      </a:solidFill>
+                      <a:prstDash val="solid"/>
+                      <a:round/>
+                      <a:headEnd type="none" w="med" len="med"/>
+                      <a:tailEnd type="none" w="med" len="med"/>
+                    </a:lnB>
+                    <a:solidFill>
+                      <a:srgbClr val="FFFFFF"/>
+                    </a:solidFill>
+                  </a:tcPr>
+                </a:tc>
+              </a:tr>
+            </a:tbl>
+          </a:graphicData>
+        </a:graphic>
+      </p:graphicFrame>
     </p:spTree>
   </p:cSld>
   <p:clrMapOvr>
@@ -10593,7 +8775,7 @@
 </p:sld>
 </file>
 
-<file path=ppt/slides/slide8.xml><?xml version="1.0" encoding="utf-8"?>
+<file path=ppt/slides/slide6.xml><?xml version="1.0" encoding="utf-8"?>
 <p:sld xmlns:a="http://schemas.openxmlformats.org/drawingml/2006/main" xmlns:r="http://schemas.openxmlformats.org/officeDocument/2006/relationships" xmlns:p="http://schemas.openxmlformats.org/presentationml/2006/main">
   <p:cSld>
     <p:spTree>
@@ -11323,7 +9505,7 @@
 </p:sld>
 </file>
 
-<file path=ppt/slides/slide9.xml><?xml version="1.0" encoding="utf-8"?>
+<file path=ppt/slides/slide7.xml><?xml version="1.0" encoding="utf-8"?>
 <p:sld xmlns:a="http://schemas.openxmlformats.org/drawingml/2006/main" xmlns:r="http://schemas.openxmlformats.org/officeDocument/2006/relationships" xmlns:p="http://schemas.openxmlformats.org/presentationml/2006/main">
   <p:cSld>
     <p:spTree>
@@ -12032,7 +10214,7 @@
               </a:rPr>
               <a:t>文件</a:t>
             </a:r>
-            <a:endParaRPr kumimoji="0" lang="zh-CN" altLang="en-US" sz="3200" u="none" strike="noStrike" kern="1200" cap="none" spc="0" normalizeH="0" baseline="0" noProof="0" dirty="0">
+            <a:endParaRPr kumimoji="0" lang="zh-CN" altLang="en-US" sz="3200" u="none" strike="noStrike" kern="1200" cap="none" spc="0" normalizeH="0" baseline="0" noProof="0" dirty="0" smtClean="0">
               <a:ln>
                 <a:noFill/>
               </a:ln>
@@ -12129,6 +10311,1294 @@
           </a:ln>
         </p:spPr>
       </p:pic>
+    </p:spTree>
+  </p:cSld>
+  <p:clrMapOvr>
+    <a:masterClrMapping/>
+  </p:clrMapOvr>
+  <p:timing>
+    <p:tnLst>
+      <p:par>
+        <p:cTn id="1" dur="indefinite" restart="never" nodeType="tmRoot"/>
+      </p:par>
+    </p:tnLst>
+  </p:timing>
+</p:sld>
+</file>
+
+<file path=ppt/slides/slide8.xml><?xml version="1.0" encoding="utf-8"?>
+<p:sld xmlns:a="http://schemas.openxmlformats.org/drawingml/2006/main" xmlns:r="http://schemas.openxmlformats.org/officeDocument/2006/relationships" xmlns:p="http://schemas.openxmlformats.org/presentationml/2006/main">
+  <p:cSld>
+    <p:spTree>
+      <p:nvGrpSpPr>
+        <p:cNvPr id="1" name=""/>
+        <p:cNvGrpSpPr/>
+        <p:nvPr/>
+      </p:nvGrpSpPr>
+      <p:grpSpPr>
+        <a:xfrm>
+          <a:off x="0" y="0"/>
+          <a:ext cx="0" cy="0"/>
+          <a:chOff x="0" y="0"/>
+          <a:chExt cx="0" cy="0"/>
+        </a:xfrm>
+      </p:grpSpPr>
+      <p:sp>
+        <p:nvSpPr>
+          <p:cNvPr id="2" name="Title 1"/>
+          <p:cNvSpPr>
+            <a:spLocks noGrp="1"/>
+          </p:cNvSpPr>
+          <p:nvPr>
+            <p:ph type="title"/>
+          </p:nvPr>
+        </p:nvSpPr>
+        <p:spPr/>
+        <p:txBody>
+          <a:bodyPr/>
+          <a:lstStyle/>
+          <a:p>
+            <a:endParaRPr lang="zh-CN" altLang="en-US"/>
+          </a:p>
+        </p:txBody>
+      </p:sp>
+      <p:pic>
+        <p:nvPicPr>
+          <p:cNvPr id="4" name="Content Placeholder 77" descr="ppt页面-3.2.jpg"/>
+          <p:cNvPicPr>
+            <a:picLocks noChangeAspect="1"/>
+          </p:cNvPicPr>
+          <p:nvPr/>
+        </p:nvPicPr>
+        <p:blipFill>
+          <a:blip r:embed="rId1" cstate="print"/>
+          <a:stretch>
+            <a:fillRect/>
+          </a:stretch>
+        </p:blipFill>
+        <p:spPr>
+          <a:xfrm>
+            <a:off x="0" y="27384"/>
+            <a:ext cx="9144000" cy="6858000"/>
+          </a:xfrm>
+          <a:prstGeom prst="rect">
+            <a:avLst/>
+          </a:prstGeom>
+        </p:spPr>
+      </p:pic>
+      <p:sp>
+        <p:nvSpPr>
+          <p:cNvPr id="7" name="Rectangle 6"/>
+          <p:cNvSpPr/>
+          <p:nvPr/>
+        </p:nvSpPr>
+        <p:spPr>
+          <a:xfrm>
+            <a:off x="144016" y="44624"/>
+            <a:ext cx="1475656" cy="548680"/>
+          </a:xfrm>
+          <a:prstGeom prst="rect">
+            <a:avLst/>
+          </a:prstGeom>
+          <a:ln>
+            <a:solidFill>
+              <a:schemeClr val="bg1"/>
+            </a:solidFill>
+          </a:ln>
+        </p:spPr>
+        <p:style>
+          <a:lnRef idx="2">
+            <a:schemeClr val="accent6"/>
+          </a:lnRef>
+          <a:fillRef idx="1001">
+            <a:schemeClr val="lt1"/>
+          </a:fillRef>
+          <a:effectRef idx="0">
+            <a:schemeClr val="accent6"/>
+          </a:effectRef>
+          <a:fontRef idx="minor">
+            <a:schemeClr val="dk1"/>
+          </a:fontRef>
+        </p:style>
+        <p:txBody>
+          <a:bodyPr rtlCol="0" anchor="ctr"/>
+          <a:lstStyle/>
+          <a:p>
+            <a:pPr algn="ctr"/>
+            <a:endParaRPr lang="zh-CN" altLang="en-US" dirty="0">
+              <a:ln w="18415" cmpd="sng">
+                <a:solidFill>
+                  <a:srgbClr val="FFFFFF"/>
+                </a:solidFill>
+                <a:prstDash val="solid"/>
+              </a:ln>
+              <a:solidFill>
+                <a:srgbClr val="FFFFFF"/>
+              </a:solidFill>
+              <a:effectLst>
+                <a:outerShdw blurRad="63500" dir="3600000" algn="tl" rotWithShape="0">
+                  <a:srgbClr val="000000">
+                    <a:alpha val="70000"/>
+                  </a:srgbClr>
+                </a:outerShdw>
+              </a:effectLst>
+            </a:endParaRPr>
+          </a:p>
+        </p:txBody>
+      </p:sp>
+      <p:grpSp>
+        <p:nvGrpSpPr>
+          <p:cNvPr id="8" name="Group 7"/>
+          <p:cNvGrpSpPr/>
+          <p:nvPr/>
+        </p:nvGrpSpPr>
+        <p:grpSpPr>
+          <a:xfrm>
+            <a:off x="7884368" y="44624"/>
+            <a:ext cx="1142110" cy="573144"/>
+            <a:chOff x="107504" y="188640"/>
+            <a:chExt cx="1729730" cy="868030"/>
+          </a:xfrm>
+        </p:grpSpPr>
+        <p:pic>
+          <p:nvPicPr>
+            <p:cNvPr id="9" name="Picture 2" descr="\\172.16.5.10\ued\1_恒天高清晰版本logo\恒天标志2-曲线化.tif"/>
+            <p:cNvPicPr>
+              <a:picLocks noChangeAspect="1" noChangeArrowheads="1"/>
+            </p:cNvPicPr>
+            <p:nvPr/>
+          </p:nvPicPr>
+          <p:blipFill>
+            <a:blip r:embed="rId2" cstate="print"/>
+            <a:srcRect/>
+            <a:stretch>
+              <a:fillRect/>
+            </a:stretch>
+          </p:blipFill>
+          <p:spPr bwMode="auto">
+            <a:xfrm>
+              <a:off x="179513" y="260648"/>
+              <a:ext cx="1512168" cy="723211"/>
+            </a:xfrm>
+            <a:prstGeom prst="rect">
+              <a:avLst/>
+            </a:prstGeom>
+            <a:noFill/>
+          </p:spPr>
+        </p:pic>
+        <p:sp>
+          <p:nvSpPr>
+            <p:cNvPr id="10" name="Rectangle 9"/>
+            <p:cNvSpPr/>
+            <p:nvPr/>
+          </p:nvSpPr>
+          <p:spPr>
+            <a:xfrm>
+              <a:off x="1635832" y="188643"/>
+              <a:ext cx="125216" cy="868027"/>
+            </a:xfrm>
+            <a:prstGeom prst="rect">
+              <a:avLst/>
+            </a:prstGeom>
+            <a:ln>
+              <a:solidFill>
+                <a:schemeClr val="bg1"/>
+              </a:solidFill>
+            </a:ln>
+          </p:spPr>
+          <p:style>
+            <a:lnRef idx="2">
+              <a:schemeClr val="accent6"/>
+            </a:lnRef>
+            <a:fillRef idx="1001">
+              <a:schemeClr val="lt1"/>
+            </a:fillRef>
+            <a:effectRef idx="0">
+              <a:schemeClr val="accent6"/>
+            </a:effectRef>
+            <a:fontRef idx="minor">
+              <a:schemeClr val="dk1"/>
+            </a:fontRef>
+          </p:style>
+          <p:txBody>
+            <a:bodyPr rtlCol="0" anchor="ctr"/>
+            <a:lstStyle/>
+            <a:p>
+              <a:pPr algn="ctr"/>
+              <a:endParaRPr lang="zh-CN" altLang="en-US" dirty="0">
+                <a:ln w="18415" cmpd="sng">
+                  <a:solidFill>
+                    <a:srgbClr val="FFFFFF"/>
+                  </a:solidFill>
+                  <a:prstDash val="solid"/>
+                </a:ln>
+                <a:solidFill>
+                  <a:srgbClr val="FFFFFF"/>
+                </a:solidFill>
+                <a:effectLst>
+                  <a:outerShdw blurRad="63500" dir="3600000" algn="tl" rotWithShape="0">
+                    <a:srgbClr val="000000">
+                      <a:alpha val="70000"/>
+                    </a:srgbClr>
+                  </a:outerShdw>
+                </a:effectLst>
+              </a:endParaRPr>
+            </a:p>
+          </p:txBody>
+        </p:sp>
+        <p:sp>
+          <p:nvSpPr>
+            <p:cNvPr id="11" name="Rectangle 10"/>
+            <p:cNvSpPr/>
+            <p:nvPr/>
+          </p:nvSpPr>
+          <p:spPr>
+            <a:xfrm>
+              <a:off x="109043" y="262245"/>
+              <a:ext cx="85397" cy="794424"/>
+            </a:xfrm>
+            <a:prstGeom prst="rect">
+              <a:avLst/>
+            </a:prstGeom>
+            <a:ln>
+              <a:solidFill>
+                <a:schemeClr val="bg1"/>
+              </a:solidFill>
+            </a:ln>
+          </p:spPr>
+          <p:style>
+            <a:lnRef idx="2">
+              <a:schemeClr val="accent6"/>
+            </a:lnRef>
+            <a:fillRef idx="1001">
+              <a:schemeClr val="lt1"/>
+            </a:fillRef>
+            <a:effectRef idx="0">
+              <a:schemeClr val="accent6"/>
+            </a:effectRef>
+            <a:fontRef idx="minor">
+              <a:schemeClr val="dk1"/>
+            </a:fontRef>
+          </p:style>
+          <p:txBody>
+            <a:bodyPr rtlCol="0" anchor="ctr"/>
+            <a:lstStyle/>
+            <a:p>
+              <a:pPr algn="ctr"/>
+              <a:endParaRPr lang="zh-CN" altLang="en-US" dirty="0">
+                <a:ln w="18415" cmpd="sng">
+                  <a:solidFill>
+                    <a:srgbClr val="FFFFFF"/>
+                  </a:solidFill>
+                  <a:prstDash val="solid"/>
+                </a:ln>
+                <a:solidFill>
+                  <a:srgbClr val="FFFFFF"/>
+                </a:solidFill>
+                <a:effectLst>
+                  <a:outerShdw blurRad="63500" dir="3600000" algn="tl" rotWithShape="0">
+                    <a:srgbClr val="000000">
+                      <a:alpha val="70000"/>
+                    </a:srgbClr>
+                  </a:outerShdw>
+                </a:effectLst>
+              </a:endParaRPr>
+            </a:p>
+          </p:txBody>
+        </p:sp>
+        <p:sp>
+          <p:nvSpPr>
+            <p:cNvPr id="12" name="Rectangle 11"/>
+            <p:cNvSpPr/>
+            <p:nvPr/>
+          </p:nvSpPr>
+          <p:spPr>
+            <a:xfrm>
+              <a:off x="109043" y="987427"/>
+              <a:ext cx="1728191" cy="69242"/>
+            </a:xfrm>
+            <a:prstGeom prst="rect">
+              <a:avLst/>
+            </a:prstGeom>
+            <a:ln>
+              <a:solidFill>
+                <a:schemeClr val="bg1"/>
+              </a:solidFill>
+            </a:ln>
+          </p:spPr>
+          <p:style>
+            <a:lnRef idx="2">
+              <a:schemeClr val="accent6"/>
+            </a:lnRef>
+            <a:fillRef idx="1001">
+              <a:schemeClr val="lt1"/>
+            </a:fillRef>
+            <a:effectRef idx="0">
+              <a:schemeClr val="accent6"/>
+            </a:effectRef>
+            <a:fontRef idx="minor">
+              <a:schemeClr val="dk1"/>
+            </a:fontRef>
+          </p:style>
+          <p:txBody>
+            <a:bodyPr rtlCol="0" anchor="ctr"/>
+            <a:lstStyle/>
+            <a:p>
+              <a:pPr algn="ctr"/>
+              <a:endParaRPr lang="zh-CN" altLang="en-US" dirty="0">
+                <a:ln w="18415" cmpd="sng">
+                  <a:solidFill>
+                    <a:srgbClr val="FFFFFF"/>
+                  </a:solidFill>
+                  <a:prstDash val="solid"/>
+                </a:ln>
+                <a:solidFill>
+                  <a:srgbClr val="FFFFFF"/>
+                </a:solidFill>
+                <a:effectLst>
+                  <a:outerShdw blurRad="63500" dir="3600000" algn="tl" rotWithShape="0">
+                    <a:srgbClr val="000000">
+                      <a:alpha val="70000"/>
+                    </a:srgbClr>
+                  </a:outerShdw>
+                </a:effectLst>
+              </a:endParaRPr>
+            </a:p>
+          </p:txBody>
+        </p:sp>
+        <p:sp>
+          <p:nvSpPr>
+            <p:cNvPr id="13" name="Rectangle 12"/>
+            <p:cNvSpPr/>
+            <p:nvPr/>
+          </p:nvSpPr>
+          <p:spPr>
+            <a:xfrm>
+              <a:off x="107504" y="188640"/>
+              <a:ext cx="1728192" cy="144016"/>
+            </a:xfrm>
+            <a:prstGeom prst="rect">
+              <a:avLst/>
+            </a:prstGeom>
+            <a:ln>
+              <a:solidFill>
+                <a:schemeClr val="bg1"/>
+              </a:solidFill>
+            </a:ln>
+          </p:spPr>
+          <p:style>
+            <a:lnRef idx="2">
+              <a:schemeClr val="accent6"/>
+            </a:lnRef>
+            <a:fillRef idx="1001">
+              <a:schemeClr val="lt1"/>
+            </a:fillRef>
+            <a:effectRef idx="0">
+              <a:schemeClr val="accent6"/>
+            </a:effectRef>
+            <a:fontRef idx="minor">
+              <a:schemeClr val="dk1"/>
+            </a:fontRef>
+          </p:style>
+          <p:txBody>
+            <a:bodyPr rtlCol="0" anchor="ctr"/>
+            <a:lstStyle/>
+            <a:p>
+              <a:pPr algn="ctr"/>
+              <a:endParaRPr lang="zh-CN" altLang="en-US" dirty="0">
+                <a:ln w="18415" cmpd="sng">
+                  <a:solidFill>
+                    <a:srgbClr val="FFFFFF"/>
+                  </a:solidFill>
+                  <a:prstDash val="solid"/>
+                </a:ln>
+                <a:solidFill>
+                  <a:srgbClr val="FFFFFF"/>
+                </a:solidFill>
+                <a:effectLst>
+                  <a:outerShdw blurRad="63500" dir="3600000" algn="tl" rotWithShape="0">
+                    <a:srgbClr val="000000">
+                      <a:alpha val="70000"/>
+                    </a:srgbClr>
+                  </a:outerShdw>
+                </a:effectLst>
+              </a:endParaRPr>
+            </a:p>
+          </p:txBody>
+        </p:sp>
+      </p:grpSp>
+      <p:sp>
+        <p:nvSpPr>
+          <p:cNvPr id="14" name="Title 1"/>
+          <p:cNvSpPr txBox="1"/>
+          <p:nvPr/>
+        </p:nvSpPr>
+        <p:spPr>
+          <a:xfrm>
+            <a:off x="711498" y="1150184"/>
+            <a:ext cx="5012630" cy="648072"/>
+          </a:xfrm>
+          <a:prstGeom prst="rect">
+            <a:avLst/>
+          </a:prstGeom>
+        </p:spPr>
+        <p:txBody>
+          <a:bodyPr vert="horz" lIns="91440" tIns="45720" rIns="91440" bIns="45720" rtlCol="0" anchor="ctr">
+            <a:noAutofit/>
+          </a:bodyPr>
+          <a:lstStyle/>
+          <a:p>
+            <a:pPr marL="0" marR="0" lvl="0" indent="0" defTabSz="914400" rtl="0" eaLnBrk="1" fontAlgn="auto" latinLnBrk="0" hangingPunct="1">
+              <a:lnSpc>
+                <a:spcPct val="100000"/>
+              </a:lnSpc>
+              <a:spcBef>
+                <a:spcPct val="0"/>
+              </a:spcBef>
+              <a:spcAft>
+                <a:spcPts val="0"/>
+              </a:spcAft>
+              <a:buClrTx/>
+              <a:buSzTx/>
+              <a:buFontTx/>
+              <a:buNone/>
+              <a:defRPr/>
+            </a:pPr>
+            <a:r>
+              <a:rPr kumimoji="0" lang="en-US" altLang="zh-CN" sz="3200" u="none" strike="noStrike" kern="1200" cap="none" spc="0" normalizeH="0" baseline="0" noProof="0" dirty="0" smtClean="0">
+                <a:ln>
+                  <a:noFill/>
+                </a:ln>
+                <a:solidFill>
+                  <a:srgbClr val="004086"/>
+                </a:solidFill>
+                <a:effectLst/>
+                <a:uLnTx/>
+                <a:uFillTx/>
+                <a:latin typeface="经典中圆简" pitchFamily="49" charset="-122"/>
+                <a:ea typeface="经典中圆简" pitchFamily="49" charset="-122"/>
+                <a:cs typeface="经典中圆简" pitchFamily="49" charset="-122"/>
+              </a:rPr>
+              <a:t>HTML5</a:t>
+            </a:r>
+            <a:r>
+              <a:rPr lang="zh-CN" altLang="en-US" sz="3200" dirty="0" smtClean="0">
+                <a:solidFill>
+                  <a:srgbClr val="004086"/>
+                </a:solidFill>
+                <a:latin typeface="经典中圆简" pitchFamily="49" charset="-122"/>
+                <a:ea typeface="经典中圆简" pitchFamily="49" charset="-122"/>
+                <a:cs typeface="经典中圆简" pitchFamily="49" charset="-122"/>
+              </a:rPr>
+              <a:t>本地存储</a:t>
+            </a:r>
+            <a:endParaRPr kumimoji="0" lang="zh-CN" altLang="en-US" sz="3200" u="none" strike="noStrike" kern="1200" cap="none" spc="0" normalizeH="0" baseline="0" noProof="0" dirty="0">
+              <a:ln>
+                <a:noFill/>
+              </a:ln>
+              <a:solidFill>
+                <a:srgbClr val="004086"/>
+              </a:solidFill>
+              <a:effectLst/>
+              <a:uLnTx/>
+              <a:uFillTx/>
+              <a:latin typeface="经典中圆简" pitchFamily="49" charset="-122"/>
+              <a:ea typeface="经典中圆简" pitchFamily="49" charset="-122"/>
+              <a:cs typeface="经典中圆简" pitchFamily="49" charset="-122"/>
+            </a:endParaRPr>
+          </a:p>
+        </p:txBody>
+      </p:sp>
+      <p:sp>
+        <p:nvSpPr>
+          <p:cNvPr id="15" name="Title 1"/>
+          <p:cNvSpPr txBox="1"/>
+          <p:nvPr/>
+        </p:nvSpPr>
+        <p:spPr>
+          <a:xfrm>
+            <a:off x="1619672" y="1628800"/>
+            <a:ext cx="5012630" cy="648072"/>
+          </a:xfrm>
+          <a:prstGeom prst="rect">
+            <a:avLst/>
+          </a:prstGeom>
+        </p:spPr>
+        <p:txBody>
+          <a:bodyPr vert="horz" lIns="91440" tIns="45720" rIns="91440" bIns="45720" rtlCol="0" anchor="ctr">
+            <a:noAutofit/>
+          </a:bodyPr>
+          <a:lstStyle/>
+          <a:p>
+            <a:pPr marL="0" marR="0" lvl="0" indent="0" defTabSz="914400" rtl="0" eaLnBrk="1" fontAlgn="auto" latinLnBrk="0" hangingPunct="1">
+              <a:lnSpc>
+                <a:spcPct val="100000"/>
+              </a:lnSpc>
+              <a:spcBef>
+                <a:spcPct val="0"/>
+              </a:spcBef>
+              <a:spcAft>
+                <a:spcPts val="0"/>
+              </a:spcAft>
+              <a:buClrTx/>
+              <a:buSzTx/>
+              <a:buFontTx/>
+              <a:buNone/>
+              <a:defRPr/>
+            </a:pPr>
+            <a:r>
+              <a:rPr lang="en-US" altLang="zh-CN" sz="3200" dirty="0" smtClean="0">
+                <a:solidFill>
+                  <a:srgbClr val="004086"/>
+                </a:solidFill>
+                <a:latin typeface="经典中圆简" pitchFamily="49" charset="-122"/>
+                <a:ea typeface="经典中圆简" pitchFamily="49" charset="-122"/>
+                <a:cs typeface="经典中圆简" pitchFamily="49" charset="-122"/>
+              </a:rPr>
+              <a:t>——</a:t>
+            </a:r>
+            <a:r>
+              <a:rPr lang="en-US" altLang="zh-CN" sz="3200" dirty="0" err="1" smtClean="0">
+                <a:solidFill>
+                  <a:srgbClr val="004086"/>
+                </a:solidFill>
+                <a:latin typeface="经典中圆简" pitchFamily="49" charset="-122"/>
+                <a:ea typeface="经典中圆简" pitchFamily="49" charset="-122"/>
+                <a:cs typeface="经典中圆简" pitchFamily="49" charset="-122"/>
+              </a:rPr>
+              <a:t>IndexedDB</a:t>
+            </a:r>
+            <a:endParaRPr lang="zh-CN" altLang="en-US" sz="3200" dirty="0" smtClean="0">
+              <a:solidFill>
+                <a:srgbClr val="004086"/>
+              </a:solidFill>
+              <a:latin typeface="经典中圆简" pitchFamily="49" charset="-122"/>
+              <a:ea typeface="经典中圆简" pitchFamily="49" charset="-122"/>
+              <a:cs typeface="经典中圆简" pitchFamily="49" charset="-122"/>
+            </a:endParaRPr>
+          </a:p>
+        </p:txBody>
+      </p:sp>
+      <p:sp>
+        <p:nvSpPr>
+          <p:cNvPr id="18" name="Title 1"/>
+          <p:cNvSpPr txBox="1"/>
+          <p:nvPr/>
+        </p:nvSpPr>
+        <p:spPr>
+          <a:xfrm>
+            <a:off x="755576" y="2348880"/>
+            <a:ext cx="7776845" cy="2304255"/>
+          </a:xfrm>
+          <a:prstGeom prst="rect">
+            <a:avLst/>
+          </a:prstGeom>
+        </p:spPr>
+        <p:txBody>
+          <a:bodyPr vert="horz" lIns="91440" tIns="45720" rIns="91440" bIns="45720" rtlCol="0" anchor="ctr">
+            <a:noAutofit/>
+          </a:bodyPr>
+          <a:lstStyle/>
+          <a:p>
+            <a:pPr lvl="0">
+              <a:lnSpc>
+                <a:spcPct val="150000"/>
+              </a:lnSpc>
+              <a:spcBef>
+                <a:spcPct val="0"/>
+              </a:spcBef>
+              <a:defRPr/>
+            </a:pPr>
+            <a:r>
+              <a:rPr lang="en-US" sz="1600" dirty="0" err="1" smtClean="0"/>
+              <a:t>IndexedDB</a:t>
+            </a:r>
+            <a:r>
+              <a:rPr lang="en-US" sz="1600" dirty="0" smtClean="0"/>
+              <a:t> </a:t>
+            </a:r>
+            <a:r>
+              <a:rPr lang="zh-CN" altLang="en-US" sz="1600" dirty="0" smtClean="0"/>
+              <a:t>是一种可以让你在用户的浏览器内持久化存储数据的方法。</a:t>
+            </a:r>
+            <a:r>
+              <a:rPr lang="en-US" sz="1600" dirty="0" err="1" smtClean="0"/>
+              <a:t>IndexedDB</a:t>
+            </a:r>
+            <a:r>
+              <a:rPr lang="en-US" sz="1600" dirty="0" smtClean="0"/>
+              <a:t> </a:t>
+            </a:r>
+            <a:r>
+              <a:rPr lang="zh-CN" altLang="en-US" sz="1600" dirty="0" smtClean="0"/>
+              <a:t>为生成 </a:t>
+            </a:r>
+            <a:r>
+              <a:rPr lang="en-US" sz="1600" dirty="0" smtClean="0"/>
+              <a:t>Web Application </a:t>
+            </a:r>
+            <a:r>
+              <a:rPr lang="zh-CN" altLang="en-US" sz="1600" dirty="0" smtClean="0"/>
+              <a:t>提供了丰富的查询能力，使我们的应用在在线和离线时都可以正常工作。</a:t>
+            </a:r>
+            <a:br>
+              <a:rPr lang="en-US" altLang="zh-CN" sz="1600" b="1" noProof="0" dirty="0" smtClean="0">
+                <a:latin typeface="经典中圆简" pitchFamily="49" charset="-122"/>
+                <a:ea typeface="经典中圆简" pitchFamily="49" charset="-122"/>
+                <a:cs typeface="经典中圆简" pitchFamily="49" charset="-122"/>
+              </a:rPr>
+            </a:br>
+            <a:endParaRPr kumimoji="0" lang="zh-CN" altLang="en-US" sz="1600" u="none" strike="noStrike" kern="1200" cap="none" spc="0" normalizeH="0" baseline="0" noProof="0" dirty="0">
+              <a:ln>
+                <a:noFill/>
+              </a:ln>
+              <a:effectLst/>
+              <a:uLnTx/>
+              <a:uFillTx/>
+              <a:latin typeface="经典中圆简" pitchFamily="49" charset="-122"/>
+              <a:ea typeface="经典中圆简" pitchFamily="49" charset="-122"/>
+              <a:cs typeface="经典中圆简" pitchFamily="49" charset="-122"/>
+            </a:endParaRPr>
+          </a:p>
+          <a:p>
+            <a:pPr marL="0" marR="0" lvl="0" indent="0" defTabSz="914400" rtl="0" eaLnBrk="1" fontAlgn="auto" latinLnBrk="0" hangingPunct="1">
+              <a:lnSpc>
+                <a:spcPct val="150000"/>
+              </a:lnSpc>
+              <a:spcBef>
+                <a:spcPct val="0"/>
+              </a:spcBef>
+              <a:spcAft>
+                <a:spcPts val="0"/>
+              </a:spcAft>
+              <a:buClrTx/>
+              <a:buSzTx/>
+              <a:buFontTx/>
+              <a:buNone/>
+              <a:defRPr/>
+            </a:pPr>
+            <a:endParaRPr kumimoji="0" lang="zh-CN" altLang="en-US" sz="1600" u="none" strike="noStrike" kern="1200" cap="none" spc="0" normalizeH="0" baseline="0" noProof="0" dirty="0">
+              <a:ln>
+                <a:noFill/>
+              </a:ln>
+              <a:effectLst/>
+              <a:uLnTx/>
+              <a:uFillTx/>
+              <a:latin typeface="经典中圆简" pitchFamily="49" charset="-122"/>
+              <a:ea typeface="经典中圆简" pitchFamily="49" charset="-122"/>
+              <a:cs typeface="经典中圆简" pitchFamily="49" charset="-122"/>
+            </a:endParaRPr>
+          </a:p>
+          <a:p>
+            <a:pPr marL="0" marR="0" lvl="0" indent="0" defTabSz="914400" rtl="0" eaLnBrk="1" fontAlgn="auto" latinLnBrk="0" hangingPunct="1">
+              <a:lnSpc>
+                <a:spcPct val="150000"/>
+              </a:lnSpc>
+              <a:spcBef>
+                <a:spcPct val="0"/>
+              </a:spcBef>
+              <a:spcAft>
+                <a:spcPts val="0"/>
+              </a:spcAft>
+              <a:buClrTx/>
+              <a:buSzTx/>
+              <a:buFontTx/>
+              <a:buNone/>
+              <a:defRPr/>
+            </a:pPr>
+            <a:endParaRPr kumimoji="0" lang="zh-CN" altLang="en-US" sz="1600" u="none" strike="noStrike" kern="1200" cap="none" spc="0" normalizeH="0" baseline="0" noProof="0" dirty="0">
+              <a:ln>
+                <a:noFill/>
+              </a:ln>
+              <a:effectLst/>
+              <a:uLnTx/>
+              <a:uFillTx/>
+              <a:latin typeface="经典中圆简" pitchFamily="49" charset="-122"/>
+              <a:ea typeface="经典中圆简" pitchFamily="49" charset="-122"/>
+              <a:cs typeface="经典中圆简" pitchFamily="49" charset="-122"/>
+            </a:endParaRPr>
+          </a:p>
+        </p:txBody>
+      </p:sp>
+    </p:spTree>
+  </p:cSld>
+  <p:clrMapOvr>
+    <a:masterClrMapping/>
+  </p:clrMapOvr>
+  <p:timing>
+    <p:tnLst>
+      <p:par>
+        <p:cTn id="1" dur="indefinite" restart="never" nodeType="tmRoot"/>
+      </p:par>
+    </p:tnLst>
+  </p:timing>
+</p:sld>
+</file>
+
+<file path=ppt/slides/slide9.xml><?xml version="1.0" encoding="utf-8"?>
+<p:sld xmlns:a="http://schemas.openxmlformats.org/drawingml/2006/main" xmlns:r="http://schemas.openxmlformats.org/officeDocument/2006/relationships" xmlns:p="http://schemas.openxmlformats.org/presentationml/2006/main">
+  <p:cSld>
+    <p:spTree>
+      <p:nvGrpSpPr>
+        <p:cNvPr id="1" name=""/>
+        <p:cNvGrpSpPr/>
+        <p:nvPr/>
+      </p:nvGrpSpPr>
+      <p:grpSpPr>
+        <a:xfrm>
+          <a:off x="0" y="0"/>
+          <a:ext cx="0" cy="0"/>
+          <a:chOff x="0" y="0"/>
+          <a:chExt cx="0" cy="0"/>
+        </a:xfrm>
+      </p:grpSpPr>
+      <p:sp>
+        <p:nvSpPr>
+          <p:cNvPr id="2" name="Title 1"/>
+          <p:cNvSpPr>
+            <a:spLocks noGrp="1"/>
+          </p:cNvSpPr>
+          <p:nvPr>
+            <p:ph type="title"/>
+          </p:nvPr>
+        </p:nvSpPr>
+        <p:spPr/>
+        <p:txBody>
+          <a:bodyPr/>
+          <a:lstStyle/>
+          <a:p>
+            <a:endParaRPr lang="zh-CN" altLang="en-US"/>
+          </a:p>
+        </p:txBody>
+      </p:sp>
+      <p:pic>
+        <p:nvPicPr>
+          <p:cNvPr id="4" name="Content Placeholder 77" descr="ppt页面-3.2.jpg"/>
+          <p:cNvPicPr>
+            <a:picLocks noChangeAspect="1"/>
+          </p:cNvPicPr>
+          <p:nvPr/>
+        </p:nvPicPr>
+        <p:blipFill>
+          <a:blip r:embed="rId1" cstate="print"/>
+          <a:stretch>
+            <a:fillRect/>
+          </a:stretch>
+        </p:blipFill>
+        <p:spPr>
+          <a:xfrm>
+            <a:off x="0" y="27384"/>
+            <a:ext cx="9144000" cy="6858000"/>
+          </a:xfrm>
+          <a:prstGeom prst="rect">
+            <a:avLst/>
+          </a:prstGeom>
+        </p:spPr>
+      </p:pic>
+      <p:sp>
+        <p:nvSpPr>
+          <p:cNvPr id="7" name="Rectangle 6"/>
+          <p:cNvSpPr/>
+          <p:nvPr/>
+        </p:nvSpPr>
+        <p:spPr>
+          <a:xfrm>
+            <a:off x="144016" y="44624"/>
+            <a:ext cx="1475656" cy="548680"/>
+          </a:xfrm>
+          <a:prstGeom prst="rect">
+            <a:avLst/>
+          </a:prstGeom>
+          <a:ln>
+            <a:solidFill>
+              <a:schemeClr val="bg1"/>
+            </a:solidFill>
+          </a:ln>
+        </p:spPr>
+        <p:style>
+          <a:lnRef idx="2">
+            <a:schemeClr val="accent6"/>
+          </a:lnRef>
+          <a:fillRef idx="1001">
+            <a:schemeClr val="lt1"/>
+          </a:fillRef>
+          <a:effectRef idx="0">
+            <a:schemeClr val="accent6"/>
+          </a:effectRef>
+          <a:fontRef idx="minor">
+            <a:schemeClr val="dk1"/>
+          </a:fontRef>
+        </p:style>
+        <p:txBody>
+          <a:bodyPr rtlCol="0" anchor="ctr"/>
+          <a:lstStyle/>
+          <a:p>
+            <a:pPr algn="ctr"/>
+            <a:endParaRPr lang="zh-CN" altLang="en-US" dirty="0">
+              <a:ln w="18415" cmpd="sng">
+                <a:solidFill>
+                  <a:srgbClr val="FFFFFF"/>
+                </a:solidFill>
+                <a:prstDash val="solid"/>
+              </a:ln>
+              <a:solidFill>
+                <a:srgbClr val="FFFFFF"/>
+              </a:solidFill>
+              <a:effectLst>
+                <a:outerShdw blurRad="63500" dir="3600000" algn="tl" rotWithShape="0">
+                  <a:srgbClr val="000000">
+                    <a:alpha val="70000"/>
+                  </a:srgbClr>
+                </a:outerShdw>
+              </a:effectLst>
+            </a:endParaRPr>
+          </a:p>
+        </p:txBody>
+      </p:sp>
+      <p:grpSp>
+        <p:nvGrpSpPr>
+          <p:cNvPr id="8" name="Group 7"/>
+          <p:cNvGrpSpPr/>
+          <p:nvPr/>
+        </p:nvGrpSpPr>
+        <p:grpSpPr>
+          <a:xfrm>
+            <a:off x="7884368" y="44624"/>
+            <a:ext cx="1142110" cy="573144"/>
+            <a:chOff x="107504" y="188640"/>
+            <a:chExt cx="1729730" cy="868030"/>
+          </a:xfrm>
+        </p:grpSpPr>
+        <p:pic>
+          <p:nvPicPr>
+            <p:cNvPr id="9" name="Picture 2" descr="\\172.16.5.10\ued\1_恒天高清晰版本logo\恒天标志2-曲线化.tif"/>
+            <p:cNvPicPr>
+              <a:picLocks noChangeAspect="1" noChangeArrowheads="1"/>
+            </p:cNvPicPr>
+            <p:nvPr/>
+          </p:nvPicPr>
+          <p:blipFill>
+            <a:blip r:embed="rId2" cstate="print"/>
+            <a:srcRect/>
+            <a:stretch>
+              <a:fillRect/>
+            </a:stretch>
+          </p:blipFill>
+          <p:spPr bwMode="auto">
+            <a:xfrm>
+              <a:off x="179513" y="260648"/>
+              <a:ext cx="1512168" cy="723211"/>
+            </a:xfrm>
+            <a:prstGeom prst="rect">
+              <a:avLst/>
+            </a:prstGeom>
+            <a:noFill/>
+          </p:spPr>
+        </p:pic>
+        <p:sp>
+          <p:nvSpPr>
+            <p:cNvPr id="10" name="Rectangle 9"/>
+            <p:cNvSpPr/>
+            <p:nvPr/>
+          </p:nvSpPr>
+          <p:spPr>
+            <a:xfrm>
+              <a:off x="1635832" y="188643"/>
+              <a:ext cx="125216" cy="868027"/>
+            </a:xfrm>
+            <a:prstGeom prst="rect">
+              <a:avLst/>
+            </a:prstGeom>
+            <a:ln>
+              <a:solidFill>
+                <a:schemeClr val="bg1"/>
+              </a:solidFill>
+            </a:ln>
+          </p:spPr>
+          <p:style>
+            <a:lnRef idx="2">
+              <a:schemeClr val="accent6"/>
+            </a:lnRef>
+            <a:fillRef idx="1001">
+              <a:schemeClr val="lt1"/>
+            </a:fillRef>
+            <a:effectRef idx="0">
+              <a:schemeClr val="accent6"/>
+            </a:effectRef>
+            <a:fontRef idx="minor">
+              <a:schemeClr val="dk1"/>
+            </a:fontRef>
+          </p:style>
+          <p:txBody>
+            <a:bodyPr rtlCol="0" anchor="ctr"/>
+            <a:lstStyle/>
+            <a:p>
+              <a:pPr algn="ctr"/>
+              <a:endParaRPr lang="zh-CN" altLang="en-US" dirty="0">
+                <a:ln w="18415" cmpd="sng">
+                  <a:solidFill>
+                    <a:srgbClr val="FFFFFF"/>
+                  </a:solidFill>
+                  <a:prstDash val="solid"/>
+                </a:ln>
+                <a:solidFill>
+                  <a:srgbClr val="FFFFFF"/>
+                </a:solidFill>
+                <a:effectLst>
+                  <a:outerShdw blurRad="63500" dir="3600000" algn="tl" rotWithShape="0">
+                    <a:srgbClr val="000000">
+                      <a:alpha val="70000"/>
+                    </a:srgbClr>
+                  </a:outerShdw>
+                </a:effectLst>
+              </a:endParaRPr>
+            </a:p>
+          </p:txBody>
+        </p:sp>
+        <p:sp>
+          <p:nvSpPr>
+            <p:cNvPr id="11" name="Rectangle 10"/>
+            <p:cNvSpPr/>
+            <p:nvPr/>
+          </p:nvSpPr>
+          <p:spPr>
+            <a:xfrm>
+              <a:off x="109043" y="262245"/>
+              <a:ext cx="85397" cy="794424"/>
+            </a:xfrm>
+            <a:prstGeom prst="rect">
+              <a:avLst/>
+            </a:prstGeom>
+            <a:ln>
+              <a:solidFill>
+                <a:schemeClr val="bg1"/>
+              </a:solidFill>
+            </a:ln>
+          </p:spPr>
+          <p:style>
+            <a:lnRef idx="2">
+              <a:schemeClr val="accent6"/>
+            </a:lnRef>
+            <a:fillRef idx="1001">
+              <a:schemeClr val="lt1"/>
+            </a:fillRef>
+            <a:effectRef idx="0">
+              <a:schemeClr val="accent6"/>
+            </a:effectRef>
+            <a:fontRef idx="minor">
+              <a:schemeClr val="dk1"/>
+            </a:fontRef>
+          </p:style>
+          <p:txBody>
+            <a:bodyPr rtlCol="0" anchor="ctr"/>
+            <a:lstStyle/>
+            <a:p>
+              <a:pPr algn="ctr"/>
+              <a:endParaRPr lang="zh-CN" altLang="en-US" dirty="0">
+                <a:ln w="18415" cmpd="sng">
+                  <a:solidFill>
+                    <a:srgbClr val="FFFFFF"/>
+                  </a:solidFill>
+                  <a:prstDash val="solid"/>
+                </a:ln>
+                <a:solidFill>
+                  <a:srgbClr val="FFFFFF"/>
+                </a:solidFill>
+                <a:effectLst>
+                  <a:outerShdw blurRad="63500" dir="3600000" algn="tl" rotWithShape="0">
+                    <a:srgbClr val="000000">
+                      <a:alpha val="70000"/>
+                    </a:srgbClr>
+                  </a:outerShdw>
+                </a:effectLst>
+              </a:endParaRPr>
+            </a:p>
+          </p:txBody>
+        </p:sp>
+        <p:sp>
+          <p:nvSpPr>
+            <p:cNvPr id="12" name="Rectangle 11"/>
+            <p:cNvSpPr/>
+            <p:nvPr/>
+          </p:nvSpPr>
+          <p:spPr>
+            <a:xfrm>
+              <a:off x="109043" y="987427"/>
+              <a:ext cx="1728191" cy="69242"/>
+            </a:xfrm>
+            <a:prstGeom prst="rect">
+              <a:avLst/>
+            </a:prstGeom>
+            <a:ln>
+              <a:solidFill>
+                <a:schemeClr val="bg1"/>
+              </a:solidFill>
+            </a:ln>
+          </p:spPr>
+          <p:style>
+            <a:lnRef idx="2">
+              <a:schemeClr val="accent6"/>
+            </a:lnRef>
+            <a:fillRef idx="1001">
+              <a:schemeClr val="lt1"/>
+            </a:fillRef>
+            <a:effectRef idx="0">
+              <a:schemeClr val="accent6"/>
+            </a:effectRef>
+            <a:fontRef idx="minor">
+              <a:schemeClr val="dk1"/>
+            </a:fontRef>
+          </p:style>
+          <p:txBody>
+            <a:bodyPr rtlCol="0" anchor="ctr"/>
+            <a:lstStyle/>
+            <a:p>
+              <a:pPr algn="ctr"/>
+              <a:endParaRPr lang="zh-CN" altLang="en-US" dirty="0">
+                <a:ln w="18415" cmpd="sng">
+                  <a:solidFill>
+                    <a:srgbClr val="FFFFFF"/>
+                  </a:solidFill>
+                  <a:prstDash val="solid"/>
+                </a:ln>
+                <a:solidFill>
+                  <a:srgbClr val="FFFFFF"/>
+                </a:solidFill>
+                <a:effectLst>
+                  <a:outerShdw blurRad="63500" dir="3600000" algn="tl" rotWithShape="0">
+                    <a:srgbClr val="000000">
+                      <a:alpha val="70000"/>
+                    </a:srgbClr>
+                  </a:outerShdw>
+                </a:effectLst>
+              </a:endParaRPr>
+            </a:p>
+          </p:txBody>
+        </p:sp>
+        <p:sp>
+          <p:nvSpPr>
+            <p:cNvPr id="13" name="Rectangle 12"/>
+            <p:cNvSpPr/>
+            <p:nvPr/>
+          </p:nvSpPr>
+          <p:spPr>
+            <a:xfrm>
+              <a:off x="107504" y="188640"/>
+              <a:ext cx="1728192" cy="144016"/>
+            </a:xfrm>
+            <a:prstGeom prst="rect">
+              <a:avLst/>
+            </a:prstGeom>
+            <a:ln>
+              <a:solidFill>
+                <a:schemeClr val="bg1"/>
+              </a:solidFill>
+            </a:ln>
+          </p:spPr>
+          <p:style>
+            <a:lnRef idx="2">
+              <a:schemeClr val="accent6"/>
+            </a:lnRef>
+            <a:fillRef idx="1001">
+              <a:schemeClr val="lt1"/>
+            </a:fillRef>
+            <a:effectRef idx="0">
+              <a:schemeClr val="accent6"/>
+            </a:effectRef>
+            <a:fontRef idx="minor">
+              <a:schemeClr val="dk1"/>
+            </a:fontRef>
+          </p:style>
+          <p:txBody>
+            <a:bodyPr rtlCol="0" anchor="ctr"/>
+            <a:lstStyle/>
+            <a:p>
+              <a:pPr algn="ctr"/>
+              <a:endParaRPr lang="zh-CN" altLang="en-US" dirty="0">
+                <a:ln w="18415" cmpd="sng">
+                  <a:solidFill>
+                    <a:srgbClr val="FFFFFF"/>
+                  </a:solidFill>
+                  <a:prstDash val="solid"/>
+                </a:ln>
+                <a:solidFill>
+                  <a:srgbClr val="FFFFFF"/>
+                </a:solidFill>
+                <a:effectLst>
+                  <a:outerShdw blurRad="63500" dir="3600000" algn="tl" rotWithShape="0">
+                    <a:srgbClr val="000000">
+                      <a:alpha val="70000"/>
+                    </a:srgbClr>
+                  </a:outerShdw>
+                </a:effectLst>
+              </a:endParaRPr>
+            </a:p>
+          </p:txBody>
+        </p:sp>
+      </p:grpSp>
+      <p:sp>
+        <p:nvSpPr>
+          <p:cNvPr id="16" name="Title 1"/>
+          <p:cNvSpPr txBox="1"/>
+          <p:nvPr/>
+        </p:nvSpPr>
+        <p:spPr>
+          <a:xfrm>
+            <a:off x="711200" y="1149985"/>
+            <a:ext cx="5452745" cy="648335"/>
+          </a:xfrm>
+          <a:prstGeom prst="rect">
+            <a:avLst/>
+          </a:prstGeom>
+        </p:spPr>
+        <p:txBody>
+          <a:bodyPr vert="horz" lIns="91440" tIns="45720" rIns="91440" bIns="45720" rtlCol="0" anchor="ctr">
+            <a:noAutofit/>
+          </a:bodyPr>
+          <a:lstStyle/>
+          <a:p>
+            <a:pPr marL="0" marR="0" lvl="0" indent="0" defTabSz="914400" rtl="0" eaLnBrk="1" fontAlgn="auto" latinLnBrk="0" hangingPunct="1">
+              <a:lnSpc>
+                <a:spcPct val="100000"/>
+              </a:lnSpc>
+              <a:spcBef>
+                <a:spcPct val="0"/>
+              </a:spcBef>
+              <a:spcAft>
+                <a:spcPts val="0"/>
+              </a:spcAft>
+              <a:buClrTx/>
+              <a:buSzTx/>
+              <a:buFontTx/>
+              <a:buNone/>
+              <a:defRPr/>
+            </a:pPr>
+            <a:r>
+              <a:rPr kumimoji="0" lang="en-US" altLang="zh-CN" sz="3200" u="none" strike="noStrike" kern="1200" cap="none" spc="0" normalizeH="0" baseline="0" noProof="0" dirty="0" smtClean="0">
+                <a:ln>
+                  <a:noFill/>
+                </a:ln>
+                <a:solidFill>
+                  <a:srgbClr val="004086"/>
+                </a:solidFill>
+                <a:effectLst/>
+                <a:uLnTx/>
+                <a:uFillTx/>
+                <a:latin typeface="经典中圆简" pitchFamily="49" charset="-122"/>
+                <a:ea typeface="经典中圆简" pitchFamily="49" charset="-122"/>
+                <a:cs typeface="经典中圆简" pitchFamily="49" charset="-122"/>
+              </a:rPr>
+              <a:t>HTML5indexedDB</a:t>
+            </a:r>
+            <a:r>
+              <a:rPr kumimoji="0" lang="zh-CN" altLang="en-US" sz="3200" u="none" strike="noStrike" kern="1200" cap="none" spc="0" normalizeH="0" baseline="0" noProof="0" dirty="0" smtClean="0">
+                <a:ln>
+                  <a:noFill/>
+                </a:ln>
+                <a:solidFill>
+                  <a:srgbClr val="004086"/>
+                </a:solidFill>
+                <a:effectLst/>
+                <a:uLnTx/>
+                <a:uFillTx/>
+                <a:latin typeface="经典中圆简" pitchFamily="49" charset="-122"/>
+                <a:ea typeface="经典中圆简" pitchFamily="49" charset="-122"/>
+                <a:cs typeface="经典中圆简" pitchFamily="49" charset="-122"/>
+              </a:rPr>
+              <a:t>数据库索引</a:t>
+            </a:r>
+            <a:endParaRPr kumimoji="0" lang="zh-CN" altLang="en-US" sz="3200" u="none" strike="noStrike" kern="1200" cap="none" spc="0" normalizeH="0" baseline="0" noProof="0" dirty="0" smtClean="0">
+              <a:ln>
+                <a:noFill/>
+              </a:ln>
+              <a:solidFill>
+                <a:srgbClr val="004086"/>
+              </a:solidFill>
+              <a:effectLst/>
+              <a:uLnTx/>
+              <a:uFillTx/>
+              <a:latin typeface="经典中圆简" pitchFamily="49" charset="-122"/>
+              <a:ea typeface="经典中圆简" pitchFamily="49" charset="-122"/>
+              <a:cs typeface="经典中圆简" pitchFamily="49" charset="-122"/>
+            </a:endParaRPr>
+          </a:p>
+        </p:txBody>
+      </p:sp>
+      <p:sp>
+        <p:nvSpPr>
+          <p:cNvPr id="20" name="Rectangle 3"/>
+          <p:cNvSpPr/>
+          <p:nvPr/>
+        </p:nvSpPr>
+        <p:spPr bwMode="auto">
+          <a:xfrm>
+            <a:off x="827584" y="2335184"/>
+            <a:ext cx="7676926" cy="977900"/>
+          </a:xfrm>
+          <a:prstGeom prst="rect">
+            <a:avLst/>
+          </a:prstGeom>
+          <a:noFill/>
+          <a:ln w="12700">
+            <a:noFill/>
+            <a:miter lim="800000"/>
+          </a:ln>
+        </p:spPr>
+        <p:txBody>
+          <a:bodyPr wrap="square" lIns="0" tIns="0" rIns="0" bIns="0" anchor="ctr">
+            <a:spAutoFit/>
+          </a:bodyPr>
+          <a:lstStyle/>
+          <a:p>
+            <a:pPr marL="342900" indent="-342900">
+              <a:buFont typeface="+mj-lt"/>
+              <a:buAutoNum type="arabicPeriod"/>
+            </a:pPr>
+            <a:r>
+              <a:rPr lang="zh-CN" altLang="en-US" sz="1600" dirty="0" smtClean="0"/>
+              <a:t>创建索引</a:t>
+            </a:r>
+            <a:endParaRPr lang="zh-CN" altLang="en-US" sz="1600" dirty="0" smtClean="0"/>
+          </a:p>
+          <a:p>
+            <a:pPr marL="342900" indent="-342900">
+              <a:buFont typeface="+mj-lt"/>
+              <a:buAutoNum type="arabicPeriod"/>
+            </a:pPr>
+            <a:r>
+              <a:rPr lang="zh-CN" altLang="en-US" sz="1600" dirty="0" smtClean="0"/>
+              <a:t>利用索引获取数据</a:t>
+            </a:r>
+            <a:endParaRPr lang="zh-CN" altLang="en-US" sz="1600" dirty="0" smtClean="0"/>
+          </a:p>
+          <a:p>
+            <a:pPr marL="342900" indent="-342900">
+              <a:buFont typeface="+mj-lt"/>
+              <a:buAutoNum type="arabicPeriod"/>
+            </a:pPr>
+            <a:r>
+              <a:rPr lang="zh-CN" altLang="en-US" sz="1600" dirty="0" smtClean="0"/>
+              <a:t>游标</a:t>
+            </a:r>
+            <a:endParaRPr lang="zh-CN" altLang="en-US" sz="1600" dirty="0" smtClean="0"/>
+          </a:p>
+          <a:p>
+            <a:pPr marL="342900" indent="-342900">
+              <a:buFont typeface="+mj-lt"/>
+              <a:buAutoNum type="arabicPeriod"/>
+            </a:pPr>
+            <a:r>
+              <a:rPr lang="en-US" altLang="zh-CN" sz="1600" dirty="0" smtClean="0"/>
+              <a:t>index</a:t>
+            </a:r>
+            <a:r>
+              <a:rPr lang="zh-CN" altLang="en-US" sz="1600" dirty="0" smtClean="0"/>
+              <a:t>与游标结合</a:t>
+            </a:r>
+            <a:endParaRPr lang="zh-CN" altLang="en-US" sz="1600" dirty="0" smtClean="0"/>
+          </a:p>
+        </p:txBody>
+      </p:sp>
     </p:spTree>
   </p:cSld>
   <p:clrMapOvr>

--- a/Web存储.pptx
+++ b/Web存储.pptx
@@ -5,19 +5,19 @@
     <p:sldMasterId id="2147483648" r:id="rId1"/>
   </p:sldMasterIdLst>
   <p:notesMasterIdLst>
-    <p:notesMasterId r:id="rId4"/>
+    <p:notesMasterId r:id="rId12"/>
   </p:notesMasterIdLst>
   <p:sldIdLst>
-    <p:sldId id="256" r:id="rId3"/>
-    <p:sldId id="373" r:id="rId5"/>
-    <p:sldId id="374" r:id="rId6"/>
-    <p:sldId id="260" r:id="rId7"/>
-    <p:sldId id="372" r:id="rId8"/>
-    <p:sldId id="320" r:id="rId9"/>
-    <p:sldId id="360" r:id="rId10"/>
-    <p:sldId id="318" r:id="rId11"/>
-    <p:sldId id="319" r:id="rId12"/>
-    <p:sldId id="259" r:id="rId13"/>
+    <p:sldId id="256" r:id="rId2"/>
+    <p:sldId id="373" r:id="rId3"/>
+    <p:sldId id="374" r:id="rId4"/>
+    <p:sldId id="260" r:id="rId5"/>
+    <p:sldId id="372" r:id="rId6"/>
+    <p:sldId id="320" r:id="rId7"/>
+    <p:sldId id="360" r:id="rId8"/>
+    <p:sldId id="318" r:id="rId9"/>
+    <p:sldId id="319" r:id="rId10"/>
+    <p:sldId id="259" r:id="rId11"/>
   </p:sldIdLst>
   <p:sldSz cx="9144000" cy="6858000" type="screen4x3"/>
   <p:notesSz cx="6858000" cy="9144000"/>
@@ -201,6 +201,8 @@
           <a:p>
             <a:fld id="{C32EBC35-F1F2-449C-9CB8-1158AC28E1A6}" type="datetimeFigureOut">
               <a:rPr lang="zh-CN" altLang="en-US" smtClean="0"/>
+              <a:pPr/>
+              <a:t>2016/10/21</a:t>
             </a:fld>
             <a:endParaRPr lang="zh-CN" altLang="en-US"/>
           </a:p>
@@ -269,7 +271,6 @@
               <a:rPr lang="en-US" altLang="zh-CN" smtClean="0"/>
               <a:t>Click to edit Master text styles</a:t>
             </a:r>
-            <a:endParaRPr lang="en-US" altLang="zh-CN" smtClean="0"/>
           </a:p>
           <a:p>
             <a:pPr lvl="1"/>
@@ -277,7 +278,6 @@
               <a:rPr lang="en-US" altLang="zh-CN" smtClean="0"/>
               <a:t>Second level</a:t>
             </a:r>
-            <a:endParaRPr lang="en-US" altLang="zh-CN" smtClean="0"/>
           </a:p>
           <a:p>
             <a:pPr lvl="2"/>
@@ -285,7 +285,6 @@
               <a:rPr lang="en-US" altLang="zh-CN" smtClean="0"/>
               <a:t>Third level</a:t>
             </a:r>
-            <a:endParaRPr lang="en-US" altLang="zh-CN" smtClean="0"/>
           </a:p>
           <a:p>
             <a:pPr lvl="3"/>
@@ -293,7 +292,6 @@
               <a:rPr lang="en-US" altLang="zh-CN" smtClean="0"/>
               <a:t>Fourth level</a:t>
             </a:r>
-            <a:endParaRPr lang="en-US" altLang="zh-CN" smtClean="0"/>
           </a:p>
           <a:p>
             <a:pPr lvl="4"/>
@@ -365,6 +363,8 @@
           <a:p>
             <a:fld id="{059AC154-EBA4-4201-8D11-470503F49E5B}" type="slidenum">
               <a:rPr lang="zh-CN" altLang="en-US" smtClean="0"/>
+              <a:pPr/>
+              <a:t>‹#›</a:t>
             </a:fld>
             <a:endParaRPr lang="zh-CN" altLang="en-US"/>
           </a:p>
@@ -535,6 +535,8 @@
           <a:p>
             <a:fld id="{059AC154-EBA4-4201-8D11-470503F49E5B}" type="slidenum">
               <a:rPr lang="zh-CN" altLang="en-US" smtClean="0"/>
+              <a:pPr/>
+              <a:t>1</a:t>
             </a:fld>
             <a:endParaRPr lang="zh-CN" altLang="en-US"/>
           </a:p>
@@ -615,6 +617,8 @@
           <a:p>
             <a:fld id="{059AC154-EBA4-4201-8D11-470503F49E5B}" type="slidenum">
               <a:rPr lang="zh-CN" altLang="en-US" smtClean="0"/>
+              <a:pPr/>
+              <a:t>3</a:t>
             </a:fld>
             <a:endParaRPr lang="zh-CN" altLang="en-US"/>
           </a:p>
@@ -706,7 +710,6 @@
               <a:rPr lang="zh-CN" altLang="en-US" dirty="0" smtClean="0"/>
               <a:t>相似，不同之处在于 </a:t>
             </a:r>
-            <a:endParaRPr lang="zh-CN" altLang="en-US" dirty="0" smtClean="0"/>
           </a:p>
           <a:p>
             <a:endParaRPr lang="zh-CN" altLang="en-US" dirty="0" smtClean="0"/>
@@ -736,7 +739,6 @@
               <a:rPr lang="zh-CN" altLang="en-US" dirty="0" smtClean="0"/>
               <a:t>里面的数据在页面会话结束时会被清</a:t>
             </a:r>
-            <a:endParaRPr lang="zh-CN" altLang="en-US" dirty="0" smtClean="0"/>
           </a:p>
           <a:p>
             <a:endParaRPr lang="zh-CN" altLang="en-US" dirty="0" smtClean="0"/>
@@ -750,7 +752,6 @@
               <a:rPr lang="zh-CN" altLang="en-US" b="1" dirty="0" smtClean="0"/>
               <a:t>在新标签或</a:t>
             </a:r>
-            <a:endParaRPr lang="zh-CN" altLang="en-US" b="1" dirty="0" smtClean="0"/>
           </a:p>
           <a:p>
             <a:endParaRPr lang="zh-CN" altLang="en-US" b="1" dirty="0" smtClean="0"/>
@@ -793,6 +794,8 @@
           <a:p>
             <a:fld id="{059AC154-EBA4-4201-8D11-470503F49E5B}" type="slidenum">
               <a:rPr lang="zh-CN" altLang="en-US" smtClean="0"/>
+              <a:pPr/>
+              <a:t>4</a:t>
             </a:fld>
             <a:endParaRPr lang="zh-CN" altLang="en-US"/>
           </a:p>
@@ -873,6 +876,8 @@
           <a:p>
             <a:fld id="{059AC154-EBA4-4201-8D11-470503F49E5B}" type="slidenum">
               <a:rPr lang="zh-CN" altLang="en-US" smtClean="0"/>
+              <a:pPr/>
+              <a:t>8</a:t>
             </a:fld>
             <a:endParaRPr lang="zh-CN" altLang="en-US"/>
           </a:p>
@@ -1067,6 +1072,8 @@
           <a:p>
             <a:fld id="{0FA2AFA3-1824-497D-B6B1-0EAC35C03213}" type="datetimeFigureOut">
               <a:rPr lang="zh-CN" altLang="en-US" smtClean="0"/>
+              <a:pPr/>
+              <a:t>2016/10/21</a:t>
             </a:fld>
             <a:endParaRPr lang="zh-CN" altLang="en-US"/>
           </a:p>
@@ -1108,6 +1115,8 @@
           <a:p>
             <a:fld id="{5C0671B8-B2B9-41A5-84A0-04DF2BF0FCA8}" type="slidenum">
               <a:rPr lang="zh-CN" altLang="en-US" smtClean="0"/>
+              <a:pPr/>
+              <a:t>‹#›</a:t>
             </a:fld>
             <a:endParaRPr lang="zh-CN" altLang="en-US"/>
           </a:p>
@@ -1181,7 +1190,6 @@
               <a:rPr lang="en-US" altLang="zh-CN" smtClean="0"/>
               <a:t>Click to edit Master text styles</a:t>
             </a:r>
-            <a:endParaRPr lang="en-US" altLang="zh-CN" smtClean="0"/>
           </a:p>
           <a:p>
             <a:pPr lvl="1"/>
@@ -1189,7 +1197,6 @@
               <a:rPr lang="en-US" altLang="zh-CN" smtClean="0"/>
               <a:t>Second level</a:t>
             </a:r>
-            <a:endParaRPr lang="en-US" altLang="zh-CN" smtClean="0"/>
           </a:p>
           <a:p>
             <a:pPr lvl="2"/>
@@ -1197,7 +1204,6 @@
               <a:rPr lang="en-US" altLang="zh-CN" smtClean="0"/>
               <a:t>Third level</a:t>
             </a:r>
-            <a:endParaRPr lang="en-US" altLang="zh-CN" smtClean="0"/>
           </a:p>
           <a:p>
             <a:pPr lvl="3"/>
@@ -1205,7 +1211,6 @@
               <a:rPr lang="en-US" altLang="zh-CN" smtClean="0"/>
               <a:t>Fourth level</a:t>
             </a:r>
-            <a:endParaRPr lang="en-US" altLang="zh-CN" smtClean="0"/>
           </a:p>
           <a:p>
             <a:pPr lvl="4"/>
@@ -1234,6 +1239,8 @@
           <a:p>
             <a:fld id="{0FA2AFA3-1824-497D-B6B1-0EAC35C03213}" type="datetimeFigureOut">
               <a:rPr lang="zh-CN" altLang="en-US" smtClean="0"/>
+              <a:pPr/>
+              <a:t>2016/10/21</a:t>
             </a:fld>
             <a:endParaRPr lang="zh-CN" altLang="en-US"/>
           </a:p>
@@ -1275,6 +1282,8 @@
           <a:p>
             <a:fld id="{5C0671B8-B2B9-41A5-84A0-04DF2BF0FCA8}" type="slidenum">
               <a:rPr lang="zh-CN" altLang="en-US" smtClean="0"/>
+              <a:pPr/>
+              <a:t>‹#›</a:t>
             </a:fld>
             <a:endParaRPr lang="zh-CN" altLang="en-US"/>
           </a:p>
@@ -1358,7 +1367,6 @@
               <a:rPr lang="en-US" altLang="zh-CN" smtClean="0"/>
               <a:t>Click to edit Master text styles</a:t>
             </a:r>
-            <a:endParaRPr lang="en-US" altLang="zh-CN" smtClean="0"/>
           </a:p>
           <a:p>
             <a:pPr lvl="1"/>
@@ -1366,7 +1374,6 @@
               <a:rPr lang="en-US" altLang="zh-CN" smtClean="0"/>
               <a:t>Second level</a:t>
             </a:r>
-            <a:endParaRPr lang="en-US" altLang="zh-CN" smtClean="0"/>
           </a:p>
           <a:p>
             <a:pPr lvl="2"/>
@@ -1374,7 +1381,6 @@
               <a:rPr lang="en-US" altLang="zh-CN" smtClean="0"/>
               <a:t>Third level</a:t>
             </a:r>
-            <a:endParaRPr lang="en-US" altLang="zh-CN" smtClean="0"/>
           </a:p>
           <a:p>
             <a:pPr lvl="3"/>
@@ -1382,7 +1388,6 @@
               <a:rPr lang="en-US" altLang="zh-CN" smtClean="0"/>
               <a:t>Fourth level</a:t>
             </a:r>
-            <a:endParaRPr lang="en-US" altLang="zh-CN" smtClean="0"/>
           </a:p>
           <a:p>
             <a:pPr lvl="4"/>
@@ -1411,6 +1416,8 @@
           <a:p>
             <a:fld id="{0FA2AFA3-1824-497D-B6B1-0EAC35C03213}" type="datetimeFigureOut">
               <a:rPr lang="zh-CN" altLang="en-US" smtClean="0"/>
+              <a:pPr/>
+              <a:t>2016/10/21</a:t>
             </a:fld>
             <a:endParaRPr lang="zh-CN" altLang="en-US"/>
           </a:p>
@@ -1452,6 +1459,8 @@
           <a:p>
             <a:fld id="{5C0671B8-B2B9-41A5-84A0-04DF2BF0FCA8}" type="slidenum">
               <a:rPr lang="zh-CN" altLang="en-US" smtClean="0"/>
+              <a:pPr/>
+              <a:t>‹#›</a:t>
             </a:fld>
             <a:endParaRPr lang="zh-CN" altLang="en-US"/>
           </a:p>
@@ -1525,7 +1534,6 @@
               <a:rPr lang="en-US" altLang="zh-CN" smtClean="0"/>
               <a:t>Click to edit Master text styles</a:t>
             </a:r>
-            <a:endParaRPr lang="en-US" altLang="zh-CN" smtClean="0"/>
           </a:p>
           <a:p>
             <a:pPr lvl="1"/>
@@ -1533,7 +1541,6 @@
               <a:rPr lang="en-US" altLang="zh-CN" smtClean="0"/>
               <a:t>Second level</a:t>
             </a:r>
-            <a:endParaRPr lang="en-US" altLang="zh-CN" smtClean="0"/>
           </a:p>
           <a:p>
             <a:pPr lvl="2"/>
@@ -1541,7 +1548,6 @@
               <a:rPr lang="en-US" altLang="zh-CN" smtClean="0"/>
               <a:t>Third level</a:t>
             </a:r>
-            <a:endParaRPr lang="en-US" altLang="zh-CN" smtClean="0"/>
           </a:p>
           <a:p>
             <a:pPr lvl="3"/>
@@ -1549,7 +1555,6 @@
               <a:rPr lang="en-US" altLang="zh-CN" smtClean="0"/>
               <a:t>Fourth level</a:t>
             </a:r>
-            <a:endParaRPr lang="en-US" altLang="zh-CN" smtClean="0"/>
           </a:p>
           <a:p>
             <a:pPr lvl="4"/>
@@ -1578,6 +1583,8 @@
           <a:p>
             <a:fld id="{0FA2AFA3-1824-497D-B6B1-0EAC35C03213}" type="datetimeFigureOut">
               <a:rPr lang="zh-CN" altLang="en-US" smtClean="0"/>
+              <a:pPr/>
+              <a:t>2016/10/21</a:t>
             </a:fld>
             <a:endParaRPr lang="zh-CN" altLang="en-US"/>
           </a:p>
@@ -1619,6 +1626,8 @@
           <a:p>
             <a:fld id="{5C0671B8-B2B9-41A5-84A0-04DF2BF0FCA8}" type="slidenum">
               <a:rPr lang="zh-CN" altLang="en-US" smtClean="0"/>
+              <a:pPr/>
+              <a:t>‹#›</a:t>
             </a:fld>
             <a:endParaRPr lang="zh-CN" altLang="en-US"/>
           </a:p>
@@ -1797,7 +1806,6 @@
               <a:rPr lang="en-US" altLang="zh-CN" smtClean="0"/>
               <a:t>Click to edit Master text styles</a:t>
             </a:r>
-            <a:endParaRPr lang="en-US" altLang="zh-CN" smtClean="0"/>
           </a:p>
         </p:txBody>
       </p:sp>
@@ -1818,6 +1826,8 @@
           <a:p>
             <a:fld id="{0FA2AFA3-1824-497D-B6B1-0EAC35C03213}" type="datetimeFigureOut">
               <a:rPr lang="zh-CN" altLang="en-US" smtClean="0"/>
+              <a:pPr/>
+              <a:t>2016/10/21</a:t>
             </a:fld>
             <a:endParaRPr lang="zh-CN" altLang="en-US"/>
           </a:p>
@@ -1859,6 +1869,8 @@
           <a:p>
             <a:fld id="{5C0671B8-B2B9-41A5-84A0-04DF2BF0FCA8}" type="slidenum">
               <a:rPr lang="zh-CN" altLang="en-US" smtClean="0"/>
+              <a:pPr/>
+              <a:t>‹#›</a:t>
             </a:fld>
             <a:endParaRPr lang="zh-CN" altLang="en-US"/>
           </a:p>
@@ -1965,7 +1977,6 @@
               <a:rPr lang="en-US" altLang="zh-CN" smtClean="0"/>
               <a:t>Click to edit Master text styles</a:t>
             </a:r>
-            <a:endParaRPr lang="en-US" altLang="zh-CN" smtClean="0"/>
           </a:p>
           <a:p>
             <a:pPr lvl="1"/>
@@ -1973,7 +1984,6 @@
               <a:rPr lang="en-US" altLang="zh-CN" smtClean="0"/>
               <a:t>Second level</a:t>
             </a:r>
-            <a:endParaRPr lang="en-US" altLang="zh-CN" smtClean="0"/>
           </a:p>
           <a:p>
             <a:pPr lvl="2"/>
@@ -1981,7 +1991,6 @@
               <a:rPr lang="en-US" altLang="zh-CN" smtClean="0"/>
               <a:t>Third level</a:t>
             </a:r>
-            <a:endParaRPr lang="en-US" altLang="zh-CN" smtClean="0"/>
           </a:p>
           <a:p>
             <a:pPr lvl="3"/>
@@ -1989,7 +1998,6 @@
               <a:rPr lang="en-US" altLang="zh-CN" smtClean="0"/>
               <a:t>Fourth level</a:t>
             </a:r>
-            <a:endParaRPr lang="en-US" altLang="zh-CN" smtClean="0"/>
           </a:p>
           <a:p>
             <a:pPr lvl="4"/>
@@ -2054,7 +2062,6 @@
               <a:rPr lang="en-US" altLang="zh-CN" smtClean="0"/>
               <a:t>Click to edit Master text styles</a:t>
             </a:r>
-            <a:endParaRPr lang="en-US" altLang="zh-CN" smtClean="0"/>
           </a:p>
           <a:p>
             <a:pPr lvl="1"/>
@@ -2062,7 +2069,6 @@
               <a:rPr lang="en-US" altLang="zh-CN" smtClean="0"/>
               <a:t>Second level</a:t>
             </a:r>
-            <a:endParaRPr lang="en-US" altLang="zh-CN" smtClean="0"/>
           </a:p>
           <a:p>
             <a:pPr lvl="2"/>
@@ -2070,7 +2076,6 @@
               <a:rPr lang="en-US" altLang="zh-CN" smtClean="0"/>
               <a:t>Third level</a:t>
             </a:r>
-            <a:endParaRPr lang="en-US" altLang="zh-CN" smtClean="0"/>
           </a:p>
           <a:p>
             <a:pPr lvl="3"/>
@@ -2078,7 +2083,6 @@
               <a:rPr lang="en-US" altLang="zh-CN" smtClean="0"/>
               <a:t>Fourth level</a:t>
             </a:r>
-            <a:endParaRPr lang="en-US" altLang="zh-CN" smtClean="0"/>
           </a:p>
           <a:p>
             <a:pPr lvl="4"/>
@@ -2107,6 +2111,8 @@
           <a:p>
             <a:fld id="{0FA2AFA3-1824-497D-B6B1-0EAC35C03213}" type="datetimeFigureOut">
               <a:rPr lang="zh-CN" altLang="en-US" smtClean="0"/>
+              <a:pPr/>
+              <a:t>2016/10/21</a:t>
             </a:fld>
             <a:endParaRPr lang="zh-CN" altLang="en-US"/>
           </a:p>
@@ -2148,6 +2154,8 @@
           <a:p>
             <a:fld id="{5C0671B8-B2B9-41A5-84A0-04DF2BF0FCA8}" type="slidenum">
               <a:rPr lang="zh-CN" altLang="en-US" smtClean="0"/>
+              <a:pPr/>
+              <a:t>‹#›</a:t>
             </a:fld>
             <a:endParaRPr lang="zh-CN" altLang="en-US"/>
           </a:p>
@@ -2267,7 +2275,6 @@
               <a:rPr lang="en-US" altLang="zh-CN" smtClean="0"/>
               <a:t>Click to edit Master text styles</a:t>
             </a:r>
-            <a:endParaRPr lang="en-US" altLang="zh-CN" smtClean="0"/>
           </a:p>
         </p:txBody>
       </p:sp>
@@ -2324,7 +2331,6 @@
               <a:rPr lang="en-US" altLang="zh-CN" smtClean="0"/>
               <a:t>Click to edit Master text styles</a:t>
             </a:r>
-            <a:endParaRPr lang="en-US" altLang="zh-CN" smtClean="0"/>
           </a:p>
           <a:p>
             <a:pPr lvl="1"/>
@@ -2332,7 +2338,6 @@
               <a:rPr lang="en-US" altLang="zh-CN" smtClean="0"/>
               <a:t>Second level</a:t>
             </a:r>
-            <a:endParaRPr lang="en-US" altLang="zh-CN" smtClean="0"/>
           </a:p>
           <a:p>
             <a:pPr lvl="2"/>
@@ -2340,7 +2345,6 @@
               <a:rPr lang="en-US" altLang="zh-CN" smtClean="0"/>
               <a:t>Third level</a:t>
             </a:r>
-            <a:endParaRPr lang="en-US" altLang="zh-CN" smtClean="0"/>
           </a:p>
           <a:p>
             <a:pPr lvl="3"/>
@@ -2348,7 +2352,6 @@
               <a:rPr lang="en-US" altLang="zh-CN" smtClean="0"/>
               <a:t>Fourth level</a:t>
             </a:r>
-            <a:endParaRPr lang="en-US" altLang="zh-CN" smtClean="0"/>
           </a:p>
           <a:p>
             <a:pPr lvl="4"/>
@@ -2422,7 +2425,6 @@
               <a:rPr lang="en-US" altLang="zh-CN" smtClean="0"/>
               <a:t>Click to edit Master text styles</a:t>
             </a:r>
-            <a:endParaRPr lang="en-US" altLang="zh-CN" smtClean="0"/>
           </a:p>
         </p:txBody>
       </p:sp>
@@ -2479,7 +2481,6 @@
               <a:rPr lang="en-US" altLang="zh-CN" smtClean="0"/>
               <a:t>Click to edit Master text styles</a:t>
             </a:r>
-            <a:endParaRPr lang="en-US" altLang="zh-CN" smtClean="0"/>
           </a:p>
           <a:p>
             <a:pPr lvl="1"/>
@@ -2487,7 +2488,6 @@
               <a:rPr lang="en-US" altLang="zh-CN" smtClean="0"/>
               <a:t>Second level</a:t>
             </a:r>
-            <a:endParaRPr lang="en-US" altLang="zh-CN" smtClean="0"/>
           </a:p>
           <a:p>
             <a:pPr lvl="2"/>
@@ -2495,7 +2495,6 @@
               <a:rPr lang="en-US" altLang="zh-CN" smtClean="0"/>
               <a:t>Third level</a:t>
             </a:r>
-            <a:endParaRPr lang="en-US" altLang="zh-CN" smtClean="0"/>
           </a:p>
           <a:p>
             <a:pPr lvl="3"/>
@@ -2503,7 +2502,6 @@
               <a:rPr lang="en-US" altLang="zh-CN" smtClean="0"/>
               <a:t>Fourth level</a:t>
             </a:r>
-            <a:endParaRPr lang="en-US" altLang="zh-CN" smtClean="0"/>
           </a:p>
           <a:p>
             <a:pPr lvl="4"/>
@@ -2532,6 +2530,8 @@
           <a:p>
             <a:fld id="{0FA2AFA3-1824-497D-B6B1-0EAC35C03213}" type="datetimeFigureOut">
               <a:rPr lang="zh-CN" altLang="en-US" smtClean="0"/>
+              <a:pPr/>
+              <a:t>2016/10/21</a:t>
             </a:fld>
             <a:endParaRPr lang="zh-CN" altLang="en-US"/>
           </a:p>
@@ -2573,6 +2573,8 @@
           <a:p>
             <a:fld id="{5C0671B8-B2B9-41A5-84A0-04DF2BF0FCA8}" type="slidenum">
               <a:rPr lang="zh-CN" altLang="en-US" smtClean="0"/>
+              <a:pPr/>
+              <a:t>‹#›</a:t>
             </a:fld>
             <a:endParaRPr lang="zh-CN" altLang="en-US"/>
           </a:p>
@@ -2643,6 +2645,8 @@
           <a:p>
             <a:fld id="{0FA2AFA3-1824-497D-B6B1-0EAC35C03213}" type="datetimeFigureOut">
               <a:rPr lang="zh-CN" altLang="en-US" smtClean="0"/>
+              <a:pPr/>
+              <a:t>2016/10/21</a:t>
             </a:fld>
             <a:endParaRPr lang="zh-CN" altLang="en-US"/>
           </a:p>
@@ -2684,6 +2688,8 @@
           <a:p>
             <a:fld id="{5C0671B8-B2B9-41A5-84A0-04DF2BF0FCA8}" type="slidenum">
               <a:rPr lang="zh-CN" altLang="en-US" smtClean="0"/>
+              <a:pPr/>
+              <a:t>‹#›</a:t>
             </a:fld>
             <a:endParaRPr lang="zh-CN" altLang="en-US"/>
           </a:p>
@@ -2731,6 +2737,8 @@
           <a:p>
             <a:fld id="{0FA2AFA3-1824-497D-B6B1-0EAC35C03213}" type="datetimeFigureOut">
               <a:rPr lang="zh-CN" altLang="en-US" smtClean="0"/>
+              <a:pPr/>
+              <a:t>2016/10/21</a:t>
             </a:fld>
             <a:endParaRPr lang="zh-CN" altLang="en-US"/>
           </a:p>
@@ -2772,6 +2780,8 @@
           <a:p>
             <a:fld id="{5C0671B8-B2B9-41A5-84A0-04DF2BF0FCA8}" type="slidenum">
               <a:rPr lang="zh-CN" altLang="en-US" smtClean="0"/>
+              <a:pPr/>
+              <a:t>‹#›</a:t>
             </a:fld>
             <a:endParaRPr lang="zh-CN" altLang="en-US"/>
           </a:p>
@@ -2887,7 +2897,6 @@
               <a:rPr lang="en-US" altLang="zh-CN" smtClean="0"/>
               <a:t>Click to edit Master text styles</a:t>
             </a:r>
-            <a:endParaRPr lang="en-US" altLang="zh-CN" smtClean="0"/>
           </a:p>
           <a:p>
             <a:pPr lvl="1"/>
@@ -2895,7 +2904,6 @@
               <a:rPr lang="en-US" altLang="zh-CN" smtClean="0"/>
               <a:t>Second level</a:t>
             </a:r>
-            <a:endParaRPr lang="en-US" altLang="zh-CN" smtClean="0"/>
           </a:p>
           <a:p>
             <a:pPr lvl="2"/>
@@ -2903,7 +2911,6 @@
               <a:rPr lang="en-US" altLang="zh-CN" smtClean="0"/>
               <a:t>Third level</a:t>
             </a:r>
-            <a:endParaRPr lang="en-US" altLang="zh-CN" smtClean="0"/>
           </a:p>
           <a:p>
             <a:pPr lvl="3"/>
@@ -2911,7 +2918,6 @@
               <a:rPr lang="en-US" altLang="zh-CN" smtClean="0"/>
               <a:t>Fourth level</a:t>
             </a:r>
-            <a:endParaRPr lang="en-US" altLang="zh-CN" smtClean="0"/>
           </a:p>
           <a:p>
             <a:pPr lvl="4"/>
@@ -2985,7 +2991,6 @@
               <a:rPr lang="en-US" altLang="zh-CN" smtClean="0"/>
               <a:t>Click to edit Master text styles</a:t>
             </a:r>
-            <a:endParaRPr lang="en-US" altLang="zh-CN" smtClean="0"/>
           </a:p>
         </p:txBody>
       </p:sp>
@@ -3006,6 +3011,8 @@
           <a:p>
             <a:fld id="{0FA2AFA3-1824-497D-B6B1-0EAC35C03213}" type="datetimeFigureOut">
               <a:rPr lang="zh-CN" altLang="en-US" smtClean="0"/>
+              <a:pPr/>
+              <a:t>2016/10/21</a:t>
             </a:fld>
             <a:endParaRPr lang="zh-CN" altLang="en-US"/>
           </a:p>
@@ -3047,6 +3054,8 @@
           <a:p>
             <a:fld id="{5C0671B8-B2B9-41A5-84A0-04DF2BF0FCA8}" type="slidenum">
               <a:rPr lang="zh-CN" altLang="en-US" smtClean="0"/>
+              <a:pPr/>
+              <a:t>‹#›</a:t>
             </a:fld>
             <a:endParaRPr lang="zh-CN" altLang="en-US"/>
           </a:p>
@@ -3232,7 +3241,6 @@
               <a:rPr lang="en-US" altLang="zh-CN" smtClean="0"/>
               <a:t>Click to edit Master text styles</a:t>
             </a:r>
-            <a:endParaRPr lang="en-US" altLang="zh-CN" smtClean="0"/>
           </a:p>
         </p:txBody>
       </p:sp>
@@ -3253,6 +3261,8 @@
           <a:p>
             <a:fld id="{0FA2AFA3-1824-497D-B6B1-0EAC35C03213}" type="datetimeFigureOut">
               <a:rPr lang="zh-CN" altLang="en-US" smtClean="0"/>
+              <a:pPr/>
+              <a:t>2016/10/21</a:t>
             </a:fld>
             <a:endParaRPr lang="zh-CN" altLang="en-US"/>
           </a:p>
@@ -3294,6 +3304,8 @@
           <a:p>
             <a:fld id="{5C0671B8-B2B9-41A5-84A0-04DF2BF0FCA8}" type="slidenum">
               <a:rPr lang="zh-CN" altLang="en-US" smtClean="0"/>
+              <a:pPr/>
+              <a:t>‹#›</a:t>
             </a:fld>
             <a:endParaRPr lang="zh-CN" altLang="en-US"/>
           </a:p>
@@ -3392,7 +3404,6 @@
               <a:rPr lang="en-US" altLang="zh-CN" smtClean="0"/>
               <a:t>Click to edit Master text styles</a:t>
             </a:r>
-            <a:endParaRPr lang="en-US" altLang="zh-CN" smtClean="0"/>
           </a:p>
           <a:p>
             <a:pPr lvl="1"/>
@@ -3400,7 +3411,6 @@
               <a:rPr lang="en-US" altLang="zh-CN" smtClean="0"/>
               <a:t>Second level</a:t>
             </a:r>
-            <a:endParaRPr lang="en-US" altLang="zh-CN" smtClean="0"/>
           </a:p>
           <a:p>
             <a:pPr lvl="2"/>
@@ -3408,7 +3418,6 @@
               <a:rPr lang="en-US" altLang="zh-CN" smtClean="0"/>
               <a:t>Third level</a:t>
             </a:r>
-            <a:endParaRPr lang="en-US" altLang="zh-CN" smtClean="0"/>
           </a:p>
           <a:p>
             <a:pPr lvl="3"/>
@@ -3416,7 +3425,6 @@
               <a:rPr lang="en-US" altLang="zh-CN" smtClean="0"/>
               <a:t>Fourth level</a:t>
             </a:r>
-            <a:endParaRPr lang="en-US" altLang="zh-CN" smtClean="0"/>
           </a:p>
           <a:p>
             <a:pPr lvl="4"/>
@@ -3463,6 +3471,8 @@
           <a:p>
             <a:fld id="{0FA2AFA3-1824-497D-B6B1-0EAC35C03213}" type="datetimeFigureOut">
               <a:rPr lang="zh-CN" altLang="en-US" smtClean="0"/>
+              <a:pPr/>
+              <a:t>2016/10/21</a:t>
             </a:fld>
             <a:endParaRPr lang="zh-CN" altLang="en-US"/>
           </a:p>
@@ -3540,6 +3550,8 @@
           <a:p>
             <a:fld id="{5C0671B8-B2B9-41A5-84A0-04DF2BF0FCA8}" type="slidenum">
               <a:rPr lang="zh-CN" altLang="en-US" smtClean="0"/>
+              <a:pPr/>
+              <a:t>‹#›</a:t>
             </a:fld>
             <a:endParaRPr lang="zh-CN" altLang="en-US"/>
           </a:p>
@@ -3840,7 +3852,7 @@
           <p:nvPr/>
         </p:nvPicPr>
         <p:blipFill>
-          <a:blip r:embed="rId1" cstate="print"/>
+          <a:blip r:embed="rId3" cstate="print"/>
           <a:stretch>
             <a:fillRect/>
           </a:stretch>
@@ -3900,14 +3912,6 @@
               </a:rPr>
               <a:t>存储</a:t>
             </a:r>
-            <a:endParaRPr lang="zh-CN" altLang="en-US" dirty="0" smtClean="0">
-              <a:solidFill>
-                <a:srgbClr val="004086"/>
-              </a:solidFill>
-              <a:latin typeface="经典中圆简" pitchFamily="49" charset="-122"/>
-              <a:ea typeface="经典中圆简" pitchFamily="49" charset="-122"/>
-              <a:cs typeface="经典中圆简" pitchFamily="49" charset="-122"/>
-            </a:endParaRPr>
           </a:p>
         </p:txBody>
       </p:sp>
@@ -3994,7 +3998,7 @@
             <p:nvPr/>
           </p:nvPicPr>
           <p:blipFill>
-            <a:blip r:embed="rId2" cstate="print"/>
+            <a:blip r:embed="rId4" cstate="print"/>
             <a:srcRect/>
             <a:stretch>
               <a:fillRect/>
@@ -4383,7 +4387,7 @@
           <p:nvPr/>
         </p:nvPicPr>
         <p:blipFill>
-          <a:blip r:embed="rId1" cstate="print"/>
+          <a:blip r:embed="rId2" cstate="print"/>
           <a:stretch>
             <a:fillRect/>
           </a:stretch>
@@ -4569,7 +4573,7 @@
             <p:nvPr/>
           </p:nvPicPr>
           <p:blipFill>
-            <a:blip r:embed="rId2" cstate="print"/>
+            <a:blip r:embed="rId3" cstate="print"/>
             <a:srcRect/>
             <a:stretch>
               <a:fillRect/>
@@ -4887,7 +4891,7 @@
           <p:nvPr/>
         </p:nvPicPr>
         <p:blipFill>
-          <a:blip r:embed="rId1" cstate="print"/>
+          <a:blip r:embed="rId2" cstate="print"/>
           <a:stretch>
             <a:fillRect/>
           </a:stretch>
@@ -4985,7 +4989,7 @@
             <p:nvPr/>
           </p:nvPicPr>
           <p:blipFill>
-            <a:blip r:embed="rId2" cstate="print"/>
+            <a:blip r:embed="rId3" cstate="print"/>
             <a:srcRect/>
             <a:stretch>
               <a:fillRect/>
@@ -5353,6 +5357,7 @@
           <a:bodyPr wrap="square" rtlCol="0" anchor="t">
             <a:spAutoFit/>
           </a:bodyPr>
+          <a:lstStyle/>
           <a:p>
             <a:pPr marL="285750" indent="-285750">
               <a:lnSpc>
@@ -5415,7 +5420,6 @@
               <a:rPr lang="en-US" altLang="zh-CN" sz="1600" dirty="0" smtClean="0"/>
               <a:t>)</a:t>
             </a:r>
-            <a:endParaRPr lang="en-US" altLang="zh-CN" sz="1600" dirty="0" smtClean="0"/>
           </a:p>
         </p:txBody>
       </p:sp>
@@ -5479,7 +5483,7 @@
           <p:nvPr/>
         </p:nvPicPr>
         <p:blipFill>
-          <a:blip r:embed="rId1" cstate="print"/>
+          <a:blip r:embed="rId3" cstate="print"/>
           <a:stretch>
             <a:fillRect/>
           </a:stretch>
@@ -5577,7 +5581,7 @@
             <p:nvPr/>
           </p:nvPicPr>
           <p:blipFill>
-            <a:blip r:embed="rId2" cstate="print"/>
+            <a:blip r:embed="rId4" cstate="print"/>
             <a:srcRect/>
             <a:stretch>
               <a:fillRect/>
@@ -5887,39 +5891,8 @@
                 <a:ea typeface="经典中圆简" pitchFamily="49" charset="-122"/>
                 <a:cs typeface="经典中圆简" pitchFamily="49" charset="-122"/>
               </a:rPr>
-              <a:t>c</a:t>
-            </a:r>
-            <a:r>
-              <a:rPr kumimoji="0" lang="en-US" altLang="zh-CN" sz="3200" u="none" strike="noStrike" kern="1200" cap="none" spc="0" normalizeH="0" baseline="0" noProof="0" dirty="0" smtClean="0">
-                <a:ln>
-                  <a:noFill/>
-                </a:ln>
-                <a:solidFill>
-                  <a:srgbClr val="004086"/>
-                </a:solidFill>
-                <a:effectLst/>
-                <a:uLnTx/>
-                <a:uFillTx/>
-                <a:latin typeface="经典中圆简" pitchFamily="49" charset="-122"/>
-                <a:ea typeface="经典中圆简" pitchFamily="49" charset="-122"/>
-                <a:cs typeface="经典中圆简" pitchFamily="49" charset="-122"/>
-              </a:rPr>
-              <a:t>ookie</a:t>
-            </a:r>
-            <a:endParaRPr kumimoji="0" lang="en-US" altLang="zh-CN" sz="3200" u="none" strike="noStrike" kern="1200" cap="none" spc="0" normalizeH="0" baseline="0" noProof="0" dirty="0" smtClean="0">
-              <a:ln>
-                <a:noFill/>
-              </a:ln>
-              <a:solidFill>
-                <a:srgbClr val="004086"/>
-              </a:solidFill>
-              <a:effectLst/>
-              <a:uLnTx/>
-              <a:uFillTx/>
-              <a:latin typeface="经典中圆简" pitchFamily="49" charset="-122"/>
-              <a:ea typeface="经典中圆简" pitchFamily="49" charset="-122"/>
-              <a:cs typeface="经典中圆简" pitchFamily="49" charset="-122"/>
-            </a:endParaRPr>
+              <a:t>cookie</a:t>
+            </a:r>
           </a:p>
         </p:txBody>
       </p:sp>
@@ -5980,7 +5953,7 @@
           <p:nvPr/>
         </p:nvPicPr>
         <p:blipFill>
-          <a:blip r:embed="rId3"/>
+          <a:blip r:embed="rId5" cstate="print"/>
           <a:stretch>
             <a:fillRect/>
           </a:stretch>
@@ -6015,12 +5988,12 @@
           <a:bodyPr wrap="square" rtlCol="0">
             <a:spAutoFit/>
           </a:bodyPr>
-          <a:p>
-            <a:r>
-              <a:rPr lang="zh-CN" altLang="en-US" sz="1600"/>
+          <a:lstStyle/>
+          <a:p>
+            <a:r>
+              <a:rPr lang="zh-CN" altLang="en-US" sz="1600" dirty="0"/>
               <a:t>以下可选的cookie属性值跟在键值对后，定义cookie的设定/更新，跟着一个分号以作分隔：</a:t>
             </a:r>
-            <a:endParaRPr lang="zh-CN" altLang="en-US" sz="1600"/>
           </a:p>
           <a:p>
             <a:pPr marL="285750" indent="-285750">
@@ -6028,10 +6001,9 @@
               <a:buChar char="•"/>
             </a:pPr>
             <a:r>
-              <a:rPr lang="zh-CN" altLang="en-US" sz="1600"/>
+              <a:rPr lang="zh-CN" altLang="en-US" sz="1600" dirty="0"/>
               <a:t>;path=path (例如 '/', '/mydir') 如果没有定义，默认为当前文档位置的路径。</a:t>
             </a:r>
-            <a:endParaRPr lang="zh-CN" altLang="en-US" sz="1600"/>
           </a:p>
           <a:p>
             <a:pPr marL="285750" indent="-285750">
@@ -6039,10 +6011,9 @@
               <a:buChar char="•"/>
             </a:pPr>
             <a:r>
-              <a:rPr lang="zh-CN" altLang="en-US" sz="1600"/>
+              <a:rPr lang="zh-CN" altLang="en-US" sz="1600" dirty="0"/>
               <a:t>;domain=domain (例如 'example.com'， '.example.com' (包括所有子域名), 'subdomain.example.com') 如果没有定义，默认为当前文档位置的路径的域名部分。</a:t>
             </a:r>
-            <a:endParaRPr lang="zh-CN" altLang="en-US" sz="1600"/>
           </a:p>
           <a:p>
             <a:pPr marL="285750" indent="-285750">
@@ -6050,10 +6021,9 @@
               <a:buChar char="•"/>
             </a:pPr>
             <a:r>
-              <a:rPr lang="zh-CN" altLang="en-US" sz="1600"/>
+              <a:rPr lang="zh-CN" altLang="en-US" sz="1600" dirty="0"/>
               <a:t>;max-age=max-age-in-seconds (例如一年为60*60*24*365)</a:t>
             </a:r>
-            <a:endParaRPr lang="zh-CN" altLang="en-US" sz="1600"/>
           </a:p>
           <a:p>
             <a:pPr marL="285750" indent="-285750">
@@ -6061,10 +6031,9 @@
               <a:buChar char="•"/>
             </a:pPr>
             <a:r>
-              <a:rPr lang="zh-CN" altLang="en-US" sz="1600"/>
+              <a:rPr lang="zh-CN" altLang="en-US" sz="1600" dirty="0"/>
               <a:t>;expires=date-in-GMTString-format 如果没有定义，cookie会在对话结束时过期</a:t>
             </a:r>
-            <a:endParaRPr lang="zh-CN" altLang="en-US" sz="1600"/>
           </a:p>
           <a:p>
             <a:pPr marL="285750" indent="-285750">
@@ -6072,10 +6041,9 @@
               <a:buChar char="•"/>
             </a:pPr>
             <a:r>
-              <a:rPr lang="zh-CN" altLang="en-US" sz="1600"/>
+              <a:rPr lang="zh-CN" altLang="en-US" sz="1600" dirty="0"/>
               <a:t>;secure (cookie只通过https协议传输)</a:t>
             </a:r>
-            <a:endParaRPr lang="zh-CN" altLang="en-US" sz="1600"/>
           </a:p>
         </p:txBody>
       </p:sp>
@@ -6347,7 +6315,6 @@
               <a:rPr lang="zh-CN" altLang="en-US" sz="1600" dirty="0" smtClean="0"/>
               <a:t>同样的功能，但是在浏览器关闭，然后重新打开后数据仍然存在。</a:t>
             </a:r>
-            <a:endParaRPr lang="zh-CN" altLang="en-US" sz="1600" dirty="0" smtClean="0"/>
           </a:p>
         </p:txBody>
       </p:sp>
@@ -6444,7 +6411,7 @@
           </p:nvPr>
         </p:nvPicPr>
         <p:blipFill>
-          <a:blip r:embed="rId1" cstate="print"/>
+          <a:blip r:embed="rId3" cstate="print"/>
           <a:srcRect/>
           <a:stretch>
             <a:fillRect/>
@@ -6527,7 +6494,7 @@
           <p:nvPr/>
         </p:nvPicPr>
         <p:blipFill>
-          <a:blip r:embed="rId1" cstate="print"/>
+          <a:blip r:embed="rId2" cstate="print"/>
           <a:stretch>
             <a:fillRect/>
           </a:stretch>
@@ -6625,7 +6592,7 @@
             <p:nvPr/>
           </p:nvPicPr>
           <p:blipFill>
-            <a:blip r:embed="rId2" cstate="print"/>
+            <a:blip r:embed="rId3" cstate="print"/>
             <a:srcRect/>
             <a:stretch>
               <a:fillRect/>
@@ -7025,7 +6992,7 @@
         </p:nvGraphicFramePr>
         <p:xfrm>
           <a:off x="827584" y="2132856"/>
-          <a:ext cx="7272655" cy="3943350"/>
+          <a:ext cx="7272808" cy="3948572"/>
         </p:xfrm>
         <a:graphic>
           <a:graphicData uri="http://schemas.openxmlformats.org/drawingml/2006/table">
@@ -7041,6 +7008,7 @@
                 <a:tc>
                   <a:txBody>
                     <a:bodyPr/>
+                    <a:lstStyle/>
                     <a:p>
                       <a:pPr marL="0" marR="0">
                         <a:lnSpc>
@@ -7116,6 +7084,7 @@
                 <a:tc>
                   <a:txBody>
                     <a:bodyPr/>
+                    <a:lstStyle/>
                     <a:p>
                       <a:pPr marL="0" marR="0">
                         <a:lnSpc>
@@ -7191,6 +7160,7 @@
                 <a:tc>
                   <a:txBody>
                     <a:bodyPr/>
+                    <a:lstStyle/>
                     <a:p>
                       <a:pPr marL="0" marR="0">
                         <a:lnSpc>
@@ -7266,6 +7236,7 @@
                 <a:tc>
                   <a:txBody>
                     <a:bodyPr/>
+                    <a:lstStyle/>
                     <a:p>
                       <a:pPr marL="0" marR="0">
                         <a:lnSpc>
@@ -7343,6 +7314,7 @@
                 <a:tc>
                   <a:txBody>
                     <a:bodyPr/>
+                    <a:lstStyle/>
                     <a:p>
                       <a:pPr marL="0" marR="0">
                         <a:lnSpc>
@@ -7418,6 +7390,7 @@
                 <a:tc>
                   <a:txBody>
                     <a:bodyPr/>
+                    <a:lstStyle/>
                     <a:p>
                       <a:pPr marL="0" marR="0">
                         <a:lnSpc>
@@ -7493,6 +7466,7 @@
                 <a:tc>
                   <a:txBody>
                     <a:bodyPr/>
+                    <a:lstStyle/>
                     <a:p>
                       <a:pPr marL="0" marR="0">
                         <a:lnSpc>
@@ -7568,6 +7542,7 @@
                 <a:tc>
                   <a:txBody>
                     <a:bodyPr/>
+                    <a:lstStyle/>
                     <a:p>
                       <a:pPr marL="0" marR="0">
                         <a:lnSpc>
@@ -7645,6 +7620,7 @@
                 <a:tc>
                   <a:txBody>
                     <a:bodyPr/>
+                    <a:lstStyle/>
                     <a:p>
                       <a:pPr marL="0" marR="0">
                         <a:lnSpc>
@@ -7720,6 +7696,7 @@
                 <a:tc>
                   <a:txBody>
                     <a:bodyPr/>
+                    <a:lstStyle/>
                     <a:p>
                       <a:pPr marL="0" marR="0">
                         <a:lnSpc>
@@ -7806,6 +7783,7 @@
                 <a:tc>
                   <a:txBody>
                     <a:bodyPr/>
+                    <a:lstStyle/>
                     <a:p>
                       <a:pPr marL="0" marR="0">
                         <a:lnSpc>
@@ -7903,6 +7881,7 @@
                 <a:tc>
                   <a:txBody>
                     <a:bodyPr/>
+                    <a:lstStyle/>
                     <a:p>
                       <a:pPr marL="0" marR="0">
                         <a:lnSpc>
@@ -8002,6 +7981,7 @@
                 <a:tc>
                   <a:txBody>
                     <a:bodyPr/>
+                    <a:lstStyle/>
                     <a:p>
                       <a:pPr marL="0" marR="0">
                         <a:lnSpc>
@@ -8077,6 +8057,7 @@
                 <a:tc>
                   <a:txBody>
                     <a:bodyPr/>
+                    <a:lstStyle/>
                     <a:p>
                       <a:pPr marL="0" marR="0">
                         <a:lnSpc>
@@ -8196,6 +8177,7 @@
                 <a:tc>
                   <a:txBody>
                     <a:bodyPr/>
+                    <a:lstStyle/>
                     <a:p>
                       <a:pPr marL="0" marR="0">
                         <a:lnSpc>
@@ -8271,6 +8253,7 @@
                 <a:tc>
                   <a:txBody>
                     <a:bodyPr/>
+                    <a:lstStyle/>
                     <a:p>
                       <a:pPr marL="0" marR="0">
                         <a:lnSpc>
@@ -8348,6 +8331,7 @@
                 <a:tc>
                   <a:txBody>
                     <a:bodyPr/>
+                    <a:lstStyle/>
                     <a:p>
                       <a:pPr marL="0" marR="0">
                         <a:lnSpc>
@@ -8423,6 +8407,7 @@
                 <a:tc>
                   <a:txBody>
                     <a:bodyPr/>
+                    <a:lstStyle/>
                     <a:p>
                       <a:pPr marL="0" marR="0">
                         <a:lnSpc>
@@ -8520,6 +8505,7 @@
                 <a:tc>
                   <a:txBody>
                     <a:bodyPr/>
+                    <a:lstStyle/>
                     <a:p>
                       <a:pPr marL="0" marR="0">
                         <a:lnSpc>
@@ -8639,6 +8625,7 @@
                 <a:tc>
                   <a:txBody>
                     <a:bodyPr/>
+                    <a:lstStyle/>
                     <a:p>
                       <a:pPr marL="0" marR="0">
                         <a:lnSpc>
@@ -8820,7 +8807,7 @@
           <p:nvPr/>
         </p:nvPicPr>
         <p:blipFill>
-          <a:blip r:embed="rId1" cstate="print"/>
+          <a:blip r:embed="rId2" cstate="print"/>
           <a:stretch>
             <a:fillRect/>
           </a:stretch>
@@ -9113,7 +9100,7 @@
             <p:nvPr/>
           </p:nvPicPr>
           <p:blipFill>
-            <a:blip r:embed="rId2" cstate="print"/>
+            <a:blip r:embed="rId3" cstate="print"/>
             <a:srcRect/>
             <a:stretch>
               <a:fillRect/>
@@ -9550,7 +9537,7 @@
           <p:nvPr/>
         </p:nvPicPr>
         <p:blipFill>
-          <a:blip r:embed="rId1" cstate="print"/>
+          <a:blip r:embed="rId2" cstate="print"/>
           <a:stretch>
             <a:fillRect/>
           </a:stretch>
@@ -9885,7 +9872,7 @@
             <p:nvPr/>
           </p:nvPicPr>
           <p:blipFill>
-            <a:blip r:embed="rId2" cstate="print"/>
+            <a:blip r:embed="rId3" cstate="print"/>
             <a:srcRect/>
             <a:stretch>
               <a:fillRect/>
@@ -10214,20 +10201,6 @@
               </a:rPr>
               <a:t>文件</a:t>
             </a:r>
-            <a:endParaRPr kumimoji="0" lang="zh-CN" altLang="en-US" sz="3200" u="none" strike="noStrike" kern="1200" cap="none" spc="0" normalizeH="0" baseline="0" noProof="0" dirty="0" smtClean="0">
-              <a:ln>
-                <a:noFill/>
-              </a:ln>
-              <a:solidFill>
-                <a:srgbClr val="004086"/>
-              </a:solidFill>
-              <a:effectLst/>
-              <a:uLnTx/>
-              <a:uFillTx/>
-              <a:latin typeface="经典中圆简" pitchFamily="49" charset="-122"/>
-              <a:ea typeface="经典中圆简" pitchFamily="49" charset="-122"/>
-              <a:cs typeface="经典中圆简" pitchFamily="49" charset="-122"/>
-            </a:endParaRPr>
           </a:p>
         </p:txBody>
       </p:sp>
@@ -10288,7 +10261,7 @@
           <p:nvPr/>
         </p:nvPicPr>
         <p:blipFill>
-          <a:blip r:embed="rId3" cstate="print"/>
+          <a:blip r:embed="rId4" cstate="print"/>
           <a:srcRect/>
           <a:stretch>
             <a:fillRect/>
@@ -10371,7 +10344,7 @@
           <p:nvPr/>
         </p:nvPicPr>
         <p:blipFill>
-          <a:blip r:embed="rId1" cstate="print"/>
+          <a:blip r:embed="rId3" cstate="print"/>
           <a:stretch>
             <a:fillRect/>
           </a:stretch>
@@ -10469,7 +10442,7 @@
             <p:nvPr/>
           </p:nvPicPr>
           <p:blipFill>
-            <a:blip r:embed="rId2" cstate="print"/>
+            <a:blip r:embed="rId4" cstate="print"/>
             <a:srcRect/>
             <a:stretch>
               <a:fillRect/>
@@ -10941,6 +10914,14 @@
               <a:rPr lang="zh-CN" altLang="en-US" sz="1600" dirty="0" smtClean="0"/>
               <a:t>提供了丰富的查询能力，使我们的应用在在线和离线时都可以正常工作。</a:t>
             </a:r>
+            <a:r>
+              <a:rPr lang="en-US" altLang="zh-CN" sz="1600" b="1" noProof="0" dirty="0" smtClean="0">
+                <a:latin typeface="经典中圆简" pitchFamily="49" charset="-122"/>
+                <a:ea typeface="经典中圆简" pitchFamily="49" charset="-122"/>
+                <a:cs typeface="经典中圆简" pitchFamily="49" charset="-122"/>
+              </a:rPr>
+              <a:t/>
+            </a:r>
             <a:br>
               <a:rPr lang="en-US" altLang="zh-CN" sz="1600" b="1" noProof="0" dirty="0" smtClean="0">
                 <a:latin typeface="经典中圆简" pitchFamily="49" charset="-122"/>
@@ -11080,7 +11061,7 @@
           <p:nvPr/>
         </p:nvPicPr>
         <p:blipFill>
-          <a:blip r:embed="rId1" cstate="print"/>
+          <a:blip r:embed="rId2" cstate="print"/>
           <a:stretch>
             <a:fillRect/>
           </a:stretch>
@@ -11178,7 +11159,7 @@
             <p:nvPr/>
           </p:nvPicPr>
           <p:blipFill>
-            <a:blip r:embed="rId2" cstate="print"/>
+            <a:blip r:embed="rId3" cstate="print"/>
             <a:srcRect/>
             <a:stretch>
               <a:fillRect/>
@@ -11507,20 +11488,6 @@
               </a:rPr>
               <a:t>数据库索引</a:t>
             </a:r>
-            <a:endParaRPr kumimoji="0" lang="zh-CN" altLang="en-US" sz="3200" u="none" strike="noStrike" kern="1200" cap="none" spc="0" normalizeH="0" baseline="0" noProof="0" dirty="0" smtClean="0">
-              <a:ln>
-                <a:noFill/>
-              </a:ln>
-              <a:solidFill>
-                <a:srgbClr val="004086"/>
-              </a:solidFill>
-              <a:effectLst/>
-              <a:uLnTx/>
-              <a:uFillTx/>
-              <a:latin typeface="经典中圆简" pitchFamily="49" charset="-122"/>
-              <a:ea typeface="经典中圆简" pitchFamily="49" charset="-122"/>
-              <a:cs typeface="经典中圆简" pitchFamily="49" charset="-122"/>
-            </a:endParaRPr>
           </a:p>
         </p:txBody>
       </p:sp>
@@ -11558,7 +11525,6 @@
               <a:rPr lang="zh-CN" altLang="en-US" sz="1600" dirty="0" smtClean="0"/>
               <a:t>创建索引</a:t>
             </a:r>
-            <a:endParaRPr lang="zh-CN" altLang="en-US" sz="1600" dirty="0" smtClean="0"/>
           </a:p>
           <a:p>
             <a:pPr marL="342900" indent="-342900">
@@ -11569,7 +11535,6 @@
               <a:rPr lang="zh-CN" altLang="en-US" sz="1600" dirty="0" smtClean="0"/>
               <a:t>利用索引获取数据</a:t>
             </a:r>
-            <a:endParaRPr lang="zh-CN" altLang="en-US" sz="1600" dirty="0" smtClean="0"/>
           </a:p>
           <a:p>
             <a:pPr marL="342900" indent="-342900">
@@ -11580,7 +11545,6 @@
               <a:rPr lang="zh-CN" altLang="en-US" sz="1600" dirty="0" smtClean="0"/>
               <a:t>游标</a:t>
             </a:r>
-            <a:endParaRPr lang="zh-CN" altLang="en-US" sz="1600" dirty="0" smtClean="0"/>
           </a:p>
           <a:p>
             <a:pPr marL="342900" indent="-342900">
@@ -11595,7 +11559,6 @@
               <a:rPr lang="zh-CN" altLang="en-US" sz="1600" dirty="0" smtClean="0"/>
               <a:t>与游标结合</a:t>
             </a:r>
-            <a:endParaRPr lang="zh-CN" altLang="en-US" sz="1600" dirty="0" smtClean="0"/>
           </a:p>
         </p:txBody>
       </p:sp>
@@ -11896,7 +11859,7 @@
   <a:extraClrSchemeLst/>
   <a:extLst>
     <a:ext uri="{05A4C25C-085E-4340-85A3-A5531E510DB2}">
-      <thm15:themeFamily xmlns:thm15="http://schemas.microsoft.com/office/thememl/2012/main" name="Office Theme" id="{62F939B6-93AF-4DB8-9C6B-D6C7DFDC589F}" vid="{4A3C46E8-61CC-4603-A589-7422A47A8E4A}"/>
+      <thm15:themeFamily xmlns:thm15="http://schemas.microsoft.com/office/thememl/2012/main" xmlns="" name="Office Theme" id="{62F939B6-93AF-4DB8-9C6B-D6C7DFDC589F}" vid="{4A3C46E8-61CC-4603-A589-7422A47A8E4A}"/>
     </a:ext>
   </a:extLst>
 </a:theme>
@@ -12184,7 +12147,7 @@
   <a:extraClrSchemeLst/>
   <a:extLst>
     <a:ext uri="{05A4C25C-085E-4340-85A3-A5531E510DB2}">
-      <thm15:themeFamily xmlns:thm15="http://schemas.microsoft.com/office/thememl/2012/main" name="Office Theme" id="{62F939B6-93AF-4DB8-9C6B-D6C7DFDC589F}" vid="{4A3C46E8-61CC-4603-A589-7422A47A8E4A}"/>
+      <thm15:themeFamily xmlns:thm15="http://schemas.microsoft.com/office/thememl/2012/main" xmlns="" name="Office Theme" id="{62F939B6-93AF-4DB8-9C6B-D6C7DFDC589F}" vid="{4A3C46E8-61CC-4603-A589-7422A47A8E4A}"/>
     </a:ext>
   </a:extLst>
 </a:theme>

--- a/Web存储.pptx
+++ b/Web存储.pptx
@@ -5,19 +5,19 @@
     <p:sldMasterId id="2147483648" r:id="rId1"/>
   </p:sldMasterIdLst>
   <p:notesMasterIdLst>
-    <p:notesMasterId r:id="rId12"/>
+    <p:notesMasterId r:id="rId4"/>
   </p:notesMasterIdLst>
   <p:sldIdLst>
-    <p:sldId id="256" r:id="rId2"/>
-    <p:sldId id="373" r:id="rId3"/>
-    <p:sldId id="374" r:id="rId4"/>
-    <p:sldId id="260" r:id="rId5"/>
-    <p:sldId id="372" r:id="rId6"/>
-    <p:sldId id="320" r:id="rId7"/>
-    <p:sldId id="360" r:id="rId8"/>
-    <p:sldId id="318" r:id="rId9"/>
-    <p:sldId id="319" r:id="rId10"/>
-    <p:sldId id="259" r:id="rId11"/>
+    <p:sldId id="256" r:id="rId3"/>
+    <p:sldId id="373" r:id="rId5"/>
+    <p:sldId id="374" r:id="rId6"/>
+    <p:sldId id="260" r:id="rId7"/>
+    <p:sldId id="372" r:id="rId8"/>
+    <p:sldId id="320" r:id="rId9"/>
+    <p:sldId id="360" r:id="rId10"/>
+    <p:sldId id="318" r:id="rId11"/>
+    <p:sldId id="319" r:id="rId12"/>
+    <p:sldId id="259" r:id="rId13"/>
   </p:sldIdLst>
   <p:sldSz cx="9144000" cy="6858000" type="screen4x3"/>
   <p:notesSz cx="6858000" cy="9144000"/>
@@ -201,8 +201,6 @@
           <a:p>
             <a:fld id="{C32EBC35-F1F2-449C-9CB8-1158AC28E1A6}" type="datetimeFigureOut">
               <a:rPr lang="zh-CN" altLang="en-US" smtClean="0"/>
-              <a:pPr/>
-              <a:t>2016/10/21</a:t>
             </a:fld>
             <a:endParaRPr lang="zh-CN" altLang="en-US"/>
           </a:p>
@@ -271,6 +269,7 @@
               <a:rPr lang="en-US" altLang="zh-CN" smtClean="0"/>
               <a:t>Click to edit Master text styles</a:t>
             </a:r>
+            <a:endParaRPr lang="en-US" altLang="zh-CN" smtClean="0"/>
           </a:p>
           <a:p>
             <a:pPr lvl="1"/>
@@ -278,6 +277,7 @@
               <a:rPr lang="en-US" altLang="zh-CN" smtClean="0"/>
               <a:t>Second level</a:t>
             </a:r>
+            <a:endParaRPr lang="en-US" altLang="zh-CN" smtClean="0"/>
           </a:p>
           <a:p>
             <a:pPr lvl="2"/>
@@ -285,6 +285,7 @@
               <a:rPr lang="en-US" altLang="zh-CN" smtClean="0"/>
               <a:t>Third level</a:t>
             </a:r>
+            <a:endParaRPr lang="en-US" altLang="zh-CN" smtClean="0"/>
           </a:p>
           <a:p>
             <a:pPr lvl="3"/>
@@ -292,6 +293,7 @@
               <a:rPr lang="en-US" altLang="zh-CN" smtClean="0"/>
               <a:t>Fourth level</a:t>
             </a:r>
+            <a:endParaRPr lang="en-US" altLang="zh-CN" smtClean="0"/>
           </a:p>
           <a:p>
             <a:pPr lvl="4"/>
@@ -363,8 +365,6 @@
           <a:p>
             <a:fld id="{059AC154-EBA4-4201-8D11-470503F49E5B}" type="slidenum">
               <a:rPr lang="zh-CN" altLang="en-US" smtClean="0"/>
-              <a:pPr/>
-              <a:t>‹#›</a:t>
             </a:fld>
             <a:endParaRPr lang="zh-CN" altLang="en-US"/>
           </a:p>
@@ -535,8 +535,6 @@
           <a:p>
             <a:fld id="{059AC154-EBA4-4201-8D11-470503F49E5B}" type="slidenum">
               <a:rPr lang="zh-CN" altLang="en-US" smtClean="0"/>
-              <a:pPr/>
-              <a:t>1</a:t>
             </a:fld>
             <a:endParaRPr lang="zh-CN" altLang="en-US"/>
           </a:p>
@@ -617,8 +615,6 @@
           <a:p>
             <a:fld id="{059AC154-EBA4-4201-8D11-470503F49E5B}" type="slidenum">
               <a:rPr lang="zh-CN" altLang="en-US" smtClean="0"/>
-              <a:pPr/>
-              <a:t>3</a:t>
             </a:fld>
             <a:endParaRPr lang="zh-CN" altLang="en-US"/>
           </a:p>
@@ -710,6 +706,7 @@
               <a:rPr lang="zh-CN" altLang="en-US" dirty="0" smtClean="0"/>
               <a:t>相似，不同之处在于 </a:t>
             </a:r>
+            <a:endParaRPr lang="zh-CN" altLang="en-US" dirty="0" smtClean="0"/>
           </a:p>
           <a:p>
             <a:endParaRPr lang="zh-CN" altLang="en-US" dirty="0" smtClean="0"/>
@@ -739,6 +736,7 @@
               <a:rPr lang="zh-CN" altLang="en-US" dirty="0" smtClean="0"/>
               <a:t>里面的数据在页面会话结束时会被清</a:t>
             </a:r>
+            <a:endParaRPr lang="zh-CN" altLang="en-US" dirty="0" smtClean="0"/>
           </a:p>
           <a:p>
             <a:endParaRPr lang="zh-CN" altLang="en-US" dirty="0" smtClean="0"/>
@@ -752,6 +750,7 @@
               <a:rPr lang="zh-CN" altLang="en-US" b="1" dirty="0" smtClean="0"/>
               <a:t>在新标签或</a:t>
             </a:r>
+            <a:endParaRPr lang="zh-CN" altLang="en-US" b="1" dirty="0" smtClean="0"/>
           </a:p>
           <a:p>
             <a:endParaRPr lang="zh-CN" altLang="en-US" b="1" dirty="0" smtClean="0"/>
@@ -794,8 +793,6 @@
           <a:p>
             <a:fld id="{059AC154-EBA4-4201-8D11-470503F49E5B}" type="slidenum">
               <a:rPr lang="zh-CN" altLang="en-US" smtClean="0"/>
-              <a:pPr/>
-              <a:t>4</a:t>
             </a:fld>
             <a:endParaRPr lang="zh-CN" altLang="en-US"/>
           </a:p>
@@ -876,8 +873,6 @@
           <a:p>
             <a:fld id="{059AC154-EBA4-4201-8D11-470503F49E5B}" type="slidenum">
               <a:rPr lang="zh-CN" altLang="en-US" smtClean="0"/>
-              <a:pPr/>
-              <a:t>8</a:t>
             </a:fld>
             <a:endParaRPr lang="zh-CN" altLang="en-US"/>
           </a:p>
@@ -1072,8 +1067,6 @@
           <a:p>
             <a:fld id="{0FA2AFA3-1824-497D-B6B1-0EAC35C03213}" type="datetimeFigureOut">
               <a:rPr lang="zh-CN" altLang="en-US" smtClean="0"/>
-              <a:pPr/>
-              <a:t>2016/10/21</a:t>
             </a:fld>
             <a:endParaRPr lang="zh-CN" altLang="en-US"/>
           </a:p>
@@ -1115,8 +1108,6 @@
           <a:p>
             <a:fld id="{5C0671B8-B2B9-41A5-84A0-04DF2BF0FCA8}" type="slidenum">
               <a:rPr lang="zh-CN" altLang="en-US" smtClean="0"/>
-              <a:pPr/>
-              <a:t>‹#›</a:t>
             </a:fld>
             <a:endParaRPr lang="zh-CN" altLang="en-US"/>
           </a:p>
@@ -1190,6 +1181,7 @@
               <a:rPr lang="en-US" altLang="zh-CN" smtClean="0"/>
               <a:t>Click to edit Master text styles</a:t>
             </a:r>
+            <a:endParaRPr lang="en-US" altLang="zh-CN" smtClean="0"/>
           </a:p>
           <a:p>
             <a:pPr lvl="1"/>
@@ -1197,6 +1189,7 @@
               <a:rPr lang="en-US" altLang="zh-CN" smtClean="0"/>
               <a:t>Second level</a:t>
             </a:r>
+            <a:endParaRPr lang="en-US" altLang="zh-CN" smtClean="0"/>
           </a:p>
           <a:p>
             <a:pPr lvl="2"/>
@@ -1204,6 +1197,7 @@
               <a:rPr lang="en-US" altLang="zh-CN" smtClean="0"/>
               <a:t>Third level</a:t>
             </a:r>
+            <a:endParaRPr lang="en-US" altLang="zh-CN" smtClean="0"/>
           </a:p>
           <a:p>
             <a:pPr lvl="3"/>
@@ -1211,6 +1205,7 @@
               <a:rPr lang="en-US" altLang="zh-CN" smtClean="0"/>
               <a:t>Fourth level</a:t>
             </a:r>
+            <a:endParaRPr lang="en-US" altLang="zh-CN" smtClean="0"/>
           </a:p>
           <a:p>
             <a:pPr lvl="4"/>
@@ -1239,8 +1234,6 @@
           <a:p>
             <a:fld id="{0FA2AFA3-1824-497D-B6B1-0EAC35C03213}" type="datetimeFigureOut">
               <a:rPr lang="zh-CN" altLang="en-US" smtClean="0"/>
-              <a:pPr/>
-              <a:t>2016/10/21</a:t>
             </a:fld>
             <a:endParaRPr lang="zh-CN" altLang="en-US"/>
           </a:p>
@@ -1282,8 +1275,6 @@
           <a:p>
             <a:fld id="{5C0671B8-B2B9-41A5-84A0-04DF2BF0FCA8}" type="slidenum">
               <a:rPr lang="zh-CN" altLang="en-US" smtClean="0"/>
-              <a:pPr/>
-              <a:t>‹#›</a:t>
             </a:fld>
             <a:endParaRPr lang="zh-CN" altLang="en-US"/>
           </a:p>
@@ -1367,6 +1358,7 @@
               <a:rPr lang="en-US" altLang="zh-CN" smtClean="0"/>
               <a:t>Click to edit Master text styles</a:t>
             </a:r>
+            <a:endParaRPr lang="en-US" altLang="zh-CN" smtClean="0"/>
           </a:p>
           <a:p>
             <a:pPr lvl="1"/>
@@ -1374,6 +1366,7 @@
               <a:rPr lang="en-US" altLang="zh-CN" smtClean="0"/>
               <a:t>Second level</a:t>
             </a:r>
+            <a:endParaRPr lang="en-US" altLang="zh-CN" smtClean="0"/>
           </a:p>
           <a:p>
             <a:pPr lvl="2"/>
@@ -1381,6 +1374,7 @@
               <a:rPr lang="en-US" altLang="zh-CN" smtClean="0"/>
               <a:t>Third level</a:t>
             </a:r>
+            <a:endParaRPr lang="en-US" altLang="zh-CN" smtClean="0"/>
           </a:p>
           <a:p>
             <a:pPr lvl="3"/>
@@ -1388,6 +1382,7 @@
               <a:rPr lang="en-US" altLang="zh-CN" smtClean="0"/>
               <a:t>Fourth level</a:t>
             </a:r>
+            <a:endParaRPr lang="en-US" altLang="zh-CN" smtClean="0"/>
           </a:p>
           <a:p>
             <a:pPr lvl="4"/>
@@ -1416,8 +1411,6 @@
           <a:p>
             <a:fld id="{0FA2AFA3-1824-497D-B6B1-0EAC35C03213}" type="datetimeFigureOut">
               <a:rPr lang="zh-CN" altLang="en-US" smtClean="0"/>
-              <a:pPr/>
-              <a:t>2016/10/21</a:t>
             </a:fld>
             <a:endParaRPr lang="zh-CN" altLang="en-US"/>
           </a:p>
@@ -1459,8 +1452,6 @@
           <a:p>
             <a:fld id="{5C0671B8-B2B9-41A5-84A0-04DF2BF0FCA8}" type="slidenum">
               <a:rPr lang="zh-CN" altLang="en-US" smtClean="0"/>
-              <a:pPr/>
-              <a:t>‹#›</a:t>
             </a:fld>
             <a:endParaRPr lang="zh-CN" altLang="en-US"/>
           </a:p>
@@ -1534,6 +1525,7 @@
               <a:rPr lang="en-US" altLang="zh-CN" smtClean="0"/>
               <a:t>Click to edit Master text styles</a:t>
             </a:r>
+            <a:endParaRPr lang="en-US" altLang="zh-CN" smtClean="0"/>
           </a:p>
           <a:p>
             <a:pPr lvl="1"/>
@@ -1541,6 +1533,7 @@
               <a:rPr lang="en-US" altLang="zh-CN" smtClean="0"/>
               <a:t>Second level</a:t>
             </a:r>
+            <a:endParaRPr lang="en-US" altLang="zh-CN" smtClean="0"/>
           </a:p>
           <a:p>
             <a:pPr lvl="2"/>
@@ -1548,6 +1541,7 @@
               <a:rPr lang="en-US" altLang="zh-CN" smtClean="0"/>
               <a:t>Third level</a:t>
             </a:r>
+            <a:endParaRPr lang="en-US" altLang="zh-CN" smtClean="0"/>
           </a:p>
           <a:p>
             <a:pPr lvl="3"/>
@@ -1555,6 +1549,7 @@
               <a:rPr lang="en-US" altLang="zh-CN" smtClean="0"/>
               <a:t>Fourth level</a:t>
             </a:r>
+            <a:endParaRPr lang="en-US" altLang="zh-CN" smtClean="0"/>
           </a:p>
           <a:p>
             <a:pPr lvl="4"/>
@@ -1583,8 +1578,6 @@
           <a:p>
             <a:fld id="{0FA2AFA3-1824-497D-B6B1-0EAC35C03213}" type="datetimeFigureOut">
               <a:rPr lang="zh-CN" altLang="en-US" smtClean="0"/>
-              <a:pPr/>
-              <a:t>2016/10/21</a:t>
             </a:fld>
             <a:endParaRPr lang="zh-CN" altLang="en-US"/>
           </a:p>
@@ -1626,8 +1619,6 @@
           <a:p>
             <a:fld id="{5C0671B8-B2B9-41A5-84A0-04DF2BF0FCA8}" type="slidenum">
               <a:rPr lang="zh-CN" altLang="en-US" smtClean="0"/>
-              <a:pPr/>
-              <a:t>‹#›</a:t>
             </a:fld>
             <a:endParaRPr lang="zh-CN" altLang="en-US"/>
           </a:p>
@@ -1806,6 +1797,7 @@
               <a:rPr lang="en-US" altLang="zh-CN" smtClean="0"/>
               <a:t>Click to edit Master text styles</a:t>
             </a:r>
+            <a:endParaRPr lang="en-US" altLang="zh-CN" smtClean="0"/>
           </a:p>
         </p:txBody>
       </p:sp>
@@ -1826,8 +1818,6 @@
           <a:p>
             <a:fld id="{0FA2AFA3-1824-497D-B6B1-0EAC35C03213}" type="datetimeFigureOut">
               <a:rPr lang="zh-CN" altLang="en-US" smtClean="0"/>
-              <a:pPr/>
-              <a:t>2016/10/21</a:t>
             </a:fld>
             <a:endParaRPr lang="zh-CN" altLang="en-US"/>
           </a:p>
@@ -1869,8 +1859,6 @@
           <a:p>
             <a:fld id="{5C0671B8-B2B9-41A5-84A0-04DF2BF0FCA8}" type="slidenum">
               <a:rPr lang="zh-CN" altLang="en-US" smtClean="0"/>
-              <a:pPr/>
-              <a:t>‹#›</a:t>
             </a:fld>
             <a:endParaRPr lang="zh-CN" altLang="en-US"/>
           </a:p>
@@ -1977,6 +1965,7 @@
               <a:rPr lang="en-US" altLang="zh-CN" smtClean="0"/>
               <a:t>Click to edit Master text styles</a:t>
             </a:r>
+            <a:endParaRPr lang="en-US" altLang="zh-CN" smtClean="0"/>
           </a:p>
           <a:p>
             <a:pPr lvl="1"/>
@@ -1984,6 +1973,7 @@
               <a:rPr lang="en-US" altLang="zh-CN" smtClean="0"/>
               <a:t>Second level</a:t>
             </a:r>
+            <a:endParaRPr lang="en-US" altLang="zh-CN" smtClean="0"/>
           </a:p>
           <a:p>
             <a:pPr lvl="2"/>
@@ -1991,6 +1981,7 @@
               <a:rPr lang="en-US" altLang="zh-CN" smtClean="0"/>
               <a:t>Third level</a:t>
             </a:r>
+            <a:endParaRPr lang="en-US" altLang="zh-CN" smtClean="0"/>
           </a:p>
           <a:p>
             <a:pPr lvl="3"/>
@@ -1998,6 +1989,7 @@
               <a:rPr lang="en-US" altLang="zh-CN" smtClean="0"/>
               <a:t>Fourth level</a:t>
             </a:r>
+            <a:endParaRPr lang="en-US" altLang="zh-CN" smtClean="0"/>
           </a:p>
           <a:p>
             <a:pPr lvl="4"/>
@@ -2062,6 +2054,7 @@
               <a:rPr lang="en-US" altLang="zh-CN" smtClean="0"/>
               <a:t>Click to edit Master text styles</a:t>
             </a:r>
+            <a:endParaRPr lang="en-US" altLang="zh-CN" smtClean="0"/>
           </a:p>
           <a:p>
             <a:pPr lvl="1"/>
@@ -2069,6 +2062,7 @@
               <a:rPr lang="en-US" altLang="zh-CN" smtClean="0"/>
               <a:t>Second level</a:t>
             </a:r>
+            <a:endParaRPr lang="en-US" altLang="zh-CN" smtClean="0"/>
           </a:p>
           <a:p>
             <a:pPr lvl="2"/>
@@ -2076,6 +2070,7 @@
               <a:rPr lang="en-US" altLang="zh-CN" smtClean="0"/>
               <a:t>Third level</a:t>
             </a:r>
+            <a:endParaRPr lang="en-US" altLang="zh-CN" smtClean="0"/>
           </a:p>
           <a:p>
             <a:pPr lvl="3"/>
@@ -2083,6 +2078,7 @@
               <a:rPr lang="en-US" altLang="zh-CN" smtClean="0"/>
               <a:t>Fourth level</a:t>
             </a:r>
+            <a:endParaRPr lang="en-US" altLang="zh-CN" smtClean="0"/>
           </a:p>
           <a:p>
             <a:pPr lvl="4"/>
@@ -2111,8 +2107,6 @@
           <a:p>
             <a:fld id="{0FA2AFA3-1824-497D-B6B1-0EAC35C03213}" type="datetimeFigureOut">
               <a:rPr lang="zh-CN" altLang="en-US" smtClean="0"/>
-              <a:pPr/>
-              <a:t>2016/10/21</a:t>
             </a:fld>
             <a:endParaRPr lang="zh-CN" altLang="en-US"/>
           </a:p>
@@ -2154,8 +2148,6 @@
           <a:p>
             <a:fld id="{5C0671B8-B2B9-41A5-84A0-04DF2BF0FCA8}" type="slidenum">
               <a:rPr lang="zh-CN" altLang="en-US" smtClean="0"/>
-              <a:pPr/>
-              <a:t>‹#›</a:t>
             </a:fld>
             <a:endParaRPr lang="zh-CN" altLang="en-US"/>
           </a:p>
@@ -2275,6 +2267,7 @@
               <a:rPr lang="en-US" altLang="zh-CN" smtClean="0"/>
               <a:t>Click to edit Master text styles</a:t>
             </a:r>
+            <a:endParaRPr lang="en-US" altLang="zh-CN" smtClean="0"/>
           </a:p>
         </p:txBody>
       </p:sp>
@@ -2331,6 +2324,7 @@
               <a:rPr lang="en-US" altLang="zh-CN" smtClean="0"/>
               <a:t>Click to edit Master text styles</a:t>
             </a:r>
+            <a:endParaRPr lang="en-US" altLang="zh-CN" smtClean="0"/>
           </a:p>
           <a:p>
             <a:pPr lvl="1"/>
@@ -2338,6 +2332,7 @@
               <a:rPr lang="en-US" altLang="zh-CN" smtClean="0"/>
               <a:t>Second level</a:t>
             </a:r>
+            <a:endParaRPr lang="en-US" altLang="zh-CN" smtClean="0"/>
           </a:p>
           <a:p>
             <a:pPr lvl="2"/>
@@ -2345,6 +2340,7 @@
               <a:rPr lang="en-US" altLang="zh-CN" smtClean="0"/>
               <a:t>Third level</a:t>
             </a:r>
+            <a:endParaRPr lang="en-US" altLang="zh-CN" smtClean="0"/>
           </a:p>
           <a:p>
             <a:pPr lvl="3"/>
@@ -2352,6 +2348,7 @@
               <a:rPr lang="en-US" altLang="zh-CN" smtClean="0"/>
               <a:t>Fourth level</a:t>
             </a:r>
+            <a:endParaRPr lang="en-US" altLang="zh-CN" smtClean="0"/>
           </a:p>
           <a:p>
             <a:pPr lvl="4"/>
@@ -2425,6 +2422,7 @@
               <a:rPr lang="en-US" altLang="zh-CN" smtClean="0"/>
               <a:t>Click to edit Master text styles</a:t>
             </a:r>
+            <a:endParaRPr lang="en-US" altLang="zh-CN" smtClean="0"/>
           </a:p>
         </p:txBody>
       </p:sp>
@@ -2481,6 +2479,7 @@
               <a:rPr lang="en-US" altLang="zh-CN" smtClean="0"/>
               <a:t>Click to edit Master text styles</a:t>
             </a:r>
+            <a:endParaRPr lang="en-US" altLang="zh-CN" smtClean="0"/>
           </a:p>
           <a:p>
             <a:pPr lvl="1"/>
@@ -2488,6 +2487,7 @@
               <a:rPr lang="en-US" altLang="zh-CN" smtClean="0"/>
               <a:t>Second level</a:t>
             </a:r>
+            <a:endParaRPr lang="en-US" altLang="zh-CN" smtClean="0"/>
           </a:p>
           <a:p>
             <a:pPr lvl="2"/>
@@ -2495,6 +2495,7 @@
               <a:rPr lang="en-US" altLang="zh-CN" smtClean="0"/>
               <a:t>Third level</a:t>
             </a:r>
+            <a:endParaRPr lang="en-US" altLang="zh-CN" smtClean="0"/>
           </a:p>
           <a:p>
             <a:pPr lvl="3"/>
@@ -2502,6 +2503,7 @@
               <a:rPr lang="en-US" altLang="zh-CN" smtClean="0"/>
               <a:t>Fourth level</a:t>
             </a:r>
+            <a:endParaRPr lang="en-US" altLang="zh-CN" smtClean="0"/>
           </a:p>
           <a:p>
             <a:pPr lvl="4"/>
@@ -2530,8 +2532,6 @@
           <a:p>
             <a:fld id="{0FA2AFA3-1824-497D-B6B1-0EAC35C03213}" type="datetimeFigureOut">
               <a:rPr lang="zh-CN" altLang="en-US" smtClean="0"/>
-              <a:pPr/>
-              <a:t>2016/10/21</a:t>
             </a:fld>
             <a:endParaRPr lang="zh-CN" altLang="en-US"/>
           </a:p>
@@ -2573,8 +2573,6 @@
           <a:p>
             <a:fld id="{5C0671B8-B2B9-41A5-84A0-04DF2BF0FCA8}" type="slidenum">
               <a:rPr lang="zh-CN" altLang="en-US" smtClean="0"/>
-              <a:pPr/>
-              <a:t>‹#›</a:t>
             </a:fld>
             <a:endParaRPr lang="zh-CN" altLang="en-US"/>
           </a:p>
@@ -2645,8 +2643,6 @@
           <a:p>
             <a:fld id="{0FA2AFA3-1824-497D-B6B1-0EAC35C03213}" type="datetimeFigureOut">
               <a:rPr lang="zh-CN" altLang="en-US" smtClean="0"/>
-              <a:pPr/>
-              <a:t>2016/10/21</a:t>
             </a:fld>
             <a:endParaRPr lang="zh-CN" altLang="en-US"/>
           </a:p>
@@ -2688,8 +2684,6 @@
           <a:p>
             <a:fld id="{5C0671B8-B2B9-41A5-84A0-04DF2BF0FCA8}" type="slidenum">
               <a:rPr lang="zh-CN" altLang="en-US" smtClean="0"/>
-              <a:pPr/>
-              <a:t>‹#›</a:t>
             </a:fld>
             <a:endParaRPr lang="zh-CN" altLang="en-US"/>
           </a:p>
@@ -2737,8 +2731,6 @@
           <a:p>
             <a:fld id="{0FA2AFA3-1824-497D-B6B1-0EAC35C03213}" type="datetimeFigureOut">
               <a:rPr lang="zh-CN" altLang="en-US" smtClean="0"/>
-              <a:pPr/>
-              <a:t>2016/10/21</a:t>
             </a:fld>
             <a:endParaRPr lang="zh-CN" altLang="en-US"/>
           </a:p>
@@ -2780,8 +2772,6 @@
           <a:p>
             <a:fld id="{5C0671B8-B2B9-41A5-84A0-04DF2BF0FCA8}" type="slidenum">
               <a:rPr lang="zh-CN" altLang="en-US" smtClean="0"/>
-              <a:pPr/>
-              <a:t>‹#›</a:t>
             </a:fld>
             <a:endParaRPr lang="zh-CN" altLang="en-US"/>
           </a:p>
@@ -2897,6 +2887,7 @@
               <a:rPr lang="en-US" altLang="zh-CN" smtClean="0"/>
               <a:t>Click to edit Master text styles</a:t>
             </a:r>
+            <a:endParaRPr lang="en-US" altLang="zh-CN" smtClean="0"/>
           </a:p>
           <a:p>
             <a:pPr lvl="1"/>
@@ -2904,6 +2895,7 @@
               <a:rPr lang="en-US" altLang="zh-CN" smtClean="0"/>
               <a:t>Second level</a:t>
             </a:r>
+            <a:endParaRPr lang="en-US" altLang="zh-CN" smtClean="0"/>
           </a:p>
           <a:p>
             <a:pPr lvl="2"/>
@@ -2911,6 +2903,7 @@
               <a:rPr lang="en-US" altLang="zh-CN" smtClean="0"/>
               <a:t>Third level</a:t>
             </a:r>
+            <a:endParaRPr lang="en-US" altLang="zh-CN" smtClean="0"/>
           </a:p>
           <a:p>
             <a:pPr lvl="3"/>
@@ -2918,6 +2911,7 @@
               <a:rPr lang="en-US" altLang="zh-CN" smtClean="0"/>
               <a:t>Fourth level</a:t>
             </a:r>
+            <a:endParaRPr lang="en-US" altLang="zh-CN" smtClean="0"/>
           </a:p>
           <a:p>
             <a:pPr lvl="4"/>
@@ -2991,6 +2985,7 @@
               <a:rPr lang="en-US" altLang="zh-CN" smtClean="0"/>
               <a:t>Click to edit Master text styles</a:t>
             </a:r>
+            <a:endParaRPr lang="en-US" altLang="zh-CN" smtClean="0"/>
           </a:p>
         </p:txBody>
       </p:sp>
@@ -3011,8 +3006,6 @@
           <a:p>
             <a:fld id="{0FA2AFA3-1824-497D-B6B1-0EAC35C03213}" type="datetimeFigureOut">
               <a:rPr lang="zh-CN" altLang="en-US" smtClean="0"/>
-              <a:pPr/>
-              <a:t>2016/10/21</a:t>
             </a:fld>
             <a:endParaRPr lang="zh-CN" altLang="en-US"/>
           </a:p>
@@ -3054,8 +3047,6 @@
           <a:p>
             <a:fld id="{5C0671B8-B2B9-41A5-84A0-04DF2BF0FCA8}" type="slidenum">
               <a:rPr lang="zh-CN" altLang="en-US" smtClean="0"/>
-              <a:pPr/>
-              <a:t>‹#›</a:t>
             </a:fld>
             <a:endParaRPr lang="zh-CN" altLang="en-US"/>
           </a:p>
@@ -3241,6 +3232,7 @@
               <a:rPr lang="en-US" altLang="zh-CN" smtClean="0"/>
               <a:t>Click to edit Master text styles</a:t>
             </a:r>
+            <a:endParaRPr lang="en-US" altLang="zh-CN" smtClean="0"/>
           </a:p>
         </p:txBody>
       </p:sp>
@@ -3261,8 +3253,6 @@
           <a:p>
             <a:fld id="{0FA2AFA3-1824-497D-B6B1-0EAC35C03213}" type="datetimeFigureOut">
               <a:rPr lang="zh-CN" altLang="en-US" smtClean="0"/>
-              <a:pPr/>
-              <a:t>2016/10/21</a:t>
             </a:fld>
             <a:endParaRPr lang="zh-CN" altLang="en-US"/>
           </a:p>
@@ -3304,8 +3294,6 @@
           <a:p>
             <a:fld id="{5C0671B8-B2B9-41A5-84A0-04DF2BF0FCA8}" type="slidenum">
               <a:rPr lang="zh-CN" altLang="en-US" smtClean="0"/>
-              <a:pPr/>
-              <a:t>‹#›</a:t>
             </a:fld>
             <a:endParaRPr lang="zh-CN" altLang="en-US"/>
           </a:p>
@@ -3404,6 +3392,7 @@
               <a:rPr lang="en-US" altLang="zh-CN" smtClean="0"/>
               <a:t>Click to edit Master text styles</a:t>
             </a:r>
+            <a:endParaRPr lang="en-US" altLang="zh-CN" smtClean="0"/>
           </a:p>
           <a:p>
             <a:pPr lvl="1"/>
@@ -3411,6 +3400,7 @@
               <a:rPr lang="en-US" altLang="zh-CN" smtClean="0"/>
               <a:t>Second level</a:t>
             </a:r>
+            <a:endParaRPr lang="en-US" altLang="zh-CN" smtClean="0"/>
           </a:p>
           <a:p>
             <a:pPr lvl="2"/>
@@ -3418,6 +3408,7 @@
               <a:rPr lang="en-US" altLang="zh-CN" smtClean="0"/>
               <a:t>Third level</a:t>
             </a:r>
+            <a:endParaRPr lang="en-US" altLang="zh-CN" smtClean="0"/>
           </a:p>
           <a:p>
             <a:pPr lvl="3"/>
@@ -3425,6 +3416,7 @@
               <a:rPr lang="en-US" altLang="zh-CN" smtClean="0"/>
               <a:t>Fourth level</a:t>
             </a:r>
+            <a:endParaRPr lang="en-US" altLang="zh-CN" smtClean="0"/>
           </a:p>
           <a:p>
             <a:pPr lvl="4"/>
@@ -3471,8 +3463,6 @@
           <a:p>
             <a:fld id="{0FA2AFA3-1824-497D-B6B1-0EAC35C03213}" type="datetimeFigureOut">
               <a:rPr lang="zh-CN" altLang="en-US" smtClean="0"/>
-              <a:pPr/>
-              <a:t>2016/10/21</a:t>
             </a:fld>
             <a:endParaRPr lang="zh-CN" altLang="en-US"/>
           </a:p>
@@ -3550,8 +3540,6 @@
           <a:p>
             <a:fld id="{5C0671B8-B2B9-41A5-84A0-04DF2BF0FCA8}" type="slidenum">
               <a:rPr lang="zh-CN" altLang="en-US" smtClean="0"/>
-              <a:pPr/>
-              <a:t>‹#›</a:t>
             </a:fld>
             <a:endParaRPr lang="zh-CN" altLang="en-US"/>
           </a:p>
@@ -3852,7 +3840,7 @@
           <p:nvPr/>
         </p:nvPicPr>
         <p:blipFill>
-          <a:blip r:embed="rId3" cstate="print"/>
+          <a:blip r:embed="rId1" cstate="print"/>
           <a:stretch>
             <a:fillRect/>
           </a:stretch>
@@ -3912,6 +3900,14 @@
               </a:rPr>
               <a:t>存储</a:t>
             </a:r>
+            <a:endParaRPr lang="zh-CN" altLang="en-US" dirty="0" smtClean="0">
+              <a:solidFill>
+                <a:srgbClr val="004086"/>
+              </a:solidFill>
+              <a:latin typeface="经典中圆简" pitchFamily="49" charset="-122"/>
+              <a:ea typeface="经典中圆简" pitchFamily="49" charset="-122"/>
+              <a:cs typeface="经典中圆简" pitchFamily="49" charset="-122"/>
+            </a:endParaRPr>
           </a:p>
         </p:txBody>
       </p:sp>
@@ -3998,7 +3994,7 @@
             <p:nvPr/>
           </p:nvPicPr>
           <p:blipFill>
-            <a:blip r:embed="rId4" cstate="print"/>
+            <a:blip r:embed="rId2" cstate="print"/>
             <a:srcRect/>
             <a:stretch>
               <a:fillRect/>
@@ -4387,7 +4383,7 @@
           <p:nvPr/>
         </p:nvPicPr>
         <p:blipFill>
-          <a:blip r:embed="rId2" cstate="print"/>
+          <a:blip r:embed="rId1" cstate="print"/>
           <a:stretch>
             <a:fillRect/>
           </a:stretch>
@@ -4573,7 +4569,7 @@
             <p:nvPr/>
           </p:nvPicPr>
           <p:blipFill>
-            <a:blip r:embed="rId3" cstate="print"/>
+            <a:blip r:embed="rId2" cstate="print"/>
             <a:srcRect/>
             <a:stretch>
               <a:fillRect/>
@@ -4891,7 +4887,7 @@
           <p:nvPr/>
         </p:nvPicPr>
         <p:blipFill>
-          <a:blip r:embed="rId2" cstate="print"/>
+          <a:blip r:embed="rId1" cstate="print"/>
           <a:stretch>
             <a:fillRect/>
           </a:stretch>
@@ -4989,7 +4985,7 @@
             <p:nvPr/>
           </p:nvPicPr>
           <p:blipFill>
-            <a:blip r:embed="rId3" cstate="print"/>
+            <a:blip r:embed="rId2" cstate="print"/>
             <a:srcRect/>
             <a:stretch>
               <a:fillRect/>
@@ -5420,6 +5416,7 @@
               <a:rPr lang="en-US" altLang="zh-CN" sz="1600" dirty="0" smtClean="0"/>
               <a:t>)</a:t>
             </a:r>
+            <a:endParaRPr lang="en-US" altLang="zh-CN" sz="1600" dirty="0" smtClean="0"/>
           </a:p>
         </p:txBody>
       </p:sp>
@@ -5483,7 +5480,7 @@
           <p:nvPr/>
         </p:nvPicPr>
         <p:blipFill>
-          <a:blip r:embed="rId3" cstate="print"/>
+          <a:blip r:embed="rId1" cstate="print"/>
           <a:stretch>
             <a:fillRect/>
           </a:stretch>
@@ -5581,7 +5578,7 @@
             <p:nvPr/>
           </p:nvPicPr>
           <p:blipFill>
-            <a:blip r:embed="rId4" cstate="print"/>
+            <a:blip r:embed="rId2" cstate="print"/>
             <a:srcRect/>
             <a:stretch>
               <a:fillRect/>
@@ -5893,6 +5890,20 @@
               </a:rPr>
               <a:t>cookie</a:t>
             </a:r>
+            <a:endParaRPr kumimoji="0" lang="en-US" altLang="zh-CN" sz="3200" u="none" strike="noStrike" kern="1200" cap="none" spc="0" normalizeH="0" baseline="0" noProof="0" dirty="0" smtClean="0">
+              <a:ln>
+                <a:noFill/>
+              </a:ln>
+              <a:solidFill>
+                <a:srgbClr val="004086"/>
+              </a:solidFill>
+              <a:effectLst/>
+              <a:uLnTx/>
+              <a:uFillTx/>
+              <a:latin typeface="经典中圆简" pitchFamily="49" charset="-122"/>
+              <a:ea typeface="经典中圆简" pitchFamily="49" charset="-122"/>
+              <a:cs typeface="经典中圆简" pitchFamily="49" charset="-122"/>
+            </a:endParaRPr>
           </a:p>
         </p:txBody>
       </p:sp>
@@ -5953,14 +5964,14 @@
           <p:nvPr/>
         </p:nvPicPr>
         <p:blipFill>
-          <a:blip r:embed="rId5" cstate="print"/>
+          <a:blip r:embed="rId3" cstate="print"/>
           <a:stretch>
             <a:fillRect/>
           </a:stretch>
         </p:blipFill>
         <p:spPr>
           <a:xfrm>
-            <a:off x="848360" y="4365625"/>
+            <a:off x="836295" y="1946275"/>
             <a:ext cx="5962015" cy="1600200"/>
           </a:xfrm>
           <a:prstGeom prst="rect">
@@ -5976,7 +5987,7 @@
         </p:nvSpPr>
         <p:spPr>
           <a:xfrm>
-            <a:off x="737870" y="1946275"/>
+            <a:off x="836295" y="3771265"/>
             <a:ext cx="7204075" cy="2288540"/>
           </a:xfrm>
           <a:prstGeom prst="rect">
@@ -5994,6 +6005,7 @@
               <a:rPr lang="zh-CN" altLang="en-US" sz="1600" dirty="0"/>
               <a:t>以下可选的cookie属性值跟在键值对后，定义cookie的设定/更新，跟着一个分号以作分隔：</a:t>
             </a:r>
+            <a:endParaRPr lang="zh-CN" altLang="en-US" sz="1600" dirty="0"/>
           </a:p>
           <a:p>
             <a:pPr marL="285750" indent="-285750">
@@ -6004,6 +6016,7 @@
               <a:rPr lang="zh-CN" altLang="en-US" sz="1600" dirty="0"/>
               <a:t>;path=path (例如 '/', '/mydir') 如果没有定义，默认为当前文档位置的路径。</a:t>
             </a:r>
+            <a:endParaRPr lang="zh-CN" altLang="en-US" sz="1600" dirty="0"/>
           </a:p>
           <a:p>
             <a:pPr marL="285750" indent="-285750">
@@ -6014,6 +6027,7 @@
               <a:rPr lang="zh-CN" altLang="en-US" sz="1600" dirty="0"/>
               <a:t>;domain=domain (例如 'example.com'， '.example.com' (包括所有子域名), 'subdomain.example.com') 如果没有定义，默认为当前文档位置的路径的域名部分。</a:t>
             </a:r>
+            <a:endParaRPr lang="zh-CN" altLang="en-US" sz="1600" dirty="0"/>
           </a:p>
           <a:p>
             <a:pPr marL="285750" indent="-285750">
@@ -6024,6 +6038,7 @@
               <a:rPr lang="zh-CN" altLang="en-US" sz="1600" dirty="0"/>
               <a:t>;max-age=max-age-in-seconds (例如一年为60*60*24*365)</a:t>
             </a:r>
+            <a:endParaRPr lang="zh-CN" altLang="en-US" sz="1600" dirty="0"/>
           </a:p>
           <a:p>
             <a:pPr marL="285750" indent="-285750">
@@ -6034,6 +6049,7 @@
               <a:rPr lang="zh-CN" altLang="en-US" sz="1600" dirty="0"/>
               <a:t>;expires=date-in-GMTString-format 如果没有定义，cookie会在对话结束时过期</a:t>
             </a:r>
+            <a:endParaRPr lang="zh-CN" altLang="en-US" sz="1600" dirty="0"/>
           </a:p>
           <a:p>
             <a:pPr marL="285750" indent="-285750">
@@ -6044,6 +6060,7 @@
               <a:rPr lang="zh-CN" altLang="en-US" sz="1600" dirty="0"/>
               <a:t>;secure (cookie只通过https协议传输)</a:t>
             </a:r>
+            <a:endParaRPr lang="zh-CN" altLang="en-US" sz="1600" dirty="0"/>
           </a:p>
         </p:txBody>
       </p:sp>
@@ -6315,6 +6332,7 @@
               <a:rPr lang="zh-CN" altLang="en-US" sz="1600" dirty="0" smtClean="0"/>
               <a:t>同样的功能，但是在浏览器关闭，然后重新打开后数据仍然存在。</a:t>
             </a:r>
+            <a:endParaRPr lang="zh-CN" altLang="en-US" sz="1600" dirty="0" smtClean="0"/>
           </a:p>
         </p:txBody>
       </p:sp>
@@ -6411,7 +6429,7 @@
           </p:nvPr>
         </p:nvPicPr>
         <p:blipFill>
-          <a:blip r:embed="rId3" cstate="print"/>
+          <a:blip r:embed="rId1" cstate="print"/>
           <a:srcRect/>
           <a:stretch>
             <a:fillRect/>
@@ -6494,7 +6512,7 @@
           <p:nvPr/>
         </p:nvPicPr>
         <p:blipFill>
-          <a:blip r:embed="rId2" cstate="print"/>
+          <a:blip r:embed="rId1" cstate="print"/>
           <a:stretch>
             <a:fillRect/>
           </a:stretch>
@@ -6592,7 +6610,7 @@
             <p:nvPr/>
           </p:nvPicPr>
           <p:blipFill>
-            <a:blip r:embed="rId3" cstate="print"/>
+            <a:blip r:embed="rId2" cstate="print"/>
             <a:srcRect/>
             <a:stretch>
               <a:fillRect/>
@@ -8807,7 +8825,7 @@
           <p:nvPr/>
         </p:nvPicPr>
         <p:blipFill>
-          <a:blip r:embed="rId2" cstate="print"/>
+          <a:blip r:embed="rId1" cstate="print"/>
           <a:stretch>
             <a:fillRect/>
           </a:stretch>
@@ -9100,7 +9118,7 @@
             <p:nvPr/>
           </p:nvPicPr>
           <p:blipFill>
-            <a:blip r:embed="rId3" cstate="print"/>
+            <a:blip r:embed="rId2" cstate="print"/>
             <a:srcRect/>
             <a:stretch>
               <a:fillRect/>
@@ -9537,7 +9555,7 @@
           <p:nvPr/>
         </p:nvPicPr>
         <p:blipFill>
-          <a:blip r:embed="rId2" cstate="print"/>
+          <a:blip r:embed="rId1" cstate="print"/>
           <a:stretch>
             <a:fillRect/>
           </a:stretch>
@@ -9872,7 +9890,7 @@
             <p:nvPr/>
           </p:nvPicPr>
           <p:blipFill>
-            <a:blip r:embed="rId3" cstate="print"/>
+            <a:blip r:embed="rId2" cstate="print"/>
             <a:srcRect/>
             <a:stretch>
               <a:fillRect/>
@@ -10201,6 +10219,20 @@
               </a:rPr>
               <a:t>文件</a:t>
             </a:r>
+            <a:endParaRPr kumimoji="0" lang="zh-CN" altLang="en-US" sz="3200" u="none" strike="noStrike" kern="1200" cap="none" spc="0" normalizeH="0" baseline="0" noProof="0" dirty="0" smtClean="0">
+              <a:ln>
+                <a:noFill/>
+              </a:ln>
+              <a:solidFill>
+                <a:srgbClr val="004086"/>
+              </a:solidFill>
+              <a:effectLst/>
+              <a:uLnTx/>
+              <a:uFillTx/>
+              <a:latin typeface="经典中圆简" pitchFamily="49" charset="-122"/>
+              <a:ea typeface="经典中圆简" pitchFamily="49" charset="-122"/>
+              <a:cs typeface="经典中圆简" pitchFamily="49" charset="-122"/>
+            </a:endParaRPr>
           </a:p>
         </p:txBody>
       </p:sp>
@@ -10261,7 +10293,7 @@
           <p:nvPr/>
         </p:nvPicPr>
         <p:blipFill>
-          <a:blip r:embed="rId4" cstate="print"/>
+          <a:blip r:embed="rId3" cstate="print"/>
           <a:srcRect/>
           <a:stretch>
             <a:fillRect/>
@@ -10344,7 +10376,7 @@
           <p:nvPr/>
         </p:nvPicPr>
         <p:blipFill>
-          <a:blip r:embed="rId3" cstate="print"/>
+          <a:blip r:embed="rId1" cstate="print"/>
           <a:stretch>
             <a:fillRect/>
           </a:stretch>
@@ -10442,7 +10474,7 @@
             <p:nvPr/>
           </p:nvPicPr>
           <p:blipFill>
-            <a:blip r:embed="rId4" cstate="print"/>
+            <a:blip r:embed="rId2" cstate="print"/>
             <a:srcRect/>
             <a:stretch>
               <a:fillRect/>
@@ -10914,14 +10946,6 @@
               <a:rPr lang="zh-CN" altLang="en-US" sz="1600" dirty="0" smtClean="0"/>
               <a:t>提供了丰富的查询能力，使我们的应用在在线和离线时都可以正常工作。</a:t>
             </a:r>
-            <a:r>
-              <a:rPr lang="en-US" altLang="zh-CN" sz="1600" b="1" noProof="0" dirty="0" smtClean="0">
-                <a:latin typeface="经典中圆简" pitchFamily="49" charset="-122"/>
-                <a:ea typeface="经典中圆简" pitchFamily="49" charset="-122"/>
-                <a:cs typeface="经典中圆简" pitchFamily="49" charset="-122"/>
-              </a:rPr>
-              <a:t/>
-            </a:r>
             <a:br>
               <a:rPr lang="en-US" altLang="zh-CN" sz="1600" b="1" noProof="0" dirty="0" smtClean="0">
                 <a:latin typeface="经典中圆简" pitchFamily="49" charset="-122"/>
@@ -11061,7 +11085,7 @@
           <p:nvPr/>
         </p:nvPicPr>
         <p:blipFill>
-          <a:blip r:embed="rId2" cstate="print"/>
+          <a:blip r:embed="rId1" cstate="print"/>
           <a:stretch>
             <a:fillRect/>
           </a:stretch>
@@ -11159,7 +11183,7 @@
             <p:nvPr/>
           </p:nvPicPr>
           <p:blipFill>
-            <a:blip r:embed="rId3" cstate="print"/>
+            <a:blip r:embed="rId2" cstate="print"/>
             <a:srcRect/>
             <a:stretch>
               <a:fillRect/>
@@ -11488,6 +11512,20 @@
               </a:rPr>
               <a:t>数据库索引</a:t>
             </a:r>
+            <a:endParaRPr kumimoji="0" lang="zh-CN" altLang="en-US" sz="3200" u="none" strike="noStrike" kern="1200" cap="none" spc="0" normalizeH="0" baseline="0" noProof="0" dirty="0" smtClean="0">
+              <a:ln>
+                <a:noFill/>
+              </a:ln>
+              <a:solidFill>
+                <a:srgbClr val="004086"/>
+              </a:solidFill>
+              <a:effectLst/>
+              <a:uLnTx/>
+              <a:uFillTx/>
+              <a:latin typeface="经典中圆简" pitchFamily="49" charset="-122"/>
+              <a:ea typeface="经典中圆简" pitchFamily="49" charset="-122"/>
+              <a:cs typeface="经典中圆简" pitchFamily="49" charset="-122"/>
+            </a:endParaRPr>
           </a:p>
         </p:txBody>
       </p:sp>
@@ -11525,6 +11563,7 @@
               <a:rPr lang="zh-CN" altLang="en-US" sz="1600" dirty="0" smtClean="0"/>
               <a:t>创建索引</a:t>
             </a:r>
+            <a:endParaRPr lang="zh-CN" altLang="en-US" sz="1600" dirty="0" smtClean="0"/>
           </a:p>
           <a:p>
             <a:pPr marL="342900" indent="-342900">
@@ -11535,6 +11574,7 @@
               <a:rPr lang="zh-CN" altLang="en-US" sz="1600" dirty="0" smtClean="0"/>
               <a:t>利用索引获取数据</a:t>
             </a:r>
+            <a:endParaRPr lang="zh-CN" altLang="en-US" sz="1600" dirty="0" smtClean="0"/>
           </a:p>
           <a:p>
             <a:pPr marL="342900" indent="-342900">
@@ -11545,6 +11585,7 @@
               <a:rPr lang="zh-CN" altLang="en-US" sz="1600" dirty="0" smtClean="0"/>
               <a:t>游标</a:t>
             </a:r>
+            <a:endParaRPr lang="zh-CN" altLang="en-US" sz="1600" dirty="0" smtClean="0"/>
           </a:p>
           <a:p>
             <a:pPr marL="342900" indent="-342900">
@@ -11559,6 +11600,7 @@
               <a:rPr lang="zh-CN" altLang="en-US" sz="1600" dirty="0" smtClean="0"/>
               <a:t>与游标结合</a:t>
             </a:r>
+            <a:endParaRPr lang="zh-CN" altLang="en-US" sz="1600" dirty="0" smtClean="0"/>
           </a:p>
         </p:txBody>
       </p:sp>
@@ -11859,7 +11901,7 @@
   <a:extraClrSchemeLst/>
   <a:extLst>
     <a:ext uri="{05A4C25C-085E-4340-85A3-A5531E510DB2}">
-      <thm15:themeFamily xmlns:thm15="http://schemas.microsoft.com/office/thememl/2012/main" xmlns="" name="Office Theme" id="{62F939B6-93AF-4DB8-9C6B-D6C7DFDC589F}" vid="{4A3C46E8-61CC-4603-A589-7422A47A8E4A}"/>
+      <thm15:themeFamily xmlns:thm15="http://schemas.microsoft.com/office/thememl/2012/main" name="Office Theme" id="{62F939B6-93AF-4DB8-9C6B-D6C7DFDC589F}" vid="{4A3C46E8-61CC-4603-A589-7422A47A8E4A}"/>
     </a:ext>
   </a:extLst>
 </a:theme>
@@ -12147,7 +12189,7 @@
   <a:extraClrSchemeLst/>
   <a:extLst>
     <a:ext uri="{05A4C25C-085E-4340-85A3-A5531E510DB2}">
-      <thm15:themeFamily xmlns:thm15="http://schemas.microsoft.com/office/thememl/2012/main" xmlns="" name="Office Theme" id="{62F939B6-93AF-4DB8-9C6B-D6C7DFDC589F}" vid="{4A3C46E8-61CC-4603-A589-7422A47A8E4A}"/>
+      <thm15:themeFamily xmlns:thm15="http://schemas.microsoft.com/office/thememl/2012/main" name="Office Theme" id="{62F939B6-93AF-4DB8-9C6B-D6C7DFDC589F}" vid="{4A3C46E8-61CC-4603-A589-7422A47A8E4A}"/>
     </a:ext>
   </a:extLst>
 </a:theme>
